--- a/授業資料/講義資料：CSVファイル.pptx
+++ b/授業資料/講義資料：CSVファイル.pptx
@@ -261,7 +261,7 @@
           <a:p>
             <a:fld id="{5B96D3F8-CD2E-4A0D-AC38-517181EABB18}" type="datetimeFigureOut">
               <a:rPr kumimoji="1" lang="ja-JP" altLang="en-US" smtClean="0"/>
-              <a:t>2024/10/25</a:t>
+              <a:t>2024/10/28</a:t>
             </a:fld>
             <a:endParaRPr kumimoji="1" lang="ja-JP" altLang="en-US"/>
           </a:p>
@@ -463,7 +463,7 @@
           <a:p>
             <a:fld id="{5B96D3F8-CD2E-4A0D-AC38-517181EABB18}" type="datetimeFigureOut">
               <a:rPr kumimoji="1" lang="ja-JP" altLang="en-US" smtClean="0"/>
-              <a:t>2024/10/25</a:t>
+              <a:t>2024/10/28</a:t>
             </a:fld>
             <a:endParaRPr kumimoji="1" lang="ja-JP" altLang="en-US"/>
           </a:p>
@@ -675,7 +675,7 @@
           <a:p>
             <a:fld id="{5B96D3F8-CD2E-4A0D-AC38-517181EABB18}" type="datetimeFigureOut">
               <a:rPr kumimoji="1" lang="ja-JP" altLang="en-US" smtClean="0"/>
-              <a:t>2024/10/25</a:t>
+              <a:t>2024/10/28</a:t>
             </a:fld>
             <a:endParaRPr kumimoji="1" lang="ja-JP" altLang="en-US"/>
           </a:p>
@@ -877,7 +877,7 @@
           <a:p>
             <a:fld id="{5B96D3F8-CD2E-4A0D-AC38-517181EABB18}" type="datetimeFigureOut">
               <a:rPr kumimoji="1" lang="ja-JP" altLang="en-US" smtClean="0"/>
-              <a:t>2024/10/25</a:t>
+              <a:t>2024/10/28</a:t>
             </a:fld>
             <a:endParaRPr kumimoji="1" lang="ja-JP" altLang="en-US"/>
           </a:p>
@@ -1123,7 +1123,7 @@
           <a:p>
             <a:fld id="{5B96D3F8-CD2E-4A0D-AC38-517181EABB18}" type="datetimeFigureOut">
               <a:rPr kumimoji="1" lang="ja-JP" altLang="en-US" smtClean="0"/>
-              <a:t>2024/10/25</a:t>
+              <a:t>2024/10/28</a:t>
             </a:fld>
             <a:endParaRPr kumimoji="1" lang="ja-JP" altLang="en-US"/>
           </a:p>
@@ -1419,7 +1419,7 @@
           <a:p>
             <a:fld id="{5B96D3F8-CD2E-4A0D-AC38-517181EABB18}" type="datetimeFigureOut">
               <a:rPr kumimoji="1" lang="ja-JP" altLang="en-US" smtClean="0"/>
-              <a:t>2024/10/25</a:t>
+              <a:t>2024/10/28</a:t>
             </a:fld>
             <a:endParaRPr kumimoji="1" lang="ja-JP" altLang="en-US"/>
           </a:p>
@@ -1850,7 +1850,7 @@
           <a:p>
             <a:fld id="{5B96D3F8-CD2E-4A0D-AC38-517181EABB18}" type="datetimeFigureOut">
               <a:rPr kumimoji="1" lang="ja-JP" altLang="en-US" smtClean="0"/>
-              <a:t>2024/10/25</a:t>
+              <a:t>2024/10/28</a:t>
             </a:fld>
             <a:endParaRPr kumimoji="1" lang="ja-JP" altLang="en-US"/>
           </a:p>
@@ -1968,7 +1968,7 @@
           <a:p>
             <a:fld id="{5B96D3F8-CD2E-4A0D-AC38-517181EABB18}" type="datetimeFigureOut">
               <a:rPr kumimoji="1" lang="ja-JP" altLang="en-US" smtClean="0"/>
-              <a:t>2024/10/25</a:t>
+              <a:t>2024/10/28</a:t>
             </a:fld>
             <a:endParaRPr kumimoji="1" lang="ja-JP" altLang="en-US"/>
           </a:p>
@@ -2063,7 +2063,7 @@
           <a:p>
             <a:fld id="{5B96D3F8-CD2E-4A0D-AC38-517181EABB18}" type="datetimeFigureOut">
               <a:rPr kumimoji="1" lang="ja-JP" altLang="en-US" smtClean="0"/>
-              <a:t>2024/10/25</a:t>
+              <a:t>2024/10/28</a:t>
             </a:fld>
             <a:endParaRPr kumimoji="1" lang="ja-JP" altLang="en-US"/>
           </a:p>
@@ -2372,7 +2372,7 @@
           <a:p>
             <a:fld id="{5B96D3F8-CD2E-4A0D-AC38-517181EABB18}" type="datetimeFigureOut">
               <a:rPr kumimoji="1" lang="ja-JP" altLang="en-US" smtClean="0"/>
-              <a:t>2024/10/25</a:t>
+              <a:t>2024/10/28</a:t>
             </a:fld>
             <a:endParaRPr kumimoji="1" lang="ja-JP" altLang="en-US"/>
           </a:p>
@@ -2629,7 +2629,7 @@
           <a:p>
             <a:fld id="{5B96D3F8-CD2E-4A0D-AC38-517181EABB18}" type="datetimeFigureOut">
               <a:rPr kumimoji="1" lang="ja-JP" altLang="en-US" smtClean="0"/>
-              <a:t>2024/10/25</a:t>
+              <a:t>2024/10/28</a:t>
             </a:fld>
             <a:endParaRPr kumimoji="1" lang="ja-JP" altLang="en-US"/>
           </a:p>
@@ -2874,7 +2874,7 @@
           <a:p>
             <a:fld id="{5B96D3F8-CD2E-4A0D-AC38-517181EABB18}" type="datetimeFigureOut">
               <a:rPr kumimoji="1" lang="ja-JP" altLang="en-US" smtClean="0"/>
-              <a:t>2024/10/25</a:t>
+              <a:t>2024/10/28</a:t>
             </a:fld>
             <a:endParaRPr kumimoji="1" lang="ja-JP" altLang="en-US"/>
           </a:p>
@@ -16393,11 +16393,7 @@
             </a:br>
             <a:r>
               <a:rPr lang="ja-JP" altLang="en-US" dirty="0"/>
-              <a:t>インスタンス生成時に</a:t>
-            </a:r>
-            <a:r>
-              <a:rPr lang="ja-JP" altLang="en-US"/>
-              <a:t>ファイルを開く</a:t>
+              <a:t>インスタンス生成時にファイルを開く</a:t>
             </a:r>
             <a:br>
               <a:rPr lang="en-US" altLang="ja-JP" dirty="0"/>
@@ -16466,13 +16462,13 @@
             <a:br>
               <a:rPr lang="en-US" altLang="ja-JP" dirty="0"/>
             </a:br>
-            <a:r>
-              <a:rPr lang="ja-JP" altLang="en-US" dirty="0"/>
-              <a:t>例）</a:t>
-            </a:r>
             <a:br>
               <a:rPr lang="en-US" altLang="ja-JP" dirty="0"/>
             </a:br>
+            <a:r>
+              <a:rPr lang="ja-JP" altLang="en-US" dirty="0"/>
+              <a:t>例）</a:t>
+            </a:r>
             <a:r>
               <a:rPr lang="en-US" altLang="ja-JP" dirty="0"/>
               <a:t>std::</a:t>
@@ -16598,7 +16594,7 @@
         <p:spPr/>
         <p:txBody>
           <a:bodyPr>
-            <a:normAutofit lnSpcReduction="10000"/>
+            <a:normAutofit/>
           </a:bodyPr>
           <a:lstStyle/>
           <a:p>
@@ -16719,40 +16715,41 @@
               <a:rPr lang="ja-JP" altLang="en-US" dirty="0"/>
               <a:t>例）</a:t>
             </a:r>
+            <a:r>
+              <a:rPr lang="en-US" altLang="ja-JP" dirty="0"/>
+              <a:t>std::</a:t>
+            </a:r>
+            <a:r>
+              <a:rPr lang="en-US" altLang="ja-JP" dirty="0" err="1">
+                <a:solidFill>
+                  <a:srgbClr val="FF0000"/>
+                </a:solidFill>
+              </a:rPr>
+              <a:t>ifstream</a:t>
+            </a:r>
+            <a:r>
+              <a:rPr lang="en-US" altLang="ja-JP" dirty="0"/>
+              <a:t> </a:t>
+            </a:r>
+            <a:r>
+              <a:rPr lang="en-US" altLang="ja-JP" dirty="0">
+                <a:solidFill>
+                  <a:srgbClr val="00B0F0"/>
+                </a:solidFill>
+              </a:rPr>
+              <a:t>ifs</a:t>
+            </a:r>
+            <a:r>
+              <a:rPr lang="en-US" altLang="ja-JP" dirty="0"/>
+              <a:t>;</a:t>
+            </a:r>
             <a:br>
               <a:rPr lang="en-US" altLang="ja-JP" dirty="0"/>
             </a:br>
             <a:r>
-              <a:rPr lang="en-US" altLang="ja-JP" dirty="0"/>
-              <a:t>std::</a:t>
-            </a:r>
-            <a:r>
-              <a:rPr lang="en-US" altLang="ja-JP" dirty="0" err="1">
-                <a:solidFill>
-                  <a:srgbClr val="FF0000"/>
-                </a:solidFill>
-              </a:rPr>
-              <a:t>ifstream</a:t>
-            </a:r>
-            <a:r>
-              <a:rPr lang="en-US" altLang="ja-JP" dirty="0"/>
-              <a:t> </a:t>
-            </a:r>
-            <a:r>
-              <a:rPr lang="en-US" altLang="ja-JP" dirty="0">
-                <a:solidFill>
-                  <a:srgbClr val="00B0F0"/>
-                </a:solidFill>
-              </a:rPr>
-              <a:t>ifs</a:t>
-            </a:r>
-            <a:r>
-              <a:rPr lang="en-US" altLang="ja-JP" dirty="0"/>
-              <a:t>;</a:t>
-            </a:r>
-            <a:br>
-              <a:rPr lang="en-US" altLang="ja-JP" dirty="0"/>
-            </a:br>
+              <a:rPr lang="ja-JP" altLang="en-US" dirty="0"/>
+              <a:t>　　</a:t>
+            </a:r>
             <a:r>
               <a:rPr lang="en-US" altLang="ja-JP" dirty="0" err="1">
                 <a:solidFill>

--- a/授業資料/講義資料：CSVファイル.pptx
+++ b/授業資料/講義資料：CSVファイル.pptx
@@ -42,11 +42,10 @@
     <p:sldId id="389" r:id="rId36"/>
     <p:sldId id="390" r:id="rId37"/>
     <p:sldId id="391" r:id="rId38"/>
-    <p:sldId id="392" r:id="rId39"/>
-    <p:sldId id="393" r:id="rId40"/>
-    <p:sldId id="394" r:id="rId41"/>
-    <p:sldId id="395" r:id="rId42"/>
-    <p:sldId id="349" r:id="rId43"/>
+    <p:sldId id="393" r:id="rId39"/>
+    <p:sldId id="394" r:id="rId40"/>
+    <p:sldId id="395" r:id="rId41"/>
+    <p:sldId id="349" r:id="rId42"/>
   </p:sldIdLst>
   <p:sldSz cx="12192000" cy="6858000"/>
   <p:notesSz cx="6858000" cy="9144000"/>
@@ -284,7 +283,7 @@
           <a:p>
             <a:fld id="{5B96D3F8-CD2E-4A0D-AC38-517181EABB18}" type="datetimeFigureOut">
               <a:rPr kumimoji="1" lang="ja-JP" altLang="en-US" smtClean="0"/>
-              <a:t>2024/10/29</a:t>
+              <a:t>2024/10/30</a:t>
             </a:fld>
             <a:endParaRPr kumimoji="1" lang="ja-JP" altLang="en-US"/>
           </a:p>
@@ -486,7 +485,7 @@
           <a:p>
             <a:fld id="{5B96D3F8-CD2E-4A0D-AC38-517181EABB18}" type="datetimeFigureOut">
               <a:rPr kumimoji="1" lang="ja-JP" altLang="en-US" smtClean="0"/>
-              <a:t>2024/10/29</a:t>
+              <a:t>2024/10/30</a:t>
             </a:fld>
             <a:endParaRPr kumimoji="1" lang="ja-JP" altLang="en-US"/>
           </a:p>
@@ -698,7 +697,7 @@
           <a:p>
             <a:fld id="{5B96D3F8-CD2E-4A0D-AC38-517181EABB18}" type="datetimeFigureOut">
               <a:rPr kumimoji="1" lang="ja-JP" altLang="en-US" smtClean="0"/>
-              <a:t>2024/10/29</a:t>
+              <a:t>2024/10/30</a:t>
             </a:fld>
             <a:endParaRPr kumimoji="1" lang="ja-JP" altLang="en-US"/>
           </a:p>
@@ -900,7 +899,7 @@
           <a:p>
             <a:fld id="{5B96D3F8-CD2E-4A0D-AC38-517181EABB18}" type="datetimeFigureOut">
               <a:rPr kumimoji="1" lang="ja-JP" altLang="en-US" smtClean="0"/>
-              <a:t>2024/10/29</a:t>
+              <a:t>2024/10/30</a:t>
             </a:fld>
             <a:endParaRPr kumimoji="1" lang="ja-JP" altLang="en-US"/>
           </a:p>
@@ -1146,7 +1145,7 @@
           <a:p>
             <a:fld id="{5B96D3F8-CD2E-4A0D-AC38-517181EABB18}" type="datetimeFigureOut">
               <a:rPr kumimoji="1" lang="ja-JP" altLang="en-US" smtClean="0"/>
-              <a:t>2024/10/29</a:t>
+              <a:t>2024/10/30</a:t>
             </a:fld>
             <a:endParaRPr kumimoji="1" lang="ja-JP" altLang="en-US"/>
           </a:p>
@@ -1442,7 +1441,7 @@
           <a:p>
             <a:fld id="{5B96D3F8-CD2E-4A0D-AC38-517181EABB18}" type="datetimeFigureOut">
               <a:rPr kumimoji="1" lang="ja-JP" altLang="en-US" smtClean="0"/>
-              <a:t>2024/10/29</a:t>
+              <a:t>2024/10/30</a:t>
             </a:fld>
             <a:endParaRPr kumimoji="1" lang="ja-JP" altLang="en-US"/>
           </a:p>
@@ -1873,7 +1872,7 @@
           <a:p>
             <a:fld id="{5B96D3F8-CD2E-4A0D-AC38-517181EABB18}" type="datetimeFigureOut">
               <a:rPr kumimoji="1" lang="ja-JP" altLang="en-US" smtClean="0"/>
-              <a:t>2024/10/29</a:t>
+              <a:t>2024/10/30</a:t>
             </a:fld>
             <a:endParaRPr kumimoji="1" lang="ja-JP" altLang="en-US"/>
           </a:p>
@@ -1991,7 +1990,7 @@
           <a:p>
             <a:fld id="{5B96D3F8-CD2E-4A0D-AC38-517181EABB18}" type="datetimeFigureOut">
               <a:rPr kumimoji="1" lang="ja-JP" altLang="en-US" smtClean="0"/>
-              <a:t>2024/10/29</a:t>
+              <a:t>2024/10/30</a:t>
             </a:fld>
             <a:endParaRPr kumimoji="1" lang="ja-JP" altLang="en-US"/>
           </a:p>
@@ -2086,7 +2085,7 @@
           <a:p>
             <a:fld id="{5B96D3F8-CD2E-4A0D-AC38-517181EABB18}" type="datetimeFigureOut">
               <a:rPr kumimoji="1" lang="ja-JP" altLang="en-US" smtClean="0"/>
-              <a:t>2024/10/29</a:t>
+              <a:t>2024/10/30</a:t>
             </a:fld>
             <a:endParaRPr kumimoji="1" lang="ja-JP" altLang="en-US"/>
           </a:p>
@@ -2395,7 +2394,7 @@
           <a:p>
             <a:fld id="{5B96D3F8-CD2E-4A0D-AC38-517181EABB18}" type="datetimeFigureOut">
               <a:rPr kumimoji="1" lang="ja-JP" altLang="en-US" smtClean="0"/>
-              <a:t>2024/10/29</a:t>
+              <a:t>2024/10/30</a:t>
             </a:fld>
             <a:endParaRPr kumimoji="1" lang="ja-JP" altLang="en-US"/>
           </a:p>
@@ -2652,7 +2651,7 @@
           <a:p>
             <a:fld id="{5B96D3F8-CD2E-4A0D-AC38-517181EABB18}" type="datetimeFigureOut">
               <a:rPr kumimoji="1" lang="ja-JP" altLang="en-US" smtClean="0"/>
-              <a:t>2024/10/29</a:t>
+              <a:t>2024/10/30</a:t>
             </a:fld>
             <a:endParaRPr kumimoji="1" lang="ja-JP" altLang="en-US"/>
           </a:p>
@@ -2897,7 +2896,7 @@
           <a:p>
             <a:fld id="{5B96D3F8-CD2E-4A0D-AC38-517181EABB18}" type="datetimeFigureOut">
               <a:rPr kumimoji="1" lang="ja-JP" altLang="en-US" smtClean="0"/>
-              <a:t>2024/10/29</a:t>
+              <a:t>2024/10/30</a:t>
             </a:fld>
             <a:endParaRPr kumimoji="1" lang="ja-JP" altLang="en-US"/>
           </a:p>
@@ -28399,7 +28398,7 @@
         <p:spPr>
           <a:xfrm>
             <a:off x="859277" y="1097394"/>
-            <a:ext cx="10688220" cy="3785652"/>
+            <a:ext cx="10688220" cy="5016758"/>
           </a:xfrm>
           <a:prstGeom prst="rect">
             <a:avLst/>
@@ -28898,6 +28897,221 @@
             <a:r>
               <a:rPr lang="en-US" altLang="ja-JP" sz="2000" dirty="0">
                 <a:solidFill>
+                  <a:srgbClr val="00B050"/>
+                </a:solidFill>
+                <a:ea typeface="ＭＳ ゴシック" panose="020B0609070205080204" pitchFamily="49" charset="-128"/>
+              </a:rPr>
+              <a:t>//for</a:t>
+            </a:r>
+            <a:r>
+              <a:rPr lang="ja-JP" altLang="en-US" sz="2000" dirty="0">
+                <a:solidFill>
+                  <a:srgbClr val="00B050"/>
+                </a:solidFill>
+                <a:ea typeface="ＭＳ ゴシック" panose="020B0609070205080204" pitchFamily="49" charset="-128"/>
+              </a:rPr>
+              <a:t> </a:t>
+            </a:r>
+            <a:r>
+              <a:rPr lang="en-US" altLang="ja-JP" sz="2000" dirty="0">
+                <a:solidFill>
+                  <a:srgbClr val="00B050"/>
+                </a:solidFill>
+                <a:ea typeface="ＭＳ ゴシック" panose="020B0609070205080204" pitchFamily="49" charset="-128"/>
+              </a:rPr>
+              <a:t>(auto</a:t>
+            </a:r>
+            <a:r>
+              <a:rPr lang="ja-JP" altLang="en-US" sz="2000" dirty="0">
+                <a:solidFill>
+                  <a:srgbClr val="00B050"/>
+                </a:solidFill>
+                <a:ea typeface="ＭＳ ゴシック" panose="020B0609070205080204" pitchFamily="49" charset="-128"/>
+              </a:rPr>
+              <a:t> </a:t>
+            </a:r>
+            <a:r>
+              <a:rPr lang="en-US" altLang="ja-JP" sz="2000" dirty="0">
+                <a:solidFill>
+                  <a:srgbClr val="00B050"/>
+                </a:solidFill>
+                <a:ea typeface="ＭＳ ゴシック" panose="020B0609070205080204" pitchFamily="49" charset="-128"/>
+              </a:rPr>
+              <a:t>p</a:t>
+            </a:r>
+            <a:r>
+              <a:rPr lang="ja-JP" altLang="en-US" sz="2000" dirty="0">
+                <a:solidFill>
+                  <a:srgbClr val="00B050"/>
+                </a:solidFill>
+                <a:ea typeface="ＭＳ ゴシック" panose="020B0609070205080204" pitchFamily="49" charset="-128"/>
+              </a:rPr>
+              <a:t> </a:t>
+            </a:r>
+            <a:r>
+              <a:rPr lang="en-US" altLang="ja-JP" sz="2000" dirty="0">
+                <a:solidFill>
+                  <a:srgbClr val="00B050"/>
+                </a:solidFill>
+                <a:ea typeface="ＭＳ ゴシック" panose="020B0609070205080204" pitchFamily="49" charset="-128"/>
+              </a:rPr>
+              <a:t>:</a:t>
+            </a:r>
+            <a:r>
+              <a:rPr lang="ja-JP" altLang="en-US" sz="2000" dirty="0">
+                <a:solidFill>
+                  <a:srgbClr val="00B050"/>
+                </a:solidFill>
+                <a:ea typeface="ＭＳ ゴシック" panose="020B0609070205080204" pitchFamily="49" charset="-128"/>
+              </a:rPr>
+              <a:t> </a:t>
+            </a:r>
+            <a:r>
+              <a:rPr lang="en-US" altLang="ja-JP" sz="2000" dirty="0">
+                <a:solidFill>
+                  <a:srgbClr val="00B050"/>
+                </a:solidFill>
+                <a:ea typeface="ＭＳ ゴシック" panose="020B0609070205080204" pitchFamily="49" charset="-128"/>
+              </a:rPr>
+              <a:t>score){</a:t>
+            </a:r>
+          </a:p>
+          <a:p>
+            <a:r>
+              <a:rPr lang="en-US" altLang="ja-JP" sz="2000" dirty="0">
+                <a:solidFill>
+                  <a:srgbClr val="00B050"/>
+                </a:solidFill>
+                <a:ea typeface="ＭＳ ゴシック" panose="020B0609070205080204" pitchFamily="49" charset="-128"/>
+              </a:rPr>
+              <a:t>   //    </a:t>
+            </a:r>
+            <a:r>
+              <a:rPr lang="en-US" altLang="ja-JP" sz="2000" dirty="0" err="1">
+                <a:solidFill>
+                  <a:srgbClr val="00B050"/>
+                </a:solidFill>
+                <a:ea typeface="ＭＳ ゴシック" panose="020B0609070205080204" pitchFamily="49" charset="-128"/>
+              </a:rPr>
+              <a:t>cout</a:t>
+            </a:r>
+            <a:r>
+              <a:rPr lang="en-US" altLang="ja-JP" sz="2000" dirty="0">
+                <a:solidFill>
+                  <a:srgbClr val="00B050"/>
+                </a:solidFill>
+                <a:ea typeface="ＭＳ ゴシック" panose="020B0609070205080204" pitchFamily="49" charset="-128"/>
+              </a:rPr>
+              <a:t> &lt;&lt; “Key:” &lt;&lt; </a:t>
+            </a:r>
+            <a:r>
+              <a:rPr lang="en-US" altLang="ja-JP" sz="2000" dirty="0" err="1">
+                <a:solidFill>
+                  <a:srgbClr val="00B050"/>
+                </a:solidFill>
+                <a:ea typeface="ＭＳ ゴシック" panose="020B0609070205080204" pitchFamily="49" charset="-128"/>
+              </a:rPr>
+              <a:t>p.first</a:t>
+            </a:r>
+            <a:r>
+              <a:rPr lang="en-US" altLang="ja-JP" sz="2000" dirty="0">
+                <a:solidFill>
+                  <a:srgbClr val="00B050"/>
+                </a:solidFill>
+                <a:ea typeface="ＭＳ ゴシック" panose="020B0609070205080204" pitchFamily="49" charset="-128"/>
+              </a:rPr>
+              <a:t> </a:t>
+            </a:r>
+            <a:br>
+              <a:rPr lang="en-US" altLang="ja-JP" sz="2000" dirty="0">
+                <a:solidFill>
+                  <a:srgbClr val="00B050"/>
+                </a:solidFill>
+                <a:ea typeface="ＭＳ ゴシック" panose="020B0609070205080204" pitchFamily="49" charset="-128"/>
+              </a:rPr>
+            </a:br>
+            <a:r>
+              <a:rPr lang="en-US" altLang="ja-JP" sz="2000" dirty="0">
+                <a:solidFill>
+                  <a:srgbClr val="00B050"/>
+                </a:solidFill>
+                <a:ea typeface="ＭＳ ゴシック" panose="020B0609070205080204" pitchFamily="49" charset="-128"/>
+              </a:rPr>
+              <a:t>   //         &lt;&lt; “ Value:” &lt;&lt; </a:t>
+            </a:r>
+            <a:r>
+              <a:rPr lang="en-US" altLang="ja-JP" sz="2000" dirty="0" err="1">
+                <a:solidFill>
+                  <a:srgbClr val="00B050"/>
+                </a:solidFill>
+                <a:ea typeface="ＭＳ ゴシック" panose="020B0609070205080204" pitchFamily="49" charset="-128"/>
+              </a:rPr>
+              <a:t>p.second</a:t>
+            </a:r>
+            <a:r>
+              <a:rPr lang="en-US" altLang="ja-JP" sz="2000" dirty="0">
+                <a:solidFill>
+                  <a:srgbClr val="00B050"/>
+                </a:solidFill>
+                <a:ea typeface="ＭＳ ゴシック" panose="020B0609070205080204" pitchFamily="49" charset="-128"/>
+              </a:rPr>
+              <a:t> &lt;&lt; </a:t>
+            </a:r>
+            <a:r>
+              <a:rPr lang="en-US" altLang="ja-JP" sz="2000" dirty="0" err="1">
+                <a:solidFill>
+                  <a:srgbClr val="00B050"/>
+                </a:solidFill>
+                <a:ea typeface="ＭＳ ゴシック" panose="020B0609070205080204" pitchFamily="49" charset="-128"/>
+              </a:rPr>
+              <a:t>endl</a:t>
+            </a:r>
+            <a:r>
+              <a:rPr lang="en-US" altLang="ja-JP" sz="2000" dirty="0">
+                <a:solidFill>
+                  <a:srgbClr val="00B050"/>
+                </a:solidFill>
+                <a:ea typeface="ＭＳ ゴシック" panose="020B0609070205080204" pitchFamily="49" charset="-128"/>
+              </a:rPr>
+              <a:t>;</a:t>
+            </a:r>
+            <a:br>
+              <a:rPr lang="en-US" altLang="ja-JP" sz="2000" dirty="0">
+                <a:solidFill>
+                  <a:srgbClr val="00B050"/>
+                </a:solidFill>
+                <a:ea typeface="ＭＳ ゴシック" panose="020B0609070205080204" pitchFamily="49" charset="-128"/>
+              </a:rPr>
+            </a:br>
+            <a:r>
+              <a:rPr lang="en-US" altLang="ja-JP" sz="2000" dirty="0">
+                <a:solidFill>
+                  <a:srgbClr val="00B050"/>
+                </a:solidFill>
+                <a:ea typeface="ＭＳ ゴシック" panose="020B0609070205080204" pitchFamily="49" charset="-128"/>
+              </a:rPr>
+              <a:t>   //}</a:t>
+            </a:r>
+            <a:br>
+              <a:rPr lang="en-US" altLang="ja-JP" sz="2000" dirty="0">
+                <a:solidFill>
+                  <a:srgbClr val="00B050"/>
+                </a:solidFill>
+                <a:ea typeface="ＭＳ ゴシック" panose="020B0609070205080204" pitchFamily="49" charset="-128"/>
+              </a:rPr>
+            </a:br>
+            <a:r>
+              <a:rPr lang="ja-JP" altLang="en-US" sz="2000" dirty="0">
+                <a:solidFill>
+                  <a:srgbClr val="000000"/>
+                </a:solidFill>
+                <a:ea typeface="ＭＳ ゴシック" panose="020B0609070205080204" pitchFamily="49" charset="-128"/>
+              </a:rPr>
+              <a:t>   </a:t>
+            </a:r>
+            <a:r>
+              <a:rPr lang="en-US" altLang="ja-JP" sz="2000" dirty="0">
+                <a:solidFill>
                   <a:srgbClr val="000000"/>
                 </a:solidFill>
                 <a:ea typeface="ＭＳ ゴシック" panose="020B0609070205080204" pitchFamily="49" charset="-128"/>
@@ -28920,7 +29134,7 @@
                 </a:solidFill>
                 <a:ea typeface="ＭＳ ゴシック" panose="020B0609070205080204" pitchFamily="49" charset="-128"/>
               </a:rPr>
-              <a:t>(auto</a:t>
+              <a:t>(const auto&amp;</a:t>
             </a:r>
             <a:r>
               <a:rPr lang="ja-JP" altLang="en-US" sz="2000" dirty="0">
@@ -28934,16 +29148,16 @@
             <a:r>
               <a:rPr lang="en-US" altLang="ja-JP" sz="2000" dirty="0">
                 <a:solidFill>
-                  <a:srgbClr val="000000"/>
-                </a:solidFill>
-                <a:ea typeface="ＭＳ ゴシック" panose="020B0609070205080204" pitchFamily="49" charset="-128"/>
-              </a:rPr>
-              <a:t>p</a:t>
+                  <a:srgbClr val="FF0000"/>
+                </a:solidFill>
+                <a:ea typeface="ＭＳ ゴシック" panose="020B0609070205080204" pitchFamily="49" charset="-128"/>
+              </a:rPr>
+              <a:t>[key, value]</a:t>
             </a:r>
             <a:r>
               <a:rPr lang="ja-JP" altLang="en-US" sz="2000" dirty="0">
                 <a:solidFill>
-                  <a:srgbClr val="000000"/>
+                  <a:srgbClr val="FF0000"/>
                 </a:solidFill>
                 <a:ea typeface="ＭＳ ゴシック" panose="020B0609070205080204" pitchFamily="49" charset="-128"/>
               </a:rPr>
@@ -29003,34 +29217,33 @@
                 </a:solidFill>
                 <a:ea typeface="ＭＳ ゴシック" panose="020B0609070205080204" pitchFamily="49" charset="-128"/>
               </a:rPr>
-              <a:t> &lt;&lt; “Key:” </a:t>
-            </a:r>
-            <a:r>
-              <a:rPr lang="ja-JP" altLang="en-US" sz="2000" dirty="0">
-                <a:solidFill>
-                  <a:srgbClr val="000000"/>
-                </a:solidFill>
-                <a:ea typeface="ＭＳ ゴシック" panose="020B0609070205080204" pitchFamily="49" charset="-128"/>
-              </a:rPr>
-              <a:t>   </a:t>
-            </a:r>
-            <a:r>
-              <a:rPr lang="en-US" altLang="ja-JP" sz="2000" dirty="0">
-                <a:solidFill>
-                  <a:srgbClr val="000000"/>
-                </a:solidFill>
-                <a:ea typeface="ＭＳ ゴシック" panose="020B0609070205080204" pitchFamily="49" charset="-128"/>
-              </a:rPr>
-              <a:t>&lt;&lt; </a:t>
-            </a:r>
-            <a:r>
-              <a:rPr lang="en-US" altLang="ja-JP" sz="2000" dirty="0" err="1">
+              <a:t> &lt;&lt; “Key:” &lt;&lt; </a:t>
+            </a:r>
+            <a:r>
+              <a:rPr lang="en-US" altLang="ja-JP" sz="2000" dirty="0">
                 <a:solidFill>
                   <a:srgbClr val="FF0000"/>
                 </a:solidFill>
                 <a:ea typeface="ＭＳ ゴシック" panose="020B0609070205080204" pitchFamily="49" charset="-128"/>
               </a:rPr>
-              <a:t>p.first</a:t>
+              <a:t>key </a:t>
+            </a:r>
+            <a:br>
+              <a:rPr lang="en-US" altLang="ja-JP" sz="2000" dirty="0">
+                <a:solidFill>
+                  <a:srgbClr val="000000"/>
+                </a:solidFill>
+                <a:ea typeface="ＭＳ ゴシック" panose="020B0609070205080204" pitchFamily="49" charset="-128"/>
+              </a:rPr>
+            </a:br>
+            <a:r>
+              <a:rPr lang="en-US" altLang="ja-JP" sz="2000" dirty="0">
+                <a:solidFill>
+                  <a:srgbClr val="000000"/>
+                </a:solidFill>
+                <a:ea typeface="ＭＳ ゴシック" panose="020B0609070205080204" pitchFamily="49" charset="-128"/>
+              </a:rPr>
+              <a:t>            &lt;&lt; “ Value:” &lt;&lt; </a:t>
             </a:r>
             <a:r>
               <a:rPr lang="en-US" altLang="ja-JP" sz="2000" dirty="0">
@@ -29039,42 +29252,7 @@
                 </a:solidFill>
                 <a:ea typeface="ＭＳ ゴシック" panose="020B0609070205080204" pitchFamily="49" charset="-128"/>
               </a:rPr>
-              <a:t> </a:t>
-            </a:r>
-            <a:br>
-              <a:rPr lang="en-US" altLang="ja-JP" sz="2000" dirty="0">
-                <a:solidFill>
-                  <a:srgbClr val="000000"/>
-                </a:solidFill>
-                <a:ea typeface="ＭＳ ゴシック" panose="020B0609070205080204" pitchFamily="49" charset="-128"/>
-              </a:rPr>
-            </a:br>
-            <a:r>
-              <a:rPr lang="en-US" altLang="ja-JP" sz="2000" dirty="0">
-                <a:solidFill>
-                  <a:srgbClr val="000000"/>
-                </a:solidFill>
-                <a:ea typeface="ＭＳ ゴシック" panose="020B0609070205080204" pitchFamily="49" charset="-128"/>
-              </a:rPr>
-              <a:t>            &lt;&lt; “ Value:” &lt;&lt; </a:t>
-            </a:r>
-            <a:r>
-              <a:rPr lang="en-US" altLang="ja-JP" sz="2000" dirty="0" err="1">
-                <a:solidFill>
-                  <a:srgbClr val="FF0000"/>
-                </a:solidFill>
-                <a:ea typeface="ＭＳ ゴシック" panose="020B0609070205080204" pitchFamily="49" charset="-128"/>
-              </a:rPr>
-              <a:t>p.second</a:t>
-            </a:r>
-            <a:r>
-              <a:rPr lang="en-US" altLang="ja-JP" sz="2000" dirty="0">
-                <a:solidFill>
-                  <a:srgbClr val="FF0000"/>
-                </a:solidFill>
-                <a:ea typeface="ＭＳ ゴシック" panose="020B0609070205080204" pitchFamily="49" charset="-128"/>
-              </a:rPr>
-              <a:t> </a:t>
+              <a:t>value </a:t>
             </a:r>
             <a:r>
               <a:rPr lang="en-US" altLang="ja-JP" sz="2000" dirty="0">
@@ -29137,7 +29315,7 @@
         </p:nvSpPr>
         <p:spPr>
           <a:xfrm>
-            <a:off x="666917" y="3593328"/>
+            <a:off x="666917" y="4830455"/>
             <a:ext cx="426396" cy="282102"/>
           </a:xfrm>
           <a:prstGeom prst="rightArrow">
@@ -29186,8 +29364,8 @@
         </p:nvSpPr>
         <p:spPr>
           <a:xfrm>
-            <a:off x="3861512" y="4865003"/>
-            <a:ext cx="6048451" cy="461665"/>
+            <a:off x="2807109" y="3273358"/>
+            <a:ext cx="5990743" cy="1200329"/>
           </a:xfrm>
           <a:prstGeom prst="rect">
             <a:avLst/>
@@ -29208,28 +29386,118 @@
           <a:lstStyle/>
           <a:p>
             <a:r>
+              <a:rPr kumimoji="1" lang="en-US" altLang="ja-JP" sz="2400" dirty="0"/>
+              <a:t>C++17</a:t>
+            </a:r>
+            <a:r>
+              <a:rPr kumimoji="1" lang="ja-JP" altLang="en-US" sz="2400" dirty="0"/>
+              <a:t>からできるようになった記述方法</a:t>
+            </a:r>
+            <a:br>
+              <a:rPr kumimoji="1" lang="en-US" altLang="ja-JP" sz="2400" dirty="0">
+                <a:solidFill>
+                  <a:srgbClr val="00B050"/>
+                </a:solidFill>
+              </a:rPr>
+            </a:br>
+            <a:r>
               <a:rPr kumimoji="1" lang="ja-JP" altLang="en-US" sz="2400" dirty="0">
                 <a:solidFill>
                   <a:srgbClr val="00B050"/>
                 </a:solidFill>
               </a:rPr>
-              <a:t>イテレータのかわりに範囲</a:t>
+              <a:t>  </a:t>
             </a:r>
             <a:r>
               <a:rPr kumimoji="1" lang="en-US" altLang="ja-JP" sz="2400" dirty="0">
                 <a:solidFill>
+                  <a:srgbClr val="0070C0"/>
+                </a:solidFill>
+              </a:rPr>
+              <a:t>cl</a:t>
+            </a:r>
+            <a:r>
+              <a:rPr kumimoji="1" lang="ja-JP" altLang="en-US" sz="2400" dirty="0">
+                <a:solidFill>
+                  <a:srgbClr val="0070C0"/>
+                </a:solidFill>
+              </a:rPr>
+              <a:t> </a:t>
+            </a:r>
+            <a:r>
+              <a:rPr kumimoji="1" lang="en-US" altLang="ja-JP" sz="2400" dirty="0">
+                <a:solidFill>
+                  <a:srgbClr val="0070C0"/>
+                </a:solidFill>
+              </a:rPr>
+              <a:t>/</a:t>
+            </a:r>
+            <a:r>
+              <a:rPr kumimoji="1" lang="en-US" altLang="ja-JP" sz="2400" dirty="0" err="1">
+                <a:solidFill>
+                  <a:srgbClr val="0070C0"/>
+                </a:solidFill>
+              </a:rPr>
+              <a:t>EHsc</a:t>
+            </a:r>
+            <a:r>
+              <a:rPr kumimoji="1" lang="ja-JP" altLang="en-US" sz="2400" dirty="0">
+                <a:solidFill>
+                  <a:srgbClr val="0070C0"/>
+                </a:solidFill>
+              </a:rPr>
+              <a:t> </a:t>
+            </a:r>
+            <a:r>
+              <a:rPr kumimoji="1" lang="en-US" altLang="ja-JP" sz="2400" dirty="0">
+                <a:solidFill>
+                  <a:srgbClr val="FF0000"/>
+                </a:solidFill>
+              </a:rPr>
+              <a:t>/</a:t>
+            </a:r>
+            <a:r>
+              <a:rPr kumimoji="1" lang="en-US" altLang="ja-JP" sz="2400" dirty="0" err="1">
+                <a:solidFill>
+                  <a:srgbClr val="FF0000"/>
+                </a:solidFill>
+              </a:rPr>
+              <a:t>std:c</a:t>
+            </a:r>
+            <a:r>
+              <a:rPr kumimoji="1" lang="en-US" altLang="ja-JP" sz="2400" dirty="0">
+                <a:solidFill>
+                  <a:srgbClr val="FF0000"/>
+                </a:solidFill>
+              </a:rPr>
+              <a:t>++17</a:t>
+            </a:r>
+            <a:r>
+              <a:rPr kumimoji="1" lang="ja-JP" altLang="en-US" sz="2400" dirty="0">
+                <a:solidFill>
                   <a:srgbClr val="00B050"/>
                 </a:solidFill>
               </a:rPr>
-              <a:t>for</a:t>
-            </a:r>
-            <a:r>
-              <a:rPr kumimoji="1" lang="ja-JP" altLang="en-US" sz="2400" dirty="0">
+              <a:t> </a:t>
+            </a:r>
+            <a:r>
+              <a:rPr kumimoji="1" lang="en-US" altLang="ja-JP" sz="2400" dirty="0">
+                <a:solidFill>
+                  <a:srgbClr val="0070C0"/>
+                </a:solidFill>
+              </a:rPr>
+              <a:t>main.cpp</a:t>
+            </a:r>
+            <a:br>
+              <a:rPr kumimoji="1" lang="en-US" altLang="ja-JP" sz="2400" dirty="0">
                 <a:solidFill>
                   <a:srgbClr val="00B050"/>
                 </a:solidFill>
               </a:rPr>
-              <a:t>でも記述可能</a:t>
+            </a:br>
+            <a:r>
+              <a:rPr kumimoji="1" lang="ja-JP" altLang="en-US" sz="2400" dirty="0"/>
+              <a:t>でコンパイルが可能</a:t>
             </a:r>
           </a:p>
         </p:txBody>
@@ -29248,7 +29516,7 @@
         </p:nvSpPr>
         <p:spPr>
           <a:xfrm>
-            <a:off x="666917" y="3905152"/>
+            <a:off x="666917" y="5142279"/>
             <a:ext cx="426396" cy="282102"/>
           </a:xfrm>
           <a:prstGeom prst="rightArrow">
@@ -29297,7 +29565,7 @@
         </p:nvSpPr>
         <p:spPr>
           <a:xfrm>
-            <a:off x="666917" y="4229163"/>
+            <a:off x="666917" y="5466290"/>
             <a:ext cx="426396" cy="282102"/>
           </a:xfrm>
           <a:prstGeom prst="rightArrow">
@@ -29346,7 +29614,7 @@
         </p:nvSpPr>
         <p:spPr>
           <a:xfrm>
-            <a:off x="666917" y="4541645"/>
+            <a:off x="666917" y="5778772"/>
             <a:ext cx="426396" cy="282102"/>
           </a:xfrm>
           <a:prstGeom prst="rightArrow">
@@ -29384,7 +29652,7 @@
     </p:spTree>
     <p:extLst>
       <p:ext uri="{BB962C8B-B14F-4D97-AF65-F5344CB8AC3E}">
-        <p14:creationId xmlns:p14="http://schemas.microsoft.com/office/powerpoint/2010/main" val="2522052101"/>
+        <p14:creationId xmlns:p14="http://schemas.microsoft.com/office/powerpoint/2010/main" val="3358248320"/>
       </p:ext>
     </p:extLst>
   </p:cSld>
@@ -29476,25 +29744,8 @@
             </a:pPr>
             <a:r>
               <a:rPr kumimoji="1" lang="en-US" altLang="ja-JP" dirty="0"/>
-              <a:t>                main.cpp</a:t>
-            </a:r>
-            <a:r>
-              <a:rPr kumimoji="1" lang="ja-JP" altLang="en-US" dirty="0"/>
-              <a:t>　</a:t>
-            </a:r>
-            <a:r>
-              <a:rPr kumimoji="1" lang="en-US" altLang="ja-JP" dirty="0"/>
-              <a:t>(Sample608)</a:t>
-            </a:r>
-            <a:br>
-              <a:rPr lang="en-US" altLang="ja-JP" dirty="0"/>
-            </a:br>
-            <a:endParaRPr lang="en-US" altLang="ja-JP" dirty="0"/>
-          </a:p>
-          <a:p>
-            <a:pPr marL="0" indent="0">
-              <a:buNone/>
-            </a:pPr>
+              <a:t>                </a:t>
+            </a:r>
             <a:br>
               <a:rPr lang="en-US" altLang="ja-JP" dirty="0"/>
             </a:br>
@@ -29541,8 +29792,8 @@
         </p:nvSpPr>
         <p:spPr>
           <a:xfrm>
-            <a:off x="859277" y="1097394"/>
-            <a:ext cx="10688220" cy="5016758"/>
+            <a:off x="838200" y="1128173"/>
+            <a:ext cx="11134927" cy="4647426"/>
           </a:xfrm>
           <a:prstGeom prst="rect">
             <a:avLst/>
@@ -29560,946 +29811,469 @@
           </a:bodyPr>
           <a:lstStyle/>
           <a:p>
-            <a:br>
-              <a:rPr lang="en-US" altLang="ja-JP" sz="2000" dirty="0">
-                <a:solidFill>
-                  <a:srgbClr val="000000"/>
-                </a:solidFill>
-                <a:ea typeface="ＭＳ ゴシック" panose="020B0609070205080204" pitchFamily="49" charset="-128"/>
-              </a:rPr>
-            </a:br>
-            <a:br>
-              <a:rPr lang="en-US" altLang="ja-JP" sz="2000" dirty="0">
-                <a:solidFill>
-                  <a:srgbClr val="000000"/>
-                </a:solidFill>
-                <a:ea typeface="ＭＳ ゴシック" panose="020B0609070205080204" pitchFamily="49" charset="-128"/>
-              </a:rPr>
-            </a:br>
-            <a:r>
-              <a:rPr lang="en-US" altLang="ja-JP" sz="2000" dirty="0">
-                <a:solidFill>
-                  <a:srgbClr val="000000"/>
-                </a:solidFill>
-                <a:ea typeface="ＭＳ ゴシック" panose="020B0609070205080204" pitchFamily="49" charset="-128"/>
-              </a:rPr>
-              <a:t>	</a:t>
-            </a:r>
-            <a:r>
-              <a:rPr lang="en-US" altLang="ja-JP" sz="2000" dirty="0" err="1">
-                <a:ea typeface="ＭＳ ゴシック" panose="020B0609070205080204" pitchFamily="49" charset="-128"/>
-              </a:rPr>
-              <a:t>cout</a:t>
-            </a:r>
-            <a:r>
-              <a:rPr lang="en-US" altLang="ja-JP" sz="2000" dirty="0">
-                <a:ea typeface="ＭＳ ゴシック" panose="020B0609070205080204" pitchFamily="49" charset="-128"/>
-              </a:rPr>
-              <a:t> &lt;&lt; "Tom</a:t>
-            </a:r>
-            <a:r>
-              <a:rPr lang="ja-JP" altLang="en-US" sz="2000" dirty="0">
-                <a:latin typeface="+mn-ea"/>
-              </a:rPr>
-              <a:t>の点数は</a:t>
-            </a:r>
-            <a:r>
-              <a:rPr lang="en-US" altLang="ja-JP" sz="2000" dirty="0">
-                <a:ea typeface="ＭＳ ゴシック" panose="020B0609070205080204" pitchFamily="49" charset="-128"/>
-              </a:rPr>
-              <a:t>"</a:t>
-            </a:r>
-            <a:r>
-              <a:rPr lang="ja-JP" altLang="en-US" sz="2000" dirty="0">
-                <a:ea typeface="ＭＳ ゴシック" panose="020B0609070205080204" pitchFamily="49" charset="-128"/>
-              </a:rPr>
-              <a:t> </a:t>
-            </a:r>
-            <a:r>
-              <a:rPr lang="en-US" altLang="ja-JP" sz="2000" dirty="0">
-                <a:ea typeface="ＭＳ ゴシック" panose="020B0609070205080204" pitchFamily="49" charset="-128"/>
-              </a:rPr>
-              <a:t>&lt;&lt;</a:t>
-            </a:r>
-            <a:r>
-              <a:rPr lang="ja-JP" altLang="en-US" sz="2000" dirty="0">
-                <a:ea typeface="ＭＳ ゴシック" panose="020B0609070205080204" pitchFamily="49" charset="-128"/>
-              </a:rPr>
-              <a:t> </a:t>
-            </a:r>
-            <a:r>
-              <a:rPr lang="en-US" altLang="ja-JP" sz="2000" dirty="0">
-                <a:ea typeface="ＭＳ ゴシック" panose="020B0609070205080204" pitchFamily="49" charset="-128"/>
-              </a:rPr>
-              <a:t>score["Tom"] &lt;&lt; "</a:t>
-            </a:r>
-            <a:r>
-              <a:rPr lang="ja-JP" altLang="en-US" sz="2000" dirty="0">
-                <a:latin typeface="+mn-ea"/>
-              </a:rPr>
-              <a:t>点</a:t>
-            </a:r>
-            <a:r>
-              <a:rPr lang="en-US" altLang="ja-JP" sz="2000" dirty="0">
-                <a:ea typeface="ＭＳ ゴシック" panose="020B0609070205080204" pitchFamily="49" charset="-128"/>
-              </a:rPr>
-              <a:t>"</a:t>
-            </a:r>
-            <a:r>
-              <a:rPr lang="ja-JP" altLang="en-US" sz="2000" dirty="0">
-                <a:ea typeface="ＭＳ ゴシック" panose="020B0609070205080204" pitchFamily="49" charset="-128"/>
-              </a:rPr>
-              <a:t> </a:t>
-            </a:r>
-            <a:r>
-              <a:rPr lang="en-US" altLang="ja-JP" sz="2000" dirty="0">
-                <a:ea typeface="ＭＳ ゴシック" panose="020B0609070205080204" pitchFamily="49" charset="-128"/>
-              </a:rPr>
-              <a:t>&lt;&lt;</a:t>
-            </a:r>
-            <a:r>
-              <a:rPr lang="ja-JP" altLang="en-US" sz="2000" dirty="0">
-                <a:ea typeface="ＭＳ ゴシック" panose="020B0609070205080204" pitchFamily="49" charset="-128"/>
-              </a:rPr>
-              <a:t> </a:t>
-            </a:r>
-            <a:r>
-              <a:rPr lang="en-US" altLang="ja-JP" sz="2000" dirty="0" err="1">
-                <a:ea typeface="ＭＳ ゴシック" panose="020B0609070205080204" pitchFamily="49" charset="-128"/>
-              </a:rPr>
-              <a:t>endl</a:t>
-            </a:r>
-            <a:r>
-              <a:rPr lang="en-US" altLang="ja-JP" sz="2000" dirty="0">
-                <a:ea typeface="ＭＳ ゴシック" panose="020B0609070205080204" pitchFamily="49" charset="-128"/>
-              </a:rPr>
-              <a:t>;</a:t>
-            </a:r>
-          </a:p>
-          <a:p>
-            <a:r>
-              <a:rPr lang="en-US" altLang="ja-JP" sz="2000" dirty="0">
-                <a:ea typeface="ＭＳ ゴシック" panose="020B0609070205080204" pitchFamily="49" charset="-128"/>
-              </a:rPr>
-              <a:t>	</a:t>
-            </a:r>
-            <a:r>
-              <a:rPr lang="en-US" altLang="ja-JP" sz="2000" dirty="0" err="1">
-                <a:ea typeface="ＭＳ ゴシック" panose="020B0609070205080204" pitchFamily="49" charset="-128"/>
-              </a:rPr>
-              <a:t>cout</a:t>
-            </a:r>
-            <a:r>
-              <a:rPr lang="en-US" altLang="ja-JP" sz="2000" dirty="0">
-                <a:ea typeface="ＭＳ ゴシック" panose="020B0609070205080204" pitchFamily="49" charset="-128"/>
-              </a:rPr>
-              <a:t> &lt;&lt; “Bob</a:t>
-            </a:r>
-            <a:r>
-              <a:rPr lang="ja-JP" altLang="en-US" sz="2000" dirty="0">
-                <a:latin typeface="+mn-ea"/>
-              </a:rPr>
-              <a:t>の点数は</a:t>
-            </a:r>
-            <a:r>
-              <a:rPr lang="en-US" altLang="ja-JP" sz="2000" dirty="0">
-                <a:ea typeface="ＭＳ ゴシック" panose="020B0609070205080204" pitchFamily="49" charset="-128"/>
-              </a:rPr>
-              <a:t>”</a:t>
-            </a:r>
-            <a:r>
-              <a:rPr lang="ja-JP" altLang="en-US" sz="2000" dirty="0">
-                <a:ea typeface="ＭＳ ゴシック" panose="020B0609070205080204" pitchFamily="49" charset="-128"/>
-              </a:rPr>
-              <a:t> </a:t>
-            </a:r>
-            <a:r>
-              <a:rPr lang="en-US" altLang="ja-JP" sz="2000" dirty="0">
-                <a:ea typeface="ＭＳ ゴシック" panose="020B0609070205080204" pitchFamily="49" charset="-128"/>
-              </a:rPr>
-              <a:t>&lt;&lt;</a:t>
-            </a:r>
-            <a:r>
-              <a:rPr lang="ja-JP" altLang="en-US" sz="2000" dirty="0">
-                <a:ea typeface="ＭＳ ゴシック" panose="020B0609070205080204" pitchFamily="49" charset="-128"/>
-              </a:rPr>
-              <a:t> </a:t>
-            </a:r>
-            <a:r>
-              <a:rPr lang="en-US" altLang="ja-JP" sz="2000" dirty="0">
-                <a:ea typeface="ＭＳ ゴシック" panose="020B0609070205080204" pitchFamily="49" charset="-128"/>
-              </a:rPr>
-              <a:t>score[“Bob”] &lt;&lt; “</a:t>
-            </a:r>
-            <a:r>
-              <a:rPr lang="ja-JP" altLang="en-US" sz="2000" dirty="0">
-                <a:latin typeface="+mn-ea"/>
-              </a:rPr>
-              <a:t>点</a:t>
-            </a:r>
-            <a:r>
-              <a:rPr lang="en-US" altLang="ja-JP" sz="2000" dirty="0">
-                <a:ea typeface="ＭＳ ゴシック" panose="020B0609070205080204" pitchFamily="49" charset="-128"/>
-              </a:rPr>
-              <a:t>”</a:t>
-            </a:r>
-            <a:r>
-              <a:rPr lang="ja-JP" altLang="en-US" sz="2000" dirty="0">
-                <a:ea typeface="ＭＳ ゴシック" panose="020B0609070205080204" pitchFamily="49" charset="-128"/>
-              </a:rPr>
-              <a:t> </a:t>
-            </a:r>
-            <a:r>
-              <a:rPr lang="en-US" altLang="ja-JP" sz="2000" dirty="0">
-                <a:ea typeface="ＭＳ ゴシック" panose="020B0609070205080204" pitchFamily="49" charset="-128"/>
-              </a:rPr>
-              <a:t>&lt;&lt;</a:t>
-            </a:r>
-            <a:r>
-              <a:rPr lang="ja-JP" altLang="en-US" sz="2000" dirty="0">
-                <a:ea typeface="ＭＳ ゴシック" panose="020B0609070205080204" pitchFamily="49" charset="-128"/>
-              </a:rPr>
-              <a:t> </a:t>
-            </a:r>
-            <a:r>
-              <a:rPr lang="en-US" altLang="ja-JP" sz="2000" dirty="0" err="1">
-                <a:ea typeface="ＭＳ ゴシック" panose="020B0609070205080204" pitchFamily="49" charset="-128"/>
-              </a:rPr>
-              <a:t>endl</a:t>
-            </a:r>
-            <a:r>
-              <a:rPr lang="en-US" altLang="ja-JP" sz="2000" dirty="0">
-                <a:ea typeface="ＭＳ ゴシック" panose="020B0609070205080204" pitchFamily="49" charset="-128"/>
-              </a:rPr>
-              <a:t>;</a:t>
-            </a:r>
-            <a:br>
-              <a:rPr lang="en-US" altLang="ja-JP" sz="2000" dirty="0">
-                <a:ea typeface="ＭＳ ゴシック" panose="020B0609070205080204" pitchFamily="49" charset="-128"/>
-              </a:rPr>
-            </a:br>
-            <a:r>
-              <a:rPr lang="ja-JP" altLang="en-US" sz="2000" dirty="0">
+            <a:r>
+              <a:rPr lang="en-US" altLang="ja-JP" sz="3200" dirty="0">
+                <a:ea typeface="ＭＳ ゴシック" panose="020B0609070205080204" pitchFamily="49" charset="-128"/>
+              </a:rPr>
+              <a:t>【map</a:t>
+            </a:r>
+            <a:r>
+              <a:rPr lang="ja-JP" altLang="en-US" sz="3200" dirty="0">
+                <a:ea typeface="ＭＳ ゴシック" panose="020B0609070205080204" pitchFamily="49" charset="-128"/>
+              </a:rPr>
+              <a:t>クラスの例</a:t>
+            </a:r>
+            <a:r>
+              <a:rPr lang="en-US" altLang="ja-JP" sz="3200" dirty="0">
+                <a:ea typeface="ＭＳ ゴシック" panose="020B0609070205080204" pitchFamily="49" charset="-128"/>
+              </a:rPr>
+              <a:t>】</a:t>
+            </a:r>
+            <a:br>
+              <a:rPr lang="en-US" altLang="ja-JP" sz="2400" dirty="0">
+                <a:ea typeface="ＭＳ ゴシック" panose="020B0609070205080204" pitchFamily="49" charset="-128"/>
+              </a:rPr>
+            </a:br>
+            <a:r>
+              <a:rPr lang="en-US" altLang="ja-JP" sz="2400" dirty="0">
+                <a:ea typeface="ＭＳ ゴシック" panose="020B0609070205080204" pitchFamily="49" charset="-128"/>
+              </a:rPr>
+              <a:t>map&lt;</a:t>
+            </a:r>
+            <a:r>
+              <a:rPr lang="en-US" altLang="ja-JP" sz="2400" dirty="0">
+                <a:solidFill>
+                  <a:schemeClr val="accent2">
+                    <a:lumMod val="75000"/>
+                  </a:schemeClr>
+                </a:solidFill>
+                <a:ea typeface="ＭＳ ゴシック" panose="020B0609070205080204" pitchFamily="49" charset="-128"/>
+              </a:rPr>
+              <a:t>string</a:t>
+            </a:r>
+            <a:r>
+              <a:rPr lang="en-US" altLang="ja-JP" sz="2400" dirty="0">
+                <a:ea typeface="ＭＳ ゴシック" panose="020B0609070205080204" pitchFamily="49" charset="-128"/>
+              </a:rPr>
+              <a:t>, </a:t>
+            </a:r>
+            <a:r>
+              <a:rPr lang="en-US" altLang="ja-JP" sz="2400" dirty="0">
                 <a:solidFill>
                   <a:srgbClr val="00B050"/>
                 </a:solidFill>
                 <a:ea typeface="ＭＳ ゴシック" panose="020B0609070205080204" pitchFamily="49" charset="-128"/>
               </a:rPr>
-              <a:t>   </a:t>
-            </a:r>
-            <a:r>
-              <a:rPr lang="en-US" altLang="ja-JP" sz="2000" dirty="0">
+              <a:t>string</a:t>
+            </a:r>
+            <a:r>
+              <a:rPr lang="en-US" altLang="ja-JP" sz="2400" dirty="0">
+                <a:ea typeface="ＭＳ ゴシック" panose="020B0609070205080204" pitchFamily="49" charset="-128"/>
+              </a:rPr>
+              <a:t>&gt; </a:t>
+            </a:r>
+            <a:br>
+              <a:rPr lang="en-US" altLang="ja-JP" sz="2400" dirty="0">
+                <a:ea typeface="ＭＳ ゴシック" panose="020B0609070205080204" pitchFamily="49" charset="-128"/>
+              </a:rPr>
+            </a:br>
+            <a:r>
+              <a:rPr lang="en-US" altLang="ja-JP" sz="2400" dirty="0">
+                <a:ea typeface="ＭＳ ゴシック" panose="020B0609070205080204" pitchFamily="49" charset="-128"/>
+              </a:rPr>
+              <a:t>    email{ {“</a:t>
+            </a:r>
+            <a:r>
+              <a:rPr lang="en-US" altLang="ja-JP" sz="2400" dirty="0">
+                <a:solidFill>
+                  <a:schemeClr val="accent2">
+                    <a:lumMod val="75000"/>
+                  </a:schemeClr>
+                </a:solidFill>
+                <a:ea typeface="ＭＳ ゴシック" panose="020B0609070205080204" pitchFamily="49" charset="-128"/>
+              </a:rPr>
+              <a:t>kd1234567@st.kobedenshi.ac.jp</a:t>
+            </a:r>
+            <a:r>
+              <a:rPr lang="en-US" altLang="ja-JP" sz="2400" dirty="0">
+                <a:ea typeface="ＭＳ ゴシック" panose="020B0609070205080204" pitchFamily="49" charset="-128"/>
+              </a:rPr>
+              <a:t>”,”</a:t>
+            </a:r>
+            <a:r>
+              <a:rPr lang="ja-JP" altLang="en-US" sz="2400" dirty="0">
                 <a:solidFill>
                   <a:srgbClr val="00B050"/>
                 </a:solidFill>
                 <a:ea typeface="ＭＳ ゴシック" panose="020B0609070205080204" pitchFamily="49" charset="-128"/>
               </a:rPr>
-              <a:t>//for</a:t>
-            </a:r>
-            <a:r>
-              <a:rPr lang="ja-JP" altLang="en-US" sz="2000" dirty="0">
+              <a:t>青木一郎</a:t>
+            </a:r>
+            <a:r>
+              <a:rPr lang="en-US" altLang="ja-JP" sz="2400" dirty="0">
+                <a:ea typeface="ＭＳ ゴシック" panose="020B0609070205080204" pitchFamily="49" charset="-128"/>
+              </a:rPr>
+              <a:t>”},</a:t>
+            </a:r>
+            <a:br>
+              <a:rPr lang="en-US" altLang="ja-JP" sz="2400" dirty="0">
+                <a:ea typeface="ＭＳ ゴシック" panose="020B0609070205080204" pitchFamily="49" charset="-128"/>
+              </a:rPr>
+            </a:br>
+            <a:r>
+              <a:rPr lang="en-US" altLang="ja-JP" sz="2400" dirty="0">
+                <a:ea typeface="ＭＳ ゴシック" panose="020B0609070205080204" pitchFamily="49" charset="-128"/>
+              </a:rPr>
+              <a:t>           {“</a:t>
+            </a:r>
+            <a:r>
+              <a:rPr lang="en-US" altLang="ja-JP" sz="2400" dirty="0">
+                <a:solidFill>
+                  <a:schemeClr val="accent2">
+                    <a:lumMod val="75000"/>
+                  </a:schemeClr>
+                </a:solidFill>
+                <a:ea typeface="ＭＳ ゴシック" panose="020B0609070205080204" pitchFamily="49" charset="-128"/>
+              </a:rPr>
+              <a:t>kd2345678@st.kobedenshi.ac.jp</a:t>
+            </a:r>
+            <a:r>
+              <a:rPr lang="en-US" altLang="ja-JP" sz="2400" dirty="0">
+                <a:ea typeface="ＭＳ ゴシック" panose="020B0609070205080204" pitchFamily="49" charset="-128"/>
+              </a:rPr>
+              <a:t>”,”</a:t>
+            </a:r>
+            <a:r>
+              <a:rPr lang="ja-JP" altLang="en-US" sz="2400" dirty="0">
                 <a:solidFill>
                   <a:srgbClr val="00B050"/>
                 </a:solidFill>
                 <a:ea typeface="ＭＳ ゴシック" panose="020B0609070205080204" pitchFamily="49" charset="-128"/>
               </a:rPr>
-              <a:t> </a:t>
-            </a:r>
-            <a:r>
-              <a:rPr lang="en-US" altLang="ja-JP" sz="2000" dirty="0">
+              <a:t>赤城次郎</a:t>
+            </a:r>
+            <a:r>
+              <a:rPr lang="en-US" altLang="ja-JP" sz="2400" dirty="0">
+                <a:ea typeface="ＭＳ ゴシック" panose="020B0609070205080204" pitchFamily="49" charset="-128"/>
+              </a:rPr>
+              <a:t>”},          </a:t>
+            </a:r>
+            <a:br>
+              <a:rPr lang="en-US" altLang="ja-JP" sz="2400" dirty="0">
+                <a:ea typeface="ＭＳ ゴシック" panose="020B0609070205080204" pitchFamily="49" charset="-128"/>
+              </a:rPr>
+            </a:br>
+            <a:r>
+              <a:rPr lang="en-US" altLang="ja-JP" sz="2400" dirty="0">
+                <a:ea typeface="ＭＳ ゴシック" panose="020B0609070205080204" pitchFamily="49" charset="-128"/>
+              </a:rPr>
+              <a:t>           {“</a:t>
+            </a:r>
+            <a:r>
+              <a:rPr lang="en-US" altLang="ja-JP" sz="2400" dirty="0">
+                <a:solidFill>
+                  <a:schemeClr val="accent2">
+                    <a:lumMod val="75000"/>
+                  </a:schemeClr>
+                </a:solidFill>
+                <a:ea typeface="ＭＳ ゴシック" panose="020B0609070205080204" pitchFamily="49" charset="-128"/>
+              </a:rPr>
+              <a:t>kd3456789@st.kobedenshi.ac.jp</a:t>
+            </a:r>
+            <a:r>
+              <a:rPr lang="en-US" altLang="ja-JP" sz="2400" dirty="0">
+                <a:ea typeface="ＭＳ ゴシック" panose="020B0609070205080204" pitchFamily="49" charset="-128"/>
+              </a:rPr>
+              <a:t>”,”</a:t>
+            </a:r>
+            <a:r>
+              <a:rPr lang="ja-JP" altLang="en-US" sz="2400" dirty="0">
                 <a:solidFill>
                   <a:srgbClr val="00B050"/>
                 </a:solidFill>
                 <a:ea typeface="ＭＳ ゴシック" panose="020B0609070205080204" pitchFamily="49" charset="-128"/>
               </a:rPr>
-              <a:t>(auto</a:t>
-            </a:r>
-            <a:r>
-              <a:rPr lang="ja-JP" altLang="en-US" sz="2000" dirty="0">
-                <a:solidFill>
-                  <a:srgbClr val="00B050"/>
-                </a:solidFill>
-                <a:ea typeface="ＭＳ ゴシック" panose="020B0609070205080204" pitchFamily="49" charset="-128"/>
-              </a:rPr>
-              <a:t> </a:t>
-            </a:r>
-            <a:r>
-              <a:rPr lang="en-US" altLang="ja-JP" sz="2000" dirty="0">
-                <a:solidFill>
-                  <a:srgbClr val="00B050"/>
-                </a:solidFill>
-                <a:ea typeface="ＭＳ ゴシック" panose="020B0609070205080204" pitchFamily="49" charset="-128"/>
-              </a:rPr>
-              <a:t>it</a:t>
-            </a:r>
-            <a:r>
-              <a:rPr lang="ja-JP" altLang="en-US" sz="2000" dirty="0">
-                <a:solidFill>
-                  <a:srgbClr val="00B050"/>
-                </a:solidFill>
-                <a:ea typeface="ＭＳ ゴシック" panose="020B0609070205080204" pitchFamily="49" charset="-128"/>
-              </a:rPr>
-              <a:t> </a:t>
-            </a:r>
-            <a:r>
-              <a:rPr lang="en-US" altLang="ja-JP" sz="2000" dirty="0">
-                <a:solidFill>
-                  <a:srgbClr val="00B050"/>
-                </a:solidFill>
-                <a:ea typeface="ＭＳ ゴシック" panose="020B0609070205080204" pitchFamily="49" charset="-128"/>
-              </a:rPr>
-              <a:t>=</a:t>
-            </a:r>
-            <a:r>
-              <a:rPr lang="ja-JP" altLang="en-US" sz="2000" dirty="0">
-                <a:solidFill>
-                  <a:srgbClr val="00B050"/>
-                </a:solidFill>
-                <a:ea typeface="ＭＳ ゴシック" panose="020B0609070205080204" pitchFamily="49" charset="-128"/>
-              </a:rPr>
-              <a:t> </a:t>
-            </a:r>
-            <a:r>
-              <a:rPr lang="en-US" altLang="ja-JP" sz="2000" dirty="0" err="1">
-                <a:solidFill>
-                  <a:srgbClr val="00B050"/>
-                </a:solidFill>
-                <a:ea typeface="ＭＳ ゴシック" panose="020B0609070205080204" pitchFamily="49" charset="-128"/>
-              </a:rPr>
-              <a:t>score.begin</a:t>
-            </a:r>
-            <a:r>
-              <a:rPr lang="en-US" altLang="ja-JP" sz="2000" dirty="0">
-                <a:solidFill>
-                  <a:srgbClr val="00B050"/>
-                </a:solidFill>
-                <a:ea typeface="ＭＳ ゴシック" panose="020B0609070205080204" pitchFamily="49" charset="-128"/>
-              </a:rPr>
-              <a:t>();</a:t>
-            </a:r>
-            <a:r>
-              <a:rPr lang="ja-JP" altLang="en-US" sz="2000" dirty="0">
-                <a:solidFill>
-                  <a:srgbClr val="00B050"/>
-                </a:solidFill>
-                <a:ea typeface="ＭＳ ゴシック" panose="020B0609070205080204" pitchFamily="49" charset="-128"/>
-              </a:rPr>
-              <a:t> </a:t>
-            </a:r>
-            <a:r>
-              <a:rPr lang="en-US" altLang="ja-JP" sz="2000" dirty="0">
-                <a:solidFill>
-                  <a:srgbClr val="00B050"/>
-                </a:solidFill>
-                <a:ea typeface="ＭＳ ゴシック" panose="020B0609070205080204" pitchFamily="49" charset="-128"/>
-              </a:rPr>
-              <a:t>it</a:t>
-            </a:r>
-            <a:r>
-              <a:rPr lang="ja-JP" altLang="en-US" sz="2000" dirty="0">
-                <a:solidFill>
-                  <a:srgbClr val="00B050"/>
-                </a:solidFill>
-                <a:ea typeface="ＭＳ ゴシック" panose="020B0609070205080204" pitchFamily="49" charset="-128"/>
-              </a:rPr>
-              <a:t> </a:t>
-            </a:r>
-            <a:r>
-              <a:rPr lang="en-US" altLang="ja-JP" sz="2000" dirty="0">
-                <a:solidFill>
-                  <a:srgbClr val="00B050"/>
-                </a:solidFill>
-                <a:ea typeface="ＭＳ ゴシック" panose="020B0609070205080204" pitchFamily="49" charset="-128"/>
-              </a:rPr>
-              <a:t>!=</a:t>
-            </a:r>
-            <a:r>
-              <a:rPr lang="ja-JP" altLang="en-US" sz="2000" dirty="0">
-                <a:solidFill>
-                  <a:srgbClr val="00B050"/>
-                </a:solidFill>
-                <a:ea typeface="ＭＳ ゴシック" panose="020B0609070205080204" pitchFamily="49" charset="-128"/>
-              </a:rPr>
-              <a:t> </a:t>
-            </a:r>
-            <a:r>
-              <a:rPr lang="en-US" altLang="ja-JP" sz="2000" dirty="0" err="1">
-                <a:solidFill>
-                  <a:srgbClr val="00B050"/>
-                </a:solidFill>
-                <a:ea typeface="ＭＳ ゴシック" panose="020B0609070205080204" pitchFamily="49" charset="-128"/>
-              </a:rPr>
-              <a:t>score.end</a:t>
-            </a:r>
-            <a:r>
-              <a:rPr lang="en-US" altLang="ja-JP" sz="2000" dirty="0">
-                <a:solidFill>
-                  <a:srgbClr val="00B050"/>
-                </a:solidFill>
-                <a:ea typeface="ＭＳ ゴシック" panose="020B0609070205080204" pitchFamily="49" charset="-128"/>
-              </a:rPr>
-              <a:t>(); it++){</a:t>
-            </a:r>
-          </a:p>
-          <a:p>
-            <a:r>
-              <a:rPr lang="en-US" altLang="ja-JP" sz="2000" dirty="0">
-                <a:solidFill>
-                  <a:srgbClr val="00B050"/>
-                </a:solidFill>
-                <a:ea typeface="ＭＳ ゴシック" panose="020B0609070205080204" pitchFamily="49" charset="-128"/>
-              </a:rPr>
-              <a:t>   //    </a:t>
-            </a:r>
-            <a:r>
-              <a:rPr lang="en-US" altLang="ja-JP" sz="2000" dirty="0" err="1">
-                <a:solidFill>
-                  <a:srgbClr val="00B050"/>
-                </a:solidFill>
-                <a:ea typeface="ＭＳ ゴシック" panose="020B0609070205080204" pitchFamily="49" charset="-128"/>
-              </a:rPr>
-              <a:t>cout</a:t>
-            </a:r>
-            <a:r>
-              <a:rPr lang="en-US" altLang="ja-JP" sz="2000" dirty="0">
-                <a:solidFill>
-                  <a:srgbClr val="00B050"/>
-                </a:solidFill>
-                <a:ea typeface="ＭＳ ゴシック" panose="020B0609070205080204" pitchFamily="49" charset="-128"/>
-              </a:rPr>
-              <a:t> &lt;&lt; “Key:” &lt;&lt; it-&gt;first </a:t>
-            </a:r>
-            <a:br>
-              <a:rPr lang="en-US" altLang="ja-JP" sz="2000" dirty="0">
-                <a:solidFill>
-                  <a:srgbClr val="00B050"/>
-                </a:solidFill>
-                <a:ea typeface="ＭＳ ゴシック" panose="020B0609070205080204" pitchFamily="49" charset="-128"/>
-              </a:rPr>
-            </a:br>
-            <a:r>
-              <a:rPr lang="en-US" altLang="ja-JP" sz="2000" dirty="0">
-                <a:solidFill>
-                  <a:srgbClr val="00B050"/>
-                </a:solidFill>
-                <a:ea typeface="ＭＳ ゴシック" panose="020B0609070205080204" pitchFamily="49" charset="-128"/>
-              </a:rPr>
-              <a:t>   //         &lt;&lt; “ Value:” &lt;&lt; it-&gt;second &lt;&lt; </a:t>
-            </a:r>
-            <a:r>
-              <a:rPr lang="en-US" altLang="ja-JP" sz="2000" dirty="0" err="1">
-                <a:solidFill>
-                  <a:srgbClr val="00B050"/>
-                </a:solidFill>
-                <a:ea typeface="ＭＳ ゴシック" panose="020B0609070205080204" pitchFamily="49" charset="-128"/>
-              </a:rPr>
-              <a:t>endl</a:t>
-            </a:r>
-            <a:r>
-              <a:rPr lang="en-US" altLang="ja-JP" sz="2000" dirty="0">
-                <a:solidFill>
-                  <a:srgbClr val="00B050"/>
-                </a:solidFill>
-                <a:ea typeface="ＭＳ ゴシック" panose="020B0609070205080204" pitchFamily="49" charset="-128"/>
-              </a:rPr>
-              <a:t>;</a:t>
-            </a:r>
-            <a:br>
-              <a:rPr lang="en-US" altLang="ja-JP" sz="2000" dirty="0">
-                <a:solidFill>
-                  <a:srgbClr val="00B050"/>
-                </a:solidFill>
-                <a:ea typeface="ＭＳ ゴシック" panose="020B0609070205080204" pitchFamily="49" charset="-128"/>
-              </a:rPr>
-            </a:br>
-            <a:r>
-              <a:rPr lang="en-US" altLang="ja-JP" sz="2000" dirty="0">
-                <a:solidFill>
-                  <a:srgbClr val="00B050"/>
-                </a:solidFill>
-                <a:ea typeface="ＭＳ ゴシック" panose="020B0609070205080204" pitchFamily="49" charset="-128"/>
-              </a:rPr>
-              <a:t>   //}</a:t>
-            </a:r>
-            <a:br>
-              <a:rPr lang="en-US" altLang="ja-JP" sz="2000" dirty="0">
-                <a:solidFill>
-                  <a:srgbClr val="00B050"/>
-                </a:solidFill>
-                <a:ea typeface="ＭＳ ゴシック" panose="020B0609070205080204" pitchFamily="49" charset="-128"/>
-              </a:rPr>
-            </a:br>
-            <a:r>
-              <a:rPr lang="ja-JP" altLang="en-US" sz="2000" dirty="0">
-                <a:solidFill>
-                  <a:srgbClr val="000000"/>
-                </a:solidFill>
-                <a:ea typeface="ＭＳ ゴシック" panose="020B0609070205080204" pitchFamily="49" charset="-128"/>
-              </a:rPr>
-              <a:t>   </a:t>
-            </a:r>
-            <a:r>
-              <a:rPr lang="en-US" altLang="ja-JP" sz="2000" dirty="0">
-                <a:solidFill>
-                  <a:srgbClr val="00B050"/>
-                </a:solidFill>
-                <a:ea typeface="ＭＳ ゴシック" panose="020B0609070205080204" pitchFamily="49" charset="-128"/>
-              </a:rPr>
-              <a:t>//for</a:t>
-            </a:r>
-            <a:r>
-              <a:rPr lang="ja-JP" altLang="en-US" sz="2000" dirty="0">
-                <a:solidFill>
-                  <a:srgbClr val="00B050"/>
-                </a:solidFill>
-                <a:ea typeface="ＭＳ ゴシック" panose="020B0609070205080204" pitchFamily="49" charset="-128"/>
-              </a:rPr>
-              <a:t> </a:t>
-            </a:r>
-            <a:r>
-              <a:rPr lang="en-US" altLang="ja-JP" sz="2000" dirty="0">
-                <a:solidFill>
-                  <a:srgbClr val="00B050"/>
-                </a:solidFill>
-                <a:ea typeface="ＭＳ ゴシック" panose="020B0609070205080204" pitchFamily="49" charset="-128"/>
-              </a:rPr>
-              <a:t>(auto</a:t>
-            </a:r>
-            <a:r>
-              <a:rPr lang="ja-JP" altLang="en-US" sz="2000" dirty="0">
-                <a:solidFill>
-                  <a:srgbClr val="00B050"/>
-                </a:solidFill>
-                <a:ea typeface="ＭＳ ゴシック" panose="020B0609070205080204" pitchFamily="49" charset="-128"/>
-              </a:rPr>
-              <a:t> </a:t>
-            </a:r>
-            <a:r>
-              <a:rPr lang="en-US" altLang="ja-JP" sz="2000" dirty="0">
-                <a:solidFill>
-                  <a:srgbClr val="00B050"/>
-                </a:solidFill>
-                <a:ea typeface="ＭＳ ゴシック" panose="020B0609070205080204" pitchFamily="49" charset="-128"/>
-              </a:rPr>
-              <a:t>p</a:t>
-            </a:r>
-            <a:r>
-              <a:rPr lang="ja-JP" altLang="en-US" sz="2000" dirty="0">
-                <a:solidFill>
-                  <a:srgbClr val="00B050"/>
-                </a:solidFill>
-                <a:ea typeface="ＭＳ ゴシック" panose="020B0609070205080204" pitchFamily="49" charset="-128"/>
-              </a:rPr>
-              <a:t> </a:t>
-            </a:r>
-            <a:r>
-              <a:rPr lang="en-US" altLang="ja-JP" sz="2000" dirty="0">
-                <a:solidFill>
-                  <a:srgbClr val="00B050"/>
-                </a:solidFill>
-                <a:ea typeface="ＭＳ ゴシック" panose="020B0609070205080204" pitchFamily="49" charset="-128"/>
-              </a:rPr>
-              <a:t>:</a:t>
-            </a:r>
-            <a:r>
-              <a:rPr lang="ja-JP" altLang="en-US" sz="2000" dirty="0">
-                <a:solidFill>
-                  <a:srgbClr val="00B050"/>
-                </a:solidFill>
-                <a:ea typeface="ＭＳ ゴシック" panose="020B0609070205080204" pitchFamily="49" charset="-128"/>
-              </a:rPr>
-              <a:t> </a:t>
-            </a:r>
-            <a:r>
-              <a:rPr lang="en-US" altLang="ja-JP" sz="2000" dirty="0">
-                <a:solidFill>
-                  <a:srgbClr val="00B050"/>
-                </a:solidFill>
-                <a:ea typeface="ＭＳ ゴシック" panose="020B0609070205080204" pitchFamily="49" charset="-128"/>
-              </a:rPr>
-              <a:t>score){</a:t>
-            </a:r>
-          </a:p>
-          <a:p>
-            <a:r>
-              <a:rPr lang="en-US" altLang="ja-JP" sz="2000" dirty="0">
-                <a:solidFill>
-                  <a:srgbClr val="00B050"/>
-                </a:solidFill>
-                <a:ea typeface="ＭＳ ゴシック" panose="020B0609070205080204" pitchFamily="49" charset="-128"/>
-              </a:rPr>
-              <a:t>   //    </a:t>
-            </a:r>
-            <a:r>
-              <a:rPr lang="en-US" altLang="ja-JP" sz="2000" dirty="0" err="1">
-                <a:solidFill>
-                  <a:srgbClr val="00B050"/>
-                </a:solidFill>
-                <a:ea typeface="ＭＳ ゴシック" panose="020B0609070205080204" pitchFamily="49" charset="-128"/>
-              </a:rPr>
-              <a:t>cout</a:t>
-            </a:r>
-            <a:r>
-              <a:rPr lang="en-US" altLang="ja-JP" sz="2000" dirty="0">
-                <a:solidFill>
-                  <a:srgbClr val="00B050"/>
-                </a:solidFill>
-                <a:ea typeface="ＭＳ ゴシック" panose="020B0609070205080204" pitchFamily="49" charset="-128"/>
-              </a:rPr>
-              <a:t> &lt;&lt; “Key:” &lt;&lt; </a:t>
-            </a:r>
-            <a:r>
-              <a:rPr lang="en-US" altLang="ja-JP" sz="2000" dirty="0" err="1">
-                <a:solidFill>
-                  <a:srgbClr val="00B050"/>
-                </a:solidFill>
-                <a:ea typeface="ＭＳ ゴシック" panose="020B0609070205080204" pitchFamily="49" charset="-128"/>
-              </a:rPr>
-              <a:t>p.first</a:t>
-            </a:r>
-            <a:r>
-              <a:rPr lang="en-US" altLang="ja-JP" sz="2000" dirty="0">
-                <a:solidFill>
-                  <a:srgbClr val="00B050"/>
-                </a:solidFill>
-                <a:ea typeface="ＭＳ ゴシック" panose="020B0609070205080204" pitchFamily="49" charset="-128"/>
-              </a:rPr>
-              <a:t> </a:t>
-            </a:r>
-            <a:br>
-              <a:rPr lang="en-US" altLang="ja-JP" sz="2000" dirty="0">
-                <a:solidFill>
-                  <a:srgbClr val="00B050"/>
-                </a:solidFill>
-                <a:ea typeface="ＭＳ ゴシック" panose="020B0609070205080204" pitchFamily="49" charset="-128"/>
-              </a:rPr>
-            </a:br>
-            <a:r>
-              <a:rPr lang="en-US" altLang="ja-JP" sz="2000" dirty="0">
-                <a:solidFill>
-                  <a:srgbClr val="00B050"/>
-                </a:solidFill>
-                <a:ea typeface="ＭＳ ゴシック" panose="020B0609070205080204" pitchFamily="49" charset="-128"/>
-              </a:rPr>
-              <a:t>   //         &lt;&lt; “ Value:” &lt;&lt; </a:t>
-            </a:r>
-            <a:r>
-              <a:rPr lang="en-US" altLang="ja-JP" sz="2000" dirty="0" err="1">
-                <a:solidFill>
-                  <a:srgbClr val="00B050"/>
-                </a:solidFill>
-                <a:ea typeface="ＭＳ ゴシック" panose="020B0609070205080204" pitchFamily="49" charset="-128"/>
-              </a:rPr>
-              <a:t>p.second</a:t>
-            </a:r>
-            <a:r>
-              <a:rPr lang="en-US" altLang="ja-JP" sz="2000" dirty="0">
-                <a:solidFill>
-                  <a:srgbClr val="00B050"/>
-                </a:solidFill>
-                <a:ea typeface="ＭＳ ゴシック" panose="020B0609070205080204" pitchFamily="49" charset="-128"/>
-              </a:rPr>
-              <a:t> &lt;&lt; </a:t>
-            </a:r>
-            <a:r>
-              <a:rPr lang="en-US" altLang="ja-JP" sz="2000" dirty="0" err="1">
-                <a:solidFill>
-                  <a:srgbClr val="00B050"/>
-                </a:solidFill>
-                <a:ea typeface="ＭＳ ゴシック" panose="020B0609070205080204" pitchFamily="49" charset="-128"/>
-              </a:rPr>
-              <a:t>endl</a:t>
-            </a:r>
-            <a:r>
-              <a:rPr lang="en-US" altLang="ja-JP" sz="2000" dirty="0">
-                <a:solidFill>
-                  <a:srgbClr val="00B050"/>
-                </a:solidFill>
-                <a:ea typeface="ＭＳ ゴシック" panose="020B0609070205080204" pitchFamily="49" charset="-128"/>
-              </a:rPr>
-              <a:t>;</a:t>
-            </a:r>
-            <a:br>
-              <a:rPr lang="en-US" altLang="ja-JP" sz="2000" dirty="0">
-                <a:solidFill>
-                  <a:srgbClr val="00B050"/>
-                </a:solidFill>
-                <a:ea typeface="ＭＳ ゴシック" panose="020B0609070205080204" pitchFamily="49" charset="-128"/>
-              </a:rPr>
-            </a:br>
-            <a:r>
-              <a:rPr lang="en-US" altLang="ja-JP" sz="2000" dirty="0">
-                <a:solidFill>
-                  <a:srgbClr val="00B050"/>
-                </a:solidFill>
-                <a:ea typeface="ＭＳ ゴシック" panose="020B0609070205080204" pitchFamily="49" charset="-128"/>
-              </a:rPr>
-              <a:t>   //}</a:t>
-            </a:r>
-            <a:br>
-              <a:rPr lang="en-US" altLang="ja-JP" sz="2000" dirty="0">
-                <a:solidFill>
-                  <a:srgbClr val="00B050"/>
-                </a:solidFill>
-                <a:ea typeface="ＭＳ ゴシック" panose="020B0609070205080204" pitchFamily="49" charset="-128"/>
-              </a:rPr>
-            </a:br>
-            <a:r>
-              <a:rPr lang="ja-JP" altLang="en-US" sz="2000" dirty="0">
-                <a:solidFill>
-                  <a:srgbClr val="000000"/>
-                </a:solidFill>
-                <a:ea typeface="ＭＳ ゴシック" panose="020B0609070205080204" pitchFamily="49" charset="-128"/>
-              </a:rPr>
-              <a:t>   </a:t>
-            </a:r>
-            <a:r>
-              <a:rPr lang="en-US" altLang="ja-JP" sz="2000" dirty="0">
-                <a:solidFill>
-                  <a:srgbClr val="000000"/>
-                </a:solidFill>
-                <a:ea typeface="ＭＳ ゴシック" panose="020B0609070205080204" pitchFamily="49" charset="-128"/>
-              </a:rPr>
-              <a:t>for</a:t>
-            </a:r>
-            <a:r>
-              <a:rPr lang="ja-JP" altLang="en-US" sz="2000" dirty="0">
-                <a:solidFill>
-                  <a:srgbClr val="000000"/>
-                </a:solidFill>
-                <a:ea typeface="ＭＳ ゴシック" panose="020B0609070205080204" pitchFamily="49" charset="-128"/>
-              </a:rPr>
-              <a:t> </a:t>
-            </a:r>
-            <a:r>
-              <a:rPr lang="en-US" altLang="ja-JP" sz="2000" dirty="0">
-                <a:solidFill>
-                  <a:srgbClr val="000000"/>
-                </a:solidFill>
-                <a:ea typeface="ＭＳ ゴシック" panose="020B0609070205080204" pitchFamily="49" charset="-128"/>
-              </a:rPr>
-              <a:t>(const auto&amp;</a:t>
-            </a:r>
-            <a:r>
-              <a:rPr lang="ja-JP" altLang="en-US" sz="2000" dirty="0">
-                <a:solidFill>
-                  <a:srgbClr val="000000"/>
-                </a:solidFill>
-                <a:ea typeface="ＭＳ ゴシック" panose="020B0609070205080204" pitchFamily="49" charset="-128"/>
-              </a:rPr>
-              <a:t> </a:t>
-            </a:r>
-            <a:r>
-              <a:rPr lang="en-US" altLang="ja-JP" sz="2000" dirty="0">
+              <a:t>緑川三郎</a:t>
+            </a:r>
+            <a:r>
+              <a:rPr lang="en-US" altLang="ja-JP" sz="2400" dirty="0">
+                <a:ea typeface="ＭＳ ゴシック" panose="020B0609070205080204" pitchFamily="49" charset="-128"/>
+              </a:rPr>
+              <a:t>”} };</a:t>
+            </a:r>
+            <a:br>
+              <a:rPr lang="en-US" altLang="ja-JP" sz="2400" dirty="0">
+                <a:ea typeface="ＭＳ ゴシック" panose="020B0609070205080204" pitchFamily="49" charset="-128"/>
+              </a:rPr>
+            </a:br>
+            <a:r>
+              <a:rPr lang="en-US" altLang="ja-JP" sz="2400" dirty="0">
+                <a:ea typeface="ＭＳ ゴシック" panose="020B0609070205080204" pitchFamily="49" charset="-128"/>
+              </a:rPr>
+              <a:t>//</a:t>
+            </a:r>
+            <a:r>
+              <a:rPr lang="ja-JP" altLang="en-US" sz="2400" dirty="0">
+                <a:ea typeface="ＭＳ ゴシック" panose="020B0609070205080204" pitchFamily="49" charset="-128"/>
+              </a:rPr>
+              <a:t>メールアドレスと氏名の対応表</a:t>
+            </a:r>
+            <a:br>
+              <a:rPr lang="en-US" altLang="ja-JP" sz="2400" dirty="0">
+                <a:ea typeface="ＭＳ ゴシック" panose="020B0609070205080204" pitchFamily="49" charset="-128"/>
+              </a:rPr>
+            </a:br>
+            <a:br>
+              <a:rPr lang="en-US" altLang="ja-JP" sz="2400" dirty="0">
+                <a:ea typeface="ＭＳ ゴシック" panose="020B0609070205080204" pitchFamily="49" charset="-128"/>
+              </a:rPr>
+            </a:br>
+            <a:r>
+              <a:rPr lang="en-US" altLang="ja-JP" sz="2400" dirty="0">
+                <a:ea typeface="ＭＳ ゴシック" panose="020B0609070205080204" pitchFamily="49" charset="-128"/>
+              </a:rPr>
+              <a:t>map&lt;</a:t>
+            </a:r>
+            <a:r>
+              <a:rPr lang="en-US" altLang="ja-JP" sz="2400" dirty="0">
                 <a:solidFill>
                   <a:srgbClr val="FF0000"/>
                 </a:solidFill>
                 <a:ea typeface="ＭＳ ゴシック" panose="020B0609070205080204" pitchFamily="49" charset="-128"/>
               </a:rPr>
-              <a:t>[key, value]</a:t>
-            </a:r>
-            <a:r>
-              <a:rPr lang="ja-JP" altLang="en-US" sz="2000" dirty="0">
+              <a:t>int</a:t>
+            </a:r>
+            <a:r>
+              <a:rPr lang="en-US" altLang="ja-JP" sz="2400" dirty="0">
+                <a:ea typeface="ＭＳ ゴシック" panose="020B0609070205080204" pitchFamily="49" charset="-128"/>
+              </a:rPr>
+              <a:t>, </a:t>
+            </a:r>
+            <a:r>
+              <a:rPr lang="en-US" altLang="ja-JP" sz="2400" dirty="0">
+                <a:solidFill>
+                  <a:srgbClr val="00B0F0"/>
+                </a:solidFill>
+                <a:ea typeface="ＭＳ ゴシック" panose="020B0609070205080204" pitchFamily="49" charset="-128"/>
+              </a:rPr>
+              <a:t>double</a:t>
+            </a:r>
+            <a:r>
+              <a:rPr lang="en-US" altLang="ja-JP" sz="2400" dirty="0">
+                <a:ea typeface="ＭＳ ゴシック" panose="020B0609070205080204" pitchFamily="49" charset="-128"/>
+              </a:rPr>
+              <a:t>&gt;</a:t>
+            </a:r>
+            <a:br>
+              <a:rPr lang="en-US" altLang="ja-JP" sz="2400" dirty="0">
+                <a:ea typeface="ＭＳ ゴシック" panose="020B0609070205080204" pitchFamily="49" charset="-128"/>
+              </a:rPr>
+            </a:br>
+            <a:r>
+              <a:rPr lang="en-US" altLang="ja-JP" sz="2400" dirty="0">
+                <a:ea typeface="ＭＳ ゴシック" panose="020B0609070205080204" pitchFamily="49" charset="-128"/>
+              </a:rPr>
+              <a:t>    root{ { </a:t>
+            </a:r>
+            <a:r>
+              <a:rPr lang="en-US" altLang="ja-JP" sz="2400" dirty="0">
                 <a:solidFill>
                   <a:srgbClr val="FF0000"/>
                 </a:solidFill>
                 <a:ea typeface="ＭＳ ゴシック" panose="020B0609070205080204" pitchFamily="49" charset="-128"/>
               </a:rPr>
-              <a:t> </a:t>
-            </a:r>
-            <a:r>
-              <a:rPr lang="en-US" altLang="ja-JP" sz="2000" dirty="0">
-                <a:solidFill>
-                  <a:srgbClr val="000000"/>
-                </a:solidFill>
-                <a:ea typeface="ＭＳ ゴシック" panose="020B0609070205080204" pitchFamily="49" charset="-128"/>
-              </a:rPr>
-              <a:t>:</a:t>
-            </a:r>
-            <a:r>
-              <a:rPr lang="ja-JP" altLang="en-US" sz="2000" dirty="0">
-                <a:solidFill>
-                  <a:srgbClr val="000000"/>
-                </a:solidFill>
-                <a:ea typeface="ＭＳ ゴシック" panose="020B0609070205080204" pitchFamily="49" charset="-128"/>
-              </a:rPr>
-              <a:t> </a:t>
-            </a:r>
-            <a:r>
-              <a:rPr lang="en-US" altLang="ja-JP" sz="2000" dirty="0">
-                <a:solidFill>
-                  <a:srgbClr val="000000"/>
-                </a:solidFill>
-                <a:ea typeface="ＭＳ ゴシック" panose="020B0609070205080204" pitchFamily="49" charset="-128"/>
-              </a:rPr>
-              <a:t>score){</a:t>
-            </a:r>
-          </a:p>
-          <a:p>
-            <a:r>
-              <a:rPr lang="en-US" altLang="ja-JP" sz="2000" dirty="0">
-                <a:solidFill>
-                  <a:srgbClr val="000000"/>
-                </a:solidFill>
-                <a:ea typeface="ＭＳ ゴシック" panose="020B0609070205080204" pitchFamily="49" charset="-128"/>
-              </a:rPr>
-              <a:t>       </a:t>
-            </a:r>
-            <a:r>
-              <a:rPr lang="en-US" altLang="ja-JP" sz="2000" dirty="0" err="1">
-                <a:solidFill>
-                  <a:srgbClr val="000000"/>
-                </a:solidFill>
-                <a:ea typeface="ＭＳ ゴシック" panose="020B0609070205080204" pitchFamily="49" charset="-128"/>
-              </a:rPr>
-              <a:t>cout</a:t>
-            </a:r>
-            <a:r>
-              <a:rPr lang="en-US" altLang="ja-JP" sz="2000" dirty="0">
-                <a:solidFill>
-                  <a:srgbClr val="000000"/>
-                </a:solidFill>
-                <a:ea typeface="ＭＳ ゴシック" panose="020B0609070205080204" pitchFamily="49" charset="-128"/>
-              </a:rPr>
-              <a:t> &lt;&lt; “Key:” &lt;&lt; </a:t>
-            </a:r>
-            <a:r>
-              <a:rPr lang="en-US" altLang="ja-JP" sz="2000" dirty="0">
+              <a:t>1</a:t>
+            </a:r>
+            <a:r>
+              <a:rPr lang="en-US" altLang="ja-JP" sz="2400" dirty="0">
+                <a:ea typeface="ＭＳ ゴシック" panose="020B0609070205080204" pitchFamily="49" charset="-128"/>
+              </a:rPr>
+              <a:t>, </a:t>
+            </a:r>
+            <a:r>
+              <a:rPr lang="en-US" altLang="ja-JP" sz="2400" dirty="0">
+                <a:solidFill>
+                  <a:srgbClr val="00B0F0"/>
+                </a:solidFill>
+                <a:ea typeface="ＭＳ ゴシック" panose="020B0609070205080204" pitchFamily="49" charset="-128"/>
+              </a:rPr>
+              <a:t>1.0000000 </a:t>
+            </a:r>
+            <a:r>
+              <a:rPr lang="en-US" altLang="ja-JP" sz="2400" dirty="0">
+                <a:ea typeface="ＭＳ ゴシック" panose="020B0609070205080204" pitchFamily="49" charset="-128"/>
+              </a:rPr>
+              <a:t>}, { </a:t>
+            </a:r>
+            <a:r>
+              <a:rPr lang="en-US" altLang="ja-JP" sz="2400" dirty="0">
                 <a:solidFill>
                   <a:srgbClr val="FF0000"/>
                 </a:solidFill>
                 <a:ea typeface="ＭＳ ゴシック" panose="020B0609070205080204" pitchFamily="49" charset="-128"/>
               </a:rPr>
-              <a:t>key </a:t>
-            </a:r>
-            <a:br>
-              <a:rPr lang="en-US" altLang="ja-JP" sz="2000" dirty="0">
-                <a:solidFill>
-                  <a:srgbClr val="000000"/>
-                </a:solidFill>
-                <a:ea typeface="ＭＳ ゴシック" panose="020B0609070205080204" pitchFamily="49" charset="-128"/>
-              </a:rPr>
-            </a:br>
-            <a:r>
-              <a:rPr lang="en-US" altLang="ja-JP" sz="2000" dirty="0">
-                <a:solidFill>
-                  <a:srgbClr val="000000"/>
-                </a:solidFill>
-                <a:ea typeface="ＭＳ ゴシック" panose="020B0609070205080204" pitchFamily="49" charset="-128"/>
-              </a:rPr>
-              <a:t>            &lt;&lt; “ Value:” &lt;&lt; </a:t>
-            </a:r>
-            <a:r>
-              <a:rPr lang="en-US" altLang="ja-JP" sz="2000" dirty="0">
+              <a:t>2</a:t>
+            </a:r>
+            <a:r>
+              <a:rPr lang="en-US" altLang="ja-JP" sz="2400" dirty="0">
+                <a:ea typeface="ＭＳ ゴシック" panose="020B0609070205080204" pitchFamily="49" charset="-128"/>
+              </a:rPr>
+              <a:t>, </a:t>
+            </a:r>
+            <a:r>
+              <a:rPr lang="en-US" altLang="ja-JP" sz="2400" dirty="0">
+                <a:solidFill>
+                  <a:srgbClr val="00B0F0"/>
+                </a:solidFill>
+                <a:ea typeface="ＭＳ ゴシック" panose="020B0609070205080204" pitchFamily="49" charset="-128"/>
+              </a:rPr>
+              <a:t>1.1421356</a:t>
+            </a:r>
+            <a:r>
+              <a:rPr lang="en-US" altLang="ja-JP" sz="2400" dirty="0">
+                <a:ea typeface="ＭＳ ゴシック" panose="020B0609070205080204" pitchFamily="49" charset="-128"/>
+              </a:rPr>
+              <a:t> },</a:t>
+            </a:r>
+            <a:br>
+              <a:rPr lang="en-US" altLang="ja-JP" sz="2400" dirty="0">
+                <a:ea typeface="ＭＳ ゴシック" panose="020B0609070205080204" pitchFamily="49" charset="-128"/>
+              </a:rPr>
+            </a:br>
+            <a:r>
+              <a:rPr lang="en-US" altLang="ja-JP" sz="2400" dirty="0">
+                <a:ea typeface="ＭＳ ゴシック" panose="020B0609070205080204" pitchFamily="49" charset="-128"/>
+              </a:rPr>
+              <a:t>          { </a:t>
+            </a:r>
+            <a:r>
+              <a:rPr lang="en-US" altLang="ja-JP" sz="2400" dirty="0">
                 <a:solidFill>
                   <a:srgbClr val="FF0000"/>
                 </a:solidFill>
                 <a:ea typeface="ＭＳ ゴシック" panose="020B0609070205080204" pitchFamily="49" charset="-128"/>
               </a:rPr>
-              <a:t>value </a:t>
-            </a:r>
-            <a:r>
-              <a:rPr lang="en-US" altLang="ja-JP" sz="2000" dirty="0">
-                <a:solidFill>
-                  <a:srgbClr val="000000"/>
-                </a:solidFill>
-                <a:ea typeface="ＭＳ ゴシック" panose="020B0609070205080204" pitchFamily="49" charset="-128"/>
-              </a:rPr>
-              <a:t>&lt;&lt; </a:t>
-            </a:r>
-            <a:r>
-              <a:rPr lang="en-US" altLang="ja-JP" sz="2000" dirty="0" err="1">
-                <a:solidFill>
-                  <a:srgbClr val="000000"/>
-                </a:solidFill>
-                <a:ea typeface="ＭＳ ゴシック" panose="020B0609070205080204" pitchFamily="49" charset="-128"/>
-              </a:rPr>
-              <a:t>endl</a:t>
-            </a:r>
-            <a:r>
-              <a:rPr lang="en-US" altLang="ja-JP" sz="2000" dirty="0">
-                <a:solidFill>
-                  <a:srgbClr val="000000"/>
-                </a:solidFill>
-                <a:ea typeface="ＭＳ ゴシック" panose="020B0609070205080204" pitchFamily="49" charset="-128"/>
-              </a:rPr>
-              <a:t>;</a:t>
-            </a:r>
-            <a:br>
-              <a:rPr lang="en-US" altLang="ja-JP" sz="2000" dirty="0">
-                <a:solidFill>
-                  <a:srgbClr val="000000"/>
-                </a:solidFill>
-                <a:ea typeface="ＭＳ ゴシック" panose="020B0609070205080204" pitchFamily="49" charset="-128"/>
-              </a:rPr>
-            </a:br>
-            <a:r>
-              <a:rPr lang="en-US" altLang="ja-JP" sz="2000" dirty="0">
-                <a:solidFill>
-                  <a:srgbClr val="000000"/>
-                </a:solidFill>
-                <a:ea typeface="ＭＳ ゴシック" panose="020B0609070205080204" pitchFamily="49" charset="-128"/>
-              </a:rPr>
-              <a:t>   }</a:t>
-            </a:r>
+              <a:t>3</a:t>
+            </a:r>
+            <a:r>
+              <a:rPr lang="en-US" altLang="ja-JP" sz="2400" dirty="0">
+                <a:ea typeface="ＭＳ ゴシック" panose="020B0609070205080204" pitchFamily="49" charset="-128"/>
+              </a:rPr>
+              <a:t>, </a:t>
+            </a:r>
+            <a:r>
+              <a:rPr lang="en-US" altLang="ja-JP" sz="2400" dirty="0">
+                <a:solidFill>
+                  <a:srgbClr val="00B0F0"/>
+                </a:solidFill>
+                <a:ea typeface="ＭＳ ゴシック" panose="020B0609070205080204" pitchFamily="49" charset="-128"/>
+              </a:rPr>
+              <a:t>1.7320504 </a:t>
+            </a:r>
+            <a:r>
+              <a:rPr lang="en-US" altLang="ja-JP" sz="2400" dirty="0">
+                <a:ea typeface="ＭＳ ゴシック" panose="020B0609070205080204" pitchFamily="49" charset="-128"/>
+              </a:rPr>
+              <a:t>}, { </a:t>
+            </a:r>
+            <a:r>
+              <a:rPr lang="en-US" altLang="ja-JP" sz="2400" dirty="0">
+                <a:solidFill>
+                  <a:srgbClr val="FF0000"/>
+                </a:solidFill>
+                <a:ea typeface="ＭＳ ゴシック" panose="020B0609070205080204" pitchFamily="49" charset="-128"/>
+              </a:rPr>
+              <a:t>4</a:t>
+            </a:r>
+            <a:r>
+              <a:rPr lang="en-US" altLang="ja-JP" sz="2400" dirty="0">
+                <a:ea typeface="ＭＳ ゴシック" panose="020B0609070205080204" pitchFamily="49" charset="-128"/>
+              </a:rPr>
+              <a:t>, </a:t>
+            </a:r>
+            <a:r>
+              <a:rPr lang="en-US" altLang="ja-JP" sz="2400" dirty="0">
+                <a:solidFill>
+                  <a:srgbClr val="00B0F0"/>
+                </a:solidFill>
+                <a:ea typeface="ＭＳ ゴシック" panose="020B0609070205080204" pitchFamily="49" charset="-128"/>
+              </a:rPr>
+              <a:t>2.0000000</a:t>
+            </a:r>
+            <a:r>
+              <a:rPr lang="en-US" altLang="ja-JP" sz="2400" dirty="0">
+                <a:ea typeface="ＭＳ ゴシック" panose="020B0609070205080204" pitchFamily="49" charset="-128"/>
+              </a:rPr>
+              <a:t> },</a:t>
+            </a:r>
+            <a:br>
+              <a:rPr lang="en-US" altLang="ja-JP" sz="2400" dirty="0">
+                <a:ea typeface="ＭＳ ゴシック" panose="020B0609070205080204" pitchFamily="49" charset="-128"/>
+              </a:rPr>
+            </a:br>
+            <a:r>
+              <a:rPr lang="en-US" altLang="ja-JP" sz="2400" dirty="0">
+                <a:ea typeface="ＭＳ ゴシック" panose="020B0609070205080204" pitchFamily="49" charset="-128"/>
+              </a:rPr>
+              <a:t>          { </a:t>
+            </a:r>
+            <a:r>
+              <a:rPr lang="en-US" altLang="ja-JP" sz="2400" dirty="0">
+                <a:solidFill>
+                  <a:srgbClr val="FF0000"/>
+                </a:solidFill>
+                <a:ea typeface="ＭＳ ゴシック" panose="020B0609070205080204" pitchFamily="49" charset="-128"/>
+              </a:rPr>
+              <a:t>5</a:t>
+            </a:r>
+            <a:r>
+              <a:rPr lang="en-US" altLang="ja-JP" sz="2400" dirty="0">
+                <a:ea typeface="ＭＳ ゴシック" panose="020B0609070205080204" pitchFamily="49" charset="-128"/>
+              </a:rPr>
+              <a:t>, </a:t>
+            </a:r>
+            <a:r>
+              <a:rPr lang="en-US" altLang="ja-JP" sz="2400" dirty="0">
+                <a:solidFill>
+                  <a:srgbClr val="00B0F0"/>
+                </a:solidFill>
+                <a:ea typeface="ＭＳ ゴシック" panose="020B0609070205080204" pitchFamily="49" charset="-128"/>
+              </a:rPr>
+              <a:t>2.2360679 </a:t>
+            </a:r>
+            <a:r>
+              <a:rPr lang="en-US" altLang="ja-JP" sz="2400" dirty="0">
+                <a:ea typeface="ＭＳ ゴシック" panose="020B0609070205080204" pitchFamily="49" charset="-128"/>
+              </a:rPr>
+              <a:t>} };</a:t>
+            </a:r>
+            <a:br>
+              <a:rPr lang="en-US" altLang="ja-JP" sz="2400" dirty="0">
+                <a:ea typeface="ＭＳ ゴシック" panose="020B0609070205080204" pitchFamily="49" charset="-128"/>
+              </a:rPr>
+            </a:br>
+            <a:r>
+              <a:rPr lang="en-US" altLang="ja-JP" sz="2400" dirty="0">
+                <a:ea typeface="ＭＳ ゴシック" panose="020B0609070205080204" pitchFamily="49" charset="-128"/>
+              </a:rPr>
+              <a:t>//</a:t>
+            </a:r>
+            <a:r>
+              <a:rPr lang="ja-JP" altLang="en-US" sz="2400" dirty="0">
+                <a:ea typeface="ＭＳ ゴシック" panose="020B0609070205080204" pitchFamily="49" charset="-128"/>
+              </a:rPr>
+              <a:t>自然数と平方根の対応表</a:t>
+            </a:r>
+            <a:endParaRPr kumimoji="1" lang="ja-JP" altLang="en-US" sz="9600" dirty="0"/>
           </a:p>
         </p:txBody>
       </p:sp>
       <p:sp>
         <p:nvSpPr>
-          <p:cNvPr id="4" name="矢印: 右 3">
+          <p:cNvPr id="4" name="テキスト ボックス 3">
             <a:extLst>
               <a:ext uri="{FF2B5EF4-FFF2-40B4-BE49-F238E27FC236}">
-                <a16:creationId xmlns:a16="http://schemas.microsoft.com/office/drawing/2014/main" id="{AD2EA0A1-88A0-8DB3-DAB4-EA7F57FB95DB}"/>
-              </a:ext>
-            </a:extLst>
-          </p:cNvPr>
-          <p:cNvSpPr/>
-          <p:nvPr/>
-        </p:nvSpPr>
-        <p:spPr>
-          <a:xfrm>
-            <a:off x="666917" y="4830455"/>
-            <a:ext cx="426396" cy="282102"/>
-          </a:xfrm>
-          <a:prstGeom prst="rightArrow">
-            <a:avLst/>
-          </a:prstGeom>
-          <a:solidFill>
-            <a:srgbClr val="FF0000"/>
-          </a:solidFill>
-        </p:spPr>
-        <p:style>
-          <a:lnRef idx="2">
-            <a:schemeClr val="accent1">
-              <a:shade val="15000"/>
-            </a:schemeClr>
-          </a:lnRef>
-          <a:fillRef idx="1">
-            <a:schemeClr val="accent1"/>
-          </a:fillRef>
-          <a:effectRef idx="0">
-            <a:schemeClr val="accent1"/>
-          </a:effectRef>
-          <a:fontRef idx="minor">
-            <a:schemeClr val="lt1"/>
-          </a:fontRef>
-        </p:style>
-        <p:txBody>
-          <a:bodyPr rtlCol="0" anchor="ctr"/>
-          <a:lstStyle/>
-          <a:p>
-            <a:pPr algn="ctr"/>
-            <a:endParaRPr kumimoji="1" lang="ja-JP" altLang="en-US"/>
-          </a:p>
-        </p:txBody>
-      </p:sp>
-      <p:sp>
-        <p:nvSpPr>
-          <p:cNvPr id="6" name="テキスト ボックス 5">
-            <a:extLst>
-              <a:ext uri="{FF2B5EF4-FFF2-40B4-BE49-F238E27FC236}">
-                <a16:creationId xmlns:a16="http://schemas.microsoft.com/office/drawing/2014/main" id="{B3E4DF59-D6A8-7B8F-A732-09B27B0CBEB3}"/>
+                <a16:creationId xmlns:a16="http://schemas.microsoft.com/office/drawing/2014/main" id="{604F37C2-548E-3B3A-FDD0-5364F7017A1D}"/>
               </a:ext>
             </a:extLst>
           </p:cNvPr>
@@ -30508,8 +30282,8 @@
         </p:nvSpPr>
         <p:spPr>
           <a:xfrm>
-            <a:off x="2807109" y="3273358"/>
-            <a:ext cx="5990743" cy="1200329"/>
+            <a:off x="5905440" y="5525352"/>
+            <a:ext cx="6067687" cy="830997"/>
           </a:xfrm>
           <a:prstGeom prst="rect">
             <a:avLst/>
@@ -30530,273 +30304,43 @@
           <a:lstStyle/>
           <a:p>
             <a:r>
-              <a:rPr kumimoji="1" lang="en-US" altLang="ja-JP" sz="2400" dirty="0"/>
-              <a:t>C++17</a:t>
-            </a:r>
-            <a:r>
-              <a:rPr kumimoji="1" lang="ja-JP" altLang="en-US" sz="2400" dirty="0"/>
-              <a:t>からできるようになった記述方法</a:t>
-            </a:r>
-            <a:br>
+              <a:rPr kumimoji="1" lang="ja-JP" altLang="en-US" sz="2400" dirty="0">
+                <a:solidFill>
+                  <a:srgbClr val="00B050"/>
+                </a:solidFill>
+              </a:rPr>
+              <a:t>何かのペアをデータとして利用したいときに</a:t>
+            </a:r>
+            <a:endParaRPr kumimoji="1" lang="en-US" altLang="ja-JP" sz="2400" dirty="0">
+              <a:solidFill>
+                <a:srgbClr val="00B050"/>
+              </a:solidFill>
+            </a:endParaRPr>
+          </a:p>
+          <a:p>
+            <a:r>
               <a:rPr kumimoji="1" lang="en-US" altLang="ja-JP" sz="2400" dirty="0">
                 <a:solidFill>
                   <a:srgbClr val="00B050"/>
                 </a:solidFill>
               </a:rPr>
-            </a:br>
+              <a:t>map</a:t>
+            </a:r>
             <a:r>
               <a:rPr kumimoji="1" lang="ja-JP" altLang="en-US" sz="2400" dirty="0">
                 <a:solidFill>
                   <a:srgbClr val="00B050"/>
                 </a:solidFill>
               </a:rPr>
-              <a:t>  </a:t>
-            </a:r>
-            <a:r>
-              <a:rPr kumimoji="1" lang="en-US" altLang="ja-JP" sz="2400" dirty="0">
-                <a:solidFill>
-                  <a:srgbClr val="0070C0"/>
-                </a:solidFill>
-              </a:rPr>
-              <a:t>cl</a:t>
-            </a:r>
-            <a:r>
-              <a:rPr kumimoji="1" lang="ja-JP" altLang="en-US" sz="2400" dirty="0">
-                <a:solidFill>
-                  <a:srgbClr val="0070C0"/>
-                </a:solidFill>
-              </a:rPr>
-              <a:t> </a:t>
-            </a:r>
-            <a:r>
-              <a:rPr kumimoji="1" lang="en-US" altLang="ja-JP" sz="2400" dirty="0">
-                <a:solidFill>
-                  <a:srgbClr val="0070C0"/>
-                </a:solidFill>
-              </a:rPr>
-              <a:t>/</a:t>
-            </a:r>
-            <a:r>
-              <a:rPr kumimoji="1" lang="en-US" altLang="ja-JP" sz="2400" dirty="0" err="1">
-                <a:solidFill>
-                  <a:srgbClr val="0070C0"/>
-                </a:solidFill>
-              </a:rPr>
-              <a:t>EHsc</a:t>
-            </a:r>
-            <a:r>
-              <a:rPr kumimoji="1" lang="ja-JP" altLang="en-US" sz="2400" dirty="0">
-                <a:solidFill>
-                  <a:srgbClr val="0070C0"/>
-                </a:solidFill>
-              </a:rPr>
-              <a:t> </a:t>
-            </a:r>
-            <a:r>
-              <a:rPr kumimoji="1" lang="en-US" altLang="ja-JP" sz="2400" dirty="0">
-                <a:solidFill>
-                  <a:srgbClr val="FF0000"/>
-                </a:solidFill>
-              </a:rPr>
-              <a:t>/</a:t>
-            </a:r>
-            <a:r>
-              <a:rPr kumimoji="1" lang="en-US" altLang="ja-JP" sz="2400" dirty="0" err="1">
-                <a:solidFill>
-                  <a:srgbClr val="FF0000"/>
-                </a:solidFill>
-              </a:rPr>
-              <a:t>std:c</a:t>
-            </a:r>
-            <a:r>
-              <a:rPr kumimoji="1" lang="en-US" altLang="ja-JP" sz="2400" dirty="0">
-                <a:solidFill>
-                  <a:srgbClr val="FF0000"/>
-                </a:solidFill>
-              </a:rPr>
-              <a:t>++17</a:t>
-            </a:r>
-            <a:r>
-              <a:rPr kumimoji="1" lang="ja-JP" altLang="en-US" sz="2400" dirty="0">
-                <a:solidFill>
-                  <a:srgbClr val="00B050"/>
-                </a:solidFill>
-              </a:rPr>
-              <a:t> </a:t>
-            </a:r>
-            <a:r>
-              <a:rPr kumimoji="1" lang="en-US" altLang="ja-JP" sz="2400" dirty="0">
-                <a:solidFill>
-                  <a:srgbClr val="0070C0"/>
-                </a:solidFill>
-              </a:rPr>
-              <a:t>main.cpp</a:t>
-            </a:r>
-            <a:br>
-              <a:rPr kumimoji="1" lang="en-US" altLang="ja-JP" sz="2400" dirty="0">
-                <a:solidFill>
-                  <a:srgbClr val="00B050"/>
-                </a:solidFill>
-              </a:rPr>
-            </a:br>
-            <a:r>
-              <a:rPr kumimoji="1" lang="ja-JP" altLang="en-US" sz="2400" dirty="0"/>
-              <a:t>でコンパイルが可能</a:t>
-            </a:r>
-          </a:p>
-        </p:txBody>
-      </p:sp>
-      <p:sp>
-        <p:nvSpPr>
-          <p:cNvPr id="7" name="矢印: 右 6">
-            <a:extLst>
-              <a:ext uri="{FF2B5EF4-FFF2-40B4-BE49-F238E27FC236}">
-                <a16:creationId xmlns:a16="http://schemas.microsoft.com/office/drawing/2014/main" id="{338EC4C9-E77B-46DF-976A-6B143A052D79}"/>
-              </a:ext>
-            </a:extLst>
-          </p:cNvPr>
-          <p:cNvSpPr/>
-          <p:nvPr/>
-        </p:nvSpPr>
-        <p:spPr>
-          <a:xfrm>
-            <a:off x="666917" y="5142279"/>
-            <a:ext cx="426396" cy="282102"/>
-          </a:xfrm>
-          <a:prstGeom prst="rightArrow">
-            <a:avLst/>
-          </a:prstGeom>
-          <a:solidFill>
-            <a:srgbClr val="FF0000"/>
-          </a:solidFill>
-        </p:spPr>
-        <p:style>
-          <a:lnRef idx="2">
-            <a:schemeClr val="accent1">
-              <a:shade val="15000"/>
-            </a:schemeClr>
-          </a:lnRef>
-          <a:fillRef idx="1">
-            <a:schemeClr val="accent1"/>
-          </a:fillRef>
-          <a:effectRef idx="0">
-            <a:schemeClr val="accent1"/>
-          </a:effectRef>
-          <a:fontRef idx="minor">
-            <a:schemeClr val="lt1"/>
-          </a:fontRef>
-        </p:style>
-        <p:txBody>
-          <a:bodyPr rtlCol="0" anchor="ctr"/>
-          <a:lstStyle/>
-          <a:p>
-            <a:pPr algn="ctr"/>
-            <a:endParaRPr kumimoji="1" lang="ja-JP" altLang="en-US"/>
-          </a:p>
-        </p:txBody>
-      </p:sp>
-      <p:sp>
-        <p:nvSpPr>
-          <p:cNvPr id="8" name="矢印: 右 7">
-            <a:extLst>
-              <a:ext uri="{FF2B5EF4-FFF2-40B4-BE49-F238E27FC236}">
-                <a16:creationId xmlns:a16="http://schemas.microsoft.com/office/drawing/2014/main" id="{F7FF0589-6059-45ED-AB65-509456BCE9D5}"/>
-              </a:ext>
-            </a:extLst>
-          </p:cNvPr>
-          <p:cNvSpPr/>
-          <p:nvPr/>
-        </p:nvSpPr>
-        <p:spPr>
-          <a:xfrm>
-            <a:off x="666917" y="5466290"/>
-            <a:ext cx="426396" cy="282102"/>
-          </a:xfrm>
-          <a:prstGeom prst="rightArrow">
-            <a:avLst/>
-          </a:prstGeom>
-          <a:solidFill>
-            <a:srgbClr val="FF0000"/>
-          </a:solidFill>
-        </p:spPr>
-        <p:style>
-          <a:lnRef idx="2">
-            <a:schemeClr val="accent1">
-              <a:shade val="15000"/>
-            </a:schemeClr>
-          </a:lnRef>
-          <a:fillRef idx="1">
-            <a:schemeClr val="accent1"/>
-          </a:fillRef>
-          <a:effectRef idx="0">
-            <a:schemeClr val="accent1"/>
-          </a:effectRef>
-          <a:fontRef idx="minor">
-            <a:schemeClr val="lt1"/>
-          </a:fontRef>
-        </p:style>
-        <p:txBody>
-          <a:bodyPr rtlCol="0" anchor="ctr"/>
-          <a:lstStyle/>
-          <a:p>
-            <a:pPr algn="ctr"/>
-            <a:endParaRPr kumimoji="1" lang="ja-JP" altLang="en-US"/>
-          </a:p>
-        </p:txBody>
-      </p:sp>
-      <p:sp>
-        <p:nvSpPr>
-          <p:cNvPr id="9" name="矢印: 右 8">
-            <a:extLst>
-              <a:ext uri="{FF2B5EF4-FFF2-40B4-BE49-F238E27FC236}">
-                <a16:creationId xmlns:a16="http://schemas.microsoft.com/office/drawing/2014/main" id="{10FD7298-DEFE-4614-89CB-3104A8A955BD}"/>
-              </a:ext>
-            </a:extLst>
-          </p:cNvPr>
-          <p:cNvSpPr/>
-          <p:nvPr/>
-        </p:nvSpPr>
-        <p:spPr>
-          <a:xfrm>
-            <a:off x="666917" y="5778772"/>
-            <a:ext cx="426396" cy="282102"/>
-          </a:xfrm>
-          <a:prstGeom prst="rightArrow">
-            <a:avLst/>
-          </a:prstGeom>
-          <a:solidFill>
-            <a:srgbClr val="FF0000"/>
-          </a:solidFill>
-        </p:spPr>
-        <p:style>
-          <a:lnRef idx="2">
-            <a:schemeClr val="accent1">
-              <a:shade val="15000"/>
-            </a:schemeClr>
-          </a:lnRef>
-          <a:fillRef idx="1">
-            <a:schemeClr val="accent1"/>
-          </a:fillRef>
-          <a:effectRef idx="0">
-            <a:schemeClr val="accent1"/>
-          </a:effectRef>
-          <a:fontRef idx="minor">
-            <a:schemeClr val="lt1"/>
-          </a:fontRef>
-        </p:style>
-        <p:txBody>
-          <a:bodyPr rtlCol="0" anchor="ctr"/>
-          <a:lstStyle/>
-          <a:p>
-            <a:pPr algn="ctr"/>
-            <a:endParaRPr kumimoji="1" lang="ja-JP" altLang="en-US"/>
+              <a:t>クラスは適している</a:t>
+            </a:r>
           </a:p>
         </p:txBody>
       </p:sp>
     </p:spTree>
     <p:extLst>
       <p:ext uri="{BB962C8B-B14F-4D97-AF65-F5344CB8AC3E}">
-        <p14:creationId xmlns:p14="http://schemas.microsoft.com/office/powerpoint/2010/main" val="3358248320"/>
+        <p14:creationId xmlns:p14="http://schemas.microsoft.com/office/powerpoint/2010/main" val="121643851"/>
       </p:ext>
     </p:extLst>
   </p:cSld>
@@ -31129,694 +30673,6 @@
         <p:spPr>
           <a:xfrm>
             <a:off x="838200" y="1128173"/>
-            <a:ext cx="11134927" cy="4647426"/>
-          </a:xfrm>
-          <a:prstGeom prst="rect">
-            <a:avLst/>
-          </a:prstGeom>
-          <a:noFill/>
-          <a:ln>
-            <a:solidFill>
-              <a:schemeClr val="tx1"/>
-            </a:solidFill>
-          </a:ln>
-        </p:spPr>
-        <p:txBody>
-          <a:bodyPr wrap="square" rtlCol="0">
-            <a:spAutoFit/>
-          </a:bodyPr>
-          <a:lstStyle/>
-          <a:p>
-            <a:r>
-              <a:rPr lang="en-US" altLang="ja-JP" sz="3200" dirty="0">
-                <a:ea typeface="ＭＳ ゴシック" panose="020B0609070205080204" pitchFamily="49" charset="-128"/>
-              </a:rPr>
-              <a:t>【map</a:t>
-            </a:r>
-            <a:r>
-              <a:rPr lang="ja-JP" altLang="en-US" sz="3200" dirty="0">
-                <a:ea typeface="ＭＳ ゴシック" panose="020B0609070205080204" pitchFamily="49" charset="-128"/>
-              </a:rPr>
-              <a:t>クラスの例</a:t>
-            </a:r>
-            <a:r>
-              <a:rPr lang="en-US" altLang="ja-JP" sz="3200" dirty="0">
-                <a:ea typeface="ＭＳ ゴシック" panose="020B0609070205080204" pitchFamily="49" charset="-128"/>
-              </a:rPr>
-              <a:t>】</a:t>
-            </a:r>
-            <a:br>
-              <a:rPr lang="en-US" altLang="ja-JP" sz="2400" dirty="0">
-                <a:ea typeface="ＭＳ ゴシック" panose="020B0609070205080204" pitchFamily="49" charset="-128"/>
-              </a:rPr>
-            </a:br>
-            <a:r>
-              <a:rPr lang="en-US" altLang="ja-JP" sz="2400" dirty="0">
-                <a:ea typeface="ＭＳ ゴシック" panose="020B0609070205080204" pitchFamily="49" charset="-128"/>
-              </a:rPr>
-              <a:t>map&lt;</a:t>
-            </a:r>
-            <a:r>
-              <a:rPr lang="en-US" altLang="ja-JP" sz="2400" dirty="0">
-                <a:solidFill>
-                  <a:schemeClr val="accent2">
-                    <a:lumMod val="75000"/>
-                  </a:schemeClr>
-                </a:solidFill>
-                <a:ea typeface="ＭＳ ゴシック" panose="020B0609070205080204" pitchFamily="49" charset="-128"/>
-              </a:rPr>
-              <a:t>string</a:t>
-            </a:r>
-            <a:r>
-              <a:rPr lang="en-US" altLang="ja-JP" sz="2400" dirty="0">
-                <a:ea typeface="ＭＳ ゴシック" panose="020B0609070205080204" pitchFamily="49" charset="-128"/>
-              </a:rPr>
-              <a:t>, </a:t>
-            </a:r>
-            <a:r>
-              <a:rPr lang="en-US" altLang="ja-JP" sz="2400" dirty="0">
-                <a:solidFill>
-                  <a:srgbClr val="00B050"/>
-                </a:solidFill>
-                <a:ea typeface="ＭＳ ゴシック" panose="020B0609070205080204" pitchFamily="49" charset="-128"/>
-              </a:rPr>
-              <a:t>string</a:t>
-            </a:r>
-            <a:r>
-              <a:rPr lang="en-US" altLang="ja-JP" sz="2400" dirty="0">
-                <a:ea typeface="ＭＳ ゴシック" panose="020B0609070205080204" pitchFamily="49" charset="-128"/>
-              </a:rPr>
-              <a:t>&gt; </a:t>
-            </a:r>
-            <a:br>
-              <a:rPr lang="en-US" altLang="ja-JP" sz="2400" dirty="0">
-                <a:ea typeface="ＭＳ ゴシック" panose="020B0609070205080204" pitchFamily="49" charset="-128"/>
-              </a:rPr>
-            </a:br>
-            <a:r>
-              <a:rPr lang="en-US" altLang="ja-JP" sz="2400" dirty="0">
-                <a:ea typeface="ＭＳ ゴシック" panose="020B0609070205080204" pitchFamily="49" charset="-128"/>
-              </a:rPr>
-              <a:t>    email{ {“</a:t>
-            </a:r>
-            <a:r>
-              <a:rPr lang="en-US" altLang="ja-JP" sz="2400" dirty="0">
-                <a:solidFill>
-                  <a:schemeClr val="accent2">
-                    <a:lumMod val="75000"/>
-                  </a:schemeClr>
-                </a:solidFill>
-                <a:ea typeface="ＭＳ ゴシック" panose="020B0609070205080204" pitchFamily="49" charset="-128"/>
-              </a:rPr>
-              <a:t>kd1234567@st.kobedenshi.ac.jp</a:t>
-            </a:r>
-            <a:r>
-              <a:rPr lang="en-US" altLang="ja-JP" sz="2400" dirty="0">
-                <a:ea typeface="ＭＳ ゴシック" panose="020B0609070205080204" pitchFamily="49" charset="-128"/>
-              </a:rPr>
-              <a:t>”,”</a:t>
-            </a:r>
-            <a:r>
-              <a:rPr lang="ja-JP" altLang="en-US" sz="2400" dirty="0">
-                <a:solidFill>
-                  <a:srgbClr val="00B050"/>
-                </a:solidFill>
-                <a:ea typeface="ＭＳ ゴシック" panose="020B0609070205080204" pitchFamily="49" charset="-128"/>
-              </a:rPr>
-              <a:t>青木一郎</a:t>
-            </a:r>
-            <a:r>
-              <a:rPr lang="en-US" altLang="ja-JP" sz="2400" dirty="0">
-                <a:ea typeface="ＭＳ ゴシック" panose="020B0609070205080204" pitchFamily="49" charset="-128"/>
-              </a:rPr>
-              <a:t>”},</a:t>
-            </a:r>
-            <a:br>
-              <a:rPr lang="en-US" altLang="ja-JP" sz="2400" dirty="0">
-                <a:ea typeface="ＭＳ ゴシック" panose="020B0609070205080204" pitchFamily="49" charset="-128"/>
-              </a:rPr>
-            </a:br>
-            <a:r>
-              <a:rPr lang="en-US" altLang="ja-JP" sz="2400" dirty="0">
-                <a:ea typeface="ＭＳ ゴシック" panose="020B0609070205080204" pitchFamily="49" charset="-128"/>
-              </a:rPr>
-              <a:t>           {“</a:t>
-            </a:r>
-            <a:r>
-              <a:rPr lang="en-US" altLang="ja-JP" sz="2400" dirty="0">
-                <a:solidFill>
-                  <a:schemeClr val="accent2">
-                    <a:lumMod val="75000"/>
-                  </a:schemeClr>
-                </a:solidFill>
-                <a:ea typeface="ＭＳ ゴシック" panose="020B0609070205080204" pitchFamily="49" charset="-128"/>
-              </a:rPr>
-              <a:t>kd2345678@st.kobedenshi.ac.jp</a:t>
-            </a:r>
-            <a:r>
-              <a:rPr lang="en-US" altLang="ja-JP" sz="2400" dirty="0">
-                <a:ea typeface="ＭＳ ゴシック" panose="020B0609070205080204" pitchFamily="49" charset="-128"/>
-              </a:rPr>
-              <a:t>”,”</a:t>
-            </a:r>
-            <a:r>
-              <a:rPr lang="ja-JP" altLang="en-US" sz="2400" dirty="0">
-                <a:solidFill>
-                  <a:srgbClr val="00B050"/>
-                </a:solidFill>
-                <a:ea typeface="ＭＳ ゴシック" panose="020B0609070205080204" pitchFamily="49" charset="-128"/>
-              </a:rPr>
-              <a:t>赤城次郎</a:t>
-            </a:r>
-            <a:r>
-              <a:rPr lang="en-US" altLang="ja-JP" sz="2400" dirty="0">
-                <a:ea typeface="ＭＳ ゴシック" panose="020B0609070205080204" pitchFamily="49" charset="-128"/>
-              </a:rPr>
-              <a:t>”},          </a:t>
-            </a:r>
-            <a:br>
-              <a:rPr lang="en-US" altLang="ja-JP" sz="2400" dirty="0">
-                <a:ea typeface="ＭＳ ゴシック" panose="020B0609070205080204" pitchFamily="49" charset="-128"/>
-              </a:rPr>
-            </a:br>
-            <a:r>
-              <a:rPr lang="en-US" altLang="ja-JP" sz="2400" dirty="0">
-                <a:ea typeface="ＭＳ ゴシック" panose="020B0609070205080204" pitchFamily="49" charset="-128"/>
-              </a:rPr>
-              <a:t>           {“</a:t>
-            </a:r>
-            <a:r>
-              <a:rPr lang="en-US" altLang="ja-JP" sz="2400" dirty="0">
-                <a:solidFill>
-                  <a:schemeClr val="accent2">
-                    <a:lumMod val="75000"/>
-                  </a:schemeClr>
-                </a:solidFill>
-                <a:ea typeface="ＭＳ ゴシック" panose="020B0609070205080204" pitchFamily="49" charset="-128"/>
-              </a:rPr>
-              <a:t>kd3456789@st.kobedenshi.ac.jp</a:t>
-            </a:r>
-            <a:r>
-              <a:rPr lang="en-US" altLang="ja-JP" sz="2400" dirty="0">
-                <a:ea typeface="ＭＳ ゴシック" panose="020B0609070205080204" pitchFamily="49" charset="-128"/>
-              </a:rPr>
-              <a:t>”,”</a:t>
-            </a:r>
-            <a:r>
-              <a:rPr lang="ja-JP" altLang="en-US" sz="2400" dirty="0">
-                <a:solidFill>
-                  <a:srgbClr val="00B050"/>
-                </a:solidFill>
-                <a:ea typeface="ＭＳ ゴシック" panose="020B0609070205080204" pitchFamily="49" charset="-128"/>
-              </a:rPr>
-              <a:t>緑川三郎</a:t>
-            </a:r>
-            <a:r>
-              <a:rPr lang="en-US" altLang="ja-JP" sz="2400" dirty="0">
-                <a:ea typeface="ＭＳ ゴシック" panose="020B0609070205080204" pitchFamily="49" charset="-128"/>
-              </a:rPr>
-              <a:t>”} };</a:t>
-            </a:r>
-            <a:br>
-              <a:rPr lang="en-US" altLang="ja-JP" sz="2400" dirty="0">
-                <a:ea typeface="ＭＳ ゴシック" panose="020B0609070205080204" pitchFamily="49" charset="-128"/>
-              </a:rPr>
-            </a:br>
-            <a:r>
-              <a:rPr lang="en-US" altLang="ja-JP" sz="2400" dirty="0">
-                <a:ea typeface="ＭＳ ゴシック" panose="020B0609070205080204" pitchFamily="49" charset="-128"/>
-              </a:rPr>
-              <a:t>//</a:t>
-            </a:r>
-            <a:r>
-              <a:rPr lang="ja-JP" altLang="en-US" sz="2400" dirty="0">
-                <a:ea typeface="ＭＳ ゴシック" panose="020B0609070205080204" pitchFamily="49" charset="-128"/>
-              </a:rPr>
-              <a:t>メールアドレスと氏名の対応表</a:t>
-            </a:r>
-            <a:br>
-              <a:rPr lang="en-US" altLang="ja-JP" sz="2400" dirty="0">
-                <a:ea typeface="ＭＳ ゴシック" panose="020B0609070205080204" pitchFamily="49" charset="-128"/>
-              </a:rPr>
-            </a:br>
-            <a:br>
-              <a:rPr lang="en-US" altLang="ja-JP" sz="2400" dirty="0">
-                <a:ea typeface="ＭＳ ゴシック" panose="020B0609070205080204" pitchFamily="49" charset="-128"/>
-              </a:rPr>
-            </a:br>
-            <a:r>
-              <a:rPr lang="en-US" altLang="ja-JP" sz="2400" dirty="0">
-                <a:ea typeface="ＭＳ ゴシック" panose="020B0609070205080204" pitchFamily="49" charset="-128"/>
-              </a:rPr>
-              <a:t>map&lt;</a:t>
-            </a:r>
-            <a:r>
-              <a:rPr lang="en-US" altLang="ja-JP" sz="2400" dirty="0">
-                <a:solidFill>
-                  <a:srgbClr val="FF0000"/>
-                </a:solidFill>
-                <a:ea typeface="ＭＳ ゴシック" panose="020B0609070205080204" pitchFamily="49" charset="-128"/>
-              </a:rPr>
-              <a:t>int</a:t>
-            </a:r>
-            <a:r>
-              <a:rPr lang="en-US" altLang="ja-JP" sz="2400" dirty="0">
-                <a:ea typeface="ＭＳ ゴシック" panose="020B0609070205080204" pitchFamily="49" charset="-128"/>
-              </a:rPr>
-              <a:t>, </a:t>
-            </a:r>
-            <a:r>
-              <a:rPr lang="en-US" altLang="ja-JP" sz="2400" dirty="0">
-                <a:solidFill>
-                  <a:srgbClr val="00B0F0"/>
-                </a:solidFill>
-                <a:ea typeface="ＭＳ ゴシック" panose="020B0609070205080204" pitchFamily="49" charset="-128"/>
-              </a:rPr>
-              <a:t>double</a:t>
-            </a:r>
-            <a:r>
-              <a:rPr lang="en-US" altLang="ja-JP" sz="2400" dirty="0">
-                <a:ea typeface="ＭＳ ゴシック" panose="020B0609070205080204" pitchFamily="49" charset="-128"/>
-              </a:rPr>
-              <a:t>&gt;</a:t>
-            </a:r>
-            <a:br>
-              <a:rPr lang="en-US" altLang="ja-JP" sz="2400" dirty="0">
-                <a:ea typeface="ＭＳ ゴシック" panose="020B0609070205080204" pitchFamily="49" charset="-128"/>
-              </a:rPr>
-            </a:br>
-            <a:r>
-              <a:rPr lang="en-US" altLang="ja-JP" sz="2400" dirty="0">
-                <a:ea typeface="ＭＳ ゴシック" panose="020B0609070205080204" pitchFamily="49" charset="-128"/>
-              </a:rPr>
-              <a:t>    root{ { </a:t>
-            </a:r>
-            <a:r>
-              <a:rPr lang="en-US" altLang="ja-JP" sz="2400" dirty="0">
-                <a:solidFill>
-                  <a:srgbClr val="FF0000"/>
-                </a:solidFill>
-                <a:ea typeface="ＭＳ ゴシック" panose="020B0609070205080204" pitchFamily="49" charset="-128"/>
-              </a:rPr>
-              <a:t>1</a:t>
-            </a:r>
-            <a:r>
-              <a:rPr lang="en-US" altLang="ja-JP" sz="2400" dirty="0">
-                <a:ea typeface="ＭＳ ゴシック" panose="020B0609070205080204" pitchFamily="49" charset="-128"/>
-              </a:rPr>
-              <a:t>, </a:t>
-            </a:r>
-            <a:r>
-              <a:rPr lang="en-US" altLang="ja-JP" sz="2400" dirty="0">
-                <a:solidFill>
-                  <a:srgbClr val="00B0F0"/>
-                </a:solidFill>
-                <a:ea typeface="ＭＳ ゴシック" panose="020B0609070205080204" pitchFamily="49" charset="-128"/>
-              </a:rPr>
-              <a:t>1.0000000 </a:t>
-            </a:r>
-            <a:r>
-              <a:rPr lang="en-US" altLang="ja-JP" sz="2400" dirty="0">
-                <a:ea typeface="ＭＳ ゴシック" panose="020B0609070205080204" pitchFamily="49" charset="-128"/>
-              </a:rPr>
-              <a:t>}, { </a:t>
-            </a:r>
-            <a:r>
-              <a:rPr lang="en-US" altLang="ja-JP" sz="2400" dirty="0">
-                <a:solidFill>
-                  <a:srgbClr val="FF0000"/>
-                </a:solidFill>
-                <a:ea typeface="ＭＳ ゴシック" panose="020B0609070205080204" pitchFamily="49" charset="-128"/>
-              </a:rPr>
-              <a:t>2</a:t>
-            </a:r>
-            <a:r>
-              <a:rPr lang="en-US" altLang="ja-JP" sz="2400" dirty="0">
-                <a:ea typeface="ＭＳ ゴシック" panose="020B0609070205080204" pitchFamily="49" charset="-128"/>
-              </a:rPr>
-              <a:t>, </a:t>
-            </a:r>
-            <a:r>
-              <a:rPr lang="en-US" altLang="ja-JP" sz="2400" dirty="0">
-                <a:solidFill>
-                  <a:srgbClr val="00B0F0"/>
-                </a:solidFill>
-                <a:ea typeface="ＭＳ ゴシック" panose="020B0609070205080204" pitchFamily="49" charset="-128"/>
-              </a:rPr>
-              <a:t>1.1421356</a:t>
-            </a:r>
-            <a:r>
-              <a:rPr lang="en-US" altLang="ja-JP" sz="2400" dirty="0">
-                <a:ea typeface="ＭＳ ゴシック" panose="020B0609070205080204" pitchFamily="49" charset="-128"/>
-              </a:rPr>
-              <a:t> },</a:t>
-            </a:r>
-            <a:br>
-              <a:rPr lang="en-US" altLang="ja-JP" sz="2400" dirty="0">
-                <a:ea typeface="ＭＳ ゴシック" panose="020B0609070205080204" pitchFamily="49" charset="-128"/>
-              </a:rPr>
-            </a:br>
-            <a:r>
-              <a:rPr lang="en-US" altLang="ja-JP" sz="2400" dirty="0">
-                <a:ea typeface="ＭＳ ゴシック" panose="020B0609070205080204" pitchFamily="49" charset="-128"/>
-              </a:rPr>
-              <a:t>          { </a:t>
-            </a:r>
-            <a:r>
-              <a:rPr lang="en-US" altLang="ja-JP" sz="2400" dirty="0">
-                <a:solidFill>
-                  <a:srgbClr val="FF0000"/>
-                </a:solidFill>
-                <a:ea typeface="ＭＳ ゴシック" panose="020B0609070205080204" pitchFamily="49" charset="-128"/>
-              </a:rPr>
-              <a:t>3</a:t>
-            </a:r>
-            <a:r>
-              <a:rPr lang="en-US" altLang="ja-JP" sz="2400" dirty="0">
-                <a:ea typeface="ＭＳ ゴシック" panose="020B0609070205080204" pitchFamily="49" charset="-128"/>
-              </a:rPr>
-              <a:t>, </a:t>
-            </a:r>
-            <a:r>
-              <a:rPr lang="en-US" altLang="ja-JP" sz="2400" dirty="0">
-                <a:solidFill>
-                  <a:srgbClr val="00B0F0"/>
-                </a:solidFill>
-                <a:ea typeface="ＭＳ ゴシック" panose="020B0609070205080204" pitchFamily="49" charset="-128"/>
-              </a:rPr>
-              <a:t>1.7320504 </a:t>
-            </a:r>
-            <a:r>
-              <a:rPr lang="en-US" altLang="ja-JP" sz="2400" dirty="0">
-                <a:ea typeface="ＭＳ ゴシック" panose="020B0609070205080204" pitchFamily="49" charset="-128"/>
-              </a:rPr>
-              <a:t>}, { </a:t>
-            </a:r>
-            <a:r>
-              <a:rPr lang="en-US" altLang="ja-JP" sz="2400" dirty="0">
-                <a:solidFill>
-                  <a:srgbClr val="FF0000"/>
-                </a:solidFill>
-                <a:ea typeface="ＭＳ ゴシック" panose="020B0609070205080204" pitchFamily="49" charset="-128"/>
-              </a:rPr>
-              <a:t>4</a:t>
-            </a:r>
-            <a:r>
-              <a:rPr lang="en-US" altLang="ja-JP" sz="2400" dirty="0">
-                <a:ea typeface="ＭＳ ゴシック" panose="020B0609070205080204" pitchFamily="49" charset="-128"/>
-              </a:rPr>
-              <a:t>, </a:t>
-            </a:r>
-            <a:r>
-              <a:rPr lang="en-US" altLang="ja-JP" sz="2400" dirty="0">
-                <a:solidFill>
-                  <a:srgbClr val="00B0F0"/>
-                </a:solidFill>
-                <a:ea typeface="ＭＳ ゴシック" panose="020B0609070205080204" pitchFamily="49" charset="-128"/>
-              </a:rPr>
-              <a:t>2.0000000</a:t>
-            </a:r>
-            <a:r>
-              <a:rPr lang="en-US" altLang="ja-JP" sz="2400" dirty="0">
-                <a:ea typeface="ＭＳ ゴシック" panose="020B0609070205080204" pitchFamily="49" charset="-128"/>
-              </a:rPr>
-              <a:t> },</a:t>
-            </a:r>
-            <a:br>
-              <a:rPr lang="en-US" altLang="ja-JP" sz="2400" dirty="0">
-                <a:ea typeface="ＭＳ ゴシック" panose="020B0609070205080204" pitchFamily="49" charset="-128"/>
-              </a:rPr>
-            </a:br>
-            <a:r>
-              <a:rPr lang="en-US" altLang="ja-JP" sz="2400" dirty="0">
-                <a:ea typeface="ＭＳ ゴシック" panose="020B0609070205080204" pitchFamily="49" charset="-128"/>
-              </a:rPr>
-              <a:t>          { </a:t>
-            </a:r>
-            <a:r>
-              <a:rPr lang="en-US" altLang="ja-JP" sz="2400" dirty="0">
-                <a:solidFill>
-                  <a:srgbClr val="FF0000"/>
-                </a:solidFill>
-                <a:ea typeface="ＭＳ ゴシック" panose="020B0609070205080204" pitchFamily="49" charset="-128"/>
-              </a:rPr>
-              <a:t>5</a:t>
-            </a:r>
-            <a:r>
-              <a:rPr lang="en-US" altLang="ja-JP" sz="2400" dirty="0">
-                <a:ea typeface="ＭＳ ゴシック" panose="020B0609070205080204" pitchFamily="49" charset="-128"/>
-              </a:rPr>
-              <a:t>, </a:t>
-            </a:r>
-            <a:r>
-              <a:rPr lang="en-US" altLang="ja-JP" sz="2400" dirty="0">
-                <a:solidFill>
-                  <a:srgbClr val="00B0F0"/>
-                </a:solidFill>
-                <a:ea typeface="ＭＳ ゴシック" panose="020B0609070205080204" pitchFamily="49" charset="-128"/>
-              </a:rPr>
-              <a:t>2.2360679 </a:t>
-            </a:r>
-            <a:r>
-              <a:rPr lang="en-US" altLang="ja-JP" sz="2400" dirty="0">
-                <a:ea typeface="ＭＳ ゴシック" panose="020B0609070205080204" pitchFamily="49" charset="-128"/>
-              </a:rPr>
-              <a:t>} };</a:t>
-            </a:r>
-            <a:br>
-              <a:rPr lang="en-US" altLang="ja-JP" sz="2400" dirty="0">
-                <a:ea typeface="ＭＳ ゴシック" panose="020B0609070205080204" pitchFamily="49" charset="-128"/>
-              </a:rPr>
-            </a:br>
-            <a:r>
-              <a:rPr lang="en-US" altLang="ja-JP" sz="2400" dirty="0">
-                <a:ea typeface="ＭＳ ゴシック" panose="020B0609070205080204" pitchFamily="49" charset="-128"/>
-              </a:rPr>
-              <a:t>//</a:t>
-            </a:r>
-            <a:r>
-              <a:rPr lang="ja-JP" altLang="en-US" sz="2400" dirty="0">
-                <a:ea typeface="ＭＳ ゴシック" panose="020B0609070205080204" pitchFamily="49" charset="-128"/>
-              </a:rPr>
-              <a:t>自然数と平方根の対応表</a:t>
-            </a:r>
-            <a:endParaRPr kumimoji="1" lang="ja-JP" altLang="en-US" sz="9600" dirty="0"/>
-          </a:p>
-        </p:txBody>
-      </p:sp>
-      <p:sp>
-        <p:nvSpPr>
-          <p:cNvPr id="4" name="テキスト ボックス 3">
-            <a:extLst>
-              <a:ext uri="{FF2B5EF4-FFF2-40B4-BE49-F238E27FC236}">
-                <a16:creationId xmlns:a16="http://schemas.microsoft.com/office/drawing/2014/main" id="{604F37C2-548E-3B3A-FDD0-5364F7017A1D}"/>
-              </a:ext>
-            </a:extLst>
-          </p:cNvPr>
-          <p:cNvSpPr txBox="1"/>
-          <p:nvPr/>
-        </p:nvSpPr>
-        <p:spPr>
-          <a:xfrm>
-            <a:off x="5905440" y="5525352"/>
-            <a:ext cx="6067687" cy="830997"/>
-          </a:xfrm>
-          <a:prstGeom prst="rect">
-            <a:avLst/>
-          </a:prstGeom>
-          <a:solidFill>
-            <a:schemeClr val="bg1"/>
-          </a:solidFill>
-          <a:ln>
-            <a:solidFill>
-              <a:schemeClr val="tx1"/>
-            </a:solidFill>
-          </a:ln>
-        </p:spPr>
-        <p:txBody>
-          <a:bodyPr wrap="none" rtlCol="0">
-            <a:spAutoFit/>
-          </a:bodyPr>
-          <a:lstStyle/>
-          <a:p>
-            <a:r>
-              <a:rPr kumimoji="1" lang="ja-JP" altLang="en-US" sz="2400" dirty="0">
-                <a:solidFill>
-                  <a:srgbClr val="00B050"/>
-                </a:solidFill>
-              </a:rPr>
-              <a:t>何かのペアをデータとして利用したいときに</a:t>
-            </a:r>
-            <a:endParaRPr kumimoji="1" lang="en-US" altLang="ja-JP" sz="2400" dirty="0">
-              <a:solidFill>
-                <a:srgbClr val="00B050"/>
-              </a:solidFill>
-            </a:endParaRPr>
-          </a:p>
-          <a:p>
-            <a:r>
-              <a:rPr kumimoji="1" lang="en-US" altLang="ja-JP" sz="2400" dirty="0">
-                <a:solidFill>
-                  <a:srgbClr val="00B050"/>
-                </a:solidFill>
-              </a:rPr>
-              <a:t>map</a:t>
-            </a:r>
-            <a:r>
-              <a:rPr kumimoji="1" lang="ja-JP" altLang="en-US" sz="2400" dirty="0">
-                <a:solidFill>
-                  <a:srgbClr val="00B050"/>
-                </a:solidFill>
-              </a:rPr>
-              <a:t>クラスは適している</a:t>
-            </a:r>
-          </a:p>
-        </p:txBody>
-      </p:sp>
-    </p:spTree>
-    <p:extLst>
-      <p:ext uri="{BB962C8B-B14F-4D97-AF65-F5344CB8AC3E}">
-        <p14:creationId xmlns:p14="http://schemas.microsoft.com/office/powerpoint/2010/main" val="121643851"/>
-      </p:ext>
-    </p:extLst>
-  </p:cSld>
-  <p:clrMapOvr>
-    <a:masterClrMapping/>
-  </p:clrMapOvr>
-</p:sld>
-</file>
-
-<file path=ppt/slides/slide41.xml><?xml version="1.0" encoding="utf-8"?>
-<p:sld xmlns:a="http://schemas.openxmlformats.org/drawingml/2006/main" xmlns:r="http://schemas.openxmlformats.org/officeDocument/2006/relationships" xmlns:p="http://schemas.openxmlformats.org/presentationml/2006/main">
-  <p:cSld>
-    <p:spTree>
-      <p:nvGrpSpPr>
-        <p:cNvPr id="1" name=""/>
-        <p:cNvGrpSpPr/>
-        <p:nvPr/>
-      </p:nvGrpSpPr>
-      <p:grpSpPr>
-        <a:xfrm>
-          <a:off x="0" y="0"/>
-          <a:ext cx="0" cy="0"/>
-          <a:chOff x="0" y="0"/>
-          <a:chExt cx="0" cy="0"/>
-        </a:xfrm>
-      </p:grpSpPr>
-      <p:sp>
-        <p:nvSpPr>
-          <p:cNvPr id="2" name="タイトル 1">
-            <a:extLst>
-              <a:ext uri="{FF2B5EF4-FFF2-40B4-BE49-F238E27FC236}">
-                <a16:creationId xmlns:a16="http://schemas.microsoft.com/office/drawing/2014/main" id="{F11F3668-F205-48C5-AC01-19611EFE561B}"/>
-              </a:ext>
-            </a:extLst>
-          </p:cNvPr>
-          <p:cNvSpPr>
-            <a:spLocks noGrp="1"/>
-          </p:cNvSpPr>
-          <p:nvPr>
-            <p:ph type="title"/>
-          </p:nvPr>
-        </p:nvSpPr>
-        <p:spPr/>
-        <p:txBody>
-          <a:bodyPr/>
-          <a:lstStyle/>
-          <a:p>
-            <a:r>
-              <a:rPr kumimoji="1" lang="en-US" altLang="ja-JP" dirty="0"/>
-              <a:t>map</a:t>
-            </a:r>
-            <a:r>
-              <a:rPr kumimoji="1" lang="ja-JP" altLang="en-US" dirty="0"/>
-              <a:t>クラス</a:t>
-            </a:r>
-          </a:p>
-        </p:txBody>
-      </p:sp>
-      <p:sp>
-        <p:nvSpPr>
-          <p:cNvPr id="3" name="コンテンツ プレースホルダー 2">
-            <a:extLst>
-              <a:ext uri="{FF2B5EF4-FFF2-40B4-BE49-F238E27FC236}">
-                <a16:creationId xmlns:a16="http://schemas.microsoft.com/office/drawing/2014/main" id="{64DBE417-57E9-44A6-BB52-B2F9986BB7B2}"/>
-              </a:ext>
-            </a:extLst>
-          </p:cNvPr>
-          <p:cNvSpPr>
-            <a:spLocks noGrp="1"/>
-          </p:cNvSpPr>
-          <p:nvPr>
-            <p:ph idx="1"/>
-          </p:nvPr>
-        </p:nvSpPr>
-        <p:spPr>
-          <a:xfrm>
-            <a:off x="838200" y="1162976"/>
-            <a:ext cx="10515600" cy="5193373"/>
-          </a:xfrm>
-        </p:spPr>
-        <p:txBody>
-          <a:bodyPr>
-            <a:normAutofit/>
-          </a:bodyPr>
-          <a:lstStyle/>
-          <a:p>
-            <a:pPr marL="0" indent="0">
-              <a:buNone/>
-            </a:pPr>
-            <a:r>
-              <a:rPr kumimoji="1" lang="en-US" altLang="ja-JP" dirty="0"/>
-              <a:t>                </a:t>
-            </a:r>
-            <a:br>
-              <a:rPr lang="en-US" altLang="ja-JP" dirty="0"/>
-            </a:br>
-            <a:br>
-              <a:rPr lang="en-US" altLang="ja-JP" dirty="0"/>
-            </a:br>
-            <a:br>
-              <a:rPr lang="en-US" altLang="ja-JP" dirty="0"/>
-            </a:br>
-            <a:br>
-              <a:rPr lang="en-US" altLang="ja-JP" sz="2400" dirty="0"/>
-            </a:br>
-            <a:br>
-              <a:rPr lang="en-US" altLang="ja-JP" sz="2400" dirty="0"/>
-            </a:br>
-            <a:endParaRPr lang="en-US" altLang="ja-JP" sz="2400" dirty="0"/>
-          </a:p>
-          <a:p>
-            <a:pPr marL="0" indent="0">
-              <a:buNone/>
-            </a:pPr>
-            <a:br>
-              <a:rPr lang="en-US" altLang="ja-JP" sz="2400" dirty="0"/>
-            </a:br>
-            <a:endParaRPr lang="en-US" altLang="ja-JP" dirty="0">
-              <a:solidFill>
-                <a:srgbClr val="FF0000"/>
-              </a:solidFill>
-            </a:endParaRPr>
-          </a:p>
-        </p:txBody>
-      </p:sp>
-      <p:sp>
-        <p:nvSpPr>
-          <p:cNvPr id="5" name="テキスト ボックス 4">
-            <a:extLst>
-              <a:ext uri="{FF2B5EF4-FFF2-40B4-BE49-F238E27FC236}">
-                <a16:creationId xmlns:a16="http://schemas.microsoft.com/office/drawing/2014/main" id="{9E32883C-0E37-4F07-9861-27609819CE8C}"/>
-              </a:ext>
-            </a:extLst>
-          </p:cNvPr>
-          <p:cNvSpPr txBox="1"/>
-          <p:nvPr/>
-        </p:nvSpPr>
-        <p:spPr>
-          <a:xfrm>
-            <a:off x="838200" y="1128173"/>
             <a:ext cx="11134927" cy="3908762"/>
           </a:xfrm>
           <a:prstGeom prst="rect">
@@ -32411,7 +31267,7 @@
 </p:sld>
 </file>
 
-<file path=ppt/slides/slide42.xml><?xml version="1.0" encoding="utf-8"?>
+<file path=ppt/slides/slide41.xml><?xml version="1.0" encoding="utf-8"?>
 <p:sld xmlns:a="http://schemas.openxmlformats.org/drawingml/2006/main" xmlns:r="http://schemas.openxmlformats.org/officeDocument/2006/relationships" xmlns:p="http://schemas.openxmlformats.org/presentationml/2006/main">
   <p:cSld>
     <p:spTree>

--- a/授業資料/講義資料：CSVファイル.pptx
+++ b/授業資料/講義資料：CSVファイル.pptx
@@ -33,14 +33,17 @@
     <p:sldId id="419" r:id="rId27"/>
     <p:sldId id="420" r:id="rId28"/>
     <p:sldId id="421" r:id="rId29"/>
-    <p:sldId id="422" r:id="rId30"/>
-    <p:sldId id="423" r:id="rId31"/>
-    <p:sldId id="424" r:id="rId32"/>
-    <p:sldId id="425" r:id="rId33"/>
-    <p:sldId id="426" r:id="rId34"/>
-    <p:sldId id="427" r:id="rId35"/>
-    <p:sldId id="373" r:id="rId36"/>
-    <p:sldId id="349" r:id="rId37"/>
+    <p:sldId id="428" r:id="rId30"/>
+    <p:sldId id="422" r:id="rId31"/>
+    <p:sldId id="423" r:id="rId32"/>
+    <p:sldId id="424" r:id="rId33"/>
+    <p:sldId id="425" r:id="rId34"/>
+    <p:sldId id="426" r:id="rId35"/>
+    <p:sldId id="427" r:id="rId36"/>
+    <p:sldId id="429" r:id="rId37"/>
+    <p:sldId id="430" r:id="rId38"/>
+    <p:sldId id="373" r:id="rId39"/>
+    <p:sldId id="349" r:id="rId40"/>
   </p:sldIdLst>
   <p:sldSz cx="12192000" cy="6858000"/>
   <p:notesSz cx="6858000" cy="9144000"/>
@@ -278,7 +281,7 @@
           <a:p>
             <a:fld id="{5B96D3F8-CD2E-4A0D-AC38-517181EABB18}" type="datetimeFigureOut">
               <a:rPr kumimoji="1" lang="ja-JP" altLang="en-US" smtClean="0"/>
-              <a:t>2024/11/1</a:t>
+              <a:t>2024/11/4</a:t>
             </a:fld>
             <a:endParaRPr kumimoji="1" lang="ja-JP" altLang="en-US"/>
           </a:p>
@@ -480,7 +483,7 @@
           <a:p>
             <a:fld id="{5B96D3F8-CD2E-4A0D-AC38-517181EABB18}" type="datetimeFigureOut">
               <a:rPr kumimoji="1" lang="ja-JP" altLang="en-US" smtClean="0"/>
-              <a:t>2024/11/1</a:t>
+              <a:t>2024/11/4</a:t>
             </a:fld>
             <a:endParaRPr kumimoji="1" lang="ja-JP" altLang="en-US"/>
           </a:p>
@@ -692,7 +695,7 @@
           <a:p>
             <a:fld id="{5B96D3F8-CD2E-4A0D-AC38-517181EABB18}" type="datetimeFigureOut">
               <a:rPr kumimoji="1" lang="ja-JP" altLang="en-US" smtClean="0"/>
-              <a:t>2024/11/1</a:t>
+              <a:t>2024/11/4</a:t>
             </a:fld>
             <a:endParaRPr kumimoji="1" lang="ja-JP" altLang="en-US"/>
           </a:p>
@@ -894,7 +897,7 @@
           <a:p>
             <a:fld id="{5B96D3F8-CD2E-4A0D-AC38-517181EABB18}" type="datetimeFigureOut">
               <a:rPr kumimoji="1" lang="ja-JP" altLang="en-US" smtClean="0"/>
-              <a:t>2024/11/1</a:t>
+              <a:t>2024/11/4</a:t>
             </a:fld>
             <a:endParaRPr kumimoji="1" lang="ja-JP" altLang="en-US"/>
           </a:p>
@@ -1140,7 +1143,7 @@
           <a:p>
             <a:fld id="{5B96D3F8-CD2E-4A0D-AC38-517181EABB18}" type="datetimeFigureOut">
               <a:rPr kumimoji="1" lang="ja-JP" altLang="en-US" smtClean="0"/>
-              <a:t>2024/11/1</a:t>
+              <a:t>2024/11/4</a:t>
             </a:fld>
             <a:endParaRPr kumimoji="1" lang="ja-JP" altLang="en-US"/>
           </a:p>
@@ -1436,7 +1439,7 @@
           <a:p>
             <a:fld id="{5B96D3F8-CD2E-4A0D-AC38-517181EABB18}" type="datetimeFigureOut">
               <a:rPr kumimoji="1" lang="ja-JP" altLang="en-US" smtClean="0"/>
-              <a:t>2024/11/1</a:t>
+              <a:t>2024/11/4</a:t>
             </a:fld>
             <a:endParaRPr kumimoji="1" lang="ja-JP" altLang="en-US"/>
           </a:p>
@@ -1867,7 +1870,7 @@
           <a:p>
             <a:fld id="{5B96D3F8-CD2E-4A0D-AC38-517181EABB18}" type="datetimeFigureOut">
               <a:rPr kumimoji="1" lang="ja-JP" altLang="en-US" smtClean="0"/>
-              <a:t>2024/11/1</a:t>
+              <a:t>2024/11/4</a:t>
             </a:fld>
             <a:endParaRPr kumimoji="1" lang="ja-JP" altLang="en-US"/>
           </a:p>
@@ -1985,7 +1988,7 @@
           <a:p>
             <a:fld id="{5B96D3F8-CD2E-4A0D-AC38-517181EABB18}" type="datetimeFigureOut">
               <a:rPr kumimoji="1" lang="ja-JP" altLang="en-US" smtClean="0"/>
-              <a:t>2024/11/1</a:t>
+              <a:t>2024/11/4</a:t>
             </a:fld>
             <a:endParaRPr kumimoji="1" lang="ja-JP" altLang="en-US"/>
           </a:p>
@@ -2080,7 +2083,7 @@
           <a:p>
             <a:fld id="{5B96D3F8-CD2E-4A0D-AC38-517181EABB18}" type="datetimeFigureOut">
               <a:rPr kumimoji="1" lang="ja-JP" altLang="en-US" smtClean="0"/>
-              <a:t>2024/11/1</a:t>
+              <a:t>2024/11/4</a:t>
             </a:fld>
             <a:endParaRPr kumimoji="1" lang="ja-JP" altLang="en-US"/>
           </a:p>
@@ -2389,7 +2392,7 @@
           <a:p>
             <a:fld id="{5B96D3F8-CD2E-4A0D-AC38-517181EABB18}" type="datetimeFigureOut">
               <a:rPr kumimoji="1" lang="ja-JP" altLang="en-US" smtClean="0"/>
-              <a:t>2024/11/1</a:t>
+              <a:t>2024/11/4</a:t>
             </a:fld>
             <a:endParaRPr kumimoji="1" lang="ja-JP" altLang="en-US"/>
           </a:p>
@@ -2646,7 +2649,7 @@
           <a:p>
             <a:fld id="{5B96D3F8-CD2E-4A0D-AC38-517181EABB18}" type="datetimeFigureOut">
               <a:rPr kumimoji="1" lang="ja-JP" altLang="en-US" smtClean="0"/>
-              <a:t>2024/11/1</a:t>
+              <a:t>2024/11/4</a:t>
             </a:fld>
             <a:endParaRPr kumimoji="1" lang="ja-JP" altLang="en-US"/>
           </a:p>
@@ -2891,7 +2894,7 @@
           <a:p>
             <a:fld id="{5B96D3F8-CD2E-4A0D-AC38-517181EABB18}" type="datetimeFigureOut">
               <a:rPr kumimoji="1" lang="ja-JP" altLang="en-US" smtClean="0"/>
-              <a:t>2024/11/1</a:t>
+              <a:t>2024/11/4</a:t>
             </a:fld>
             <a:endParaRPr kumimoji="1" lang="ja-JP" altLang="en-US"/>
           </a:p>
@@ -15361,7 +15364,7 @@
         <p:cNvPr id="1" name="">
           <a:extLst>
             <a:ext uri="{FF2B5EF4-FFF2-40B4-BE49-F238E27FC236}">
-              <a16:creationId xmlns:a16="http://schemas.microsoft.com/office/drawing/2014/main" id="{95478A26-18ED-F366-66EE-0A3C48D95B14}"/>
+              <a16:creationId xmlns:a16="http://schemas.microsoft.com/office/drawing/2014/main" id="{5D7BEC91-4F4C-EEB1-FC8B-CD79CD8CF099}"/>
             </a:ext>
           </a:extLst>
         </p:cNvPr>
@@ -15381,7 +15384,7 @@
           <p:cNvPr id="2" name="タイトル 1">
             <a:extLst>
               <a:ext uri="{FF2B5EF4-FFF2-40B4-BE49-F238E27FC236}">
-                <a16:creationId xmlns:a16="http://schemas.microsoft.com/office/drawing/2014/main" id="{C42CBA43-AFBF-5CCA-4760-5551A93A86BA}"/>
+                <a16:creationId xmlns:a16="http://schemas.microsoft.com/office/drawing/2014/main" id="{D6783E00-7D53-C06E-7F77-28A266B665F5}"/>
               </a:ext>
             </a:extLst>
           </p:cNvPr>
@@ -15414,7 +15417,7 @@
           <p:cNvPr id="3" name="コンテンツ プレースホルダー 2">
             <a:extLst>
               <a:ext uri="{FF2B5EF4-FFF2-40B4-BE49-F238E27FC236}">
-                <a16:creationId xmlns:a16="http://schemas.microsoft.com/office/drawing/2014/main" id="{164827C8-D75F-0245-B4C7-A7A693042D01}"/>
+                <a16:creationId xmlns:a16="http://schemas.microsoft.com/office/drawing/2014/main" id="{21849AA0-30B0-1652-9538-94BA4547E7DA}"/>
               </a:ext>
             </a:extLst>
           </p:cNvPr>
@@ -15439,127 +15442,59 @@
           <a:p>
             <a:r>
               <a:rPr lang="ja-JP" altLang="en-US" dirty="0"/>
-              <a:t>そこで文字列は</a:t>
+              <a:t>複数行にわたる</a:t>
+            </a:r>
+            <a:r>
+              <a:rPr lang="en-US" altLang="ja-JP" dirty="0"/>
+              <a:t>CSV</a:t>
+            </a:r>
+            <a:r>
+              <a:rPr lang="ja-JP" altLang="en-US" dirty="0"/>
+              <a:t>ファイルを読み込んで配列に</a:t>
+            </a:r>
+            <a:br>
+              <a:rPr lang="en-US" altLang="ja-JP" dirty="0"/>
+            </a:br>
+            <a:r>
+              <a:rPr lang="ja-JP" altLang="en-US" dirty="0"/>
+              <a:t>格納することができた</a:t>
+            </a:r>
+            <a:br>
+              <a:rPr lang="en-US" altLang="ja-JP" dirty="0"/>
+            </a:br>
+            <a:br>
+              <a:rPr lang="en-US" altLang="ja-JP" dirty="0"/>
+            </a:br>
+            <a:r>
+              <a:rPr lang="ja-JP" altLang="en-US" dirty="0"/>
+              <a:t>・・・が、すべての要素が文字列（数字も文字列）として格納されている</a:t>
+            </a:r>
+            <a:br>
+              <a:rPr lang="en-US" altLang="ja-JP" dirty="0"/>
+            </a:br>
+            <a:r>
+              <a:rPr lang="en-US" altLang="ja-JP" dirty="0"/>
+              <a:t>vector&lt;vector&lt;</a:t>
             </a:r>
             <a:r>
               <a:rPr lang="en-US" altLang="ja-JP" dirty="0">
                 <a:solidFill>
-                  <a:srgbClr val="00B050"/>
+                  <a:srgbClr val="FF0000"/>
                 </a:solidFill>
               </a:rPr>
               <a:t>string</a:t>
             </a:r>
             <a:r>
-              <a:rPr lang="ja-JP" altLang="en-US" dirty="0"/>
-              <a:t>、数値は</a:t>
-            </a:r>
-            <a:r>
-              <a:rPr lang="en-US" altLang="ja-JP" dirty="0">
-                <a:solidFill>
-                  <a:srgbClr val="0000FF"/>
-                </a:solidFill>
-              </a:rPr>
-              <a:t>int</a:t>
-            </a:r>
-            <a:r>
-              <a:rPr lang="ja-JP" altLang="en-US" dirty="0"/>
-              <a:t>値で格納できるように変更を行う</a:t>
-            </a:r>
-            <a:br>
-              <a:rPr lang="en-US" altLang="ja-JP" dirty="0"/>
-            </a:br>
-            <a:endParaRPr lang="en-US" altLang="ja-JP" dirty="0"/>
-          </a:p>
-          <a:p>
-            <a:r>
-              <a:rPr lang="en-US" altLang="ja-JP" dirty="0">
-                <a:solidFill>
-                  <a:srgbClr val="FF00FF"/>
-                </a:solidFill>
-              </a:rPr>
-              <a:t>Enemy</a:t>
-            </a:r>
-            <a:r>
-              <a:rPr lang="ja-JP" altLang="en-US" dirty="0">
-                <a:solidFill>
-                  <a:srgbClr val="FF00FF"/>
-                </a:solidFill>
-              </a:rPr>
-              <a:t>クラス</a:t>
-            </a:r>
-            <a:r>
-              <a:rPr lang="ja-JP" altLang="en-US" dirty="0"/>
-              <a:t>を定義して、そのメンバ変数に</a:t>
-            </a:r>
-            <a:r>
-              <a:rPr lang="en-US" altLang="ja-JP" dirty="0"/>
-              <a:t>CSV</a:t>
-            </a:r>
-            <a:r>
-              <a:rPr lang="ja-JP" altLang="en-US" dirty="0"/>
-              <a:t>ファイルからデータを格納していく</a:t>
-            </a:r>
-            <a:br>
-              <a:rPr lang="en-US" altLang="ja-JP" dirty="0"/>
-            </a:br>
-            <a:endParaRPr lang="en-US" altLang="ja-JP" dirty="0"/>
-          </a:p>
-          <a:p>
-            <a:r>
-              <a:rPr lang="ja-JP" altLang="en-US" dirty="0"/>
-              <a:t>複数体の</a:t>
-            </a:r>
-            <a:r>
-              <a:rPr lang="en-US" altLang="ja-JP" dirty="0"/>
-              <a:t>Enemy</a:t>
-            </a:r>
-            <a:r>
-              <a:rPr lang="ja-JP" altLang="en-US" dirty="0"/>
-              <a:t>に対応できるように、</a:t>
-            </a:r>
-            <a:r>
-              <a:rPr lang="en-US" altLang="ja-JP" dirty="0">
-                <a:solidFill>
-                  <a:srgbClr val="00B050"/>
-                </a:solidFill>
-              </a:rPr>
-              <a:t>Enemy</a:t>
-            </a:r>
-            <a:r>
-              <a:rPr lang="ja-JP" altLang="en-US" dirty="0">
-                <a:solidFill>
-                  <a:srgbClr val="00B050"/>
-                </a:solidFill>
-              </a:rPr>
-              <a:t>は</a:t>
-            </a:r>
-            <a:br>
-              <a:rPr lang="en-US" altLang="ja-JP" dirty="0">
-                <a:solidFill>
-                  <a:srgbClr val="00B050"/>
-                </a:solidFill>
-              </a:rPr>
-            </a:br>
-            <a:r>
-              <a:rPr lang="en-US" altLang="ja-JP" dirty="0">
-                <a:solidFill>
-                  <a:srgbClr val="00B050"/>
-                </a:solidFill>
-              </a:rPr>
-              <a:t>vector</a:t>
-            </a:r>
-            <a:r>
-              <a:rPr lang="ja-JP" altLang="en-US" dirty="0">
-                <a:solidFill>
-                  <a:srgbClr val="00B050"/>
-                </a:solidFill>
-              </a:rPr>
-              <a:t>で配列化</a:t>
-            </a:r>
-            <a:r>
-              <a:rPr lang="ja-JP" altLang="en-US" dirty="0"/>
-              <a:t>する</a:t>
-            </a:r>
+              <a:rPr lang="en-US" altLang="ja-JP" dirty="0"/>
+              <a:t>&gt;&gt; </a:t>
+            </a:r>
+            <a:r>
+              <a:rPr lang="en-US" altLang="ja-JP" dirty="0" err="1"/>
+              <a:t>vEne</a:t>
+            </a:r>
+            <a:br>
+              <a:rPr lang="en-US" altLang="ja-JP" dirty="0"/>
+            </a:br>
             <a:endParaRPr lang="en-US" altLang="ja-JP" dirty="0"/>
           </a:p>
           <a:p>
@@ -15571,10 +15506,186 @@
           </a:p>
         </p:txBody>
       </p:sp>
+      <p:pic>
+        <p:nvPicPr>
+          <p:cNvPr id="5" name="図 4">
+            <a:extLst>
+              <a:ext uri="{FF2B5EF4-FFF2-40B4-BE49-F238E27FC236}">
+                <a16:creationId xmlns:a16="http://schemas.microsoft.com/office/drawing/2014/main" id="{F96AA867-0336-A4E6-E1EB-6D0F02A00A44}"/>
+              </a:ext>
+            </a:extLst>
+          </p:cNvPr>
+          <p:cNvPicPr>
+            <a:picLocks noChangeAspect="1"/>
+          </p:cNvPicPr>
+          <p:nvPr/>
+        </p:nvPicPr>
+        <p:blipFill>
+          <a:blip r:embed="rId2"/>
+          <a:stretch>
+            <a:fillRect/>
+          </a:stretch>
+        </p:blipFill>
+        <p:spPr>
+          <a:xfrm>
+            <a:off x="2009249" y="4462238"/>
+            <a:ext cx="7869140" cy="2172025"/>
+          </a:xfrm>
+          <a:prstGeom prst="rect">
+            <a:avLst/>
+          </a:prstGeom>
+        </p:spPr>
+      </p:pic>
+      <p:sp>
+        <p:nvSpPr>
+          <p:cNvPr id="4" name="正方形/長方形 3">
+            <a:extLst>
+              <a:ext uri="{FF2B5EF4-FFF2-40B4-BE49-F238E27FC236}">
+                <a16:creationId xmlns:a16="http://schemas.microsoft.com/office/drawing/2014/main" id="{8150ADBA-E8FE-D303-80F9-3A150FBC8E0B}"/>
+              </a:ext>
+            </a:extLst>
+          </p:cNvPr>
+          <p:cNvSpPr/>
+          <p:nvPr/>
+        </p:nvSpPr>
+        <p:spPr>
+          <a:xfrm>
+            <a:off x="5154706" y="4984376"/>
+            <a:ext cx="4715435" cy="1640542"/>
+          </a:xfrm>
+          <a:prstGeom prst="rect">
+            <a:avLst/>
+          </a:prstGeom>
+          <a:solidFill>
+            <a:srgbClr val="FF0000">
+              <a:alpha val="16863"/>
+            </a:srgbClr>
+          </a:solidFill>
+        </p:spPr>
+        <p:style>
+          <a:lnRef idx="2">
+            <a:schemeClr val="accent1">
+              <a:shade val="15000"/>
+            </a:schemeClr>
+          </a:lnRef>
+          <a:fillRef idx="1">
+            <a:schemeClr val="accent1"/>
+          </a:fillRef>
+          <a:effectRef idx="0">
+            <a:schemeClr val="accent1"/>
+          </a:effectRef>
+          <a:fontRef idx="minor">
+            <a:schemeClr val="lt1"/>
+          </a:fontRef>
+        </p:style>
+        <p:txBody>
+          <a:bodyPr rtlCol="0" anchor="ctr"/>
+          <a:lstStyle/>
+          <a:p>
+            <a:pPr algn="ctr"/>
+            <a:endParaRPr kumimoji="1" lang="ja-JP" altLang="en-US"/>
+          </a:p>
+        </p:txBody>
+      </p:sp>
+      <p:sp>
+        <p:nvSpPr>
+          <p:cNvPr id="6" name="テキスト ボックス 5">
+            <a:extLst>
+              <a:ext uri="{FF2B5EF4-FFF2-40B4-BE49-F238E27FC236}">
+                <a16:creationId xmlns:a16="http://schemas.microsoft.com/office/drawing/2014/main" id="{63B8F227-FAEC-2498-DB3E-9AE8F51DE83E}"/>
+              </a:ext>
+            </a:extLst>
+          </p:cNvPr>
+          <p:cNvSpPr txBox="1"/>
+          <p:nvPr/>
+        </p:nvSpPr>
+        <p:spPr>
+          <a:xfrm>
+            <a:off x="9654126" y="4069976"/>
+            <a:ext cx="2537874" cy="830997"/>
+          </a:xfrm>
+          <a:prstGeom prst="rect">
+            <a:avLst/>
+          </a:prstGeom>
+          <a:noFill/>
+        </p:spPr>
+        <p:txBody>
+          <a:bodyPr wrap="none" rtlCol="0">
+            <a:spAutoFit/>
+          </a:bodyPr>
+          <a:lstStyle/>
+          <a:p>
+            <a:r>
+              <a:rPr kumimoji="1" lang="ja-JP" altLang="en-US" sz="2400" dirty="0">
+                <a:solidFill>
+                  <a:srgbClr val="FF0000"/>
+                </a:solidFill>
+              </a:rPr>
+              <a:t>整数として扱える</a:t>
+            </a:r>
+            <a:br>
+              <a:rPr kumimoji="1" lang="en-US" altLang="ja-JP" sz="2400" dirty="0">
+                <a:solidFill>
+                  <a:srgbClr val="FF0000"/>
+                </a:solidFill>
+              </a:rPr>
+            </a:br>
+            <a:r>
+              <a:rPr kumimoji="1" lang="ja-JP" altLang="en-US" sz="2400" dirty="0">
+                <a:solidFill>
+                  <a:srgbClr val="FF0000"/>
+                </a:solidFill>
+              </a:rPr>
+              <a:t>ようにする</a:t>
+            </a:r>
+          </a:p>
+        </p:txBody>
+      </p:sp>
+      <p:cxnSp>
+        <p:nvCxnSpPr>
+          <p:cNvPr id="8" name="直線矢印コネクタ 7">
+            <a:extLst>
+              <a:ext uri="{FF2B5EF4-FFF2-40B4-BE49-F238E27FC236}">
+                <a16:creationId xmlns:a16="http://schemas.microsoft.com/office/drawing/2014/main" id="{197881DE-BDB3-ECDE-7FDB-C1478202BA9B}"/>
+              </a:ext>
+            </a:extLst>
+          </p:cNvPr>
+          <p:cNvCxnSpPr>
+            <a:cxnSpLocks/>
+          </p:cNvCxnSpPr>
+          <p:nvPr/>
+        </p:nvCxnSpPr>
+        <p:spPr>
+          <a:xfrm flipH="1">
+            <a:off x="9538447" y="4840941"/>
+            <a:ext cx="762000" cy="609600"/>
+          </a:xfrm>
+          <a:prstGeom prst="straightConnector1">
+            <a:avLst/>
+          </a:prstGeom>
+          <a:ln w="76200">
+            <a:tailEnd type="triangle"/>
+          </a:ln>
+        </p:spPr>
+        <p:style>
+          <a:lnRef idx="1">
+            <a:schemeClr val="accent1"/>
+          </a:lnRef>
+          <a:fillRef idx="0">
+            <a:schemeClr val="accent1"/>
+          </a:fillRef>
+          <a:effectRef idx="0">
+            <a:schemeClr val="accent1"/>
+          </a:effectRef>
+          <a:fontRef idx="minor">
+            <a:schemeClr val="tx1"/>
+          </a:fontRef>
+        </p:style>
+      </p:cxnSp>
     </p:spTree>
     <p:extLst>
       <p:ext uri="{BB962C8B-B14F-4D97-AF65-F5344CB8AC3E}">
-        <p14:creationId xmlns:p14="http://schemas.microsoft.com/office/powerpoint/2010/main" val="3337268628"/>
+        <p14:creationId xmlns:p14="http://schemas.microsoft.com/office/powerpoint/2010/main" val="442498709"/>
       </p:ext>
     </p:extLst>
   </p:cSld>
@@ -15787,6 +15898,240 @@
         <p:cNvPr id="1" name="">
           <a:extLst>
             <a:ext uri="{FF2B5EF4-FFF2-40B4-BE49-F238E27FC236}">
+              <a16:creationId xmlns:a16="http://schemas.microsoft.com/office/drawing/2014/main" id="{95478A26-18ED-F366-66EE-0A3C48D95B14}"/>
+            </a:ext>
+          </a:extLst>
+        </p:cNvPr>
+        <p:cNvGrpSpPr/>
+        <p:nvPr/>
+      </p:nvGrpSpPr>
+      <p:grpSpPr>
+        <a:xfrm>
+          <a:off x="0" y="0"/>
+          <a:ext cx="0" cy="0"/>
+          <a:chOff x="0" y="0"/>
+          <a:chExt cx="0" cy="0"/>
+        </a:xfrm>
+      </p:grpSpPr>
+      <p:sp>
+        <p:nvSpPr>
+          <p:cNvPr id="2" name="タイトル 1">
+            <a:extLst>
+              <a:ext uri="{FF2B5EF4-FFF2-40B4-BE49-F238E27FC236}">
+                <a16:creationId xmlns:a16="http://schemas.microsoft.com/office/drawing/2014/main" id="{C42CBA43-AFBF-5CCA-4760-5551A93A86BA}"/>
+              </a:ext>
+            </a:extLst>
+          </p:cNvPr>
+          <p:cNvSpPr>
+            <a:spLocks noGrp="1"/>
+          </p:cNvSpPr>
+          <p:nvPr>
+            <p:ph type="title"/>
+          </p:nvPr>
+        </p:nvSpPr>
+        <p:spPr/>
+        <p:txBody>
+          <a:bodyPr/>
+          <a:lstStyle/>
+          <a:p>
+            <a:r>
+              <a:rPr lang="en-US" altLang="ja-JP" dirty="0"/>
+              <a:t>CSV</a:t>
+            </a:r>
+            <a:r>
+              <a:rPr lang="ja-JP" altLang="en-US" dirty="0"/>
+              <a:t>ファイル</a:t>
+            </a:r>
+            <a:endParaRPr kumimoji="1" lang="ja-JP" altLang="en-US" dirty="0"/>
+          </a:p>
+        </p:txBody>
+      </p:sp>
+      <p:sp>
+        <p:nvSpPr>
+          <p:cNvPr id="3" name="コンテンツ プレースホルダー 2">
+            <a:extLst>
+              <a:ext uri="{FF2B5EF4-FFF2-40B4-BE49-F238E27FC236}">
+                <a16:creationId xmlns:a16="http://schemas.microsoft.com/office/drawing/2014/main" id="{164827C8-D75F-0245-B4C7-A7A693042D01}"/>
+              </a:ext>
+            </a:extLst>
+          </p:cNvPr>
+          <p:cNvSpPr>
+            <a:spLocks noGrp="1"/>
+          </p:cNvSpPr>
+          <p:nvPr>
+            <p:ph idx="1"/>
+          </p:nvPr>
+        </p:nvSpPr>
+        <p:spPr>
+          <a:xfrm>
+            <a:off x="838200" y="1162976"/>
+            <a:ext cx="10515600" cy="5193373"/>
+          </a:xfrm>
+        </p:spPr>
+        <p:txBody>
+          <a:bodyPr>
+            <a:normAutofit/>
+          </a:bodyPr>
+          <a:lstStyle/>
+          <a:p>
+            <a:r>
+              <a:rPr lang="ja-JP" altLang="en-US" dirty="0"/>
+              <a:t>そこで文字列は</a:t>
+            </a:r>
+            <a:r>
+              <a:rPr lang="en-US" altLang="ja-JP" dirty="0">
+                <a:solidFill>
+                  <a:srgbClr val="00B050"/>
+                </a:solidFill>
+              </a:rPr>
+              <a:t>string</a:t>
+            </a:r>
+            <a:r>
+              <a:rPr lang="ja-JP" altLang="en-US" dirty="0"/>
+              <a:t>、数値は</a:t>
+            </a:r>
+            <a:r>
+              <a:rPr lang="en-US" altLang="ja-JP" dirty="0">
+                <a:solidFill>
+                  <a:srgbClr val="0000FF"/>
+                </a:solidFill>
+              </a:rPr>
+              <a:t>int</a:t>
+            </a:r>
+            <a:r>
+              <a:rPr lang="ja-JP" altLang="en-US" dirty="0"/>
+              <a:t>値で格納できるように変更を行う</a:t>
+            </a:r>
+            <a:br>
+              <a:rPr lang="en-US" altLang="ja-JP" dirty="0"/>
+            </a:br>
+            <a:endParaRPr lang="en-US" altLang="ja-JP" dirty="0"/>
+          </a:p>
+          <a:p>
+            <a:r>
+              <a:rPr lang="en-US" altLang="ja-JP" dirty="0">
+                <a:solidFill>
+                  <a:srgbClr val="FF00FF"/>
+                </a:solidFill>
+              </a:rPr>
+              <a:t>Enemy</a:t>
+            </a:r>
+            <a:r>
+              <a:rPr lang="ja-JP" altLang="en-US" dirty="0">
+                <a:solidFill>
+                  <a:srgbClr val="FF00FF"/>
+                </a:solidFill>
+              </a:rPr>
+              <a:t>クラス</a:t>
+            </a:r>
+            <a:r>
+              <a:rPr lang="ja-JP" altLang="en-US" dirty="0"/>
+              <a:t>を定義して、そのメンバ変数に</a:t>
+            </a:r>
+            <a:br>
+              <a:rPr lang="en-US" altLang="ja-JP" dirty="0"/>
+            </a:br>
+            <a:r>
+              <a:rPr lang="en-US" altLang="ja-JP" dirty="0"/>
+              <a:t>CSV</a:t>
+            </a:r>
+            <a:r>
+              <a:rPr lang="ja-JP" altLang="en-US" dirty="0"/>
+              <a:t>ファイルからデータを格納していく</a:t>
+            </a:r>
+            <a:br>
+              <a:rPr lang="en-US" altLang="ja-JP" dirty="0"/>
+            </a:br>
+            <a:endParaRPr lang="en-US" altLang="ja-JP" dirty="0"/>
+          </a:p>
+          <a:p>
+            <a:r>
+              <a:rPr lang="ja-JP" altLang="en-US" dirty="0"/>
+              <a:t>複数体の</a:t>
+            </a:r>
+            <a:r>
+              <a:rPr lang="en-US" altLang="ja-JP" dirty="0"/>
+              <a:t>Enemy</a:t>
+            </a:r>
+            <a:r>
+              <a:rPr lang="ja-JP" altLang="en-US" dirty="0"/>
+              <a:t>に対応できるように、</a:t>
+            </a:r>
+            <a:r>
+              <a:rPr lang="en-US" altLang="ja-JP" dirty="0">
+                <a:solidFill>
+                  <a:srgbClr val="00B050"/>
+                </a:solidFill>
+              </a:rPr>
+              <a:t>Enemy</a:t>
+            </a:r>
+            <a:r>
+              <a:rPr lang="ja-JP" altLang="en-US" dirty="0">
+                <a:solidFill>
+                  <a:srgbClr val="00B050"/>
+                </a:solidFill>
+              </a:rPr>
+              <a:t>は</a:t>
+            </a:r>
+            <a:br>
+              <a:rPr lang="en-US" altLang="ja-JP" dirty="0">
+                <a:solidFill>
+                  <a:srgbClr val="00B050"/>
+                </a:solidFill>
+              </a:rPr>
+            </a:br>
+            <a:r>
+              <a:rPr lang="en-US" altLang="ja-JP" dirty="0">
+                <a:solidFill>
+                  <a:srgbClr val="00B050"/>
+                </a:solidFill>
+              </a:rPr>
+              <a:t>vector</a:t>
+            </a:r>
+            <a:r>
+              <a:rPr lang="ja-JP" altLang="en-US" dirty="0">
+                <a:solidFill>
+                  <a:srgbClr val="00B050"/>
+                </a:solidFill>
+              </a:rPr>
+              <a:t>で配列化</a:t>
+            </a:r>
+            <a:r>
+              <a:rPr lang="ja-JP" altLang="en-US" dirty="0"/>
+              <a:t>する</a:t>
+            </a:r>
+            <a:endParaRPr lang="en-US" altLang="ja-JP" dirty="0"/>
+          </a:p>
+          <a:p>
+            <a:pPr marL="971550" lvl="1" indent="-514350">
+              <a:buFont typeface="+mj-ea"/>
+              <a:buAutoNum type="circleNumDbPlain"/>
+            </a:pPr>
+            <a:endParaRPr lang="en-US" altLang="ja-JP" dirty="0"/>
+          </a:p>
+        </p:txBody>
+      </p:sp>
+    </p:spTree>
+    <p:extLst>
+      <p:ext uri="{BB962C8B-B14F-4D97-AF65-F5344CB8AC3E}">
+        <p14:creationId xmlns:p14="http://schemas.microsoft.com/office/powerpoint/2010/main" val="3337268628"/>
+      </p:ext>
+    </p:extLst>
+  </p:cSld>
+  <p:clrMapOvr>
+    <a:masterClrMapping/>
+  </p:clrMapOvr>
+</p:sld>
+</file>
+
+<file path=ppt/slides/slide31.xml><?xml version="1.0" encoding="utf-8"?>
+<p:sld xmlns:a="http://schemas.openxmlformats.org/drawingml/2006/main" xmlns:r="http://schemas.openxmlformats.org/officeDocument/2006/relationships" xmlns:p="http://schemas.openxmlformats.org/presentationml/2006/main">
+  <p:cSld>
+    <p:spTree>
+      <p:nvGrpSpPr>
+        <p:cNvPr id="1" name="">
+          <a:extLst>
+            <a:ext uri="{FF2B5EF4-FFF2-40B4-BE49-F238E27FC236}">
               <a16:creationId xmlns:a16="http://schemas.microsoft.com/office/drawing/2014/main" id="{B3726EDE-FE4F-904C-5C39-5CE8E0F50B43}"/>
             </a:ext>
           </a:extLst>
@@ -15942,7 +16287,7 @@
         <p:spPr>
           <a:xfrm>
             <a:off x="838201" y="1162976"/>
-            <a:ext cx="10980906" cy="4893647"/>
+            <a:ext cx="10980906" cy="5262979"/>
           </a:xfrm>
           <a:prstGeom prst="rect">
             <a:avLst/>
@@ -16205,6 +16550,161 @@
                 </a:solidFill>
                 <a:ea typeface="ＭＳ ゴシック" panose="020B0609070205080204" pitchFamily="49" charset="-128"/>
               </a:rPr>
+              <a:t>	Enemy()	: </a:t>
+            </a:r>
+            <a:r>
+              <a:rPr lang="en-US" altLang="ja-JP" sz="2400" dirty="0" err="1">
+                <a:solidFill>
+                  <a:srgbClr val="000000"/>
+                </a:solidFill>
+                <a:ea typeface="ＭＳ ゴシック" panose="020B0609070205080204" pitchFamily="49" charset="-128"/>
+              </a:rPr>
+              <a:t>m_name</a:t>
+            </a:r>
+            <a:r>
+              <a:rPr lang="en-US" altLang="ja-JP" sz="2400" dirty="0">
+                <a:solidFill>
+                  <a:srgbClr val="000000"/>
+                </a:solidFill>
+                <a:ea typeface="ＭＳ ゴシック" panose="020B0609070205080204" pitchFamily="49" charset="-128"/>
+              </a:rPr>
+              <a:t>(</a:t>
+            </a:r>
+            <a:r>
+              <a:rPr lang="en-US" altLang="ja-JP" sz="2400" dirty="0">
+                <a:solidFill>
+                  <a:srgbClr val="808080"/>
+                </a:solidFill>
+                <a:ea typeface="ＭＳ ゴシック" panose="020B0609070205080204" pitchFamily="49" charset="-128"/>
+              </a:rPr>
+              <a:t>0</a:t>
+            </a:r>
+            <a:r>
+              <a:rPr lang="en-US" altLang="ja-JP" sz="2400" dirty="0">
+                <a:solidFill>
+                  <a:srgbClr val="000000"/>
+                </a:solidFill>
+                <a:ea typeface="ＭＳ ゴシック" panose="020B0609070205080204" pitchFamily="49" charset="-128"/>
+              </a:rPr>
+              <a:t>), </a:t>
+            </a:r>
+            <a:r>
+              <a:rPr lang="en-US" altLang="ja-JP" sz="2400" dirty="0" err="1">
+                <a:solidFill>
+                  <a:srgbClr val="000000"/>
+                </a:solidFill>
+                <a:ea typeface="ＭＳ ゴシック" panose="020B0609070205080204" pitchFamily="49" charset="-128"/>
+              </a:rPr>
+              <a:t>m_hp</a:t>
+            </a:r>
+            <a:r>
+              <a:rPr lang="en-US" altLang="ja-JP" sz="2400" dirty="0">
+                <a:solidFill>
+                  <a:srgbClr val="000000"/>
+                </a:solidFill>
+                <a:ea typeface="ＭＳ ゴシック" panose="020B0609070205080204" pitchFamily="49" charset="-128"/>
+              </a:rPr>
+              <a:t>(</a:t>
+            </a:r>
+            <a:r>
+              <a:rPr lang="en-US" altLang="ja-JP" sz="2400" dirty="0">
+                <a:solidFill>
+                  <a:srgbClr val="808080"/>
+                </a:solidFill>
+                <a:ea typeface="ＭＳ ゴシック" panose="020B0609070205080204" pitchFamily="49" charset="-128"/>
+              </a:rPr>
+              <a:t>0</a:t>
+            </a:r>
+            <a:r>
+              <a:rPr lang="en-US" altLang="ja-JP" sz="2400" dirty="0">
+                <a:solidFill>
+                  <a:srgbClr val="000000"/>
+                </a:solidFill>
+                <a:ea typeface="ＭＳ ゴシック" panose="020B0609070205080204" pitchFamily="49" charset="-128"/>
+              </a:rPr>
+              <a:t>), </a:t>
+            </a:r>
+            <a:r>
+              <a:rPr lang="en-US" altLang="ja-JP" sz="2400" dirty="0" err="1">
+                <a:solidFill>
+                  <a:srgbClr val="000000"/>
+                </a:solidFill>
+                <a:ea typeface="ＭＳ ゴシック" panose="020B0609070205080204" pitchFamily="49" charset="-128"/>
+              </a:rPr>
+              <a:t>m_atk</a:t>
+            </a:r>
+            <a:r>
+              <a:rPr lang="en-US" altLang="ja-JP" sz="2400" dirty="0">
+                <a:solidFill>
+                  <a:srgbClr val="000000"/>
+                </a:solidFill>
+                <a:ea typeface="ＭＳ ゴシック" panose="020B0609070205080204" pitchFamily="49" charset="-128"/>
+              </a:rPr>
+              <a:t>(</a:t>
+            </a:r>
+            <a:r>
+              <a:rPr lang="en-US" altLang="ja-JP" sz="2400" dirty="0">
+                <a:solidFill>
+                  <a:srgbClr val="808080"/>
+                </a:solidFill>
+                <a:ea typeface="ＭＳ ゴシック" panose="020B0609070205080204" pitchFamily="49" charset="-128"/>
+              </a:rPr>
+              <a:t>0</a:t>
+            </a:r>
+            <a:r>
+              <a:rPr lang="en-US" altLang="ja-JP" sz="2400" dirty="0">
+                <a:solidFill>
+                  <a:srgbClr val="000000"/>
+                </a:solidFill>
+                <a:ea typeface="ＭＳ ゴシック" panose="020B0609070205080204" pitchFamily="49" charset="-128"/>
+              </a:rPr>
+              <a:t>), </a:t>
+            </a:r>
+            <a:r>
+              <a:rPr lang="en-US" altLang="ja-JP" sz="2400" dirty="0" err="1">
+                <a:solidFill>
+                  <a:srgbClr val="000000"/>
+                </a:solidFill>
+                <a:ea typeface="ＭＳ ゴシック" panose="020B0609070205080204" pitchFamily="49" charset="-128"/>
+              </a:rPr>
+              <a:t>m_def</a:t>
+            </a:r>
+            <a:r>
+              <a:rPr lang="en-US" altLang="ja-JP" sz="2400" dirty="0">
+                <a:solidFill>
+                  <a:srgbClr val="000000"/>
+                </a:solidFill>
+                <a:ea typeface="ＭＳ ゴシック" panose="020B0609070205080204" pitchFamily="49" charset="-128"/>
+              </a:rPr>
+              <a:t>(</a:t>
+            </a:r>
+            <a:r>
+              <a:rPr lang="en-US" altLang="ja-JP" sz="2400" dirty="0">
+                <a:solidFill>
+                  <a:srgbClr val="808080"/>
+                </a:solidFill>
+                <a:ea typeface="ＭＳ ゴシック" panose="020B0609070205080204" pitchFamily="49" charset="-128"/>
+              </a:rPr>
+              <a:t>0</a:t>
+            </a:r>
+            <a:r>
+              <a:rPr lang="en-US" altLang="ja-JP" sz="2400" dirty="0">
+                <a:solidFill>
+                  <a:srgbClr val="000000"/>
+                </a:solidFill>
+                <a:ea typeface="ＭＳ ゴシック" panose="020B0609070205080204" pitchFamily="49" charset="-128"/>
+              </a:rPr>
+              <a:t>) {};</a:t>
+            </a:r>
+          </a:p>
+          <a:p>
+            <a:r>
+              <a:rPr lang="en-US" altLang="ja-JP" sz="2400" dirty="0">
+                <a:solidFill>
+                  <a:srgbClr val="000000"/>
+                </a:solidFill>
+                <a:ea typeface="ＭＳ ゴシック" panose="020B0609070205080204" pitchFamily="49" charset="-128"/>
+              </a:rPr>
               <a:t>	Enemy(</a:t>
             </a:r>
             <a:r>
@@ -16928,7 +17428,7 @@
         </p:nvSpPr>
         <p:spPr>
           <a:xfrm>
-            <a:off x="838200" y="6107335"/>
+            <a:off x="5643283" y="6403171"/>
             <a:ext cx="6314549" cy="523220"/>
           </a:xfrm>
           <a:prstGeom prst="rect">
@@ -16974,7 +17474,7 @@
 </p:sld>
 </file>
 
-<file path=ppt/slides/slide31.xml><?xml version="1.0" encoding="utf-8"?>
+<file path=ppt/slides/slide32.xml><?xml version="1.0" encoding="utf-8"?>
 <p:sld xmlns:a="http://schemas.openxmlformats.org/drawingml/2006/main" xmlns:r="http://schemas.openxmlformats.org/officeDocument/2006/relationships" xmlns:p="http://schemas.openxmlformats.org/presentationml/2006/main">
   <p:cSld>
     <p:spTree>
@@ -18470,7 +18970,7 @@
 </p:sld>
 </file>
 
-<file path=ppt/slides/slide32.xml><?xml version="1.0" encoding="utf-8"?>
+<file path=ppt/slides/slide33.xml><?xml version="1.0" encoding="utf-8"?>
 <p:sld xmlns:a="http://schemas.openxmlformats.org/drawingml/2006/main" xmlns:r="http://schemas.openxmlformats.org/officeDocument/2006/relationships" xmlns:p="http://schemas.openxmlformats.org/presentationml/2006/main">
   <p:cSld>
     <p:spTree>
@@ -19675,7 +20175,7 @@
 </p:sld>
 </file>
 
-<file path=ppt/slides/slide33.xml><?xml version="1.0" encoding="utf-8"?>
+<file path=ppt/slides/slide34.xml><?xml version="1.0" encoding="utf-8"?>
 <p:sld xmlns:a="http://schemas.openxmlformats.org/drawingml/2006/main" xmlns:r="http://schemas.openxmlformats.org/officeDocument/2006/relationships" xmlns:p="http://schemas.openxmlformats.org/presentationml/2006/main">
   <p:cSld>
     <p:spTree>
@@ -19957,7 +20457,7 @@
 </p:sld>
 </file>
 
-<file path=ppt/slides/slide34.xml><?xml version="1.0" encoding="utf-8"?>
+<file path=ppt/slides/slide35.xml><?xml version="1.0" encoding="utf-8"?>
 <p:sld xmlns:a="http://schemas.openxmlformats.org/drawingml/2006/main" xmlns:r="http://schemas.openxmlformats.org/officeDocument/2006/relationships" xmlns:p="http://schemas.openxmlformats.org/presentationml/2006/main">
   <p:cSld>
     <p:spTree>
@@ -20284,7 +20784,2814 @@
 </p:sld>
 </file>
 
-<file path=ppt/slides/slide35.xml><?xml version="1.0" encoding="utf-8"?>
+<file path=ppt/slides/slide36.xml><?xml version="1.0" encoding="utf-8"?>
+<p:sld xmlns:a="http://schemas.openxmlformats.org/drawingml/2006/main" xmlns:r="http://schemas.openxmlformats.org/officeDocument/2006/relationships" xmlns:p="http://schemas.openxmlformats.org/presentationml/2006/main">
+  <p:cSld>
+    <p:spTree>
+      <p:nvGrpSpPr>
+        <p:cNvPr id="1" name="">
+          <a:extLst>
+            <a:ext uri="{FF2B5EF4-FFF2-40B4-BE49-F238E27FC236}">
+              <a16:creationId xmlns:a16="http://schemas.microsoft.com/office/drawing/2014/main" id="{30634E82-4523-17FB-D07D-8F6B0F889DF8}"/>
+            </a:ext>
+          </a:extLst>
+        </p:cNvPr>
+        <p:cNvGrpSpPr/>
+        <p:nvPr/>
+      </p:nvGrpSpPr>
+      <p:grpSpPr>
+        <a:xfrm>
+          <a:off x="0" y="0"/>
+          <a:ext cx="0" cy="0"/>
+          <a:chOff x="0" y="0"/>
+          <a:chExt cx="0" cy="0"/>
+        </a:xfrm>
+      </p:grpSpPr>
+      <p:sp>
+        <p:nvSpPr>
+          <p:cNvPr id="2" name="タイトル 1">
+            <a:extLst>
+              <a:ext uri="{FF2B5EF4-FFF2-40B4-BE49-F238E27FC236}">
+                <a16:creationId xmlns:a16="http://schemas.microsoft.com/office/drawing/2014/main" id="{E9B416B0-8A4F-C9B4-B52F-75172C200ECF}"/>
+              </a:ext>
+            </a:extLst>
+          </p:cNvPr>
+          <p:cNvSpPr>
+            <a:spLocks noGrp="1"/>
+          </p:cNvSpPr>
+          <p:nvPr>
+            <p:ph type="title"/>
+          </p:nvPr>
+        </p:nvSpPr>
+        <p:spPr/>
+        <p:txBody>
+          <a:bodyPr/>
+          <a:lstStyle/>
+          <a:p>
+            <a:r>
+              <a:rPr lang="en-US" altLang="ja-JP" dirty="0"/>
+              <a:t>CSV</a:t>
+            </a:r>
+            <a:r>
+              <a:rPr lang="ja-JP" altLang="en-US" dirty="0"/>
+              <a:t>ファイル</a:t>
+            </a:r>
+            <a:endParaRPr kumimoji="1" lang="ja-JP" altLang="en-US" dirty="0"/>
+          </a:p>
+        </p:txBody>
+      </p:sp>
+      <p:sp>
+        <p:nvSpPr>
+          <p:cNvPr id="3" name="コンテンツ プレースホルダー 2">
+            <a:extLst>
+              <a:ext uri="{FF2B5EF4-FFF2-40B4-BE49-F238E27FC236}">
+                <a16:creationId xmlns:a16="http://schemas.microsoft.com/office/drawing/2014/main" id="{A058535F-BD43-2205-E233-F7F29857CDC2}"/>
+              </a:ext>
+            </a:extLst>
+          </p:cNvPr>
+          <p:cNvSpPr>
+            <a:spLocks noGrp="1"/>
+          </p:cNvSpPr>
+          <p:nvPr>
+            <p:ph idx="1"/>
+          </p:nvPr>
+        </p:nvSpPr>
+        <p:spPr>
+          <a:xfrm>
+            <a:off x="849549" y="589044"/>
+            <a:ext cx="10515600" cy="5193373"/>
+          </a:xfrm>
+        </p:spPr>
+        <p:txBody>
+          <a:bodyPr>
+            <a:normAutofit/>
+          </a:bodyPr>
+          <a:lstStyle/>
+          <a:p>
+            <a:pPr marL="0" indent="0">
+              <a:buNone/>
+            </a:pPr>
+            <a:r>
+              <a:rPr kumimoji="1" lang="en-US" altLang="ja-JP" dirty="0"/>
+              <a:t>                </a:t>
+            </a:r>
+            <a:r>
+              <a:rPr kumimoji="1" lang="ja-JP" altLang="en-US" dirty="0"/>
+              <a:t>　　　　　</a:t>
+            </a:r>
+            <a:r>
+              <a:rPr kumimoji="1" lang="en-US" altLang="ja-JP" dirty="0"/>
+              <a:t>main.cpp</a:t>
+            </a:r>
+            <a:r>
+              <a:rPr kumimoji="1" lang="ja-JP" altLang="en-US" dirty="0"/>
+              <a:t>　</a:t>
+            </a:r>
+            <a:r>
+              <a:rPr kumimoji="1" lang="en-US" altLang="ja-JP" dirty="0"/>
+              <a:t>(CSV)</a:t>
+            </a:r>
+            <a:br>
+              <a:rPr lang="en-US" altLang="ja-JP" dirty="0"/>
+            </a:br>
+            <a:endParaRPr lang="en-US" altLang="ja-JP" dirty="0"/>
+          </a:p>
+          <a:p>
+            <a:pPr marL="0" indent="0">
+              <a:buNone/>
+            </a:pPr>
+            <a:br>
+              <a:rPr lang="en-US" altLang="ja-JP" dirty="0"/>
+            </a:br>
+            <a:br>
+              <a:rPr lang="en-US" altLang="ja-JP" dirty="0"/>
+            </a:br>
+            <a:br>
+              <a:rPr lang="en-US" altLang="ja-JP" dirty="0"/>
+            </a:br>
+            <a:br>
+              <a:rPr lang="en-US" altLang="ja-JP" sz="2400" dirty="0"/>
+            </a:br>
+            <a:br>
+              <a:rPr lang="en-US" altLang="ja-JP" sz="2400" dirty="0"/>
+            </a:br>
+            <a:endParaRPr lang="en-US" altLang="ja-JP" sz="2400" dirty="0"/>
+          </a:p>
+          <a:p>
+            <a:pPr marL="0" indent="0">
+              <a:buNone/>
+            </a:pPr>
+            <a:br>
+              <a:rPr lang="en-US" altLang="ja-JP" sz="2400" dirty="0"/>
+            </a:br>
+            <a:endParaRPr lang="en-US" altLang="ja-JP" dirty="0">
+              <a:solidFill>
+                <a:srgbClr val="FF0000"/>
+              </a:solidFill>
+            </a:endParaRPr>
+          </a:p>
+        </p:txBody>
+      </p:sp>
+      <p:sp>
+        <p:nvSpPr>
+          <p:cNvPr id="5" name="テキスト ボックス 4">
+            <a:extLst>
+              <a:ext uri="{FF2B5EF4-FFF2-40B4-BE49-F238E27FC236}">
+                <a16:creationId xmlns:a16="http://schemas.microsoft.com/office/drawing/2014/main" id="{DC5B43DA-AE42-6D98-F74D-5F2CEC4F526F}"/>
+              </a:ext>
+            </a:extLst>
+          </p:cNvPr>
+          <p:cNvSpPr txBox="1"/>
+          <p:nvPr/>
+        </p:nvSpPr>
+        <p:spPr>
+          <a:xfrm>
+            <a:off x="838201" y="1162976"/>
+            <a:ext cx="10980906" cy="4893647"/>
+          </a:xfrm>
+          <a:prstGeom prst="rect">
+            <a:avLst/>
+          </a:prstGeom>
+          <a:noFill/>
+          <a:ln>
+            <a:solidFill>
+              <a:schemeClr val="tx1"/>
+            </a:solidFill>
+          </a:ln>
+        </p:spPr>
+        <p:txBody>
+          <a:bodyPr wrap="square" rtlCol="0">
+            <a:spAutoFit/>
+          </a:bodyPr>
+          <a:lstStyle/>
+          <a:p>
+            <a:r>
+              <a:rPr lang="en-US" altLang="ja-JP" sz="2600" dirty="0">
+                <a:solidFill>
+                  <a:srgbClr val="000000"/>
+                </a:solidFill>
+                <a:ea typeface="ＭＳ ゴシック" panose="020B0609070205080204" pitchFamily="49" charset="-128"/>
+              </a:rPr>
+              <a:t>	</a:t>
+            </a:r>
+            <a:r>
+              <a:rPr lang="en-US" altLang="ja-JP" sz="2600" dirty="0" err="1">
+                <a:solidFill>
+                  <a:srgbClr val="000000"/>
+                </a:solidFill>
+                <a:ea typeface="ＭＳ ゴシック" panose="020B0609070205080204" pitchFamily="49" charset="-128"/>
+              </a:rPr>
+              <a:t>ifs.close</a:t>
+            </a:r>
+            <a:r>
+              <a:rPr lang="en-US" altLang="ja-JP" sz="2600" dirty="0">
+                <a:solidFill>
+                  <a:srgbClr val="000000"/>
+                </a:solidFill>
+                <a:ea typeface="ＭＳ ゴシック" panose="020B0609070205080204" pitchFamily="49" charset="-128"/>
+              </a:rPr>
+              <a:t>();</a:t>
+            </a:r>
+          </a:p>
+          <a:p>
+            <a:r>
+              <a:rPr lang="en-US" altLang="ja-JP" sz="2600" dirty="0">
+                <a:solidFill>
+                  <a:srgbClr val="2B91AF"/>
+                </a:solidFill>
+                <a:ea typeface="ＭＳ ゴシック" panose="020B0609070205080204" pitchFamily="49" charset="-128"/>
+              </a:rPr>
+              <a:t>	string</a:t>
+            </a:r>
+            <a:r>
+              <a:rPr lang="en-US" altLang="ja-JP" sz="2600" dirty="0">
+                <a:solidFill>
+                  <a:srgbClr val="000000"/>
+                </a:solidFill>
+                <a:ea typeface="ＭＳ ゴシック" panose="020B0609070205080204" pitchFamily="49" charset="-128"/>
+              </a:rPr>
+              <a:t> </a:t>
+            </a:r>
+            <a:r>
+              <a:rPr lang="en-US" altLang="ja-JP" sz="2600" dirty="0" err="1">
+                <a:solidFill>
+                  <a:srgbClr val="000000"/>
+                </a:solidFill>
+                <a:ea typeface="ＭＳ ゴシック" panose="020B0609070205080204" pitchFamily="49" charset="-128"/>
+              </a:rPr>
+              <a:t>ofilename</a:t>
+            </a:r>
+            <a:r>
+              <a:rPr lang="en-US" altLang="ja-JP" sz="2600" dirty="0">
+                <a:solidFill>
+                  <a:srgbClr val="000000"/>
+                </a:solidFill>
+                <a:ea typeface="ＭＳ ゴシック" panose="020B0609070205080204" pitchFamily="49" charset="-128"/>
+              </a:rPr>
+              <a:t> = </a:t>
+            </a:r>
+            <a:r>
+              <a:rPr lang="en-US" altLang="ja-JP" sz="2600" dirty="0">
+                <a:solidFill>
+                  <a:srgbClr val="A31515"/>
+                </a:solidFill>
+                <a:ea typeface="ＭＳ ゴシック" panose="020B0609070205080204" pitchFamily="49" charset="-128"/>
+              </a:rPr>
+              <a:t>“enemy_list2.csv”</a:t>
+            </a:r>
+            <a:r>
+              <a:rPr lang="en-US" altLang="ja-JP" sz="2600" dirty="0">
+                <a:solidFill>
+                  <a:srgbClr val="000000"/>
+                </a:solidFill>
+                <a:ea typeface="ＭＳ ゴシック" panose="020B0609070205080204" pitchFamily="49" charset="-128"/>
+              </a:rPr>
+              <a:t>;</a:t>
+            </a:r>
+            <a:r>
+              <a:rPr lang="en-US" altLang="ja-JP" sz="2600" dirty="0">
+                <a:solidFill>
+                  <a:srgbClr val="00B050"/>
+                </a:solidFill>
+                <a:ea typeface="ＭＳ ゴシック" panose="020B0609070205080204" pitchFamily="49" charset="-128"/>
+              </a:rPr>
+              <a:t>//</a:t>
+            </a:r>
+            <a:r>
+              <a:rPr lang="ja-JP" altLang="en-US" sz="2600" dirty="0">
+                <a:solidFill>
+                  <a:srgbClr val="00B050"/>
+                </a:solidFill>
+                <a:ea typeface="ＭＳ ゴシック" panose="020B0609070205080204" pitchFamily="49" charset="-128"/>
+              </a:rPr>
+              <a:t>出力ファイル名</a:t>
+            </a:r>
+            <a:endParaRPr lang="en-US" altLang="ja-JP" sz="2600" dirty="0">
+              <a:solidFill>
+                <a:srgbClr val="00B050"/>
+              </a:solidFill>
+              <a:ea typeface="ＭＳ ゴシック" panose="020B0609070205080204" pitchFamily="49" charset="-128"/>
+            </a:endParaRPr>
+          </a:p>
+          <a:p>
+            <a:r>
+              <a:rPr lang="en-US" altLang="ja-JP" sz="2600" dirty="0">
+                <a:solidFill>
+                  <a:srgbClr val="2B91AF"/>
+                </a:solidFill>
+                <a:ea typeface="ＭＳ ゴシック" panose="020B0609070205080204" pitchFamily="49" charset="-128"/>
+              </a:rPr>
+              <a:t>	</a:t>
+            </a:r>
+            <a:r>
+              <a:rPr lang="en-US" altLang="ja-JP" sz="2600" dirty="0" err="1">
+                <a:solidFill>
+                  <a:srgbClr val="2B91AF"/>
+                </a:solidFill>
+                <a:ea typeface="ＭＳ ゴシック" panose="020B0609070205080204" pitchFamily="49" charset="-128"/>
+              </a:rPr>
+              <a:t>ofstream</a:t>
+            </a:r>
+            <a:r>
+              <a:rPr lang="en-US" altLang="ja-JP" sz="2600" dirty="0">
+                <a:solidFill>
+                  <a:srgbClr val="000000"/>
+                </a:solidFill>
+                <a:ea typeface="ＭＳ ゴシック" panose="020B0609070205080204" pitchFamily="49" charset="-128"/>
+              </a:rPr>
+              <a:t> </a:t>
+            </a:r>
+            <a:r>
+              <a:rPr lang="en-US" altLang="ja-JP" sz="2600" dirty="0" err="1">
+                <a:solidFill>
+                  <a:srgbClr val="000000"/>
+                </a:solidFill>
+                <a:ea typeface="ＭＳ ゴシック" panose="020B0609070205080204" pitchFamily="49" charset="-128"/>
+              </a:rPr>
+              <a:t>ofs</a:t>
+            </a:r>
+            <a:r>
+              <a:rPr lang="en-US" altLang="ja-JP" sz="2600" dirty="0">
+                <a:solidFill>
+                  <a:srgbClr val="000000"/>
+                </a:solidFill>
+                <a:ea typeface="ＭＳ ゴシック" panose="020B0609070205080204" pitchFamily="49" charset="-128"/>
+              </a:rPr>
+              <a:t>(</a:t>
+            </a:r>
+            <a:r>
+              <a:rPr lang="en-US" altLang="ja-JP" sz="2600" dirty="0" err="1">
+                <a:solidFill>
+                  <a:srgbClr val="000000"/>
+                </a:solidFill>
+                <a:ea typeface="ＭＳ ゴシック" panose="020B0609070205080204" pitchFamily="49" charset="-128"/>
+              </a:rPr>
+              <a:t>ofilename</a:t>
+            </a:r>
+            <a:r>
+              <a:rPr lang="en-US" altLang="ja-JP" sz="2600" dirty="0">
+                <a:solidFill>
+                  <a:srgbClr val="000000"/>
+                </a:solidFill>
+                <a:ea typeface="ＭＳ ゴシック" panose="020B0609070205080204" pitchFamily="49" charset="-128"/>
+              </a:rPr>
+              <a:t>, </a:t>
+            </a:r>
+            <a:r>
+              <a:rPr lang="en-US" altLang="ja-JP" sz="2600" dirty="0" err="1">
+                <a:solidFill>
+                  <a:srgbClr val="2B91AF"/>
+                </a:solidFill>
+                <a:ea typeface="ＭＳ ゴシック" panose="020B0609070205080204" pitchFamily="49" charset="-128"/>
+              </a:rPr>
+              <a:t>ios</a:t>
+            </a:r>
+            <a:r>
+              <a:rPr lang="en-US" altLang="ja-JP" sz="2600" dirty="0">
+                <a:solidFill>
+                  <a:srgbClr val="000000"/>
+                </a:solidFill>
+                <a:ea typeface="ＭＳ ゴシック" panose="020B0609070205080204" pitchFamily="49" charset="-128"/>
+              </a:rPr>
+              <a:t>::out);</a:t>
+            </a:r>
+            <a:r>
+              <a:rPr lang="en-US" altLang="ja-JP" sz="2600" dirty="0">
+                <a:solidFill>
+                  <a:srgbClr val="00B050"/>
+                </a:solidFill>
+                <a:ea typeface="ＭＳ ゴシック" panose="020B0609070205080204" pitchFamily="49" charset="-128"/>
+              </a:rPr>
+              <a:t>//</a:t>
+            </a:r>
+            <a:r>
+              <a:rPr lang="ja-JP" altLang="en-US" sz="2600">
+                <a:solidFill>
+                  <a:srgbClr val="00B050"/>
+                </a:solidFill>
+                <a:ea typeface="ＭＳ ゴシック" panose="020B0609070205080204" pitchFamily="49" charset="-128"/>
+              </a:rPr>
+              <a:t>上書モードで開く</a:t>
+            </a:r>
+            <a:endParaRPr lang="en-US" altLang="ja-JP" sz="2600" dirty="0">
+              <a:solidFill>
+                <a:srgbClr val="00B050"/>
+              </a:solidFill>
+              <a:ea typeface="ＭＳ ゴシック" panose="020B0609070205080204" pitchFamily="49" charset="-128"/>
+            </a:endParaRPr>
+          </a:p>
+          <a:p>
+            <a:r>
+              <a:rPr lang="en-US" altLang="ja-JP" sz="2600" dirty="0">
+                <a:solidFill>
+                  <a:srgbClr val="0000FF"/>
+                </a:solidFill>
+                <a:ea typeface="ＭＳ ゴシック" panose="020B0609070205080204" pitchFamily="49" charset="-128"/>
+              </a:rPr>
+              <a:t>	if</a:t>
+            </a:r>
+            <a:r>
+              <a:rPr lang="en-US" altLang="ja-JP" sz="2600" dirty="0">
+                <a:solidFill>
+                  <a:srgbClr val="000000"/>
+                </a:solidFill>
+                <a:ea typeface="ＭＳ ゴシック" panose="020B0609070205080204" pitchFamily="49" charset="-128"/>
+              </a:rPr>
+              <a:t> (</a:t>
+            </a:r>
+            <a:r>
+              <a:rPr lang="en-US" altLang="ja-JP" sz="2600" dirty="0" err="1">
+                <a:solidFill>
+                  <a:srgbClr val="000000"/>
+                </a:solidFill>
+                <a:ea typeface="ＭＳ ゴシック" panose="020B0609070205080204" pitchFamily="49" charset="-128"/>
+              </a:rPr>
+              <a:t>ofs.fail</a:t>
+            </a:r>
+            <a:r>
+              <a:rPr lang="en-US" altLang="ja-JP" sz="2600" dirty="0">
+                <a:solidFill>
+                  <a:srgbClr val="000000"/>
+                </a:solidFill>
+                <a:ea typeface="ＭＳ ゴシック" panose="020B0609070205080204" pitchFamily="49" charset="-128"/>
+              </a:rPr>
+              <a:t>()) {</a:t>
+            </a:r>
+          </a:p>
+          <a:p>
+            <a:r>
+              <a:rPr lang="en-US" altLang="ja-JP" sz="2600" dirty="0">
+                <a:solidFill>
+                  <a:srgbClr val="000000"/>
+                </a:solidFill>
+                <a:ea typeface="ＭＳ ゴシック" panose="020B0609070205080204" pitchFamily="49" charset="-128"/>
+              </a:rPr>
+              <a:t>		</a:t>
+            </a:r>
+            <a:r>
+              <a:rPr lang="en-US" altLang="ja-JP" sz="2600" dirty="0" err="1">
+                <a:solidFill>
+                  <a:srgbClr val="000000"/>
+                </a:solidFill>
+                <a:ea typeface="ＭＳ ゴシック" panose="020B0609070205080204" pitchFamily="49" charset="-128"/>
+              </a:rPr>
+              <a:t>cout</a:t>
+            </a:r>
+            <a:r>
+              <a:rPr lang="en-US" altLang="ja-JP" sz="2600" dirty="0">
+                <a:solidFill>
+                  <a:srgbClr val="000000"/>
+                </a:solidFill>
+                <a:ea typeface="ＭＳ ゴシック" panose="020B0609070205080204" pitchFamily="49" charset="-128"/>
+              </a:rPr>
+              <a:t> </a:t>
+            </a:r>
+            <a:r>
+              <a:rPr lang="en-US" altLang="ja-JP" sz="2600" dirty="0">
+                <a:solidFill>
+                  <a:srgbClr val="008080"/>
+                </a:solidFill>
+                <a:ea typeface="ＭＳ ゴシック" panose="020B0609070205080204" pitchFamily="49" charset="-128"/>
+              </a:rPr>
+              <a:t>&lt;&lt;</a:t>
+            </a:r>
+            <a:r>
+              <a:rPr lang="ja-JP" altLang="en-US" sz="2600" dirty="0">
+                <a:solidFill>
+                  <a:srgbClr val="000000"/>
+                </a:solidFill>
+                <a:ea typeface="ＭＳ ゴシック" panose="020B0609070205080204" pitchFamily="49" charset="-128"/>
+              </a:rPr>
+              <a:t> </a:t>
+            </a:r>
+            <a:r>
+              <a:rPr lang="en-US" altLang="ja-JP" sz="2600" dirty="0">
+                <a:solidFill>
+                  <a:srgbClr val="A31515"/>
+                </a:solidFill>
+                <a:ea typeface="ＭＳ ゴシック" panose="020B0609070205080204" pitchFamily="49" charset="-128"/>
+              </a:rPr>
+              <a:t>"</a:t>
+            </a:r>
+            <a:r>
+              <a:rPr lang="ja-JP" altLang="en-US" sz="2600" dirty="0">
+                <a:solidFill>
+                  <a:srgbClr val="A31515"/>
+                </a:solidFill>
+                <a:ea typeface="ＭＳ ゴシック" panose="020B0609070205080204" pitchFamily="49" charset="-128"/>
+              </a:rPr>
+              <a:t>ファイルを開けません</a:t>
+            </a:r>
+            <a:r>
+              <a:rPr lang="en-US" altLang="ja-JP" sz="2600" dirty="0">
+                <a:solidFill>
+                  <a:srgbClr val="A31515"/>
+                </a:solidFill>
+                <a:ea typeface="ＭＳ ゴシック" panose="020B0609070205080204" pitchFamily="49" charset="-128"/>
+              </a:rPr>
+              <a:t>!!"</a:t>
+            </a:r>
+            <a:r>
+              <a:rPr lang="ja-JP" altLang="en-US" sz="2600" dirty="0">
+                <a:solidFill>
+                  <a:srgbClr val="000000"/>
+                </a:solidFill>
+                <a:ea typeface="ＭＳ ゴシック" panose="020B0609070205080204" pitchFamily="49" charset="-128"/>
+              </a:rPr>
+              <a:t> </a:t>
+            </a:r>
+            <a:r>
+              <a:rPr lang="en-US" altLang="ja-JP" sz="2600" dirty="0">
+                <a:solidFill>
+                  <a:srgbClr val="008080"/>
+                </a:solidFill>
+                <a:ea typeface="ＭＳ ゴシック" panose="020B0609070205080204" pitchFamily="49" charset="-128"/>
+              </a:rPr>
+              <a:t>&lt;&lt;</a:t>
+            </a:r>
+            <a:r>
+              <a:rPr lang="ja-JP" altLang="en-US" sz="2600" dirty="0">
+                <a:solidFill>
+                  <a:srgbClr val="000000"/>
+                </a:solidFill>
+                <a:ea typeface="ＭＳ ゴシック" panose="020B0609070205080204" pitchFamily="49" charset="-128"/>
+              </a:rPr>
+              <a:t> </a:t>
+            </a:r>
+            <a:r>
+              <a:rPr lang="en-US" altLang="ja-JP" sz="2600" dirty="0" err="1">
+                <a:solidFill>
+                  <a:srgbClr val="000000"/>
+                </a:solidFill>
+                <a:ea typeface="ＭＳ ゴシック" panose="020B0609070205080204" pitchFamily="49" charset="-128"/>
+              </a:rPr>
+              <a:t>endl</a:t>
+            </a:r>
+            <a:r>
+              <a:rPr lang="en-US" altLang="ja-JP" sz="2600" dirty="0">
+                <a:solidFill>
+                  <a:srgbClr val="000000"/>
+                </a:solidFill>
+                <a:ea typeface="ＭＳ ゴシック" panose="020B0609070205080204" pitchFamily="49" charset="-128"/>
+              </a:rPr>
+              <a:t>;</a:t>
+            </a:r>
+          </a:p>
+          <a:p>
+            <a:r>
+              <a:rPr lang="en-US" altLang="ja-JP" sz="2600" dirty="0">
+                <a:solidFill>
+                  <a:srgbClr val="0000FF"/>
+                </a:solidFill>
+                <a:ea typeface="ＭＳ ゴシック" panose="020B0609070205080204" pitchFamily="49" charset="-128"/>
+              </a:rPr>
+              <a:t>		return</a:t>
+            </a:r>
+            <a:r>
+              <a:rPr lang="en-US" altLang="ja-JP" sz="2600" dirty="0">
+                <a:solidFill>
+                  <a:srgbClr val="000000"/>
+                </a:solidFill>
+                <a:ea typeface="ＭＳ ゴシック" panose="020B0609070205080204" pitchFamily="49" charset="-128"/>
+              </a:rPr>
+              <a:t> -1;</a:t>
+            </a:r>
+            <a:r>
+              <a:rPr lang="ja-JP" altLang="en-US" sz="2600" dirty="0">
+                <a:solidFill>
+                  <a:srgbClr val="000000"/>
+                </a:solidFill>
+                <a:ea typeface="ＭＳ ゴシック" panose="020B0609070205080204" pitchFamily="49" charset="-128"/>
+              </a:rPr>
+              <a:t> </a:t>
+            </a:r>
+            <a:r>
+              <a:rPr lang="en-US" altLang="ja-JP" sz="2600" dirty="0">
+                <a:solidFill>
+                  <a:srgbClr val="00B050"/>
+                </a:solidFill>
+                <a:ea typeface="ＭＳ ゴシック" panose="020B0609070205080204" pitchFamily="49" charset="-128"/>
+              </a:rPr>
+              <a:t>//</a:t>
+            </a:r>
+            <a:r>
+              <a:rPr lang="ja-JP" altLang="en-US" sz="2600" dirty="0">
+                <a:solidFill>
+                  <a:srgbClr val="00B050"/>
+                </a:solidFill>
+                <a:ea typeface="ＭＳ ゴシック" panose="020B0609070205080204" pitchFamily="49" charset="-128"/>
+              </a:rPr>
+              <a:t>エラー時は強制終了</a:t>
+            </a:r>
+            <a:endParaRPr lang="en-US" altLang="ja-JP" sz="2600" dirty="0">
+              <a:solidFill>
+                <a:srgbClr val="00B050"/>
+              </a:solidFill>
+              <a:ea typeface="ＭＳ ゴシック" panose="020B0609070205080204" pitchFamily="49" charset="-128"/>
+            </a:endParaRPr>
+          </a:p>
+          <a:p>
+            <a:r>
+              <a:rPr lang="en-US" altLang="ja-JP" sz="2600" dirty="0">
+                <a:solidFill>
+                  <a:srgbClr val="000000"/>
+                </a:solidFill>
+                <a:ea typeface="ＭＳ ゴシック" panose="020B0609070205080204" pitchFamily="49" charset="-128"/>
+              </a:rPr>
+              <a:t>	}</a:t>
+            </a:r>
+          </a:p>
+          <a:p>
+            <a:r>
+              <a:rPr lang="en-US" altLang="ja-JP" sz="2600" dirty="0">
+                <a:solidFill>
+                  <a:srgbClr val="0000FF"/>
+                </a:solidFill>
+                <a:ea typeface="ＭＳ ゴシック" panose="020B0609070205080204" pitchFamily="49" charset="-128"/>
+              </a:rPr>
+              <a:t>	for</a:t>
+            </a:r>
+            <a:r>
+              <a:rPr lang="en-US" altLang="ja-JP" sz="2600" dirty="0">
+                <a:solidFill>
+                  <a:srgbClr val="000000"/>
+                </a:solidFill>
+                <a:ea typeface="ＭＳ ゴシック" panose="020B0609070205080204" pitchFamily="49" charset="-128"/>
+              </a:rPr>
+              <a:t> (</a:t>
+            </a:r>
+            <a:r>
+              <a:rPr lang="en-US" altLang="ja-JP" sz="2600" dirty="0">
+                <a:solidFill>
+                  <a:srgbClr val="0000FF"/>
+                </a:solidFill>
+                <a:ea typeface="ＭＳ ゴシック" panose="020B0609070205080204" pitchFamily="49" charset="-128"/>
+              </a:rPr>
+              <a:t>const</a:t>
+            </a:r>
+            <a:r>
+              <a:rPr lang="en-US" altLang="ja-JP" sz="2600" dirty="0">
+                <a:solidFill>
+                  <a:srgbClr val="000000"/>
+                </a:solidFill>
+                <a:ea typeface="ＭＳ ゴシック" panose="020B0609070205080204" pitchFamily="49" charset="-128"/>
+              </a:rPr>
+              <a:t> </a:t>
+            </a:r>
+            <a:r>
+              <a:rPr lang="en-US" altLang="ja-JP" sz="2600" dirty="0">
+                <a:solidFill>
+                  <a:srgbClr val="0000FF"/>
+                </a:solidFill>
+                <a:ea typeface="ＭＳ ゴシック" panose="020B0609070205080204" pitchFamily="49" charset="-128"/>
+              </a:rPr>
+              <a:t>auto</a:t>
+            </a:r>
+            <a:r>
+              <a:rPr lang="en-US" altLang="ja-JP" sz="2600" dirty="0">
+                <a:solidFill>
+                  <a:srgbClr val="000000"/>
+                </a:solidFill>
+                <a:ea typeface="ＭＳ ゴシック" panose="020B0609070205080204" pitchFamily="49" charset="-128"/>
+              </a:rPr>
+              <a:t>&amp; p : </a:t>
+            </a:r>
+            <a:r>
+              <a:rPr lang="en-US" altLang="ja-JP" sz="2600" dirty="0" err="1">
+                <a:solidFill>
+                  <a:srgbClr val="000000"/>
+                </a:solidFill>
+                <a:ea typeface="ＭＳ ゴシック" panose="020B0609070205080204" pitchFamily="49" charset="-128"/>
+              </a:rPr>
+              <a:t>pEne</a:t>
+            </a:r>
+            <a:r>
+              <a:rPr lang="en-US" altLang="ja-JP" sz="2600" dirty="0">
+                <a:solidFill>
+                  <a:srgbClr val="000000"/>
+                </a:solidFill>
+                <a:ea typeface="ＭＳ ゴシック" panose="020B0609070205080204" pitchFamily="49" charset="-128"/>
+              </a:rPr>
+              <a:t>) {</a:t>
+            </a:r>
+          </a:p>
+          <a:p>
+            <a:r>
+              <a:rPr lang="nl-NL" altLang="ja-JP" sz="2600" dirty="0">
+                <a:solidFill>
+                  <a:srgbClr val="000000"/>
+                </a:solidFill>
+                <a:ea typeface="ＭＳ ゴシック" panose="020B0609070205080204" pitchFamily="49" charset="-128"/>
+              </a:rPr>
+              <a:t>		ofs </a:t>
+            </a:r>
+            <a:r>
+              <a:rPr lang="nl-NL" altLang="ja-JP" sz="2600" dirty="0">
+                <a:solidFill>
+                  <a:srgbClr val="008080"/>
+                </a:solidFill>
+                <a:ea typeface="ＭＳ ゴシック" panose="020B0609070205080204" pitchFamily="49" charset="-128"/>
+              </a:rPr>
+              <a:t>&lt;&lt;</a:t>
+            </a:r>
+            <a:r>
+              <a:rPr lang="nl-NL" altLang="ja-JP" sz="2600" dirty="0">
+                <a:solidFill>
+                  <a:srgbClr val="000000"/>
+                </a:solidFill>
+                <a:ea typeface="ＭＳ ゴシック" panose="020B0609070205080204" pitchFamily="49" charset="-128"/>
+              </a:rPr>
+              <a:t> p-&gt;get</a:t>
+            </a:r>
+            <a:r>
+              <a:rPr lang="en-US" altLang="ja-JP" sz="2600" dirty="0">
+                <a:solidFill>
+                  <a:srgbClr val="000000"/>
+                </a:solidFill>
+                <a:ea typeface="ＭＳ ゴシック" panose="020B0609070205080204" pitchFamily="49" charset="-128"/>
+              </a:rPr>
+              <a:t>Def</a:t>
+            </a:r>
+            <a:r>
+              <a:rPr lang="nl-NL" altLang="ja-JP" sz="2600" dirty="0">
+                <a:solidFill>
+                  <a:srgbClr val="000000"/>
+                </a:solidFill>
+                <a:ea typeface="ＭＳ ゴシック" panose="020B0609070205080204" pitchFamily="49" charset="-128"/>
+              </a:rPr>
+              <a:t>() </a:t>
+            </a:r>
+            <a:r>
+              <a:rPr lang="nl-NL" altLang="ja-JP" sz="2600" dirty="0">
+                <a:solidFill>
+                  <a:srgbClr val="008080"/>
+                </a:solidFill>
+                <a:ea typeface="ＭＳ ゴシック" panose="020B0609070205080204" pitchFamily="49" charset="-128"/>
+              </a:rPr>
+              <a:t>&lt;&lt;</a:t>
+            </a:r>
+            <a:r>
+              <a:rPr lang="nl-NL" altLang="ja-JP" sz="2600" dirty="0">
+                <a:solidFill>
+                  <a:srgbClr val="000000"/>
+                </a:solidFill>
+                <a:ea typeface="ＭＳ ゴシック" panose="020B0609070205080204" pitchFamily="49" charset="-128"/>
+              </a:rPr>
+              <a:t> </a:t>
+            </a:r>
+            <a:r>
+              <a:rPr lang="nl-NL" altLang="ja-JP" sz="2600" dirty="0">
+                <a:solidFill>
+                  <a:srgbClr val="A31515"/>
+                </a:solidFill>
+                <a:ea typeface="ＭＳ ゴシック" panose="020B0609070205080204" pitchFamily="49" charset="-128"/>
+              </a:rPr>
+              <a:t>','</a:t>
+            </a:r>
+            <a:r>
+              <a:rPr lang="nl-NL" altLang="ja-JP" sz="2600" dirty="0">
+                <a:solidFill>
+                  <a:srgbClr val="000000"/>
+                </a:solidFill>
+                <a:ea typeface="ＭＳ ゴシック" panose="020B0609070205080204" pitchFamily="49" charset="-128"/>
+              </a:rPr>
+              <a:t> </a:t>
+            </a:r>
+            <a:r>
+              <a:rPr lang="nl-NL" altLang="ja-JP" sz="2600" dirty="0">
+                <a:solidFill>
+                  <a:srgbClr val="008080"/>
+                </a:solidFill>
+                <a:ea typeface="ＭＳ ゴシック" panose="020B0609070205080204" pitchFamily="49" charset="-128"/>
+              </a:rPr>
+              <a:t>&lt;&lt;</a:t>
+            </a:r>
+            <a:r>
+              <a:rPr lang="nl-NL" altLang="ja-JP" sz="2600" dirty="0">
+                <a:solidFill>
+                  <a:srgbClr val="000000"/>
+                </a:solidFill>
+                <a:ea typeface="ＭＳ ゴシック" panose="020B0609070205080204" pitchFamily="49" charset="-128"/>
+              </a:rPr>
+              <a:t> p-&gt;getAtk() </a:t>
+            </a:r>
+            <a:r>
+              <a:rPr lang="en-US" altLang="ja-JP" sz="2600" dirty="0">
+                <a:solidFill>
+                  <a:srgbClr val="008080"/>
+                </a:solidFill>
+                <a:ea typeface="ＭＳ ゴシック" panose="020B0609070205080204" pitchFamily="49" charset="-128"/>
+              </a:rPr>
+              <a:t>&lt;&lt;</a:t>
+            </a:r>
+            <a:r>
+              <a:rPr lang="en-US" altLang="ja-JP" sz="2600" dirty="0">
+                <a:solidFill>
+                  <a:srgbClr val="000000"/>
+                </a:solidFill>
+                <a:ea typeface="ＭＳ ゴシック" panose="020B0609070205080204" pitchFamily="49" charset="-128"/>
+              </a:rPr>
+              <a:t> </a:t>
+            </a:r>
+            <a:r>
+              <a:rPr lang="en-US" altLang="ja-JP" sz="2600" dirty="0">
+                <a:solidFill>
+                  <a:srgbClr val="A31515"/>
+                </a:solidFill>
+                <a:ea typeface="ＭＳ ゴシック" panose="020B0609070205080204" pitchFamily="49" charset="-128"/>
+              </a:rPr>
+              <a:t>‘,’</a:t>
+            </a:r>
+            <a:br>
+              <a:rPr lang="en-US" altLang="ja-JP" sz="2600" dirty="0">
+                <a:solidFill>
+                  <a:srgbClr val="A31515"/>
+                </a:solidFill>
+                <a:ea typeface="ＭＳ ゴシック" panose="020B0609070205080204" pitchFamily="49" charset="-128"/>
+              </a:rPr>
+            </a:br>
+            <a:r>
+              <a:rPr lang="en-US" altLang="ja-JP" sz="2600" dirty="0">
+                <a:solidFill>
+                  <a:srgbClr val="A31515"/>
+                </a:solidFill>
+                <a:ea typeface="ＭＳ ゴシック" panose="020B0609070205080204" pitchFamily="49" charset="-128"/>
+              </a:rPr>
+              <a:t>		</a:t>
+            </a:r>
+            <a:r>
+              <a:rPr lang="en-US" altLang="ja-JP" sz="2600" dirty="0">
+                <a:solidFill>
+                  <a:srgbClr val="000000"/>
+                </a:solidFill>
+                <a:ea typeface="ＭＳ ゴシック" panose="020B0609070205080204" pitchFamily="49" charset="-128"/>
+              </a:rPr>
+              <a:t> </a:t>
+            </a:r>
+            <a:r>
+              <a:rPr lang="en-US" altLang="ja-JP" sz="2600" dirty="0">
+                <a:solidFill>
+                  <a:srgbClr val="008080"/>
+                </a:solidFill>
+                <a:ea typeface="ＭＳ ゴシック" panose="020B0609070205080204" pitchFamily="49" charset="-128"/>
+              </a:rPr>
+              <a:t>&lt;&lt;</a:t>
+            </a:r>
+            <a:r>
+              <a:rPr lang="en-US" altLang="ja-JP" sz="2600" dirty="0">
+                <a:solidFill>
+                  <a:srgbClr val="000000"/>
+                </a:solidFill>
+                <a:ea typeface="ＭＳ ゴシック" panose="020B0609070205080204" pitchFamily="49" charset="-128"/>
+              </a:rPr>
+              <a:t> p-&gt;get</a:t>
+            </a:r>
+            <a:r>
+              <a:rPr lang="nl-NL" altLang="ja-JP" sz="2600" dirty="0">
+                <a:solidFill>
+                  <a:srgbClr val="000000"/>
+                </a:solidFill>
+                <a:ea typeface="ＭＳ ゴシック" panose="020B0609070205080204" pitchFamily="49" charset="-128"/>
+              </a:rPr>
+              <a:t>Hp</a:t>
+            </a:r>
+            <a:r>
+              <a:rPr lang="en-US" altLang="ja-JP" sz="2600" dirty="0">
+                <a:solidFill>
+                  <a:srgbClr val="000000"/>
+                </a:solidFill>
+                <a:ea typeface="ＭＳ ゴシック" panose="020B0609070205080204" pitchFamily="49" charset="-128"/>
+              </a:rPr>
+              <a:t>() </a:t>
+            </a:r>
+            <a:r>
+              <a:rPr lang="en-US" altLang="ja-JP" sz="2600" dirty="0">
+                <a:solidFill>
+                  <a:srgbClr val="008080"/>
+                </a:solidFill>
+                <a:ea typeface="ＭＳ ゴシック" panose="020B0609070205080204" pitchFamily="49" charset="-128"/>
+              </a:rPr>
+              <a:t>&lt;&lt;</a:t>
+            </a:r>
+            <a:r>
+              <a:rPr lang="en-US" altLang="ja-JP" sz="2600" dirty="0">
+                <a:solidFill>
+                  <a:srgbClr val="000000"/>
+                </a:solidFill>
+                <a:ea typeface="ＭＳ ゴシック" panose="020B0609070205080204" pitchFamily="49" charset="-128"/>
+              </a:rPr>
+              <a:t> </a:t>
+            </a:r>
+            <a:r>
+              <a:rPr lang="en-US" altLang="ja-JP" sz="2600" dirty="0">
+                <a:solidFill>
+                  <a:srgbClr val="A31515"/>
+                </a:solidFill>
+                <a:ea typeface="ＭＳ ゴシック" panose="020B0609070205080204" pitchFamily="49" charset="-128"/>
+              </a:rPr>
+              <a:t>','</a:t>
+            </a:r>
+            <a:r>
+              <a:rPr lang="en-US" altLang="ja-JP" sz="2600" dirty="0">
+                <a:solidFill>
+                  <a:srgbClr val="000000"/>
+                </a:solidFill>
+                <a:ea typeface="ＭＳ ゴシック" panose="020B0609070205080204" pitchFamily="49" charset="-128"/>
+              </a:rPr>
+              <a:t> </a:t>
+            </a:r>
+            <a:r>
+              <a:rPr lang="en-US" altLang="ja-JP" sz="2600" dirty="0">
+                <a:solidFill>
+                  <a:srgbClr val="008080"/>
+                </a:solidFill>
+                <a:ea typeface="ＭＳ ゴシック" panose="020B0609070205080204" pitchFamily="49" charset="-128"/>
+              </a:rPr>
+              <a:t>&lt;&lt;</a:t>
+            </a:r>
+            <a:r>
+              <a:rPr lang="en-US" altLang="ja-JP" sz="2600" dirty="0">
+                <a:solidFill>
+                  <a:srgbClr val="000000"/>
+                </a:solidFill>
+                <a:ea typeface="ＭＳ ゴシック" panose="020B0609070205080204" pitchFamily="49" charset="-128"/>
+              </a:rPr>
+              <a:t> p-&gt;</a:t>
+            </a:r>
+            <a:r>
+              <a:rPr lang="en-US" altLang="ja-JP" sz="2600" dirty="0" err="1">
+                <a:solidFill>
+                  <a:srgbClr val="000000"/>
+                </a:solidFill>
+                <a:ea typeface="ＭＳ ゴシック" panose="020B0609070205080204" pitchFamily="49" charset="-128"/>
+              </a:rPr>
+              <a:t>getName</a:t>
+            </a:r>
+            <a:r>
+              <a:rPr lang="en-US" altLang="ja-JP" sz="2600" dirty="0">
+                <a:solidFill>
+                  <a:srgbClr val="000000"/>
+                </a:solidFill>
+                <a:ea typeface="ＭＳ ゴシック" panose="020B0609070205080204" pitchFamily="49" charset="-128"/>
+              </a:rPr>
+              <a:t>() </a:t>
+            </a:r>
+            <a:r>
+              <a:rPr lang="en-US" altLang="ja-JP" sz="2600" dirty="0">
+                <a:solidFill>
+                  <a:srgbClr val="008080"/>
+                </a:solidFill>
+                <a:ea typeface="ＭＳ ゴシック" panose="020B0609070205080204" pitchFamily="49" charset="-128"/>
+              </a:rPr>
+              <a:t>&lt;&lt;</a:t>
+            </a:r>
+            <a:r>
+              <a:rPr lang="en-US" altLang="ja-JP" sz="2600" dirty="0">
+                <a:solidFill>
+                  <a:srgbClr val="000000"/>
+                </a:solidFill>
+                <a:ea typeface="ＭＳ ゴシック" panose="020B0609070205080204" pitchFamily="49" charset="-128"/>
+              </a:rPr>
+              <a:t> </a:t>
+            </a:r>
+            <a:r>
+              <a:rPr lang="en-US" altLang="ja-JP" sz="2600" dirty="0" err="1">
+                <a:solidFill>
+                  <a:srgbClr val="000000"/>
+                </a:solidFill>
+                <a:ea typeface="ＭＳ ゴシック" panose="020B0609070205080204" pitchFamily="49" charset="-128"/>
+              </a:rPr>
+              <a:t>endl</a:t>
+            </a:r>
+            <a:r>
+              <a:rPr lang="en-US" altLang="ja-JP" sz="2600" dirty="0">
+                <a:solidFill>
+                  <a:srgbClr val="000000"/>
+                </a:solidFill>
+                <a:ea typeface="ＭＳ ゴシック" panose="020B0609070205080204" pitchFamily="49" charset="-128"/>
+              </a:rPr>
+              <a:t>;</a:t>
+            </a:r>
+          </a:p>
+          <a:p>
+            <a:r>
+              <a:rPr lang="en-US" altLang="ja-JP" sz="2600" dirty="0">
+                <a:solidFill>
+                  <a:srgbClr val="000000"/>
+                </a:solidFill>
+                <a:ea typeface="ＭＳ ゴシック" panose="020B0609070205080204" pitchFamily="49" charset="-128"/>
+              </a:rPr>
+              <a:t>	} </a:t>
+            </a:r>
+            <a:r>
+              <a:rPr lang="en-US" altLang="ja-JP" sz="2600" dirty="0">
+                <a:solidFill>
+                  <a:srgbClr val="00B050"/>
+                </a:solidFill>
+                <a:ea typeface="ＭＳ ゴシック" panose="020B0609070205080204" pitchFamily="49" charset="-128"/>
+              </a:rPr>
+              <a:t>//</a:t>
+            </a:r>
+            <a:r>
+              <a:rPr lang="ja-JP" altLang="en-US" sz="2600" dirty="0">
+                <a:solidFill>
+                  <a:srgbClr val="00B050"/>
+                </a:solidFill>
+                <a:ea typeface="ＭＳ ゴシック" panose="020B0609070205080204" pitchFamily="49" charset="-128"/>
+              </a:rPr>
+              <a:t>項目を</a:t>
+            </a:r>
+            <a:r>
+              <a:rPr lang="en-US" altLang="ja-JP" sz="2600" dirty="0" err="1">
+                <a:solidFill>
+                  <a:srgbClr val="00B050"/>
+                </a:solidFill>
+                <a:ea typeface="ＭＳ ゴシック" panose="020B0609070205080204" pitchFamily="49" charset="-128"/>
+              </a:rPr>
+              <a:t>Def,Atk,Hp,Name</a:t>
+            </a:r>
+            <a:r>
+              <a:rPr lang="ja-JP" altLang="en-US" sz="2600" dirty="0">
+                <a:solidFill>
+                  <a:srgbClr val="00B050"/>
+                </a:solidFill>
+                <a:ea typeface="ＭＳ ゴシック" panose="020B0609070205080204" pitchFamily="49" charset="-128"/>
+              </a:rPr>
+              <a:t>の順で出力</a:t>
+            </a:r>
+            <a:endParaRPr lang="en-US" altLang="ja-JP" sz="2600" dirty="0">
+              <a:solidFill>
+                <a:srgbClr val="00B050"/>
+              </a:solidFill>
+              <a:ea typeface="ＭＳ ゴシック" panose="020B0609070205080204" pitchFamily="49" charset="-128"/>
+            </a:endParaRPr>
+          </a:p>
+          <a:p>
+            <a:r>
+              <a:rPr lang="en-US" altLang="ja-JP" sz="2600" dirty="0">
+                <a:solidFill>
+                  <a:srgbClr val="000000"/>
+                </a:solidFill>
+                <a:ea typeface="ＭＳ ゴシック" panose="020B0609070205080204" pitchFamily="49" charset="-128"/>
+              </a:rPr>
+              <a:t>	</a:t>
+            </a:r>
+            <a:r>
+              <a:rPr lang="en-US" altLang="ja-JP" sz="2600" dirty="0" err="1">
+                <a:solidFill>
+                  <a:srgbClr val="000000"/>
+                </a:solidFill>
+                <a:ea typeface="ＭＳ ゴシック" panose="020B0609070205080204" pitchFamily="49" charset="-128"/>
+              </a:rPr>
+              <a:t>ofs.close</a:t>
+            </a:r>
+            <a:r>
+              <a:rPr lang="en-US" altLang="ja-JP" sz="2600" dirty="0">
+                <a:solidFill>
+                  <a:srgbClr val="000000"/>
+                </a:solidFill>
+                <a:ea typeface="ＭＳ ゴシック" panose="020B0609070205080204" pitchFamily="49" charset="-128"/>
+              </a:rPr>
+              <a:t>();</a:t>
+            </a:r>
+            <a:endParaRPr lang="en-US" altLang="ja-JP" sz="2600" dirty="0">
+              <a:ea typeface="ＭＳ ゴシック" panose="020B0609070205080204" pitchFamily="49" charset="-128"/>
+            </a:endParaRPr>
+          </a:p>
+        </p:txBody>
+      </p:sp>
+      <p:sp>
+        <p:nvSpPr>
+          <p:cNvPr id="7" name="矢印: 右 6">
+            <a:extLst>
+              <a:ext uri="{FF2B5EF4-FFF2-40B4-BE49-F238E27FC236}">
+                <a16:creationId xmlns:a16="http://schemas.microsoft.com/office/drawing/2014/main" id="{EC21280B-CB7F-C025-8B9B-04FC81AADAA1}"/>
+              </a:ext>
+            </a:extLst>
+          </p:cNvPr>
+          <p:cNvSpPr/>
+          <p:nvPr/>
+        </p:nvSpPr>
+        <p:spPr>
+          <a:xfrm>
+            <a:off x="625002" y="3675537"/>
+            <a:ext cx="426396" cy="282102"/>
+          </a:xfrm>
+          <a:prstGeom prst="rightArrow">
+            <a:avLst/>
+          </a:prstGeom>
+          <a:solidFill>
+            <a:srgbClr val="FF0000"/>
+          </a:solidFill>
+        </p:spPr>
+        <p:style>
+          <a:lnRef idx="2">
+            <a:schemeClr val="accent1">
+              <a:shade val="15000"/>
+            </a:schemeClr>
+          </a:lnRef>
+          <a:fillRef idx="1">
+            <a:schemeClr val="accent1"/>
+          </a:fillRef>
+          <a:effectRef idx="0">
+            <a:schemeClr val="accent1"/>
+          </a:effectRef>
+          <a:fontRef idx="minor">
+            <a:schemeClr val="lt1"/>
+          </a:fontRef>
+        </p:style>
+        <p:txBody>
+          <a:bodyPr rtlCol="0" anchor="ctr"/>
+          <a:lstStyle/>
+          <a:p>
+            <a:pPr algn="ctr"/>
+            <a:endParaRPr kumimoji="1" lang="ja-JP" altLang="en-US" dirty="0"/>
+          </a:p>
+        </p:txBody>
+      </p:sp>
+      <p:sp>
+        <p:nvSpPr>
+          <p:cNvPr id="8" name="矢印: 右 7">
+            <a:extLst>
+              <a:ext uri="{FF2B5EF4-FFF2-40B4-BE49-F238E27FC236}">
+                <a16:creationId xmlns:a16="http://schemas.microsoft.com/office/drawing/2014/main" id="{F1788921-1DCB-4647-DC46-C84C2C3CE5E2}"/>
+              </a:ext>
+            </a:extLst>
+          </p:cNvPr>
+          <p:cNvSpPr/>
+          <p:nvPr/>
+        </p:nvSpPr>
+        <p:spPr>
+          <a:xfrm>
+            <a:off x="625002" y="3274024"/>
+            <a:ext cx="426396" cy="282102"/>
+          </a:xfrm>
+          <a:prstGeom prst="rightArrow">
+            <a:avLst/>
+          </a:prstGeom>
+          <a:solidFill>
+            <a:srgbClr val="FF0000"/>
+          </a:solidFill>
+        </p:spPr>
+        <p:style>
+          <a:lnRef idx="2">
+            <a:schemeClr val="accent1">
+              <a:shade val="15000"/>
+            </a:schemeClr>
+          </a:lnRef>
+          <a:fillRef idx="1">
+            <a:schemeClr val="accent1"/>
+          </a:fillRef>
+          <a:effectRef idx="0">
+            <a:schemeClr val="accent1"/>
+          </a:effectRef>
+          <a:fontRef idx="minor">
+            <a:schemeClr val="lt1"/>
+          </a:fontRef>
+        </p:style>
+        <p:txBody>
+          <a:bodyPr rtlCol="0" anchor="ctr"/>
+          <a:lstStyle/>
+          <a:p>
+            <a:pPr algn="ctr"/>
+            <a:endParaRPr kumimoji="1" lang="ja-JP" altLang="en-US"/>
+          </a:p>
+        </p:txBody>
+      </p:sp>
+      <p:sp>
+        <p:nvSpPr>
+          <p:cNvPr id="11" name="矢印: 右 10">
+            <a:extLst>
+              <a:ext uri="{FF2B5EF4-FFF2-40B4-BE49-F238E27FC236}">
+                <a16:creationId xmlns:a16="http://schemas.microsoft.com/office/drawing/2014/main" id="{9A6A0E0F-8CD1-9EE8-67EB-A353C157838A}"/>
+              </a:ext>
+            </a:extLst>
+          </p:cNvPr>
+          <p:cNvSpPr/>
+          <p:nvPr/>
+        </p:nvSpPr>
+        <p:spPr>
+          <a:xfrm>
+            <a:off x="625002" y="4502705"/>
+            <a:ext cx="426396" cy="282102"/>
+          </a:xfrm>
+          <a:prstGeom prst="rightArrow">
+            <a:avLst/>
+          </a:prstGeom>
+          <a:solidFill>
+            <a:srgbClr val="FF0000"/>
+          </a:solidFill>
+        </p:spPr>
+        <p:style>
+          <a:lnRef idx="2">
+            <a:schemeClr val="accent1">
+              <a:shade val="15000"/>
+            </a:schemeClr>
+          </a:lnRef>
+          <a:fillRef idx="1">
+            <a:schemeClr val="accent1"/>
+          </a:fillRef>
+          <a:effectRef idx="0">
+            <a:schemeClr val="accent1"/>
+          </a:effectRef>
+          <a:fontRef idx="minor">
+            <a:schemeClr val="lt1"/>
+          </a:fontRef>
+        </p:style>
+        <p:txBody>
+          <a:bodyPr rtlCol="0" anchor="ctr"/>
+          <a:lstStyle/>
+          <a:p>
+            <a:pPr algn="ctr"/>
+            <a:endParaRPr kumimoji="1" lang="ja-JP" altLang="en-US"/>
+          </a:p>
+        </p:txBody>
+      </p:sp>
+      <p:sp>
+        <p:nvSpPr>
+          <p:cNvPr id="16" name="矢印: 右 15">
+            <a:extLst>
+              <a:ext uri="{FF2B5EF4-FFF2-40B4-BE49-F238E27FC236}">
+                <a16:creationId xmlns:a16="http://schemas.microsoft.com/office/drawing/2014/main" id="{F4E30FCE-2F0B-F072-667D-DD47A2390EE1}"/>
+              </a:ext>
+            </a:extLst>
+          </p:cNvPr>
+          <p:cNvSpPr/>
+          <p:nvPr/>
+        </p:nvSpPr>
+        <p:spPr>
+          <a:xfrm>
+            <a:off x="621754" y="4071451"/>
+            <a:ext cx="426396" cy="282102"/>
+          </a:xfrm>
+          <a:prstGeom prst="rightArrow">
+            <a:avLst/>
+          </a:prstGeom>
+          <a:solidFill>
+            <a:srgbClr val="FF0000"/>
+          </a:solidFill>
+        </p:spPr>
+        <p:style>
+          <a:lnRef idx="2">
+            <a:schemeClr val="accent1">
+              <a:shade val="15000"/>
+            </a:schemeClr>
+          </a:lnRef>
+          <a:fillRef idx="1">
+            <a:schemeClr val="accent1"/>
+          </a:fillRef>
+          <a:effectRef idx="0">
+            <a:schemeClr val="accent1"/>
+          </a:effectRef>
+          <a:fontRef idx="minor">
+            <a:schemeClr val="lt1"/>
+          </a:fontRef>
+        </p:style>
+        <p:txBody>
+          <a:bodyPr rtlCol="0" anchor="ctr"/>
+          <a:lstStyle/>
+          <a:p>
+            <a:pPr algn="ctr"/>
+            <a:endParaRPr kumimoji="1" lang="ja-JP" altLang="en-US"/>
+          </a:p>
+        </p:txBody>
+      </p:sp>
+      <p:sp>
+        <p:nvSpPr>
+          <p:cNvPr id="9" name="矢印: 右 8">
+            <a:extLst>
+              <a:ext uri="{FF2B5EF4-FFF2-40B4-BE49-F238E27FC236}">
+                <a16:creationId xmlns:a16="http://schemas.microsoft.com/office/drawing/2014/main" id="{855689CF-780D-729F-0557-9E8B73A7D9D2}"/>
+              </a:ext>
+            </a:extLst>
+          </p:cNvPr>
+          <p:cNvSpPr/>
+          <p:nvPr/>
+        </p:nvSpPr>
+        <p:spPr>
+          <a:xfrm>
+            <a:off x="613653" y="4878165"/>
+            <a:ext cx="426396" cy="282102"/>
+          </a:xfrm>
+          <a:prstGeom prst="rightArrow">
+            <a:avLst/>
+          </a:prstGeom>
+          <a:solidFill>
+            <a:srgbClr val="FF0000"/>
+          </a:solidFill>
+        </p:spPr>
+        <p:style>
+          <a:lnRef idx="2">
+            <a:schemeClr val="accent1">
+              <a:shade val="15000"/>
+            </a:schemeClr>
+          </a:lnRef>
+          <a:fillRef idx="1">
+            <a:schemeClr val="accent1"/>
+          </a:fillRef>
+          <a:effectRef idx="0">
+            <a:schemeClr val="accent1"/>
+          </a:effectRef>
+          <a:fontRef idx="minor">
+            <a:schemeClr val="lt1"/>
+          </a:fontRef>
+        </p:style>
+        <p:txBody>
+          <a:bodyPr rtlCol="0" anchor="ctr"/>
+          <a:lstStyle/>
+          <a:p>
+            <a:pPr algn="ctr"/>
+            <a:endParaRPr kumimoji="1" lang="ja-JP" altLang="en-US"/>
+          </a:p>
+        </p:txBody>
+      </p:sp>
+      <p:sp>
+        <p:nvSpPr>
+          <p:cNvPr id="4" name="矢印: 右 3">
+            <a:extLst>
+              <a:ext uri="{FF2B5EF4-FFF2-40B4-BE49-F238E27FC236}">
+                <a16:creationId xmlns:a16="http://schemas.microsoft.com/office/drawing/2014/main" id="{81FBEF72-4872-AF13-C8C9-FF8F67217DF8}"/>
+              </a:ext>
+            </a:extLst>
+          </p:cNvPr>
+          <p:cNvSpPr/>
+          <p:nvPr/>
+        </p:nvSpPr>
+        <p:spPr>
+          <a:xfrm>
+            <a:off x="642932" y="1658479"/>
+            <a:ext cx="426396" cy="282102"/>
+          </a:xfrm>
+          <a:prstGeom prst="rightArrow">
+            <a:avLst/>
+          </a:prstGeom>
+          <a:solidFill>
+            <a:srgbClr val="FF0000"/>
+          </a:solidFill>
+        </p:spPr>
+        <p:style>
+          <a:lnRef idx="2">
+            <a:schemeClr val="accent1">
+              <a:shade val="15000"/>
+            </a:schemeClr>
+          </a:lnRef>
+          <a:fillRef idx="1">
+            <a:schemeClr val="accent1"/>
+          </a:fillRef>
+          <a:effectRef idx="0">
+            <a:schemeClr val="accent1"/>
+          </a:effectRef>
+          <a:fontRef idx="minor">
+            <a:schemeClr val="lt1"/>
+          </a:fontRef>
+        </p:style>
+        <p:txBody>
+          <a:bodyPr rtlCol="0" anchor="ctr"/>
+          <a:lstStyle/>
+          <a:p>
+            <a:pPr algn="ctr"/>
+            <a:endParaRPr kumimoji="1" lang="ja-JP" altLang="en-US" dirty="0"/>
+          </a:p>
+        </p:txBody>
+      </p:sp>
+      <p:sp>
+        <p:nvSpPr>
+          <p:cNvPr id="10" name="矢印: 右 9">
+            <a:extLst>
+              <a:ext uri="{FF2B5EF4-FFF2-40B4-BE49-F238E27FC236}">
+                <a16:creationId xmlns:a16="http://schemas.microsoft.com/office/drawing/2014/main" id="{19275740-5425-5000-1924-780FD3EB4449}"/>
+              </a:ext>
+            </a:extLst>
+          </p:cNvPr>
+          <p:cNvSpPr/>
+          <p:nvPr/>
+        </p:nvSpPr>
+        <p:spPr>
+          <a:xfrm>
+            <a:off x="642932" y="2485647"/>
+            <a:ext cx="426396" cy="282102"/>
+          </a:xfrm>
+          <a:prstGeom prst="rightArrow">
+            <a:avLst/>
+          </a:prstGeom>
+          <a:solidFill>
+            <a:srgbClr val="FF0000"/>
+          </a:solidFill>
+        </p:spPr>
+        <p:style>
+          <a:lnRef idx="2">
+            <a:schemeClr val="accent1">
+              <a:shade val="15000"/>
+            </a:schemeClr>
+          </a:lnRef>
+          <a:fillRef idx="1">
+            <a:schemeClr val="accent1"/>
+          </a:fillRef>
+          <a:effectRef idx="0">
+            <a:schemeClr val="accent1"/>
+          </a:effectRef>
+          <a:fontRef idx="minor">
+            <a:schemeClr val="lt1"/>
+          </a:fontRef>
+        </p:style>
+        <p:txBody>
+          <a:bodyPr rtlCol="0" anchor="ctr"/>
+          <a:lstStyle/>
+          <a:p>
+            <a:pPr algn="ctr"/>
+            <a:endParaRPr kumimoji="1" lang="ja-JP" altLang="en-US"/>
+          </a:p>
+        </p:txBody>
+      </p:sp>
+      <p:sp>
+        <p:nvSpPr>
+          <p:cNvPr id="12" name="矢印: 右 11">
+            <a:extLst>
+              <a:ext uri="{FF2B5EF4-FFF2-40B4-BE49-F238E27FC236}">
+                <a16:creationId xmlns:a16="http://schemas.microsoft.com/office/drawing/2014/main" id="{DDC6A86A-5008-5BE4-6AEF-91CD7DF4218A}"/>
+              </a:ext>
+            </a:extLst>
+          </p:cNvPr>
+          <p:cNvSpPr/>
+          <p:nvPr/>
+        </p:nvSpPr>
+        <p:spPr>
+          <a:xfrm>
+            <a:off x="639684" y="2054393"/>
+            <a:ext cx="426396" cy="282102"/>
+          </a:xfrm>
+          <a:prstGeom prst="rightArrow">
+            <a:avLst/>
+          </a:prstGeom>
+          <a:solidFill>
+            <a:srgbClr val="FF0000"/>
+          </a:solidFill>
+        </p:spPr>
+        <p:style>
+          <a:lnRef idx="2">
+            <a:schemeClr val="accent1">
+              <a:shade val="15000"/>
+            </a:schemeClr>
+          </a:lnRef>
+          <a:fillRef idx="1">
+            <a:schemeClr val="accent1"/>
+          </a:fillRef>
+          <a:effectRef idx="0">
+            <a:schemeClr val="accent1"/>
+          </a:effectRef>
+          <a:fontRef idx="minor">
+            <a:schemeClr val="lt1"/>
+          </a:fontRef>
+        </p:style>
+        <p:txBody>
+          <a:bodyPr rtlCol="0" anchor="ctr"/>
+          <a:lstStyle/>
+          <a:p>
+            <a:pPr algn="ctr"/>
+            <a:endParaRPr kumimoji="1" lang="ja-JP" altLang="en-US"/>
+          </a:p>
+        </p:txBody>
+      </p:sp>
+      <p:sp>
+        <p:nvSpPr>
+          <p:cNvPr id="13" name="矢印: 右 12">
+            <a:extLst>
+              <a:ext uri="{FF2B5EF4-FFF2-40B4-BE49-F238E27FC236}">
+                <a16:creationId xmlns:a16="http://schemas.microsoft.com/office/drawing/2014/main" id="{97BEEF5C-D70E-A82C-CFFC-93997F8316C8}"/>
+              </a:ext>
+            </a:extLst>
+          </p:cNvPr>
+          <p:cNvSpPr/>
+          <p:nvPr/>
+        </p:nvSpPr>
+        <p:spPr>
+          <a:xfrm>
+            <a:off x="631583" y="2861107"/>
+            <a:ext cx="426396" cy="282102"/>
+          </a:xfrm>
+          <a:prstGeom prst="rightArrow">
+            <a:avLst/>
+          </a:prstGeom>
+          <a:solidFill>
+            <a:srgbClr val="FF0000"/>
+          </a:solidFill>
+        </p:spPr>
+        <p:style>
+          <a:lnRef idx="2">
+            <a:schemeClr val="accent1">
+              <a:shade val="15000"/>
+            </a:schemeClr>
+          </a:lnRef>
+          <a:fillRef idx="1">
+            <a:schemeClr val="accent1"/>
+          </a:fillRef>
+          <a:effectRef idx="0">
+            <a:schemeClr val="accent1"/>
+          </a:effectRef>
+          <a:fontRef idx="minor">
+            <a:schemeClr val="lt1"/>
+          </a:fontRef>
+        </p:style>
+        <p:txBody>
+          <a:bodyPr rtlCol="0" anchor="ctr"/>
+          <a:lstStyle/>
+          <a:p>
+            <a:pPr algn="ctr"/>
+            <a:endParaRPr kumimoji="1" lang="ja-JP" altLang="en-US"/>
+          </a:p>
+        </p:txBody>
+      </p:sp>
+      <p:sp>
+        <p:nvSpPr>
+          <p:cNvPr id="14" name="矢印: 右 13">
+            <a:extLst>
+              <a:ext uri="{FF2B5EF4-FFF2-40B4-BE49-F238E27FC236}">
+                <a16:creationId xmlns:a16="http://schemas.microsoft.com/office/drawing/2014/main" id="{CAB0F1D3-9CBA-9F34-1104-299422850F37}"/>
+              </a:ext>
+            </a:extLst>
+          </p:cNvPr>
+          <p:cNvSpPr/>
+          <p:nvPr/>
+        </p:nvSpPr>
+        <p:spPr>
+          <a:xfrm>
+            <a:off x="616038" y="5237811"/>
+            <a:ext cx="426396" cy="282102"/>
+          </a:xfrm>
+          <a:prstGeom prst="rightArrow">
+            <a:avLst/>
+          </a:prstGeom>
+          <a:solidFill>
+            <a:srgbClr val="FF0000"/>
+          </a:solidFill>
+        </p:spPr>
+        <p:style>
+          <a:lnRef idx="2">
+            <a:schemeClr val="accent1">
+              <a:shade val="15000"/>
+            </a:schemeClr>
+          </a:lnRef>
+          <a:fillRef idx="1">
+            <a:schemeClr val="accent1"/>
+          </a:fillRef>
+          <a:effectRef idx="0">
+            <a:schemeClr val="accent1"/>
+          </a:effectRef>
+          <a:fontRef idx="minor">
+            <a:schemeClr val="lt1"/>
+          </a:fontRef>
+        </p:style>
+        <p:txBody>
+          <a:bodyPr rtlCol="0" anchor="ctr"/>
+          <a:lstStyle/>
+          <a:p>
+            <a:pPr algn="ctr"/>
+            <a:endParaRPr kumimoji="1" lang="ja-JP" altLang="en-US"/>
+          </a:p>
+        </p:txBody>
+      </p:sp>
+      <p:sp>
+        <p:nvSpPr>
+          <p:cNvPr id="15" name="矢印: 右 14">
+            <a:extLst>
+              <a:ext uri="{FF2B5EF4-FFF2-40B4-BE49-F238E27FC236}">
+                <a16:creationId xmlns:a16="http://schemas.microsoft.com/office/drawing/2014/main" id="{7AB17919-C0BC-C348-7206-E79F81C61EA6}"/>
+              </a:ext>
+            </a:extLst>
+          </p:cNvPr>
+          <p:cNvSpPr/>
+          <p:nvPr/>
+        </p:nvSpPr>
+        <p:spPr>
+          <a:xfrm>
+            <a:off x="604689" y="5613271"/>
+            <a:ext cx="426396" cy="282102"/>
+          </a:xfrm>
+          <a:prstGeom prst="rightArrow">
+            <a:avLst/>
+          </a:prstGeom>
+          <a:solidFill>
+            <a:srgbClr val="FF0000"/>
+          </a:solidFill>
+        </p:spPr>
+        <p:style>
+          <a:lnRef idx="2">
+            <a:schemeClr val="accent1">
+              <a:shade val="15000"/>
+            </a:schemeClr>
+          </a:lnRef>
+          <a:fillRef idx="1">
+            <a:schemeClr val="accent1"/>
+          </a:fillRef>
+          <a:effectRef idx="0">
+            <a:schemeClr val="accent1"/>
+          </a:effectRef>
+          <a:fontRef idx="minor">
+            <a:schemeClr val="lt1"/>
+          </a:fontRef>
+        </p:style>
+        <p:txBody>
+          <a:bodyPr rtlCol="0" anchor="ctr"/>
+          <a:lstStyle/>
+          <a:p>
+            <a:pPr algn="ctr"/>
+            <a:endParaRPr kumimoji="1" lang="ja-JP" altLang="en-US"/>
+          </a:p>
+        </p:txBody>
+      </p:sp>
+    </p:spTree>
+    <p:extLst>
+      <p:ext uri="{BB962C8B-B14F-4D97-AF65-F5344CB8AC3E}">
+        <p14:creationId xmlns:p14="http://schemas.microsoft.com/office/powerpoint/2010/main" val="92511874"/>
+      </p:ext>
+    </p:extLst>
+  </p:cSld>
+  <p:clrMapOvr>
+    <a:masterClrMapping/>
+  </p:clrMapOvr>
+</p:sld>
+</file>
+
+<file path=ppt/slides/slide37.xml><?xml version="1.0" encoding="utf-8"?>
+<p:sld xmlns:a="http://schemas.openxmlformats.org/drawingml/2006/main" xmlns:r="http://schemas.openxmlformats.org/officeDocument/2006/relationships" xmlns:p="http://schemas.openxmlformats.org/presentationml/2006/main">
+  <p:cSld>
+    <p:spTree>
+      <p:nvGrpSpPr>
+        <p:cNvPr id="1" name="">
+          <a:extLst>
+            <a:ext uri="{FF2B5EF4-FFF2-40B4-BE49-F238E27FC236}">
+              <a16:creationId xmlns:a16="http://schemas.microsoft.com/office/drawing/2014/main" id="{A1C36597-05A3-277F-5CB8-237F9A2E0621}"/>
+            </a:ext>
+          </a:extLst>
+        </p:cNvPr>
+        <p:cNvGrpSpPr/>
+        <p:nvPr/>
+      </p:nvGrpSpPr>
+      <p:grpSpPr>
+        <a:xfrm>
+          <a:off x="0" y="0"/>
+          <a:ext cx="0" cy="0"/>
+          <a:chOff x="0" y="0"/>
+          <a:chExt cx="0" cy="0"/>
+        </a:xfrm>
+      </p:grpSpPr>
+      <p:sp>
+        <p:nvSpPr>
+          <p:cNvPr id="2" name="タイトル 1">
+            <a:extLst>
+              <a:ext uri="{FF2B5EF4-FFF2-40B4-BE49-F238E27FC236}">
+                <a16:creationId xmlns:a16="http://schemas.microsoft.com/office/drawing/2014/main" id="{E0545E5E-4CEF-ADFE-A69A-F4038F3F25CF}"/>
+              </a:ext>
+            </a:extLst>
+          </p:cNvPr>
+          <p:cNvSpPr>
+            <a:spLocks noGrp="1"/>
+          </p:cNvSpPr>
+          <p:nvPr>
+            <p:ph type="title"/>
+          </p:nvPr>
+        </p:nvSpPr>
+        <p:spPr/>
+        <p:txBody>
+          <a:bodyPr/>
+          <a:lstStyle/>
+          <a:p>
+            <a:r>
+              <a:rPr lang="en-US" altLang="ja-JP" dirty="0"/>
+              <a:t>CSV</a:t>
+            </a:r>
+            <a:r>
+              <a:rPr lang="ja-JP" altLang="en-US" dirty="0"/>
+              <a:t>ファイル</a:t>
+            </a:r>
+            <a:endParaRPr kumimoji="1" lang="ja-JP" altLang="en-US" dirty="0"/>
+          </a:p>
+        </p:txBody>
+      </p:sp>
+      <p:sp>
+        <p:nvSpPr>
+          <p:cNvPr id="3" name="コンテンツ プレースホルダー 2">
+            <a:extLst>
+              <a:ext uri="{FF2B5EF4-FFF2-40B4-BE49-F238E27FC236}">
+                <a16:creationId xmlns:a16="http://schemas.microsoft.com/office/drawing/2014/main" id="{40554D5E-B65F-D79B-8312-80ACE01C03EC}"/>
+              </a:ext>
+            </a:extLst>
+          </p:cNvPr>
+          <p:cNvSpPr>
+            <a:spLocks noGrp="1"/>
+          </p:cNvSpPr>
+          <p:nvPr>
+            <p:ph idx="1"/>
+          </p:nvPr>
+        </p:nvSpPr>
+        <p:spPr>
+          <a:xfrm>
+            <a:off x="849549" y="589044"/>
+            <a:ext cx="10515600" cy="5193373"/>
+          </a:xfrm>
+        </p:spPr>
+        <p:txBody>
+          <a:bodyPr>
+            <a:normAutofit/>
+          </a:bodyPr>
+          <a:lstStyle/>
+          <a:p>
+            <a:pPr marL="0" indent="0">
+              <a:buNone/>
+            </a:pPr>
+            <a:r>
+              <a:rPr kumimoji="1" lang="en-US" altLang="ja-JP" dirty="0"/>
+              <a:t>                </a:t>
+            </a:r>
+            <a:r>
+              <a:rPr kumimoji="1" lang="ja-JP" altLang="en-US" dirty="0"/>
+              <a:t>　　　　　</a:t>
+            </a:r>
+            <a:r>
+              <a:rPr kumimoji="1" lang="en-US" altLang="ja-JP" dirty="0"/>
+              <a:t>main.cpp</a:t>
+            </a:r>
+            <a:r>
+              <a:rPr kumimoji="1" lang="ja-JP" altLang="en-US" dirty="0"/>
+              <a:t>　</a:t>
+            </a:r>
+            <a:r>
+              <a:rPr kumimoji="1" lang="en-US" altLang="ja-JP" dirty="0"/>
+              <a:t>(CSV)</a:t>
+            </a:r>
+            <a:br>
+              <a:rPr lang="en-US" altLang="ja-JP" dirty="0"/>
+            </a:br>
+            <a:endParaRPr lang="en-US" altLang="ja-JP" dirty="0"/>
+          </a:p>
+          <a:p>
+            <a:pPr marL="0" indent="0">
+              <a:buNone/>
+            </a:pPr>
+            <a:br>
+              <a:rPr lang="en-US" altLang="ja-JP" dirty="0"/>
+            </a:br>
+            <a:br>
+              <a:rPr lang="en-US" altLang="ja-JP" dirty="0"/>
+            </a:br>
+            <a:br>
+              <a:rPr lang="en-US" altLang="ja-JP" dirty="0"/>
+            </a:br>
+            <a:br>
+              <a:rPr lang="en-US" altLang="ja-JP" sz="2400" dirty="0"/>
+            </a:br>
+            <a:br>
+              <a:rPr lang="en-US" altLang="ja-JP" sz="2400" dirty="0"/>
+            </a:br>
+            <a:endParaRPr lang="en-US" altLang="ja-JP" sz="2400" dirty="0"/>
+          </a:p>
+          <a:p>
+            <a:pPr marL="0" indent="0">
+              <a:buNone/>
+            </a:pPr>
+            <a:br>
+              <a:rPr lang="en-US" altLang="ja-JP" sz="2400" dirty="0"/>
+            </a:br>
+            <a:endParaRPr lang="en-US" altLang="ja-JP" dirty="0">
+              <a:solidFill>
+                <a:srgbClr val="FF0000"/>
+              </a:solidFill>
+            </a:endParaRPr>
+          </a:p>
+        </p:txBody>
+      </p:sp>
+      <p:sp>
+        <p:nvSpPr>
+          <p:cNvPr id="5" name="テキスト ボックス 4">
+            <a:extLst>
+              <a:ext uri="{FF2B5EF4-FFF2-40B4-BE49-F238E27FC236}">
+                <a16:creationId xmlns:a16="http://schemas.microsoft.com/office/drawing/2014/main" id="{AC3ED0D7-48F1-DEDB-FC96-C5DE33811D61}"/>
+              </a:ext>
+            </a:extLst>
+          </p:cNvPr>
+          <p:cNvSpPr txBox="1"/>
+          <p:nvPr/>
+        </p:nvSpPr>
+        <p:spPr>
+          <a:xfrm>
+            <a:off x="838201" y="1162976"/>
+            <a:ext cx="10980906" cy="3293209"/>
+          </a:xfrm>
+          <a:prstGeom prst="rect">
+            <a:avLst/>
+          </a:prstGeom>
+          <a:noFill/>
+          <a:ln>
+            <a:solidFill>
+              <a:schemeClr val="tx1"/>
+            </a:solidFill>
+          </a:ln>
+        </p:spPr>
+        <p:txBody>
+          <a:bodyPr wrap="square" rtlCol="0">
+            <a:spAutoFit/>
+          </a:bodyPr>
+          <a:lstStyle/>
+          <a:p>
+            <a:r>
+              <a:rPr lang="en-US" altLang="ja-JP" sz="2600" dirty="0">
+                <a:solidFill>
+                  <a:srgbClr val="0000FF"/>
+                </a:solidFill>
+                <a:ea typeface="ＭＳ ゴシック" panose="020B0609070205080204" pitchFamily="49" charset="-128"/>
+              </a:rPr>
+              <a:t>	for</a:t>
+            </a:r>
+            <a:r>
+              <a:rPr lang="en-US" altLang="ja-JP" sz="2600" dirty="0">
+                <a:solidFill>
+                  <a:srgbClr val="000000"/>
+                </a:solidFill>
+                <a:ea typeface="ＭＳ ゴシック" panose="020B0609070205080204" pitchFamily="49" charset="-128"/>
+              </a:rPr>
+              <a:t> (</a:t>
+            </a:r>
+            <a:r>
+              <a:rPr lang="en-US" altLang="ja-JP" sz="2600" dirty="0">
+                <a:solidFill>
+                  <a:srgbClr val="0000FF"/>
+                </a:solidFill>
+                <a:ea typeface="ＭＳ ゴシック" panose="020B0609070205080204" pitchFamily="49" charset="-128"/>
+              </a:rPr>
+              <a:t>const</a:t>
+            </a:r>
+            <a:r>
+              <a:rPr lang="en-US" altLang="ja-JP" sz="2600" dirty="0">
+                <a:solidFill>
+                  <a:srgbClr val="000000"/>
+                </a:solidFill>
+                <a:ea typeface="ＭＳ ゴシック" panose="020B0609070205080204" pitchFamily="49" charset="-128"/>
+              </a:rPr>
+              <a:t> </a:t>
+            </a:r>
+            <a:r>
+              <a:rPr lang="en-US" altLang="ja-JP" sz="2600" dirty="0">
+                <a:solidFill>
+                  <a:srgbClr val="0000FF"/>
+                </a:solidFill>
+                <a:ea typeface="ＭＳ ゴシック" panose="020B0609070205080204" pitchFamily="49" charset="-128"/>
+              </a:rPr>
+              <a:t>auto</a:t>
+            </a:r>
+            <a:r>
+              <a:rPr lang="en-US" altLang="ja-JP" sz="2600" dirty="0">
+                <a:solidFill>
+                  <a:srgbClr val="000000"/>
+                </a:solidFill>
+                <a:ea typeface="ＭＳ ゴシック" panose="020B0609070205080204" pitchFamily="49" charset="-128"/>
+              </a:rPr>
+              <a:t>&amp; p : </a:t>
+            </a:r>
+            <a:r>
+              <a:rPr lang="en-US" altLang="ja-JP" sz="2600" dirty="0" err="1">
+                <a:solidFill>
+                  <a:srgbClr val="000000"/>
+                </a:solidFill>
+                <a:ea typeface="ＭＳ ゴシック" panose="020B0609070205080204" pitchFamily="49" charset="-128"/>
+              </a:rPr>
+              <a:t>pEne</a:t>
+            </a:r>
+            <a:r>
+              <a:rPr lang="en-US" altLang="ja-JP" sz="2600" dirty="0">
+                <a:solidFill>
+                  <a:srgbClr val="000000"/>
+                </a:solidFill>
+                <a:ea typeface="ＭＳ ゴシック" panose="020B0609070205080204" pitchFamily="49" charset="-128"/>
+              </a:rPr>
+              <a:t>) {</a:t>
+            </a:r>
+          </a:p>
+          <a:p>
+            <a:r>
+              <a:rPr lang="nl-NL" altLang="ja-JP" sz="2600" dirty="0">
+                <a:solidFill>
+                  <a:srgbClr val="000000"/>
+                </a:solidFill>
+                <a:ea typeface="ＭＳ ゴシック" panose="020B0609070205080204" pitchFamily="49" charset="-128"/>
+              </a:rPr>
+              <a:t>		ofs </a:t>
+            </a:r>
+            <a:r>
+              <a:rPr lang="nl-NL" altLang="ja-JP" sz="2600" dirty="0">
+                <a:solidFill>
+                  <a:srgbClr val="008080"/>
+                </a:solidFill>
+                <a:ea typeface="ＭＳ ゴシック" panose="020B0609070205080204" pitchFamily="49" charset="-128"/>
+              </a:rPr>
+              <a:t>&lt;&lt;</a:t>
+            </a:r>
+            <a:r>
+              <a:rPr lang="nl-NL" altLang="ja-JP" sz="2600" dirty="0">
+                <a:solidFill>
+                  <a:srgbClr val="000000"/>
+                </a:solidFill>
+                <a:ea typeface="ＭＳ ゴシック" panose="020B0609070205080204" pitchFamily="49" charset="-128"/>
+              </a:rPr>
+              <a:t> p-&gt;get</a:t>
+            </a:r>
+            <a:r>
+              <a:rPr lang="en-US" altLang="ja-JP" sz="2600" dirty="0">
+                <a:solidFill>
+                  <a:srgbClr val="000000"/>
+                </a:solidFill>
+                <a:ea typeface="ＭＳ ゴシック" panose="020B0609070205080204" pitchFamily="49" charset="-128"/>
+              </a:rPr>
+              <a:t>Def</a:t>
+            </a:r>
+            <a:r>
+              <a:rPr lang="nl-NL" altLang="ja-JP" sz="2600" dirty="0">
+                <a:solidFill>
+                  <a:srgbClr val="000000"/>
+                </a:solidFill>
+                <a:ea typeface="ＭＳ ゴシック" panose="020B0609070205080204" pitchFamily="49" charset="-128"/>
+              </a:rPr>
+              <a:t>() </a:t>
+            </a:r>
+            <a:r>
+              <a:rPr lang="nl-NL" altLang="ja-JP" sz="2600" dirty="0">
+                <a:solidFill>
+                  <a:srgbClr val="008080"/>
+                </a:solidFill>
+                <a:ea typeface="ＭＳ ゴシック" panose="020B0609070205080204" pitchFamily="49" charset="-128"/>
+              </a:rPr>
+              <a:t>&lt;&lt;</a:t>
+            </a:r>
+            <a:r>
+              <a:rPr lang="nl-NL" altLang="ja-JP" sz="2600" dirty="0">
+                <a:solidFill>
+                  <a:srgbClr val="000000"/>
+                </a:solidFill>
+                <a:ea typeface="ＭＳ ゴシック" panose="020B0609070205080204" pitchFamily="49" charset="-128"/>
+              </a:rPr>
+              <a:t> </a:t>
+            </a:r>
+            <a:r>
+              <a:rPr lang="nl-NL" altLang="ja-JP" sz="2600" dirty="0">
+                <a:solidFill>
+                  <a:srgbClr val="A31515"/>
+                </a:solidFill>
+                <a:ea typeface="ＭＳ ゴシック" panose="020B0609070205080204" pitchFamily="49" charset="-128"/>
+              </a:rPr>
+              <a:t>','</a:t>
+            </a:r>
+            <a:r>
+              <a:rPr lang="nl-NL" altLang="ja-JP" sz="2600" dirty="0">
+                <a:solidFill>
+                  <a:srgbClr val="000000"/>
+                </a:solidFill>
+                <a:ea typeface="ＭＳ ゴシック" panose="020B0609070205080204" pitchFamily="49" charset="-128"/>
+              </a:rPr>
+              <a:t> </a:t>
+            </a:r>
+            <a:r>
+              <a:rPr lang="nl-NL" altLang="ja-JP" sz="2600" dirty="0">
+                <a:solidFill>
+                  <a:srgbClr val="008080"/>
+                </a:solidFill>
+                <a:ea typeface="ＭＳ ゴシック" panose="020B0609070205080204" pitchFamily="49" charset="-128"/>
+              </a:rPr>
+              <a:t>&lt;&lt;</a:t>
+            </a:r>
+            <a:r>
+              <a:rPr lang="nl-NL" altLang="ja-JP" sz="2600" dirty="0">
+                <a:solidFill>
+                  <a:srgbClr val="000000"/>
+                </a:solidFill>
+                <a:ea typeface="ＭＳ ゴシック" panose="020B0609070205080204" pitchFamily="49" charset="-128"/>
+              </a:rPr>
+              <a:t> p-&gt;getAtk() </a:t>
+            </a:r>
+            <a:r>
+              <a:rPr lang="en-US" altLang="ja-JP" sz="2600" dirty="0">
+                <a:solidFill>
+                  <a:srgbClr val="008080"/>
+                </a:solidFill>
+                <a:ea typeface="ＭＳ ゴシック" panose="020B0609070205080204" pitchFamily="49" charset="-128"/>
+              </a:rPr>
+              <a:t>&lt;&lt;</a:t>
+            </a:r>
+            <a:r>
+              <a:rPr lang="en-US" altLang="ja-JP" sz="2600" dirty="0">
+                <a:solidFill>
+                  <a:srgbClr val="000000"/>
+                </a:solidFill>
+                <a:ea typeface="ＭＳ ゴシック" panose="020B0609070205080204" pitchFamily="49" charset="-128"/>
+              </a:rPr>
+              <a:t> </a:t>
+            </a:r>
+            <a:r>
+              <a:rPr lang="en-US" altLang="ja-JP" sz="2600" dirty="0">
+                <a:solidFill>
+                  <a:srgbClr val="A31515"/>
+                </a:solidFill>
+                <a:ea typeface="ＭＳ ゴシック" panose="020B0609070205080204" pitchFamily="49" charset="-128"/>
+              </a:rPr>
+              <a:t>‘,’</a:t>
+            </a:r>
+            <a:br>
+              <a:rPr lang="en-US" altLang="ja-JP" sz="2600" dirty="0">
+                <a:solidFill>
+                  <a:srgbClr val="A31515"/>
+                </a:solidFill>
+                <a:ea typeface="ＭＳ ゴシック" panose="020B0609070205080204" pitchFamily="49" charset="-128"/>
+              </a:rPr>
+            </a:br>
+            <a:r>
+              <a:rPr lang="en-US" altLang="ja-JP" sz="2600" dirty="0">
+                <a:solidFill>
+                  <a:srgbClr val="A31515"/>
+                </a:solidFill>
+                <a:ea typeface="ＭＳ ゴシック" panose="020B0609070205080204" pitchFamily="49" charset="-128"/>
+              </a:rPr>
+              <a:t>		</a:t>
+            </a:r>
+            <a:r>
+              <a:rPr lang="en-US" altLang="ja-JP" sz="2600" dirty="0">
+                <a:solidFill>
+                  <a:srgbClr val="000000"/>
+                </a:solidFill>
+                <a:ea typeface="ＭＳ ゴシック" panose="020B0609070205080204" pitchFamily="49" charset="-128"/>
+              </a:rPr>
+              <a:t> </a:t>
+            </a:r>
+            <a:r>
+              <a:rPr lang="en-US" altLang="ja-JP" sz="2600" dirty="0">
+                <a:solidFill>
+                  <a:srgbClr val="008080"/>
+                </a:solidFill>
+                <a:ea typeface="ＭＳ ゴシック" panose="020B0609070205080204" pitchFamily="49" charset="-128"/>
+              </a:rPr>
+              <a:t>&lt;&lt;</a:t>
+            </a:r>
+            <a:r>
+              <a:rPr lang="en-US" altLang="ja-JP" sz="2600" dirty="0">
+                <a:solidFill>
+                  <a:srgbClr val="000000"/>
+                </a:solidFill>
+                <a:ea typeface="ＭＳ ゴシック" panose="020B0609070205080204" pitchFamily="49" charset="-128"/>
+              </a:rPr>
+              <a:t> p-&gt;get</a:t>
+            </a:r>
+            <a:r>
+              <a:rPr lang="nl-NL" altLang="ja-JP" sz="2600" dirty="0">
+                <a:solidFill>
+                  <a:srgbClr val="000000"/>
+                </a:solidFill>
+                <a:ea typeface="ＭＳ ゴシック" panose="020B0609070205080204" pitchFamily="49" charset="-128"/>
+              </a:rPr>
+              <a:t>Hp</a:t>
+            </a:r>
+            <a:r>
+              <a:rPr lang="en-US" altLang="ja-JP" sz="2600" dirty="0">
+                <a:solidFill>
+                  <a:srgbClr val="000000"/>
+                </a:solidFill>
+                <a:ea typeface="ＭＳ ゴシック" panose="020B0609070205080204" pitchFamily="49" charset="-128"/>
+              </a:rPr>
+              <a:t>() </a:t>
+            </a:r>
+            <a:r>
+              <a:rPr lang="en-US" altLang="ja-JP" sz="2600" dirty="0">
+                <a:solidFill>
+                  <a:srgbClr val="008080"/>
+                </a:solidFill>
+                <a:ea typeface="ＭＳ ゴシック" panose="020B0609070205080204" pitchFamily="49" charset="-128"/>
+              </a:rPr>
+              <a:t>&lt;&lt;</a:t>
+            </a:r>
+            <a:r>
+              <a:rPr lang="en-US" altLang="ja-JP" sz="2600" dirty="0">
+                <a:solidFill>
+                  <a:srgbClr val="000000"/>
+                </a:solidFill>
+                <a:ea typeface="ＭＳ ゴシック" panose="020B0609070205080204" pitchFamily="49" charset="-128"/>
+              </a:rPr>
+              <a:t> </a:t>
+            </a:r>
+            <a:r>
+              <a:rPr lang="en-US" altLang="ja-JP" sz="2600" dirty="0">
+                <a:solidFill>
+                  <a:srgbClr val="A31515"/>
+                </a:solidFill>
+                <a:ea typeface="ＭＳ ゴシック" panose="020B0609070205080204" pitchFamily="49" charset="-128"/>
+              </a:rPr>
+              <a:t>','</a:t>
+            </a:r>
+            <a:r>
+              <a:rPr lang="en-US" altLang="ja-JP" sz="2600" dirty="0">
+                <a:solidFill>
+                  <a:srgbClr val="000000"/>
+                </a:solidFill>
+                <a:ea typeface="ＭＳ ゴシック" panose="020B0609070205080204" pitchFamily="49" charset="-128"/>
+              </a:rPr>
+              <a:t> </a:t>
+            </a:r>
+            <a:r>
+              <a:rPr lang="en-US" altLang="ja-JP" sz="2600" dirty="0">
+                <a:solidFill>
+                  <a:srgbClr val="008080"/>
+                </a:solidFill>
+                <a:ea typeface="ＭＳ ゴシック" panose="020B0609070205080204" pitchFamily="49" charset="-128"/>
+              </a:rPr>
+              <a:t>&lt;&lt;</a:t>
+            </a:r>
+            <a:r>
+              <a:rPr lang="en-US" altLang="ja-JP" sz="2600" dirty="0">
+                <a:solidFill>
+                  <a:srgbClr val="000000"/>
+                </a:solidFill>
+                <a:ea typeface="ＭＳ ゴシック" panose="020B0609070205080204" pitchFamily="49" charset="-128"/>
+              </a:rPr>
+              <a:t> p-&gt;</a:t>
+            </a:r>
+            <a:r>
+              <a:rPr lang="en-US" altLang="ja-JP" sz="2600" dirty="0" err="1">
+                <a:solidFill>
+                  <a:srgbClr val="000000"/>
+                </a:solidFill>
+                <a:ea typeface="ＭＳ ゴシック" panose="020B0609070205080204" pitchFamily="49" charset="-128"/>
+              </a:rPr>
+              <a:t>getName</a:t>
+            </a:r>
+            <a:r>
+              <a:rPr lang="en-US" altLang="ja-JP" sz="2600" dirty="0">
+                <a:solidFill>
+                  <a:srgbClr val="000000"/>
+                </a:solidFill>
+                <a:ea typeface="ＭＳ ゴシック" panose="020B0609070205080204" pitchFamily="49" charset="-128"/>
+              </a:rPr>
+              <a:t>() </a:t>
+            </a:r>
+            <a:r>
+              <a:rPr lang="en-US" altLang="ja-JP" sz="2600" dirty="0">
+                <a:solidFill>
+                  <a:srgbClr val="008080"/>
+                </a:solidFill>
+                <a:ea typeface="ＭＳ ゴシック" panose="020B0609070205080204" pitchFamily="49" charset="-128"/>
+              </a:rPr>
+              <a:t>&lt;&lt;</a:t>
+            </a:r>
+            <a:r>
+              <a:rPr lang="en-US" altLang="ja-JP" sz="2600" dirty="0">
+                <a:solidFill>
+                  <a:srgbClr val="000000"/>
+                </a:solidFill>
+                <a:ea typeface="ＭＳ ゴシック" panose="020B0609070205080204" pitchFamily="49" charset="-128"/>
+              </a:rPr>
+              <a:t> </a:t>
+            </a:r>
+            <a:r>
+              <a:rPr lang="en-US" altLang="ja-JP" sz="2600" dirty="0" err="1">
+                <a:solidFill>
+                  <a:srgbClr val="000000"/>
+                </a:solidFill>
+                <a:ea typeface="ＭＳ ゴシック" panose="020B0609070205080204" pitchFamily="49" charset="-128"/>
+              </a:rPr>
+              <a:t>endl</a:t>
+            </a:r>
+            <a:r>
+              <a:rPr lang="en-US" altLang="ja-JP" sz="2600" dirty="0">
+                <a:solidFill>
+                  <a:srgbClr val="000000"/>
+                </a:solidFill>
+                <a:ea typeface="ＭＳ ゴシック" panose="020B0609070205080204" pitchFamily="49" charset="-128"/>
+              </a:rPr>
+              <a:t>;</a:t>
+            </a:r>
+          </a:p>
+          <a:p>
+            <a:r>
+              <a:rPr lang="en-US" altLang="ja-JP" sz="2600" dirty="0">
+                <a:solidFill>
+                  <a:srgbClr val="000000"/>
+                </a:solidFill>
+                <a:ea typeface="ＭＳ ゴシック" panose="020B0609070205080204" pitchFamily="49" charset="-128"/>
+              </a:rPr>
+              <a:t>	} </a:t>
+            </a:r>
+            <a:r>
+              <a:rPr lang="en-US" altLang="ja-JP" sz="2600" dirty="0">
+                <a:solidFill>
+                  <a:srgbClr val="00B050"/>
+                </a:solidFill>
+                <a:ea typeface="ＭＳ ゴシック" panose="020B0609070205080204" pitchFamily="49" charset="-128"/>
+              </a:rPr>
+              <a:t>//</a:t>
+            </a:r>
+            <a:r>
+              <a:rPr lang="ja-JP" altLang="en-US" sz="2600" dirty="0">
+                <a:solidFill>
+                  <a:srgbClr val="00B050"/>
+                </a:solidFill>
+                <a:ea typeface="ＭＳ ゴシック" panose="020B0609070205080204" pitchFamily="49" charset="-128"/>
+              </a:rPr>
+              <a:t>項目を</a:t>
+            </a:r>
+            <a:r>
+              <a:rPr lang="en-US" altLang="ja-JP" sz="2600" dirty="0" err="1">
+                <a:solidFill>
+                  <a:srgbClr val="00B050"/>
+                </a:solidFill>
+                <a:ea typeface="ＭＳ ゴシック" panose="020B0609070205080204" pitchFamily="49" charset="-128"/>
+              </a:rPr>
+              <a:t>Def,Atk,Hp,Name</a:t>
+            </a:r>
+            <a:r>
+              <a:rPr lang="ja-JP" altLang="en-US" sz="2600" dirty="0">
+                <a:solidFill>
+                  <a:srgbClr val="00B050"/>
+                </a:solidFill>
+                <a:ea typeface="ＭＳ ゴシック" panose="020B0609070205080204" pitchFamily="49" charset="-128"/>
+              </a:rPr>
+              <a:t>の順で出力</a:t>
+            </a:r>
+            <a:endParaRPr lang="en-US" altLang="ja-JP" sz="2600" dirty="0">
+              <a:solidFill>
+                <a:srgbClr val="00B050"/>
+              </a:solidFill>
+              <a:ea typeface="ＭＳ ゴシック" panose="020B0609070205080204" pitchFamily="49" charset="-128"/>
+            </a:endParaRPr>
+          </a:p>
+          <a:p>
+            <a:r>
+              <a:rPr lang="en-US" altLang="ja-JP" sz="2600" dirty="0">
+                <a:solidFill>
+                  <a:srgbClr val="000000"/>
+                </a:solidFill>
+                <a:ea typeface="ＭＳ ゴシック" panose="020B0609070205080204" pitchFamily="49" charset="-128"/>
+              </a:rPr>
+              <a:t>	</a:t>
+            </a:r>
+            <a:r>
+              <a:rPr lang="en-US" altLang="ja-JP" sz="2600" dirty="0" err="1">
+                <a:solidFill>
+                  <a:srgbClr val="000000"/>
+                </a:solidFill>
+                <a:ea typeface="ＭＳ ゴシック" panose="020B0609070205080204" pitchFamily="49" charset="-128"/>
+              </a:rPr>
+              <a:t>ofs.close</a:t>
+            </a:r>
+            <a:r>
+              <a:rPr lang="en-US" altLang="ja-JP" sz="2600" dirty="0">
+                <a:solidFill>
+                  <a:srgbClr val="000000"/>
+                </a:solidFill>
+                <a:ea typeface="ＭＳ ゴシック" panose="020B0609070205080204" pitchFamily="49" charset="-128"/>
+              </a:rPr>
+              <a:t>();</a:t>
+            </a:r>
+            <a:r>
+              <a:rPr lang="ja-JP" altLang="en-US" sz="2600" dirty="0">
+                <a:solidFill>
+                  <a:srgbClr val="000000"/>
+                </a:solidFill>
+                <a:ea typeface="ＭＳ ゴシック" panose="020B0609070205080204" pitchFamily="49" charset="-128"/>
+              </a:rPr>
+              <a:t> </a:t>
+            </a:r>
+            <a:r>
+              <a:rPr lang="en-US" altLang="ja-JP" sz="2600" dirty="0">
+                <a:solidFill>
+                  <a:srgbClr val="00B050"/>
+                </a:solidFill>
+                <a:ea typeface="ＭＳ ゴシック" panose="020B0609070205080204" pitchFamily="49" charset="-128"/>
+              </a:rPr>
+              <a:t>//</a:t>
+            </a:r>
+            <a:r>
+              <a:rPr lang="ja-JP" altLang="en-US" sz="2600" dirty="0">
+                <a:solidFill>
+                  <a:srgbClr val="00B050"/>
+                </a:solidFill>
+                <a:ea typeface="ＭＳ ゴシック" panose="020B0609070205080204" pitchFamily="49" charset="-128"/>
+              </a:rPr>
+              <a:t>ファイルを閉じる</a:t>
+            </a:r>
+            <a:br>
+              <a:rPr lang="en-US" altLang="ja-JP" sz="2600" dirty="0">
+                <a:solidFill>
+                  <a:srgbClr val="000000"/>
+                </a:solidFill>
+                <a:ea typeface="ＭＳ ゴシック" panose="020B0609070205080204" pitchFamily="49" charset="-128"/>
+              </a:rPr>
+            </a:br>
+            <a:r>
+              <a:rPr lang="en-US" altLang="ja-JP" sz="2600" dirty="0">
+                <a:solidFill>
+                  <a:srgbClr val="000000"/>
+                </a:solidFill>
+                <a:ea typeface="ＭＳ ゴシック" panose="020B0609070205080204" pitchFamily="49" charset="-128"/>
+              </a:rPr>
+              <a:t>	</a:t>
+            </a:r>
+            <a:r>
+              <a:rPr lang="en-US" altLang="ja-JP" sz="2600" dirty="0" err="1">
+                <a:solidFill>
+                  <a:srgbClr val="000000"/>
+                </a:solidFill>
+                <a:ea typeface="ＭＳ ゴシック" panose="020B0609070205080204" pitchFamily="49" charset="-128"/>
+              </a:rPr>
+              <a:t>ofs.open</a:t>
+            </a:r>
+            <a:r>
+              <a:rPr lang="en-US" altLang="ja-JP" sz="2600" dirty="0">
+                <a:solidFill>
+                  <a:srgbClr val="000000"/>
+                </a:solidFill>
+                <a:ea typeface="ＭＳ ゴシック" panose="020B0609070205080204" pitchFamily="49" charset="-128"/>
+              </a:rPr>
+              <a:t>(</a:t>
+            </a:r>
+            <a:r>
+              <a:rPr lang="en-US" altLang="ja-JP" sz="2600" dirty="0" err="1">
+                <a:solidFill>
+                  <a:srgbClr val="000000"/>
+                </a:solidFill>
+                <a:ea typeface="ＭＳ ゴシック" panose="020B0609070205080204" pitchFamily="49" charset="-128"/>
+              </a:rPr>
+              <a:t>ofilename</a:t>
+            </a:r>
+            <a:r>
+              <a:rPr lang="en-US" altLang="ja-JP" sz="2600" dirty="0">
+                <a:solidFill>
+                  <a:srgbClr val="000000"/>
+                </a:solidFill>
+                <a:ea typeface="ＭＳ ゴシック" panose="020B0609070205080204" pitchFamily="49" charset="-128"/>
+              </a:rPr>
+              <a:t>, </a:t>
+            </a:r>
+            <a:r>
+              <a:rPr lang="en-US" altLang="ja-JP" sz="2600" dirty="0" err="1">
+                <a:solidFill>
+                  <a:srgbClr val="2B91AF"/>
+                </a:solidFill>
+                <a:ea typeface="ＭＳ ゴシック" panose="020B0609070205080204" pitchFamily="49" charset="-128"/>
+              </a:rPr>
+              <a:t>ios</a:t>
+            </a:r>
+            <a:r>
+              <a:rPr lang="en-US" altLang="ja-JP" sz="2600" dirty="0">
+                <a:solidFill>
+                  <a:srgbClr val="000000"/>
+                </a:solidFill>
+                <a:ea typeface="ＭＳ ゴシック" panose="020B0609070205080204" pitchFamily="49" charset="-128"/>
+              </a:rPr>
+              <a:t>::app);</a:t>
+            </a:r>
+            <a:r>
+              <a:rPr lang="en-US" altLang="ja-JP" sz="2600" dirty="0">
+                <a:solidFill>
+                  <a:srgbClr val="00B050"/>
+                </a:solidFill>
+                <a:ea typeface="ＭＳ ゴシック" panose="020B0609070205080204" pitchFamily="49" charset="-128"/>
+              </a:rPr>
+              <a:t>//</a:t>
+            </a:r>
+            <a:r>
+              <a:rPr lang="ja-JP" altLang="en-US" sz="2600" dirty="0">
+                <a:solidFill>
+                  <a:srgbClr val="00B050"/>
+                </a:solidFill>
+                <a:ea typeface="ＭＳ ゴシック" panose="020B0609070205080204" pitchFamily="49" charset="-128"/>
+              </a:rPr>
+              <a:t>追記モードで開く</a:t>
+            </a:r>
+            <a:endParaRPr lang="en-US" altLang="ja-JP" sz="2600" dirty="0">
+              <a:solidFill>
+                <a:srgbClr val="00B050"/>
+              </a:solidFill>
+              <a:ea typeface="ＭＳ ゴシック" panose="020B0609070205080204" pitchFamily="49" charset="-128"/>
+            </a:endParaRPr>
+          </a:p>
+          <a:p>
+            <a:r>
+              <a:rPr lang="en-US" altLang="ja-JP" sz="2600" dirty="0">
+                <a:solidFill>
+                  <a:srgbClr val="000000"/>
+                </a:solidFill>
+                <a:ea typeface="ＭＳ ゴシック" panose="020B0609070205080204" pitchFamily="49" charset="-128"/>
+              </a:rPr>
+              <a:t>	</a:t>
+            </a:r>
+            <a:r>
+              <a:rPr lang="en-US" altLang="ja-JP" sz="2600" dirty="0" err="1">
+                <a:solidFill>
+                  <a:srgbClr val="000000"/>
+                </a:solidFill>
+                <a:ea typeface="ＭＳ ゴシック" panose="020B0609070205080204" pitchFamily="49" charset="-128"/>
+              </a:rPr>
+              <a:t>ofs</a:t>
+            </a:r>
+            <a:r>
+              <a:rPr lang="en-US" altLang="ja-JP" sz="2600" dirty="0">
+                <a:solidFill>
+                  <a:srgbClr val="000000"/>
+                </a:solidFill>
+                <a:ea typeface="ＭＳ ゴシック" panose="020B0609070205080204" pitchFamily="49" charset="-128"/>
+              </a:rPr>
+              <a:t> </a:t>
+            </a:r>
+            <a:r>
+              <a:rPr lang="en-US" altLang="ja-JP" sz="2600" dirty="0">
+                <a:solidFill>
+                  <a:srgbClr val="008080"/>
+                </a:solidFill>
+                <a:ea typeface="ＭＳ ゴシック" panose="020B0609070205080204" pitchFamily="49" charset="-128"/>
+              </a:rPr>
+              <a:t>&lt;&lt;</a:t>
+            </a:r>
+            <a:r>
+              <a:rPr lang="en-US" altLang="ja-JP" sz="2600" dirty="0">
+                <a:solidFill>
+                  <a:srgbClr val="000000"/>
+                </a:solidFill>
+                <a:ea typeface="ＭＳ ゴシック" panose="020B0609070205080204" pitchFamily="49" charset="-128"/>
+              </a:rPr>
+              <a:t> </a:t>
+            </a:r>
+            <a:r>
+              <a:rPr lang="en-US" altLang="ja-JP" sz="2600" dirty="0">
+                <a:solidFill>
+                  <a:srgbClr val="A31515"/>
+                </a:solidFill>
+                <a:ea typeface="ＭＳ ゴシック" panose="020B0609070205080204" pitchFamily="49" charset="-128"/>
+              </a:rPr>
+              <a:t>“10,10,15,Rat”</a:t>
+            </a:r>
+            <a:r>
+              <a:rPr lang="en-US" altLang="ja-JP" sz="2600" dirty="0">
+                <a:solidFill>
+                  <a:srgbClr val="000000"/>
+                </a:solidFill>
+                <a:ea typeface="ＭＳ ゴシック" panose="020B0609070205080204" pitchFamily="49" charset="-128"/>
+              </a:rPr>
+              <a:t> </a:t>
+            </a:r>
+            <a:r>
+              <a:rPr lang="en-US" altLang="ja-JP" sz="2600" dirty="0">
+                <a:solidFill>
+                  <a:srgbClr val="008080"/>
+                </a:solidFill>
+                <a:ea typeface="ＭＳ ゴシック" panose="020B0609070205080204" pitchFamily="49" charset="-128"/>
+              </a:rPr>
+              <a:t>&lt;&lt;</a:t>
+            </a:r>
+            <a:r>
+              <a:rPr lang="en-US" altLang="ja-JP" sz="2600" dirty="0">
+                <a:solidFill>
+                  <a:srgbClr val="000000"/>
+                </a:solidFill>
+                <a:ea typeface="ＭＳ ゴシック" panose="020B0609070205080204" pitchFamily="49" charset="-128"/>
+              </a:rPr>
+              <a:t> </a:t>
+            </a:r>
+            <a:r>
+              <a:rPr lang="en-US" altLang="ja-JP" sz="2600" dirty="0" err="1">
+                <a:solidFill>
+                  <a:srgbClr val="000000"/>
+                </a:solidFill>
+                <a:ea typeface="ＭＳ ゴシック" panose="020B0609070205080204" pitchFamily="49" charset="-128"/>
+              </a:rPr>
+              <a:t>endl</a:t>
+            </a:r>
+            <a:r>
+              <a:rPr lang="en-US" altLang="ja-JP" sz="2600" dirty="0">
+                <a:solidFill>
+                  <a:srgbClr val="000000"/>
+                </a:solidFill>
+                <a:ea typeface="ＭＳ ゴシック" panose="020B0609070205080204" pitchFamily="49" charset="-128"/>
+              </a:rPr>
+              <a:t>;</a:t>
+            </a:r>
+            <a:r>
+              <a:rPr lang="en-US" altLang="ja-JP" sz="2600" dirty="0">
+                <a:solidFill>
+                  <a:srgbClr val="00B050"/>
+                </a:solidFill>
+                <a:ea typeface="ＭＳ ゴシック" panose="020B0609070205080204" pitchFamily="49" charset="-128"/>
+              </a:rPr>
+              <a:t>//</a:t>
+            </a:r>
+            <a:r>
+              <a:rPr lang="ja-JP" altLang="en-US" sz="2600" dirty="0">
+                <a:solidFill>
+                  <a:srgbClr val="00B050"/>
+                </a:solidFill>
+                <a:ea typeface="ＭＳ ゴシック" panose="020B0609070205080204" pitchFamily="49" charset="-128"/>
+              </a:rPr>
+              <a:t>ファイル末尾に追加</a:t>
+            </a:r>
+            <a:endParaRPr lang="en-US" altLang="ja-JP" sz="2600" dirty="0">
+              <a:solidFill>
+                <a:srgbClr val="00B050"/>
+              </a:solidFill>
+              <a:ea typeface="ＭＳ ゴシック" panose="020B0609070205080204" pitchFamily="49" charset="-128"/>
+            </a:endParaRPr>
+          </a:p>
+          <a:p>
+            <a:r>
+              <a:rPr lang="en-US" altLang="ja-JP" sz="2600" dirty="0">
+                <a:solidFill>
+                  <a:srgbClr val="000000"/>
+                </a:solidFill>
+                <a:ea typeface="ＭＳ ゴシック" panose="020B0609070205080204" pitchFamily="49" charset="-128"/>
+              </a:rPr>
+              <a:t>	</a:t>
+            </a:r>
+            <a:r>
+              <a:rPr lang="en-US" altLang="ja-JP" sz="2600" dirty="0" err="1">
+                <a:solidFill>
+                  <a:srgbClr val="000000"/>
+                </a:solidFill>
+                <a:ea typeface="ＭＳ ゴシック" panose="020B0609070205080204" pitchFamily="49" charset="-128"/>
+              </a:rPr>
+              <a:t>ofs.close</a:t>
+            </a:r>
+            <a:r>
+              <a:rPr lang="en-US" altLang="ja-JP" sz="2600" dirty="0">
+                <a:solidFill>
+                  <a:srgbClr val="000000"/>
+                </a:solidFill>
+                <a:ea typeface="ＭＳ ゴシック" panose="020B0609070205080204" pitchFamily="49" charset="-128"/>
+              </a:rPr>
+              <a:t>();</a:t>
+            </a:r>
+            <a:r>
+              <a:rPr lang="en-US" altLang="ja-JP" sz="2600" dirty="0">
+                <a:solidFill>
+                  <a:srgbClr val="00B050"/>
+                </a:solidFill>
+                <a:ea typeface="ＭＳ ゴシック" panose="020B0609070205080204" pitchFamily="49" charset="-128"/>
+              </a:rPr>
+              <a:t> //</a:t>
+            </a:r>
+            <a:r>
+              <a:rPr lang="ja-JP" altLang="en-US" sz="2600" dirty="0">
+                <a:solidFill>
+                  <a:srgbClr val="00B050"/>
+                </a:solidFill>
+                <a:ea typeface="ＭＳ ゴシック" panose="020B0609070205080204" pitchFamily="49" charset="-128"/>
+              </a:rPr>
+              <a:t>ファイルを閉じる</a:t>
+            </a:r>
+            <a:endParaRPr lang="en-US" altLang="ja-JP" sz="2600" dirty="0">
+              <a:ea typeface="ＭＳ ゴシック" panose="020B0609070205080204" pitchFamily="49" charset="-128"/>
+            </a:endParaRPr>
+          </a:p>
+        </p:txBody>
+      </p:sp>
+      <p:sp>
+        <p:nvSpPr>
+          <p:cNvPr id="7" name="矢印: 右 6">
+            <a:extLst>
+              <a:ext uri="{FF2B5EF4-FFF2-40B4-BE49-F238E27FC236}">
+                <a16:creationId xmlns:a16="http://schemas.microsoft.com/office/drawing/2014/main" id="{02D4D4B5-CDA7-DBD1-E72F-4C71E701BE6F}"/>
+              </a:ext>
+            </a:extLst>
+          </p:cNvPr>
+          <p:cNvSpPr/>
+          <p:nvPr/>
+        </p:nvSpPr>
+        <p:spPr>
+          <a:xfrm>
+            <a:off x="625002" y="3675537"/>
+            <a:ext cx="426396" cy="282102"/>
+          </a:xfrm>
+          <a:prstGeom prst="rightArrow">
+            <a:avLst/>
+          </a:prstGeom>
+          <a:solidFill>
+            <a:srgbClr val="FF0000"/>
+          </a:solidFill>
+        </p:spPr>
+        <p:style>
+          <a:lnRef idx="2">
+            <a:schemeClr val="accent1">
+              <a:shade val="15000"/>
+            </a:schemeClr>
+          </a:lnRef>
+          <a:fillRef idx="1">
+            <a:schemeClr val="accent1"/>
+          </a:fillRef>
+          <a:effectRef idx="0">
+            <a:schemeClr val="accent1"/>
+          </a:effectRef>
+          <a:fontRef idx="minor">
+            <a:schemeClr val="lt1"/>
+          </a:fontRef>
+        </p:style>
+        <p:txBody>
+          <a:bodyPr rtlCol="0" anchor="ctr"/>
+          <a:lstStyle/>
+          <a:p>
+            <a:pPr algn="ctr"/>
+            <a:endParaRPr kumimoji="1" lang="ja-JP" altLang="en-US" dirty="0"/>
+          </a:p>
+        </p:txBody>
+      </p:sp>
+      <p:sp>
+        <p:nvSpPr>
+          <p:cNvPr id="8" name="矢印: 右 7">
+            <a:extLst>
+              <a:ext uri="{FF2B5EF4-FFF2-40B4-BE49-F238E27FC236}">
+                <a16:creationId xmlns:a16="http://schemas.microsoft.com/office/drawing/2014/main" id="{CE13B94F-419E-1CEF-493C-11489152E8C9}"/>
+              </a:ext>
+            </a:extLst>
+          </p:cNvPr>
+          <p:cNvSpPr/>
+          <p:nvPr/>
+        </p:nvSpPr>
+        <p:spPr>
+          <a:xfrm>
+            <a:off x="625002" y="3274024"/>
+            <a:ext cx="426396" cy="282102"/>
+          </a:xfrm>
+          <a:prstGeom prst="rightArrow">
+            <a:avLst/>
+          </a:prstGeom>
+          <a:solidFill>
+            <a:srgbClr val="FF0000"/>
+          </a:solidFill>
+        </p:spPr>
+        <p:style>
+          <a:lnRef idx="2">
+            <a:schemeClr val="accent1">
+              <a:shade val="15000"/>
+            </a:schemeClr>
+          </a:lnRef>
+          <a:fillRef idx="1">
+            <a:schemeClr val="accent1"/>
+          </a:fillRef>
+          <a:effectRef idx="0">
+            <a:schemeClr val="accent1"/>
+          </a:effectRef>
+          <a:fontRef idx="minor">
+            <a:schemeClr val="lt1"/>
+          </a:fontRef>
+        </p:style>
+        <p:txBody>
+          <a:bodyPr rtlCol="0" anchor="ctr"/>
+          <a:lstStyle/>
+          <a:p>
+            <a:pPr algn="ctr"/>
+            <a:endParaRPr kumimoji="1" lang="ja-JP" altLang="en-US"/>
+          </a:p>
+        </p:txBody>
+      </p:sp>
+      <p:sp>
+        <p:nvSpPr>
+          <p:cNvPr id="16" name="矢印: 右 15">
+            <a:extLst>
+              <a:ext uri="{FF2B5EF4-FFF2-40B4-BE49-F238E27FC236}">
+                <a16:creationId xmlns:a16="http://schemas.microsoft.com/office/drawing/2014/main" id="{83640450-D1DD-DD5E-A48D-86D94318B267}"/>
+              </a:ext>
+            </a:extLst>
+          </p:cNvPr>
+          <p:cNvSpPr/>
+          <p:nvPr/>
+        </p:nvSpPr>
+        <p:spPr>
+          <a:xfrm>
+            <a:off x="621754" y="4071451"/>
+            <a:ext cx="426396" cy="282102"/>
+          </a:xfrm>
+          <a:prstGeom prst="rightArrow">
+            <a:avLst/>
+          </a:prstGeom>
+          <a:solidFill>
+            <a:srgbClr val="FF0000"/>
+          </a:solidFill>
+        </p:spPr>
+        <p:style>
+          <a:lnRef idx="2">
+            <a:schemeClr val="accent1">
+              <a:shade val="15000"/>
+            </a:schemeClr>
+          </a:lnRef>
+          <a:fillRef idx="1">
+            <a:schemeClr val="accent1"/>
+          </a:fillRef>
+          <a:effectRef idx="0">
+            <a:schemeClr val="accent1"/>
+          </a:effectRef>
+          <a:fontRef idx="minor">
+            <a:schemeClr val="lt1"/>
+          </a:fontRef>
+        </p:style>
+        <p:txBody>
+          <a:bodyPr rtlCol="0" anchor="ctr"/>
+          <a:lstStyle/>
+          <a:p>
+            <a:pPr algn="ctr"/>
+            <a:endParaRPr kumimoji="1" lang="ja-JP" altLang="en-US"/>
+          </a:p>
+        </p:txBody>
+      </p:sp>
+      <p:sp>
+        <p:nvSpPr>
+          <p:cNvPr id="6" name="テキスト ボックス 5">
+            <a:extLst>
+              <a:ext uri="{FF2B5EF4-FFF2-40B4-BE49-F238E27FC236}">
+                <a16:creationId xmlns:a16="http://schemas.microsoft.com/office/drawing/2014/main" id="{E2F0FB1D-3F8B-0C39-5F1B-FB1A156DA5EB}"/>
+              </a:ext>
+            </a:extLst>
+          </p:cNvPr>
+          <p:cNvSpPr txBox="1"/>
+          <p:nvPr/>
+        </p:nvSpPr>
+        <p:spPr>
+          <a:xfrm>
+            <a:off x="1918447" y="4625789"/>
+            <a:ext cx="9030036" cy="830997"/>
+          </a:xfrm>
+          <a:prstGeom prst="rect">
+            <a:avLst/>
+          </a:prstGeom>
+          <a:noFill/>
+        </p:spPr>
+        <p:txBody>
+          <a:bodyPr wrap="none" rtlCol="0">
+            <a:spAutoFit/>
+          </a:bodyPr>
+          <a:lstStyle/>
+          <a:p>
+            <a:r>
+              <a:rPr kumimoji="1" lang="ja-JP" altLang="en-US" sz="2400" dirty="0">
+                <a:solidFill>
+                  <a:srgbClr val="FF0000"/>
+                </a:solidFill>
+              </a:rPr>
+              <a:t>書き込みモードを切り替える場合は、一旦閉じる（</a:t>
+            </a:r>
+            <a:r>
+              <a:rPr kumimoji="1" lang="en-US" altLang="ja-JP" sz="2400" dirty="0">
+                <a:solidFill>
+                  <a:srgbClr val="FF0000"/>
+                </a:solidFill>
+              </a:rPr>
+              <a:t>close</a:t>
+            </a:r>
+            <a:r>
+              <a:rPr kumimoji="1" lang="ja-JP" altLang="en-US" sz="2400" dirty="0">
+                <a:solidFill>
+                  <a:srgbClr val="FF0000"/>
+                </a:solidFill>
+              </a:rPr>
+              <a:t>）してから</a:t>
+            </a:r>
+            <a:endParaRPr kumimoji="1" lang="en-US" altLang="ja-JP" sz="2400" dirty="0">
+              <a:solidFill>
+                <a:srgbClr val="FF0000"/>
+              </a:solidFill>
+            </a:endParaRPr>
+          </a:p>
+          <a:p>
+            <a:r>
+              <a:rPr kumimoji="1" lang="ja-JP" altLang="en-US" sz="2400" dirty="0">
+                <a:solidFill>
+                  <a:srgbClr val="FF0000"/>
+                </a:solidFill>
+              </a:rPr>
+              <a:t>再度開く（</a:t>
+            </a:r>
+            <a:r>
+              <a:rPr kumimoji="1" lang="en-US" altLang="ja-JP" sz="2400" dirty="0">
+                <a:solidFill>
+                  <a:srgbClr val="FF0000"/>
+                </a:solidFill>
+              </a:rPr>
+              <a:t>open</a:t>
+            </a:r>
+            <a:r>
+              <a:rPr kumimoji="1" lang="ja-JP" altLang="en-US" sz="2400" dirty="0">
+                <a:solidFill>
+                  <a:srgbClr val="FF0000"/>
+                </a:solidFill>
+              </a:rPr>
+              <a:t>）する必要がある</a:t>
+            </a:r>
+          </a:p>
+        </p:txBody>
+      </p:sp>
+    </p:spTree>
+    <p:extLst>
+      <p:ext uri="{BB962C8B-B14F-4D97-AF65-F5344CB8AC3E}">
+        <p14:creationId xmlns:p14="http://schemas.microsoft.com/office/powerpoint/2010/main" val="393819900"/>
+      </p:ext>
+    </p:extLst>
+  </p:cSld>
+  <p:clrMapOvr>
+    <a:masterClrMapping/>
+  </p:clrMapOvr>
+</p:sld>
+</file>
+
+<file path=ppt/slides/slide38.xml><?xml version="1.0" encoding="utf-8"?>
 <p:sld xmlns:a="http://schemas.openxmlformats.org/drawingml/2006/main" xmlns:r="http://schemas.openxmlformats.org/officeDocument/2006/relationships" xmlns:p="http://schemas.openxmlformats.org/presentationml/2006/main" show="0">
   <p:cSld>
     <p:spTree>
@@ -20563,7 +23870,7 @@
 </p:sld>
 </file>
 
-<file path=ppt/slides/slide36.xml><?xml version="1.0" encoding="utf-8"?>
+<file path=ppt/slides/slide39.xml><?xml version="1.0" encoding="utf-8"?>
 <p:sld xmlns:a="http://schemas.openxmlformats.org/drawingml/2006/main" xmlns:r="http://schemas.openxmlformats.org/officeDocument/2006/relationships" xmlns:p="http://schemas.openxmlformats.org/presentationml/2006/main">
   <p:cSld>
     <p:spTree>
@@ -20643,9 +23950,6 @@
               <a:rPr lang="ja-JP" altLang="en-US" dirty="0"/>
               <a:t>まとめ</a:t>
             </a:r>
-            <a:br>
-              <a:rPr lang="en-US" altLang="ja-JP" dirty="0"/>
-            </a:br>
             <a:endParaRPr lang="en-US" altLang="ja-JP" dirty="0"/>
           </a:p>
           <a:p>
@@ -20672,7 +23976,19 @@
             <a:pPr lvl="1"/>
             <a:r>
               <a:rPr lang="ja-JP" altLang="en-US" dirty="0"/>
-              <a:t>一般的に「，（コンマ）」で各項目を区切る</a:t>
+              <a:t>一般的に「</a:t>
+            </a:r>
+            <a:r>
+              <a:rPr lang="ja-JP" altLang="en-US" dirty="0">
+                <a:solidFill>
+                  <a:srgbClr val="FF0000"/>
+                </a:solidFill>
+              </a:rPr>
+              <a:t>，（コンマ）</a:t>
+            </a:r>
+            <a:r>
+              <a:rPr lang="ja-JP" altLang="en-US" dirty="0"/>
+              <a:t>」で各項目を区切る</a:t>
             </a:r>
             <a:endParaRPr lang="en-US" altLang="ja-JP" dirty="0"/>
           </a:p>
@@ -20704,14 +24020,54 @@
             </a:r>
             <a:r>
               <a:rPr lang="ja-JP" altLang="en-US" dirty="0"/>
-              <a:t>は文字列として記録されているため、型変換を</a:t>
-            </a:r>
-            <a:br>
-              <a:rPr lang="en-US" altLang="ja-JP" dirty="0"/>
-            </a:br>
+              <a:t>は文字列として記録されているため、実際に値を利用するためには型変換する必要がある</a:t>
+            </a:r>
+            <a:endParaRPr lang="en-US" altLang="ja-JP" dirty="0"/>
+          </a:p>
+          <a:p>
+            <a:pPr lvl="1"/>
+            <a:r>
+              <a:rPr lang="en-US" altLang="ja-JP" dirty="0"/>
+              <a:t>CSV</a:t>
+            </a:r>
             <a:r>
               <a:rPr lang="ja-JP" altLang="en-US" dirty="0"/>
-              <a:t>行いながら読み込んだり、書き込んだりする必要あり</a:t>
+              <a:t>を出力するのはファイルストリームに対して、</a:t>
+            </a:r>
+            <a:br>
+              <a:rPr lang="en-US" altLang="ja-JP" dirty="0"/>
+            </a:br>
+            <a:r>
+              <a:rPr lang="ja-JP" altLang="en-US" b="1" dirty="0">
+                <a:solidFill>
+                  <a:srgbClr val="00B0F0"/>
+                </a:solidFill>
+              </a:rPr>
+              <a:t>出力したいデータ</a:t>
+            </a:r>
+            <a:r>
+              <a:rPr lang="ja-JP" altLang="en-US" dirty="0"/>
+              <a:t>＋</a:t>
+            </a:r>
+            <a:r>
+              <a:rPr lang="en-US" altLang="ja-JP" dirty="0"/>
+              <a:t>’</a:t>
+            </a:r>
+            <a:r>
+              <a:rPr lang="en-US" altLang="ja-JP" b="1" dirty="0">
+                <a:solidFill>
+                  <a:srgbClr val="FF0000"/>
+                </a:solidFill>
+              </a:rPr>
+              <a:t>,</a:t>
+            </a:r>
+            <a:r>
+              <a:rPr lang="en-US" altLang="ja-JP" dirty="0"/>
+              <a:t>’</a:t>
+            </a:r>
+            <a:r>
+              <a:rPr lang="ja-JP" altLang="en-US" dirty="0"/>
+              <a:t>をつけてあげるだけでよい</a:t>
             </a:r>
             <a:endParaRPr lang="en-US" altLang="ja-JP" dirty="0"/>
           </a:p>

--- a/授業資料/講義資料：CSVファイル.pptx
+++ b/授業資料/講義資料：CSVファイル.pptx
@@ -281,7 +281,7 @@
           <a:p>
             <a:fld id="{5B96D3F8-CD2E-4A0D-AC38-517181EABB18}" type="datetimeFigureOut">
               <a:rPr kumimoji="1" lang="ja-JP" altLang="en-US" smtClean="0"/>
-              <a:t>2024/11/4</a:t>
+              <a:t>2024/11/5</a:t>
             </a:fld>
             <a:endParaRPr kumimoji="1" lang="ja-JP" altLang="en-US"/>
           </a:p>
@@ -483,7 +483,7 @@
           <a:p>
             <a:fld id="{5B96D3F8-CD2E-4A0D-AC38-517181EABB18}" type="datetimeFigureOut">
               <a:rPr kumimoji="1" lang="ja-JP" altLang="en-US" smtClean="0"/>
-              <a:t>2024/11/4</a:t>
+              <a:t>2024/11/5</a:t>
             </a:fld>
             <a:endParaRPr kumimoji="1" lang="ja-JP" altLang="en-US"/>
           </a:p>
@@ -695,7 +695,7 @@
           <a:p>
             <a:fld id="{5B96D3F8-CD2E-4A0D-AC38-517181EABB18}" type="datetimeFigureOut">
               <a:rPr kumimoji="1" lang="ja-JP" altLang="en-US" smtClean="0"/>
-              <a:t>2024/11/4</a:t>
+              <a:t>2024/11/5</a:t>
             </a:fld>
             <a:endParaRPr kumimoji="1" lang="ja-JP" altLang="en-US"/>
           </a:p>
@@ -897,7 +897,7 @@
           <a:p>
             <a:fld id="{5B96D3F8-CD2E-4A0D-AC38-517181EABB18}" type="datetimeFigureOut">
               <a:rPr kumimoji="1" lang="ja-JP" altLang="en-US" smtClean="0"/>
-              <a:t>2024/11/4</a:t>
+              <a:t>2024/11/5</a:t>
             </a:fld>
             <a:endParaRPr kumimoji="1" lang="ja-JP" altLang="en-US"/>
           </a:p>
@@ -1143,7 +1143,7 @@
           <a:p>
             <a:fld id="{5B96D3F8-CD2E-4A0D-AC38-517181EABB18}" type="datetimeFigureOut">
               <a:rPr kumimoji="1" lang="ja-JP" altLang="en-US" smtClean="0"/>
-              <a:t>2024/11/4</a:t>
+              <a:t>2024/11/5</a:t>
             </a:fld>
             <a:endParaRPr kumimoji="1" lang="ja-JP" altLang="en-US"/>
           </a:p>
@@ -1439,7 +1439,7 @@
           <a:p>
             <a:fld id="{5B96D3F8-CD2E-4A0D-AC38-517181EABB18}" type="datetimeFigureOut">
               <a:rPr kumimoji="1" lang="ja-JP" altLang="en-US" smtClean="0"/>
-              <a:t>2024/11/4</a:t>
+              <a:t>2024/11/5</a:t>
             </a:fld>
             <a:endParaRPr kumimoji="1" lang="ja-JP" altLang="en-US"/>
           </a:p>
@@ -1870,7 +1870,7 @@
           <a:p>
             <a:fld id="{5B96D3F8-CD2E-4A0D-AC38-517181EABB18}" type="datetimeFigureOut">
               <a:rPr kumimoji="1" lang="ja-JP" altLang="en-US" smtClean="0"/>
-              <a:t>2024/11/4</a:t>
+              <a:t>2024/11/5</a:t>
             </a:fld>
             <a:endParaRPr kumimoji="1" lang="ja-JP" altLang="en-US"/>
           </a:p>
@@ -1988,7 +1988,7 @@
           <a:p>
             <a:fld id="{5B96D3F8-CD2E-4A0D-AC38-517181EABB18}" type="datetimeFigureOut">
               <a:rPr kumimoji="1" lang="ja-JP" altLang="en-US" smtClean="0"/>
-              <a:t>2024/11/4</a:t>
+              <a:t>2024/11/5</a:t>
             </a:fld>
             <a:endParaRPr kumimoji="1" lang="ja-JP" altLang="en-US"/>
           </a:p>
@@ -2083,7 +2083,7 @@
           <a:p>
             <a:fld id="{5B96D3F8-CD2E-4A0D-AC38-517181EABB18}" type="datetimeFigureOut">
               <a:rPr kumimoji="1" lang="ja-JP" altLang="en-US" smtClean="0"/>
-              <a:t>2024/11/4</a:t>
+              <a:t>2024/11/5</a:t>
             </a:fld>
             <a:endParaRPr kumimoji="1" lang="ja-JP" altLang="en-US"/>
           </a:p>
@@ -2392,7 +2392,7 @@
           <a:p>
             <a:fld id="{5B96D3F8-CD2E-4A0D-AC38-517181EABB18}" type="datetimeFigureOut">
               <a:rPr kumimoji="1" lang="ja-JP" altLang="en-US" smtClean="0"/>
-              <a:t>2024/11/4</a:t>
+              <a:t>2024/11/5</a:t>
             </a:fld>
             <a:endParaRPr kumimoji="1" lang="ja-JP" altLang="en-US"/>
           </a:p>
@@ -2649,7 +2649,7 @@
           <a:p>
             <a:fld id="{5B96D3F8-CD2E-4A0D-AC38-517181EABB18}" type="datetimeFigureOut">
               <a:rPr kumimoji="1" lang="ja-JP" altLang="en-US" smtClean="0"/>
-              <a:t>2024/11/4</a:t>
+              <a:t>2024/11/5</a:t>
             </a:fld>
             <a:endParaRPr kumimoji="1" lang="ja-JP" altLang="en-US"/>
           </a:p>
@@ -2894,7 +2894,7 @@
           <a:p>
             <a:fld id="{5B96D3F8-CD2E-4A0D-AC38-517181EABB18}" type="datetimeFigureOut">
               <a:rPr kumimoji="1" lang="ja-JP" altLang="en-US" smtClean="0"/>
-              <a:t>2024/11/4</a:t>
+              <a:t>2024/11/5</a:t>
             </a:fld>
             <a:endParaRPr kumimoji="1" lang="ja-JP" altLang="en-US"/>
           </a:p>
@@ -3649,7 +3649,7 @@
           <a:p>
             <a:r>
               <a:rPr lang="ja-JP" altLang="en-US" dirty="0"/>
-              <a:t>ファイルを開くその②</a:t>
+              <a:t>ファイルを開く方法　その②</a:t>
             </a:r>
             <a:br>
               <a:rPr lang="en-US" altLang="ja-JP" dirty="0"/>
@@ -5071,7 +5071,7 @@
         </p:nvSpPr>
         <p:spPr>
           <a:xfrm>
-            <a:off x="838200" y="1162976"/>
+            <a:off x="838200" y="598771"/>
             <a:ext cx="10515600" cy="5193373"/>
           </a:xfrm>
         </p:spPr>
@@ -6007,7 +6007,7 @@
         </p:nvSpPr>
         <p:spPr>
           <a:xfrm>
-            <a:off x="838200" y="1162976"/>
+            <a:off x="838200" y="608495"/>
             <a:ext cx="10515600" cy="5193373"/>
           </a:xfrm>
         </p:spPr>
@@ -7145,7 +7145,7 @@
         </p:nvSpPr>
         <p:spPr>
           <a:xfrm>
-            <a:off x="838200" y="1162976"/>
+            <a:off x="838200" y="608497"/>
             <a:ext cx="10515600" cy="5193373"/>
           </a:xfrm>
         </p:spPr>
@@ -8963,6 +8963,10 @@
               <a:rPr lang="ja-JP" altLang="en-US" dirty="0"/>
               <a:t>することに利用されている</a:t>
             </a:r>
+            <a:r>
+              <a:rPr lang="ja-JP" altLang="en-US" sz="3200" dirty="0"/>
+              <a:t>（本格的な管理はデータベースが使用されている）</a:t>
+            </a:r>
             <a:endParaRPr lang="en-US" altLang="ja-JP" dirty="0"/>
           </a:p>
           <a:p>
@@ -8992,7 +8996,7 @@
             </a:r>
             <a:r>
               <a:rPr lang="ja-JP" altLang="en-US" dirty="0"/>
-              <a:t>）等で読み書き可能</a:t>
+              <a:t>）やメモ張等で読み書き可能なテキストファイル</a:t>
             </a:r>
             <a:endParaRPr lang="en-US" altLang="ja-JP" dirty="0"/>
           </a:p>
@@ -10252,7 +10256,7 @@
         </p:nvSpPr>
         <p:spPr>
           <a:xfrm>
-            <a:off x="838200" y="1162976"/>
+            <a:off x="838200" y="618223"/>
             <a:ext cx="10515600" cy="5193373"/>
           </a:xfrm>
         </p:spPr>
@@ -16055,31 +16059,19 @@
             </a:r>
             <a:r>
               <a:rPr lang="ja-JP" altLang="en-US" dirty="0"/>
-              <a:t>に対応できるように、</a:t>
-            </a:r>
-            <a:r>
-              <a:rPr lang="en-US" altLang="ja-JP" dirty="0">
-                <a:solidFill>
-                  <a:srgbClr val="00B050"/>
-                </a:solidFill>
-              </a:rPr>
+              <a:t>情報に対応できるように、</a:t>
+            </a:r>
+            <a:br>
+              <a:rPr lang="en-US" altLang="ja-JP" dirty="0"/>
+            </a:br>
+            <a:r>
+              <a:rPr lang="en-US" altLang="ja-JP" dirty="0"/>
               <a:t>Enemy</a:t>
             </a:r>
             <a:r>
-              <a:rPr lang="ja-JP" altLang="en-US" dirty="0">
-                <a:solidFill>
-                  <a:srgbClr val="00B050"/>
-                </a:solidFill>
-              </a:rPr>
-              <a:t>は</a:t>
-            </a:r>
-            <a:br>
-              <a:rPr lang="en-US" altLang="ja-JP" dirty="0">
-                <a:solidFill>
-                  <a:srgbClr val="00B050"/>
-                </a:solidFill>
-              </a:rPr>
-            </a:br>
+              <a:rPr lang="ja-JP" altLang="en-US" dirty="0"/>
+              <a:t>クラスは</a:t>
+            </a:r>
             <a:r>
               <a:rPr lang="en-US" altLang="ja-JP" dirty="0">
                 <a:solidFill>
@@ -25285,7 +25277,7 @@
           <a:p>
             <a:r>
               <a:rPr lang="ja-JP" altLang="en-US" dirty="0"/>
-              <a:t>ファイルを開くその①</a:t>
+              <a:t>ファイルを開く方法　その①</a:t>
             </a:r>
             <a:br>
               <a:rPr lang="en-US" altLang="ja-JP" dirty="0"/>

--- a/授業資料/講義資料：CSVファイル.pptx
+++ b/授業資料/講義資料：CSVファイル.pptx
@@ -281,7 +281,7 @@
           <a:p>
             <a:fld id="{5B96D3F8-CD2E-4A0D-AC38-517181EABB18}" type="datetimeFigureOut">
               <a:rPr kumimoji="1" lang="ja-JP" altLang="en-US" smtClean="0"/>
-              <a:t>2024/11/5</a:t>
+              <a:t>2024/11/6</a:t>
             </a:fld>
             <a:endParaRPr kumimoji="1" lang="ja-JP" altLang="en-US"/>
           </a:p>
@@ -483,7 +483,7 @@
           <a:p>
             <a:fld id="{5B96D3F8-CD2E-4A0D-AC38-517181EABB18}" type="datetimeFigureOut">
               <a:rPr kumimoji="1" lang="ja-JP" altLang="en-US" smtClean="0"/>
-              <a:t>2024/11/5</a:t>
+              <a:t>2024/11/6</a:t>
             </a:fld>
             <a:endParaRPr kumimoji="1" lang="ja-JP" altLang="en-US"/>
           </a:p>
@@ -695,7 +695,7 @@
           <a:p>
             <a:fld id="{5B96D3F8-CD2E-4A0D-AC38-517181EABB18}" type="datetimeFigureOut">
               <a:rPr kumimoji="1" lang="ja-JP" altLang="en-US" smtClean="0"/>
-              <a:t>2024/11/5</a:t>
+              <a:t>2024/11/6</a:t>
             </a:fld>
             <a:endParaRPr kumimoji="1" lang="ja-JP" altLang="en-US"/>
           </a:p>
@@ -897,7 +897,7 @@
           <a:p>
             <a:fld id="{5B96D3F8-CD2E-4A0D-AC38-517181EABB18}" type="datetimeFigureOut">
               <a:rPr kumimoji="1" lang="ja-JP" altLang="en-US" smtClean="0"/>
-              <a:t>2024/11/5</a:t>
+              <a:t>2024/11/6</a:t>
             </a:fld>
             <a:endParaRPr kumimoji="1" lang="ja-JP" altLang="en-US"/>
           </a:p>
@@ -1143,7 +1143,7 @@
           <a:p>
             <a:fld id="{5B96D3F8-CD2E-4A0D-AC38-517181EABB18}" type="datetimeFigureOut">
               <a:rPr kumimoji="1" lang="ja-JP" altLang="en-US" smtClean="0"/>
-              <a:t>2024/11/5</a:t>
+              <a:t>2024/11/6</a:t>
             </a:fld>
             <a:endParaRPr kumimoji="1" lang="ja-JP" altLang="en-US"/>
           </a:p>
@@ -1439,7 +1439,7 @@
           <a:p>
             <a:fld id="{5B96D3F8-CD2E-4A0D-AC38-517181EABB18}" type="datetimeFigureOut">
               <a:rPr kumimoji="1" lang="ja-JP" altLang="en-US" smtClean="0"/>
-              <a:t>2024/11/5</a:t>
+              <a:t>2024/11/6</a:t>
             </a:fld>
             <a:endParaRPr kumimoji="1" lang="ja-JP" altLang="en-US"/>
           </a:p>
@@ -1870,7 +1870,7 @@
           <a:p>
             <a:fld id="{5B96D3F8-CD2E-4A0D-AC38-517181EABB18}" type="datetimeFigureOut">
               <a:rPr kumimoji="1" lang="ja-JP" altLang="en-US" smtClean="0"/>
-              <a:t>2024/11/5</a:t>
+              <a:t>2024/11/6</a:t>
             </a:fld>
             <a:endParaRPr kumimoji="1" lang="ja-JP" altLang="en-US"/>
           </a:p>
@@ -1988,7 +1988,7 @@
           <a:p>
             <a:fld id="{5B96D3F8-CD2E-4A0D-AC38-517181EABB18}" type="datetimeFigureOut">
               <a:rPr kumimoji="1" lang="ja-JP" altLang="en-US" smtClean="0"/>
-              <a:t>2024/11/5</a:t>
+              <a:t>2024/11/6</a:t>
             </a:fld>
             <a:endParaRPr kumimoji="1" lang="ja-JP" altLang="en-US"/>
           </a:p>
@@ -2083,7 +2083,7 @@
           <a:p>
             <a:fld id="{5B96D3F8-CD2E-4A0D-AC38-517181EABB18}" type="datetimeFigureOut">
               <a:rPr kumimoji="1" lang="ja-JP" altLang="en-US" smtClean="0"/>
-              <a:t>2024/11/5</a:t>
+              <a:t>2024/11/6</a:t>
             </a:fld>
             <a:endParaRPr kumimoji="1" lang="ja-JP" altLang="en-US"/>
           </a:p>
@@ -2392,7 +2392,7 @@
           <a:p>
             <a:fld id="{5B96D3F8-CD2E-4A0D-AC38-517181EABB18}" type="datetimeFigureOut">
               <a:rPr kumimoji="1" lang="ja-JP" altLang="en-US" smtClean="0"/>
-              <a:t>2024/11/5</a:t>
+              <a:t>2024/11/6</a:t>
             </a:fld>
             <a:endParaRPr kumimoji="1" lang="ja-JP" altLang="en-US"/>
           </a:p>
@@ -2649,7 +2649,7 @@
           <a:p>
             <a:fld id="{5B96D3F8-CD2E-4A0D-AC38-517181EABB18}" type="datetimeFigureOut">
               <a:rPr kumimoji="1" lang="ja-JP" altLang="en-US" smtClean="0"/>
-              <a:t>2024/11/5</a:t>
+              <a:t>2024/11/6</a:t>
             </a:fld>
             <a:endParaRPr kumimoji="1" lang="ja-JP" altLang="en-US"/>
           </a:p>
@@ -2894,7 +2894,7 @@
           <a:p>
             <a:fld id="{5B96D3F8-CD2E-4A0D-AC38-517181EABB18}" type="datetimeFigureOut">
               <a:rPr kumimoji="1" lang="ja-JP" altLang="en-US" smtClean="0"/>
-              <a:t>2024/11/5</a:t>
+              <a:t>2024/11/6</a:t>
             </a:fld>
             <a:endParaRPr kumimoji="1" lang="ja-JP" altLang="en-US"/>
           </a:p>
@@ -12969,55 +12969,6 @@
       </p:sp>
       <p:sp>
         <p:nvSpPr>
-          <p:cNvPr id="11" name="矢印: 右 10">
-            <a:extLst>
-              <a:ext uri="{FF2B5EF4-FFF2-40B4-BE49-F238E27FC236}">
-                <a16:creationId xmlns:a16="http://schemas.microsoft.com/office/drawing/2014/main" id="{D444514E-81A6-89C3-5367-3C280235D652}"/>
-              </a:ext>
-            </a:extLst>
-          </p:cNvPr>
-          <p:cNvSpPr/>
-          <p:nvPr/>
-        </p:nvSpPr>
-        <p:spPr>
-          <a:xfrm>
-            <a:off x="625002" y="2156909"/>
-            <a:ext cx="426396" cy="282102"/>
-          </a:xfrm>
-          <a:prstGeom prst="rightArrow">
-            <a:avLst/>
-          </a:prstGeom>
-          <a:solidFill>
-            <a:srgbClr val="FF0000"/>
-          </a:solidFill>
-        </p:spPr>
-        <p:style>
-          <a:lnRef idx="2">
-            <a:schemeClr val="accent1">
-              <a:shade val="15000"/>
-            </a:schemeClr>
-          </a:lnRef>
-          <a:fillRef idx="1">
-            <a:schemeClr val="accent1"/>
-          </a:fillRef>
-          <a:effectRef idx="0">
-            <a:schemeClr val="accent1"/>
-          </a:effectRef>
-          <a:fontRef idx="minor">
-            <a:schemeClr val="lt1"/>
-          </a:fontRef>
-        </p:style>
-        <p:txBody>
-          <a:bodyPr rtlCol="0" anchor="ctr"/>
-          <a:lstStyle/>
-          <a:p>
-            <a:pPr algn="ctr"/>
-            <a:endParaRPr kumimoji="1" lang="ja-JP" altLang="en-US"/>
-          </a:p>
-        </p:txBody>
-      </p:sp>
-      <p:sp>
-        <p:nvSpPr>
           <p:cNvPr id="12" name="矢印: 右 11">
             <a:extLst>
               <a:ext uri="{FF2B5EF4-FFF2-40B4-BE49-F238E27FC236}">

--- a/授業資料/講義資料：CSVファイル.pptx
+++ b/授業資料/講義資料：CSVファイル.pptx
@@ -17,33 +17,34 @@
     <p:sldId id="398" r:id="rId11"/>
     <p:sldId id="399" r:id="rId12"/>
     <p:sldId id="407" r:id="rId13"/>
-    <p:sldId id="400" r:id="rId14"/>
-    <p:sldId id="408" r:id="rId15"/>
-    <p:sldId id="409" r:id="rId16"/>
-    <p:sldId id="401" r:id="rId17"/>
-    <p:sldId id="410" r:id="rId18"/>
-    <p:sldId id="411" r:id="rId19"/>
-    <p:sldId id="412" r:id="rId20"/>
-    <p:sldId id="413" r:id="rId21"/>
-    <p:sldId id="414" r:id="rId22"/>
-    <p:sldId id="415" r:id="rId23"/>
-    <p:sldId id="416" r:id="rId24"/>
-    <p:sldId id="417" r:id="rId25"/>
-    <p:sldId id="418" r:id="rId26"/>
-    <p:sldId id="419" r:id="rId27"/>
-    <p:sldId id="420" r:id="rId28"/>
-    <p:sldId id="421" r:id="rId29"/>
-    <p:sldId id="428" r:id="rId30"/>
-    <p:sldId id="422" r:id="rId31"/>
-    <p:sldId id="423" r:id="rId32"/>
-    <p:sldId id="424" r:id="rId33"/>
-    <p:sldId id="425" r:id="rId34"/>
-    <p:sldId id="426" r:id="rId35"/>
-    <p:sldId id="427" r:id="rId36"/>
-    <p:sldId id="429" r:id="rId37"/>
-    <p:sldId id="430" r:id="rId38"/>
-    <p:sldId id="373" r:id="rId39"/>
-    <p:sldId id="349" r:id="rId40"/>
+    <p:sldId id="431" r:id="rId14"/>
+    <p:sldId id="400" r:id="rId15"/>
+    <p:sldId id="408" r:id="rId16"/>
+    <p:sldId id="409" r:id="rId17"/>
+    <p:sldId id="401" r:id="rId18"/>
+    <p:sldId id="410" r:id="rId19"/>
+    <p:sldId id="411" r:id="rId20"/>
+    <p:sldId id="412" r:id="rId21"/>
+    <p:sldId id="413" r:id="rId22"/>
+    <p:sldId id="414" r:id="rId23"/>
+    <p:sldId id="415" r:id="rId24"/>
+    <p:sldId id="416" r:id="rId25"/>
+    <p:sldId id="417" r:id="rId26"/>
+    <p:sldId id="418" r:id="rId27"/>
+    <p:sldId id="419" r:id="rId28"/>
+    <p:sldId id="420" r:id="rId29"/>
+    <p:sldId id="421" r:id="rId30"/>
+    <p:sldId id="428" r:id="rId31"/>
+    <p:sldId id="422" r:id="rId32"/>
+    <p:sldId id="423" r:id="rId33"/>
+    <p:sldId id="424" r:id="rId34"/>
+    <p:sldId id="425" r:id="rId35"/>
+    <p:sldId id="426" r:id="rId36"/>
+    <p:sldId id="427" r:id="rId37"/>
+    <p:sldId id="429" r:id="rId38"/>
+    <p:sldId id="430" r:id="rId39"/>
+    <p:sldId id="373" r:id="rId40"/>
+    <p:sldId id="349" r:id="rId41"/>
   </p:sldIdLst>
   <p:sldSz cx="12192000" cy="6858000"/>
   <p:notesSz cx="6858000" cy="9144000"/>
@@ -281,7 +282,7 @@
           <a:p>
             <a:fld id="{5B96D3F8-CD2E-4A0D-AC38-517181EABB18}" type="datetimeFigureOut">
               <a:rPr kumimoji="1" lang="ja-JP" altLang="en-US" smtClean="0"/>
-              <a:t>2024/11/6</a:t>
+              <a:t>2024/11/8</a:t>
             </a:fld>
             <a:endParaRPr kumimoji="1" lang="ja-JP" altLang="en-US"/>
           </a:p>
@@ -483,7 +484,7 @@
           <a:p>
             <a:fld id="{5B96D3F8-CD2E-4A0D-AC38-517181EABB18}" type="datetimeFigureOut">
               <a:rPr kumimoji="1" lang="ja-JP" altLang="en-US" smtClean="0"/>
-              <a:t>2024/11/6</a:t>
+              <a:t>2024/11/8</a:t>
             </a:fld>
             <a:endParaRPr kumimoji="1" lang="ja-JP" altLang="en-US"/>
           </a:p>
@@ -695,7 +696,7 @@
           <a:p>
             <a:fld id="{5B96D3F8-CD2E-4A0D-AC38-517181EABB18}" type="datetimeFigureOut">
               <a:rPr kumimoji="1" lang="ja-JP" altLang="en-US" smtClean="0"/>
-              <a:t>2024/11/6</a:t>
+              <a:t>2024/11/8</a:t>
             </a:fld>
             <a:endParaRPr kumimoji="1" lang="ja-JP" altLang="en-US"/>
           </a:p>
@@ -897,7 +898,7 @@
           <a:p>
             <a:fld id="{5B96D3F8-CD2E-4A0D-AC38-517181EABB18}" type="datetimeFigureOut">
               <a:rPr kumimoji="1" lang="ja-JP" altLang="en-US" smtClean="0"/>
-              <a:t>2024/11/6</a:t>
+              <a:t>2024/11/8</a:t>
             </a:fld>
             <a:endParaRPr kumimoji="1" lang="ja-JP" altLang="en-US"/>
           </a:p>
@@ -1143,7 +1144,7 @@
           <a:p>
             <a:fld id="{5B96D3F8-CD2E-4A0D-AC38-517181EABB18}" type="datetimeFigureOut">
               <a:rPr kumimoji="1" lang="ja-JP" altLang="en-US" smtClean="0"/>
-              <a:t>2024/11/6</a:t>
+              <a:t>2024/11/8</a:t>
             </a:fld>
             <a:endParaRPr kumimoji="1" lang="ja-JP" altLang="en-US"/>
           </a:p>
@@ -1439,7 +1440,7 @@
           <a:p>
             <a:fld id="{5B96D3F8-CD2E-4A0D-AC38-517181EABB18}" type="datetimeFigureOut">
               <a:rPr kumimoji="1" lang="ja-JP" altLang="en-US" smtClean="0"/>
-              <a:t>2024/11/6</a:t>
+              <a:t>2024/11/8</a:t>
             </a:fld>
             <a:endParaRPr kumimoji="1" lang="ja-JP" altLang="en-US"/>
           </a:p>
@@ -1870,7 +1871,7 @@
           <a:p>
             <a:fld id="{5B96D3F8-CD2E-4A0D-AC38-517181EABB18}" type="datetimeFigureOut">
               <a:rPr kumimoji="1" lang="ja-JP" altLang="en-US" smtClean="0"/>
-              <a:t>2024/11/6</a:t>
+              <a:t>2024/11/8</a:t>
             </a:fld>
             <a:endParaRPr kumimoji="1" lang="ja-JP" altLang="en-US"/>
           </a:p>
@@ -1988,7 +1989,7 @@
           <a:p>
             <a:fld id="{5B96D3F8-CD2E-4A0D-AC38-517181EABB18}" type="datetimeFigureOut">
               <a:rPr kumimoji="1" lang="ja-JP" altLang="en-US" smtClean="0"/>
-              <a:t>2024/11/6</a:t>
+              <a:t>2024/11/8</a:t>
             </a:fld>
             <a:endParaRPr kumimoji="1" lang="ja-JP" altLang="en-US"/>
           </a:p>
@@ -2083,7 +2084,7 @@
           <a:p>
             <a:fld id="{5B96D3F8-CD2E-4A0D-AC38-517181EABB18}" type="datetimeFigureOut">
               <a:rPr kumimoji="1" lang="ja-JP" altLang="en-US" smtClean="0"/>
-              <a:t>2024/11/6</a:t>
+              <a:t>2024/11/8</a:t>
             </a:fld>
             <a:endParaRPr kumimoji="1" lang="ja-JP" altLang="en-US"/>
           </a:p>
@@ -2392,7 +2393,7 @@
           <a:p>
             <a:fld id="{5B96D3F8-CD2E-4A0D-AC38-517181EABB18}" type="datetimeFigureOut">
               <a:rPr kumimoji="1" lang="ja-JP" altLang="en-US" smtClean="0"/>
-              <a:t>2024/11/6</a:t>
+              <a:t>2024/11/8</a:t>
             </a:fld>
             <a:endParaRPr kumimoji="1" lang="ja-JP" altLang="en-US"/>
           </a:p>
@@ -2649,7 +2650,7 @@
           <a:p>
             <a:fld id="{5B96D3F8-CD2E-4A0D-AC38-517181EABB18}" type="datetimeFigureOut">
               <a:rPr kumimoji="1" lang="ja-JP" altLang="en-US" smtClean="0"/>
-              <a:t>2024/11/6</a:t>
+              <a:t>2024/11/8</a:t>
             </a:fld>
             <a:endParaRPr kumimoji="1" lang="ja-JP" altLang="en-US"/>
           </a:p>
@@ -2894,7 +2895,7 @@
           <a:p>
             <a:fld id="{5B96D3F8-CD2E-4A0D-AC38-517181EABB18}" type="datetimeFigureOut">
               <a:rPr kumimoji="1" lang="ja-JP" altLang="en-US" smtClean="0"/>
-              <a:t>2024/11/6</a:t>
+              <a:t>2024/11/8</a:t>
             </a:fld>
             <a:endParaRPr kumimoji="1" lang="ja-JP" altLang="en-US"/>
           </a:p>
@@ -4737,6 +4738,151 @@
         <p:cNvPr id="1" name="">
           <a:extLst>
             <a:ext uri="{FF2B5EF4-FFF2-40B4-BE49-F238E27FC236}">
+              <a16:creationId xmlns:a16="http://schemas.microsoft.com/office/drawing/2014/main" id="{23EDFBAD-4AC6-6462-2B33-5574999EDE4F}"/>
+            </a:ext>
+          </a:extLst>
+        </p:cNvPr>
+        <p:cNvGrpSpPr/>
+        <p:nvPr/>
+      </p:nvGrpSpPr>
+      <p:grpSpPr>
+        <a:xfrm>
+          <a:off x="0" y="0"/>
+          <a:ext cx="0" cy="0"/>
+          <a:chOff x="0" y="0"/>
+          <a:chExt cx="0" cy="0"/>
+        </a:xfrm>
+      </p:grpSpPr>
+      <p:sp>
+        <p:nvSpPr>
+          <p:cNvPr id="2" name="タイトル 1">
+            <a:extLst>
+              <a:ext uri="{FF2B5EF4-FFF2-40B4-BE49-F238E27FC236}">
+                <a16:creationId xmlns:a16="http://schemas.microsoft.com/office/drawing/2014/main" id="{574D26BB-2FA7-C5AB-F2A6-F3FC9F1E12F9}"/>
+              </a:ext>
+            </a:extLst>
+          </p:cNvPr>
+          <p:cNvSpPr>
+            <a:spLocks noGrp="1"/>
+          </p:cNvSpPr>
+          <p:nvPr>
+            <p:ph type="title"/>
+          </p:nvPr>
+        </p:nvSpPr>
+        <p:spPr/>
+        <p:txBody>
+          <a:bodyPr/>
+          <a:lstStyle/>
+          <a:p>
+            <a:r>
+              <a:rPr lang="en-US" altLang="ja-JP" dirty="0"/>
+              <a:t>CSV</a:t>
+            </a:r>
+            <a:r>
+              <a:rPr lang="ja-JP" altLang="en-US" dirty="0"/>
+              <a:t>ファイル</a:t>
+            </a:r>
+            <a:endParaRPr kumimoji="1" lang="ja-JP" altLang="en-US" dirty="0"/>
+          </a:p>
+        </p:txBody>
+      </p:sp>
+      <p:sp>
+        <p:nvSpPr>
+          <p:cNvPr id="3" name="コンテンツ プレースホルダー 2">
+            <a:extLst>
+              <a:ext uri="{FF2B5EF4-FFF2-40B4-BE49-F238E27FC236}">
+                <a16:creationId xmlns:a16="http://schemas.microsoft.com/office/drawing/2014/main" id="{AB3A881D-20D7-9BC5-FA53-72FD452FE62C}"/>
+              </a:ext>
+            </a:extLst>
+          </p:cNvPr>
+          <p:cNvSpPr>
+            <a:spLocks noGrp="1"/>
+          </p:cNvSpPr>
+          <p:nvPr>
+            <p:ph idx="1"/>
+          </p:nvPr>
+        </p:nvSpPr>
+        <p:spPr/>
+        <p:txBody>
+          <a:bodyPr>
+            <a:normAutofit/>
+          </a:bodyPr>
+          <a:lstStyle/>
+          <a:p>
+            <a:r>
+              <a:rPr lang="ja-JP" altLang="en-US" dirty="0"/>
+              <a:t>プログラム終了コードの確認方法</a:t>
+            </a:r>
+            <a:br>
+              <a:rPr lang="en-US" altLang="ja-JP" dirty="0"/>
+            </a:br>
+            <a:endParaRPr lang="en-US" altLang="ja-JP" dirty="0"/>
+          </a:p>
+          <a:p>
+            <a:pPr marL="457200" lvl="1" indent="0">
+              <a:buNone/>
+            </a:pPr>
+            <a:r>
+              <a:rPr lang="ja-JP" altLang="en-US" dirty="0"/>
+              <a:t>コマンドプロンプトから</a:t>
+            </a:r>
+            <a:br>
+              <a:rPr lang="en-US" altLang="ja-JP" dirty="0"/>
+            </a:br>
+            <a:br>
+              <a:rPr lang="en-US" altLang="ja-JP" dirty="0"/>
+            </a:br>
+            <a:r>
+              <a:rPr lang="en-US" altLang="ja-JP" sz="4000" dirty="0">
+                <a:solidFill>
+                  <a:srgbClr val="00B0F0"/>
+                </a:solidFill>
+              </a:rPr>
+              <a:t>echo %ERRORLEVEL%</a:t>
+            </a:r>
+            <a:br>
+              <a:rPr lang="en-US" altLang="ja-JP" sz="4000" dirty="0">
+                <a:solidFill>
+                  <a:srgbClr val="00B0F0"/>
+                </a:solidFill>
+              </a:rPr>
+            </a:br>
+            <a:br>
+              <a:rPr lang="en-US" altLang="ja-JP" dirty="0"/>
+            </a:br>
+            <a:r>
+              <a:rPr lang="ja-JP" altLang="en-US" dirty="0"/>
+              <a:t>と入力すれば、直前に実行したプログラムの終了コードを</a:t>
+            </a:r>
+            <a:r>
+              <a:rPr lang="ja-JP" altLang="en-US"/>
+              <a:t>取得可能</a:t>
+            </a:r>
+            <a:endParaRPr lang="en-US" altLang="ja-JP" dirty="0"/>
+          </a:p>
+        </p:txBody>
+      </p:sp>
+    </p:spTree>
+    <p:extLst>
+      <p:ext uri="{BB962C8B-B14F-4D97-AF65-F5344CB8AC3E}">
+        <p14:creationId xmlns:p14="http://schemas.microsoft.com/office/powerpoint/2010/main" val="2402136996"/>
+      </p:ext>
+    </p:extLst>
+  </p:cSld>
+  <p:clrMapOvr>
+    <a:masterClrMapping/>
+  </p:clrMapOvr>
+</p:sld>
+</file>
+
+<file path=ppt/slides/slide14.xml><?xml version="1.0" encoding="utf-8"?>
+<p:sld xmlns:a="http://schemas.openxmlformats.org/drawingml/2006/main" xmlns:r="http://schemas.openxmlformats.org/officeDocument/2006/relationships" xmlns:p="http://schemas.openxmlformats.org/presentationml/2006/main">
+  <p:cSld>
+    <p:spTree>
+      <p:nvGrpSpPr>
+        <p:cNvPr id="1" name="">
+          <a:extLst>
+            <a:ext uri="{FF2B5EF4-FFF2-40B4-BE49-F238E27FC236}">
               <a16:creationId xmlns:a16="http://schemas.microsoft.com/office/drawing/2014/main" id="{FEC87855-841F-9E96-9796-3E627D3FF637}"/>
             </a:ext>
           </a:extLst>
@@ -4997,7 +5143,7 @@
 </p:sld>
 </file>
 
-<file path=ppt/slides/slide14.xml><?xml version="1.0" encoding="utf-8"?>
+<file path=ppt/slides/slide15.xml><?xml version="1.0" encoding="utf-8"?>
 <p:sld xmlns:a="http://schemas.openxmlformats.org/drawingml/2006/main" xmlns:r="http://schemas.openxmlformats.org/officeDocument/2006/relationships" xmlns:p="http://schemas.openxmlformats.org/presentationml/2006/main">
   <p:cSld>
     <p:spTree>
@@ -5933,7 +6079,7 @@
 </p:sld>
 </file>
 
-<file path=ppt/slides/slide15.xml><?xml version="1.0" encoding="utf-8"?>
+<file path=ppt/slides/slide16.xml><?xml version="1.0" encoding="utf-8"?>
 <p:sld xmlns:a="http://schemas.openxmlformats.org/drawingml/2006/main" xmlns:r="http://schemas.openxmlformats.org/officeDocument/2006/relationships" xmlns:p="http://schemas.openxmlformats.org/presentationml/2006/main">
   <p:cSld>
     <p:spTree>
@@ -6783,7 +6929,7 @@
 </p:sld>
 </file>
 
-<file path=ppt/slides/slide16.xml><?xml version="1.0" encoding="utf-8"?>
+<file path=ppt/slides/slide17.xml><?xml version="1.0" encoding="utf-8"?>
 <p:sld xmlns:a="http://schemas.openxmlformats.org/drawingml/2006/main" xmlns:r="http://schemas.openxmlformats.org/officeDocument/2006/relationships" xmlns:p="http://schemas.openxmlformats.org/presentationml/2006/main">
   <p:cSld>
     <p:spTree>
@@ -7071,7 +7217,7 @@
 </p:sld>
 </file>
 
-<file path=ppt/slides/slide17.xml><?xml version="1.0" encoding="utf-8"?>
+<file path=ppt/slides/slide18.xml><?xml version="1.0" encoding="utf-8"?>
 <p:sld xmlns:a="http://schemas.openxmlformats.org/drawingml/2006/main" xmlns:r="http://schemas.openxmlformats.org/officeDocument/2006/relationships" xmlns:p="http://schemas.openxmlformats.org/presentationml/2006/main">
   <p:cSld>
     <p:spTree>
@@ -7899,7 +8045,7 @@
 </p:sld>
 </file>
 
-<file path=ppt/slides/slide18.xml><?xml version="1.0" encoding="utf-8"?>
+<file path=ppt/slides/slide19.xml><?xml version="1.0" encoding="utf-8"?>
 <p:sld xmlns:a="http://schemas.openxmlformats.org/drawingml/2006/main" xmlns:r="http://schemas.openxmlformats.org/officeDocument/2006/relationships" xmlns:p="http://schemas.openxmlformats.org/presentationml/2006/main">
   <p:cSld>
     <p:spTree>
@@ -8449,422 +8595,6 @@
     <p:extLst>
       <p:ext uri="{BB962C8B-B14F-4D97-AF65-F5344CB8AC3E}">
         <p14:creationId xmlns:p14="http://schemas.microsoft.com/office/powerpoint/2010/main" val="4287090375"/>
-      </p:ext>
-    </p:extLst>
-  </p:cSld>
-  <p:clrMapOvr>
-    <a:masterClrMapping/>
-  </p:clrMapOvr>
-</p:sld>
-</file>
-
-<file path=ppt/slides/slide19.xml><?xml version="1.0" encoding="utf-8"?>
-<p:sld xmlns:a="http://schemas.openxmlformats.org/drawingml/2006/main" xmlns:r="http://schemas.openxmlformats.org/officeDocument/2006/relationships" xmlns:p="http://schemas.openxmlformats.org/presentationml/2006/main">
-  <p:cSld>
-    <p:spTree>
-      <p:nvGrpSpPr>
-        <p:cNvPr id="1" name="">
-          <a:extLst>
-            <a:ext uri="{FF2B5EF4-FFF2-40B4-BE49-F238E27FC236}">
-              <a16:creationId xmlns:a16="http://schemas.microsoft.com/office/drawing/2014/main" id="{359AC1EE-88DB-C9B6-B7C9-B15256827994}"/>
-            </a:ext>
-          </a:extLst>
-        </p:cNvPr>
-        <p:cNvGrpSpPr/>
-        <p:nvPr/>
-      </p:nvGrpSpPr>
-      <p:grpSpPr>
-        <a:xfrm>
-          <a:off x="0" y="0"/>
-          <a:ext cx="0" cy="0"/>
-          <a:chOff x="0" y="0"/>
-          <a:chExt cx="0" cy="0"/>
-        </a:xfrm>
-      </p:grpSpPr>
-      <p:sp>
-        <p:nvSpPr>
-          <p:cNvPr id="2" name="タイトル 1">
-            <a:extLst>
-              <a:ext uri="{FF2B5EF4-FFF2-40B4-BE49-F238E27FC236}">
-                <a16:creationId xmlns:a16="http://schemas.microsoft.com/office/drawing/2014/main" id="{6629FD80-0DD6-F9BA-67C0-5659D03BC266}"/>
-              </a:ext>
-            </a:extLst>
-          </p:cNvPr>
-          <p:cNvSpPr>
-            <a:spLocks noGrp="1"/>
-          </p:cNvSpPr>
-          <p:nvPr>
-            <p:ph type="title"/>
-          </p:nvPr>
-        </p:nvSpPr>
-        <p:spPr/>
-        <p:txBody>
-          <a:bodyPr/>
-          <a:lstStyle/>
-          <a:p>
-            <a:r>
-              <a:rPr lang="en-US" altLang="ja-JP" dirty="0"/>
-              <a:t>CSV</a:t>
-            </a:r>
-            <a:r>
-              <a:rPr lang="ja-JP" altLang="en-US" dirty="0"/>
-              <a:t>ファイル</a:t>
-            </a:r>
-            <a:endParaRPr kumimoji="1" lang="ja-JP" altLang="en-US" dirty="0"/>
-          </a:p>
-        </p:txBody>
-      </p:sp>
-      <p:sp>
-        <p:nvSpPr>
-          <p:cNvPr id="3" name="コンテンツ プレースホルダー 2">
-            <a:extLst>
-              <a:ext uri="{FF2B5EF4-FFF2-40B4-BE49-F238E27FC236}">
-                <a16:creationId xmlns:a16="http://schemas.microsoft.com/office/drawing/2014/main" id="{A3BDB732-F7A9-AA49-501A-9745A90B1743}"/>
-              </a:ext>
-            </a:extLst>
-          </p:cNvPr>
-          <p:cNvSpPr>
-            <a:spLocks noGrp="1"/>
-          </p:cNvSpPr>
-          <p:nvPr>
-            <p:ph idx="1"/>
-          </p:nvPr>
-        </p:nvSpPr>
-        <p:spPr>
-          <a:xfrm>
-            <a:off x="838200" y="1162976"/>
-            <a:ext cx="10515600" cy="5193373"/>
-          </a:xfrm>
-        </p:spPr>
-        <p:txBody>
-          <a:bodyPr>
-            <a:normAutofit/>
-          </a:bodyPr>
-          <a:lstStyle/>
-          <a:p>
-            <a:r>
-              <a:rPr lang="en-US" altLang="ja-JP" dirty="0"/>
-              <a:t>CSV</a:t>
-            </a:r>
-            <a:r>
-              <a:rPr lang="ja-JP" altLang="en-US" dirty="0"/>
-              <a:t>ファイルに項目を追加する際は、各</a:t>
-            </a:r>
-            <a:r>
-              <a:rPr lang="en-US" altLang="ja-JP" dirty="0"/>
-              <a:t>Enemy</a:t>
-            </a:r>
-            <a:r>
-              <a:rPr lang="ja-JP" altLang="en-US" dirty="0"/>
-              <a:t>が</a:t>
-            </a:r>
-            <a:br>
-              <a:rPr lang="en-US" altLang="ja-JP" dirty="0"/>
-            </a:br>
-            <a:r>
-              <a:rPr lang="ja-JP" altLang="en-US" dirty="0"/>
-              <a:t>一行ずつわかれていたほうが見やすくて、</a:t>
-            </a:r>
-            <a:br>
-              <a:rPr lang="en-US" altLang="ja-JP" dirty="0"/>
-            </a:br>
-            <a:r>
-              <a:rPr lang="ja-JP" altLang="en-US" dirty="0"/>
-              <a:t>管理もしやすい</a:t>
-            </a:r>
-            <a:br>
-              <a:rPr lang="en-US" altLang="ja-JP" dirty="0"/>
-            </a:br>
-            <a:endParaRPr lang="en-US" altLang="ja-JP" dirty="0"/>
-          </a:p>
-        </p:txBody>
-      </p:sp>
-      <p:sp>
-        <p:nvSpPr>
-          <p:cNvPr id="4" name="テキスト ボックス 3">
-            <a:extLst>
-              <a:ext uri="{FF2B5EF4-FFF2-40B4-BE49-F238E27FC236}">
-                <a16:creationId xmlns:a16="http://schemas.microsoft.com/office/drawing/2014/main" id="{98B148D0-6F27-29EC-EA07-5AFDB11479EA}"/>
-              </a:ext>
-            </a:extLst>
-          </p:cNvPr>
-          <p:cNvSpPr txBox="1"/>
-          <p:nvPr/>
-        </p:nvSpPr>
-        <p:spPr>
-          <a:xfrm>
-            <a:off x="1167116" y="2974832"/>
-            <a:ext cx="4772460" cy="1569660"/>
-          </a:xfrm>
-          <a:prstGeom prst="rect">
-            <a:avLst/>
-          </a:prstGeom>
-          <a:noFill/>
-          <a:ln>
-            <a:solidFill>
-              <a:schemeClr val="tx1"/>
-            </a:solidFill>
-          </a:ln>
-        </p:spPr>
-        <p:txBody>
-          <a:bodyPr wrap="none" rtlCol="0">
-            <a:spAutoFit/>
-          </a:bodyPr>
-          <a:lstStyle/>
-          <a:p>
-            <a:r>
-              <a:rPr kumimoji="1" lang="en-US" altLang="ja-JP" sz="3200" dirty="0"/>
-              <a:t>Slime,10,5,8</a:t>
-            </a:r>
-            <a:r>
-              <a:rPr kumimoji="1" lang="en-US" altLang="ja-JP" sz="3200" dirty="0">
-                <a:solidFill>
-                  <a:srgbClr val="FF0000"/>
-                </a:solidFill>
-              </a:rPr>
-              <a:t>,5,5</a:t>
-            </a:r>
-          </a:p>
-          <a:p>
-            <a:r>
-              <a:rPr kumimoji="1" lang="en-US" altLang="ja-JP" sz="3200" dirty="0"/>
-              <a:t>Wolf,20,30,1</a:t>
-            </a:r>
-            <a:r>
-              <a:rPr kumimoji="1" lang="en-US" altLang="ja-JP" sz="3200" dirty="0">
-                <a:solidFill>
-                  <a:srgbClr val="FF0000"/>
-                </a:solidFill>
-              </a:rPr>
-              <a:t>,5,2</a:t>
-            </a:r>
-          </a:p>
-          <a:p>
-            <a:r>
-              <a:rPr kumimoji="1" lang="en-US" altLang="ja-JP" sz="3200" dirty="0"/>
-              <a:t>Spider,30,15,5</a:t>
-            </a:r>
-            <a:r>
-              <a:rPr kumimoji="1" lang="en-US" altLang="ja-JP" sz="3200" dirty="0">
-                <a:solidFill>
-                  <a:srgbClr val="FF0000"/>
-                </a:solidFill>
-              </a:rPr>
-              <a:t>,2,3</a:t>
-            </a:r>
-            <a:endParaRPr kumimoji="1" lang="ja-JP" altLang="en-US" sz="3200" dirty="0">
-              <a:solidFill>
-                <a:srgbClr val="FF0000"/>
-              </a:solidFill>
-            </a:endParaRPr>
-          </a:p>
-        </p:txBody>
-      </p:sp>
-      <p:sp>
-        <p:nvSpPr>
-          <p:cNvPr id="6" name="テキスト ボックス 5">
-            <a:extLst>
-              <a:ext uri="{FF2B5EF4-FFF2-40B4-BE49-F238E27FC236}">
-                <a16:creationId xmlns:a16="http://schemas.microsoft.com/office/drawing/2014/main" id="{DA5859C2-95DF-C203-0418-4443219E47D5}"/>
-              </a:ext>
-            </a:extLst>
-          </p:cNvPr>
-          <p:cNvSpPr txBox="1"/>
-          <p:nvPr/>
-        </p:nvSpPr>
-        <p:spPr>
-          <a:xfrm>
-            <a:off x="686927" y="5332977"/>
-            <a:ext cx="11505073" cy="584775"/>
-          </a:xfrm>
-          <a:prstGeom prst="rect">
-            <a:avLst/>
-          </a:prstGeom>
-          <a:noFill/>
-          <a:ln>
-            <a:solidFill>
-              <a:schemeClr val="tx1"/>
-            </a:solidFill>
-          </a:ln>
-        </p:spPr>
-        <p:txBody>
-          <a:bodyPr wrap="none" rtlCol="0">
-            <a:spAutoFit/>
-          </a:bodyPr>
-          <a:lstStyle/>
-          <a:p>
-            <a:r>
-              <a:rPr kumimoji="1" lang="en-US" altLang="ja-JP" sz="3200" dirty="0"/>
-              <a:t>Slime,10,5,8</a:t>
-            </a:r>
-            <a:r>
-              <a:rPr kumimoji="1" lang="en-US" altLang="ja-JP" sz="3200" dirty="0">
-                <a:solidFill>
-                  <a:srgbClr val="FF0000"/>
-                </a:solidFill>
-              </a:rPr>
-              <a:t>,5,5,</a:t>
-            </a:r>
-            <a:r>
-              <a:rPr kumimoji="1" lang="en-US" altLang="ja-JP" sz="3200" dirty="0"/>
-              <a:t>Wolf,20,30,1</a:t>
-            </a:r>
-            <a:r>
-              <a:rPr kumimoji="1" lang="en-US" altLang="ja-JP" sz="3200" dirty="0">
-                <a:solidFill>
-                  <a:srgbClr val="FF0000"/>
-                </a:solidFill>
-              </a:rPr>
-              <a:t>,5,2,</a:t>
-            </a:r>
-            <a:r>
-              <a:rPr kumimoji="1" lang="en-US" altLang="ja-JP" sz="3200" dirty="0"/>
-              <a:t>Spider,3…</a:t>
-            </a:r>
-            <a:endParaRPr kumimoji="1" lang="ja-JP" altLang="en-US" sz="3200" dirty="0"/>
-          </a:p>
-        </p:txBody>
-      </p:sp>
-      <p:sp>
-        <p:nvSpPr>
-          <p:cNvPr id="8" name="テキスト ボックス 7">
-            <a:extLst>
-              <a:ext uri="{FF2B5EF4-FFF2-40B4-BE49-F238E27FC236}">
-                <a16:creationId xmlns:a16="http://schemas.microsoft.com/office/drawing/2014/main" id="{FD86365F-EC68-EF29-B8A8-5094B40FA99D}"/>
-              </a:ext>
-            </a:extLst>
-          </p:cNvPr>
-          <p:cNvSpPr txBox="1"/>
-          <p:nvPr/>
-        </p:nvSpPr>
-        <p:spPr>
-          <a:xfrm>
-            <a:off x="6153858" y="2793464"/>
-            <a:ext cx="3780202" cy="461665"/>
-          </a:xfrm>
-          <a:prstGeom prst="rect">
-            <a:avLst/>
-          </a:prstGeom>
-          <a:noFill/>
-        </p:spPr>
-        <p:txBody>
-          <a:bodyPr wrap="none" rtlCol="0">
-            <a:spAutoFit/>
-          </a:bodyPr>
-          <a:lstStyle/>
-          <a:p>
-            <a:r>
-              <a:rPr kumimoji="1" lang="ja-JP" altLang="en-US" sz="2400" dirty="0">
-                <a:solidFill>
-                  <a:srgbClr val="FF0000"/>
-                </a:solidFill>
-              </a:rPr>
-              <a:t>赤字</a:t>
-            </a:r>
-            <a:r>
-              <a:rPr kumimoji="1" lang="ja-JP" altLang="en-US" sz="2400" dirty="0"/>
-              <a:t>が新規追加パラメータ</a:t>
-            </a:r>
-          </a:p>
-        </p:txBody>
-      </p:sp>
-      <p:sp>
-        <p:nvSpPr>
-          <p:cNvPr id="9" name="テキスト ボックス 8">
-            <a:extLst>
-              <a:ext uri="{FF2B5EF4-FFF2-40B4-BE49-F238E27FC236}">
-                <a16:creationId xmlns:a16="http://schemas.microsoft.com/office/drawing/2014/main" id="{088C4A91-2BEE-8D96-6F6B-B6E07744DAC7}"/>
-              </a:ext>
-            </a:extLst>
-          </p:cNvPr>
-          <p:cNvSpPr txBox="1"/>
-          <p:nvPr/>
-        </p:nvSpPr>
-        <p:spPr>
-          <a:xfrm>
-            <a:off x="1167116" y="6022175"/>
-            <a:ext cx="10280378" cy="461665"/>
-          </a:xfrm>
-          <a:prstGeom prst="rect">
-            <a:avLst/>
-          </a:prstGeom>
-          <a:noFill/>
-        </p:spPr>
-        <p:txBody>
-          <a:bodyPr wrap="none" rtlCol="0">
-            <a:spAutoFit/>
-          </a:bodyPr>
-          <a:lstStyle/>
-          <a:p>
-            <a:r>
-              <a:rPr kumimoji="1" lang="ja-JP" altLang="en-US" sz="2400" dirty="0">
-                <a:solidFill>
-                  <a:srgbClr val="0070C0"/>
-                </a:solidFill>
-              </a:rPr>
-              <a:t>データが横一線に並んでいると途中途中でデータを挿入する手間が必要・・・</a:t>
-            </a:r>
-          </a:p>
-        </p:txBody>
-      </p:sp>
-      <p:sp>
-        <p:nvSpPr>
-          <p:cNvPr id="10" name="テキスト ボックス 9">
-            <a:extLst>
-              <a:ext uri="{FF2B5EF4-FFF2-40B4-BE49-F238E27FC236}">
-                <a16:creationId xmlns:a16="http://schemas.microsoft.com/office/drawing/2014/main" id="{F3B666AE-E393-8353-B904-F94DF16717C1}"/>
-              </a:ext>
-            </a:extLst>
-          </p:cNvPr>
-          <p:cNvSpPr txBox="1"/>
-          <p:nvPr/>
-        </p:nvSpPr>
-        <p:spPr>
-          <a:xfrm>
-            <a:off x="6153858" y="3344163"/>
-            <a:ext cx="5293437" cy="830997"/>
-          </a:xfrm>
-          <a:prstGeom prst="rect">
-            <a:avLst/>
-          </a:prstGeom>
-          <a:noFill/>
-        </p:spPr>
-        <p:txBody>
-          <a:bodyPr wrap="none" rtlCol="0">
-            <a:spAutoFit/>
-          </a:bodyPr>
-          <a:lstStyle/>
-          <a:p>
-            <a:r>
-              <a:rPr kumimoji="1" lang="ja-JP" altLang="en-US" sz="2400" dirty="0">
-                <a:solidFill>
-                  <a:srgbClr val="00B0F0"/>
-                </a:solidFill>
-              </a:rPr>
-              <a:t>データが各行にわかれていると</a:t>
-            </a:r>
-            <a:endParaRPr kumimoji="1" lang="en-US" altLang="ja-JP" sz="2400" dirty="0">
-              <a:solidFill>
-                <a:srgbClr val="00B0F0"/>
-              </a:solidFill>
-            </a:endParaRPr>
-          </a:p>
-          <a:p>
-            <a:r>
-              <a:rPr kumimoji="1" lang="ja-JP" altLang="en-US" sz="2400" dirty="0">
-                <a:solidFill>
-                  <a:srgbClr val="00B0F0"/>
-                </a:solidFill>
-              </a:rPr>
-              <a:t>データの末尾に追加するだけでよい！</a:t>
-            </a:r>
-          </a:p>
-        </p:txBody>
-      </p:sp>
-    </p:spTree>
-    <p:extLst>
-      <p:ext uri="{BB962C8B-B14F-4D97-AF65-F5344CB8AC3E}">
-        <p14:creationId xmlns:p14="http://schemas.microsoft.com/office/powerpoint/2010/main" val="1408439761"/>
       </p:ext>
     </p:extLst>
   </p:cSld>
@@ -9054,6 +8784,422 @@
         <p:cNvPr id="1" name="">
           <a:extLst>
             <a:ext uri="{FF2B5EF4-FFF2-40B4-BE49-F238E27FC236}">
+              <a16:creationId xmlns:a16="http://schemas.microsoft.com/office/drawing/2014/main" id="{359AC1EE-88DB-C9B6-B7C9-B15256827994}"/>
+            </a:ext>
+          </a:extLst>
+        </p:cNvPr>
+        <p:cNvGrpSpPr/>
+        <p:nvPr/>
+      </p:nvGrpSpPr>
+      <p:grpSpPr>
+        <a:xfrm>
+          <a:off x="0" y="0"/>
+          <a:ext cx="0" cy="0"/>
+          <a:chOff x="0" y="0"/>
+          <a:chExt cx="0" cy="0"/>
+        </a:xfrm>
+      </p:grpSpPr>
+      <p:sp>
+        <p:nvSpPr>
+          <p:cNvPr id="2" name="タイトル 1">
+            <a:extLst>
+              <a:ext uri="{FF2B5EF4-FFF2-40B4-BE49-F238E27FC236}">
+                <a16:creationId xmlns:a16="http://schemas.microsoft.com/office/drawing/2014/main" id="{6629FD80-0DD6-F9BA-67C0-5659D03BC266}"/>
+              </a:ext>
+            </a:extLst>
+          </p:cNvPr>
+          <p:cNvSpPr>
+            <a:spLocks noGrp="1"/>
+          </p:cNvSpPr>
+          <p:nvPr>
+            <p:ph type="title"/>
+          </p:nvPr>
+        </p:nvSpPr>
+        <p:spPr/>
+        <p:txBody>
+          <a:bodyPr/>
+          <a:lstStyle/>
+          <a:p>
+            <a:r>
+              <a:rPr lang="en-US" altLang="ja-JP" dirty="0"/>
+              <a:t>CSV</a:t>
+            </a:r>
+            <a:r>
+              <a:rPr lang="ja-JP" altLang="en-US" dirty="0"/>
+              <a:t>ファイル</a:t>
+            </a:r>
+            <a:endParaRPr kumimoji="1" lang="ja-JP" altLang="en-US" dirty="0"/>
+          </a:p>
+        </p:txBody>
+      </p:sp>
+      <p:sp>
+        <p:nvSpPr>
+          <p:cNvPr id="3" name="コンテンツ プレースホルダー 2">
+            <a:extLst>
+              <a:ext uri="{FF2B5EF4-FFF2-40B4-BE49-F238E27FC236}">
+                <a16:creationId xmlns:a16="http://schemas.microsoft.com/office/drawing/2014/main" id="{A3BDB732-F7A9-AA49-501A-9745A90B1743}"/>
+              </a:ext>
+            </a:extLst>
+          </p:cNvPr>
+          <p:cNvSpPr>
+            <a:spLocks noGrp="1"/>
+          </p:cNvSpPr>
+          <p:nvPr>
+            <p:ph idx="1"/>
+          </p:nvPr>
+        </p:nvSpPr>
+        <p:spPr>
+          <a:xfrm>
+            <a:off x="838200" y="1162976"/>
+            <a:ext cx="10515600" cy="5193373"/>
+          </a:xfrm>
+        </p:spPr>
+        <p:txBody>
+          <a:bodyPr>
+            <a:normAutofit/>
+          </a:bodyPr>
+          <a:lstStyle/>
+          <a:p>
+            <a:r>
+              <a:rPr lang="en-US" altLang="ja-JP" dirty="0"/>
+              <a:t>CSV</a:t>
+            </a:r>
+            <a:r>
+              <a:rPr lang="ja-JP" altLang="en-US" dirty="0"/>
+              <a:t>ファイルに項目を追加する際は、各</a:t>
+            </a:r>
+            <a:r>
+              <a:rPr lang="en-US" altLang="ja-JP" dirty="0"/>
+              <a:t>Enemy</a:t>
+            </a:r>
+            <a:r>
+              <a:rPr lang="ja-JP" altLang="en-US" dirty="0"/>
+              <a:t>が</a:t>
+            </a:r>
+            <a:br>
+              <a:rPr lang="en-US" altLang="ja-JP" dirty="0"/>
+            </a:br>
+            <a:r>
+              <a:rPr lang="ja-JP" altLang="en-US" dirty="0"/>
+              <a:t>一行ずつわかれていたほうが見やすくて、</a:t>
+            </a:r>
+            <a:br>
+              <a:rPr lang="en-US" altLang="ja-JP" dirty="0"/>
+            </a:br>
+            <a:r>
+              <a:rPr lang="ja-JP" altLang="en-US" dirty="0"/>
+              <a:t>管理もしやすい</a:t>
+            </a:r>
+            <a:br>
+              <a:rPr lang="en-US" altLang="ja-JP" dirty="0"/>
+            </a:br>
+            <a:endParaRPr lang="en-US" altLang="ja-JP" dirty="0"/>
+          </a:p>
+        </p:txBody>
+      </p:sp>
+      <p:sp>
+        <p:nvSpPr>
+          <p:cNvPr id="4" name="テキスト ボックス 3">
+            <a:extLst>
+              <a:ext uri="{FF2B5EF4-FFF2-40B4-BE49-F238E27FC236}">
+                <a16:creationId xmlns:a16="http://schemas.microsoft.com/office/drawing/2014/main" id="{98B148D0-6F27-29EC-EA07-5AFDB11479EA}"/>
+              </a:ext>
+            </a:extLst>
+          </p:cNvPr>
+          <p:cNvSpPr txBox="1"/>
+          <p:nvPr/>
+        </p:nvSpPr>
+        <p:spPr>
+          <a:xfrm>
+            <a:off x="1167116" y="2974832"/>
+            <a:ext cx="4772460" cy="1569660"/>
+          </a:xfrm>
+          <a:prstGeom prst="rect">
+            <a:avLst/>
+          </a:prstGeom>
+          <a:noFill/>
+          <a:ln>
+            <a:solidFill>
+              <a:schemeClr val="tx1"/>
+            </a:solidFill>
+          </a:ln>
+        </p:spPr>
+        <p:txBody>
+          <a:bodyPr wrap="none" rtlCol="0">
+            <a:spAutoFit/>
+          </a:bodyPr>
+          <a:lstStyle/>
+          <a:p>
+            <a:r>
+              <a:rPr kumimoji="1" lang="en-US" altLang="ja-JP" sz="3200" dirty="0"/>
+              <a:t>Slime,10,5,8</a:t>
+            </a:r>
+            <a:r>
+              <a:rPr kumimoji="1" lang="en-US" altLang="ja-JP" sz="3200" dirty="0">
+                <a:solidFill>
+                  <a:srgbClr val="FF0000"/>
+                </a:solidFill>
+              </a:rPr>
+              <a:t>,5,5</a:t>
+            </a:r>
+          </a:p>
+          <a:p>
+            <a:r>
+              <a:rPr kumimoji="1" lang="en-US" altLang="ja-JP" sz="3200" dirty="0"/>
+              <a:t>Wolf,20,30,1</a:t>
+            </a:r>
+            <a:r>
+              <a:rPr kumimoji="1" lang="en-US" altLang="ja-JP" sz="3200" dirty="0">
+                <a:solidFill>
+                  <a:srgbClr val="FF0000"/>
+                </a:solidFill>
+              </a:rPr>
+              <a:t>,5,2</a:t>
+            </a:r>
+          </a:p>
+          <a:p>
+            <a:r>
+              <a:rPr kumimoji="1" lang="en-US" altLang="ja-JP" sz="3200" dirty="0"/>
+              <a:t>Spider,30,15,5</a:t>
+            </a:r>
+            <a:r>
+              <a:rPr kumimoji="1" lang="en-US" altLang="ja-JP" sz="3200" dirty="0">
+                <a:solidFill>
+                  <a:srgbClr val="FF0000"/>
+                </a:solidFill>
+              </a:rPr>
+              <a:t>,2,3</a:t>
+            </a:r>
+            <a:endParaRPr kumimoji="1" lang="ja-JP" altLang="en-US" sz="3200" dirty="0">
+              <a:solidFill>
+                <a:srgbClr val="FF0000"/>
+              </a:solidFill>
+            </a:endParaRPr>
+          </a:p>
+        </p:txBody>
+      </p:sp>
+      <p:sp>
+        <p:nvSpPr>
+          <p:cNvPr id="6" name="テキスト ボックス 5">
+            <a:extLst>
+              <a:ext uri="{FF2B5EF4-FFF2-40B4-BE49-F238E27FC236}">
+                <a16:creationId xmlns:a16="http://schemas.microsoft.com/office/drawing/2014/main" id="{DA5859C2-95DF-C203-0418-4443219E47D5}"/>
+              </a:ext>
+            </a:extLst>
+          </p:cNvPr>
+          <p:cNvSpPr txBox="1"/>
+          <p:nvPr/>
+        </p:nvSpPr>
+        <p:spPr>
+          <a:xfrm>
+            <a:off x="686927" y="5332977"/>
+            <a:ext cx="11505073" cy="584775"/>
+          </a:xfrm>
+          <a:prstGeom prst="rect">
+            <a:avLst/>
+          </a:prstGeom>
+          <a:noFill/>
+          <a:ln>
+            <a:solidFill>
+              <a:schemeClr val="tx1"/>
+            </a:solidFill>
+          </a:ln>
+        </p:spPr>
+        <p:txBody>
+          <a:bodyPr wrap="none" rtlCol="0">
+            <a:spAutoFit/>
+          </a:bodyPr>
+          <a:lstStyle/>
+          <a:p>
+            <a:r>
+              <a:rPr kumimoji="1" lang="en-US" altLang="ja-JP" sz="3200" dirty="0"/>
+              <a:t>Slime,10,5,8</a:t>
+            </a:r>
+            <a:r>
+              <a:rPr kumimoji="1" lang="en-US" altLang="ja-JP" sz="3200" dirty="0">
+                <a:solidFill>
+                  <a:srgbClr val="FF0000"/>
+                </a:solidFill>
+              </a:rPr>
+              <a:t>,5,5,</a:t>
+            </a:r>
+            <a:r>
+              <a:rPr kumimoji="1" lang="en-US" altLang="ja-JP" sz="3200" dirty="0"/>
+              <a:t>Wolf,20,30,1</a:t>
+            </a:r>
+            <a:r>
+              <a:rPr kumimoji="1" lang="en-US" altLang="ja-JP" sz="3200" dirty="0">
+                <a:solidFill>
+                  <a:srgbClr val="FF0000"/>
+                </a:solidFill>
+              </a:rPr>
+              <a:t>,5,2,</a:t>
+            </a:r>
+            <a:r>
+              <a:rPr kumimoji="1" lang="en-US" altLang="ja-JP" sz="3200" dirty="0"/>
+              <a:t>Spider,3…</a:t>
+            </a:r>
+            <a:endParaRPr kumimoji="1" lang="ja-JP" altLang="en-US" sz="3200" dirty="0"/>
+          </a:p>
+        </p:txBody>
+      </p:sp>
+      <p:sp>
+        <p:nvSpPr>
+          <p:cNvPr id="8" name="テキスト ボックス 7">
+            <a:extLst>
+              <a:ext uri="{FF2B5EF4-FFF2-40B4-BE49-F238E27FC236}">
+                <a16:creationId xmlns:a16="http://schemas.microsoft.com/office/drawing/2014/main" id="{FD86365F-EC68-EF29-B8A8-5094B40FA99D}"/>
+              </a:ext>
+            </a:extLst>
+          </p:cNvPr>
+          <p:cNvSpPr txBox="1"/>
+          <p:nvPr/>
+        </p:nvSpPr>
+        <p:spPr>
+          <a:xfrm>
+            <a:off x="6153858" y="2793464"/>
+            <a:ext cx="3780202" cy="461665"/>
+          </a:xfrm>
+          <a:prstGeom prst="rect">
+            <a:avLst/>
+          </a:prstGeom>
+          <a:noFill/>
+        </p:spPr>
+        <p:txBody>
+          <a:bodyPr wrap="none" rtlCol="0">
+            <a:spAutoFit/>
+          </a:bodyPr>
+          <a:lstStyle/>
+          <a:p>
+            <a:r>
+              <a:rPr kumimoji="1" lang="ja-JP" altLang="en-US" sz="2400" dirty="0">
+                <a:solidFill>
+                  <a:srgbClr val="FF0000"/>
+                </a:solidFill>
+              </a:rPr>
+              <a:t>赤字</a:t>
+            </a:r>
+            <a:r>
+              <a:rPr kumimoji="1" lang="ja-JP" altLang="en-US" sz="2400" dirty="0"/>
+              <a:t>が新規追加パラメータ</a:t>
+            </a:r>
+          </a:p>
+        </p:txBody>
+      </p:sp>
+      <p:sp>
+        <p:nvSpPr>
+          <p:cNvPr id="9" name="テキスト ボックス 8">
+            <a:extLst>
+              <a:ext uri="{FF2B5EF4-FFF2-40B4-BE49-F238E27FC236}">
+                <a16:creationId xmlns:a16="http://schemas.microsoft.com/office/drawing/2014/main" id="{088C4A91-2BEE-8D96-6F6B-B6E07744DAC7}"/>
+              </a:ext>
+            </a:extLst>
+          </p:cNvPr>
+          <p:cNvSpPr txBox="1"/>
+          <p:nvPr/>
+        </p:nvSpPr>
+        <p:spPr>
+          <a:xfrm>
+            <a:off x="1167116" y="6022175"/>
+            <a:ext cx="10280378" cy="461665"/>
+          </a:xfrm>
+          <a:prstGeom prst="rect">
+            <a:avLst/>
+          </a:prstGeom>
+          <a:noFill/>
+        </p:spPr>
+        <p:txBody>
+          <a:bodyPr wrap="none" rtlCol="0">
+            <a:spAutoFit/>
+          </a:bodyPr>
+          <a:lstStyle/>
+          <a:p>
+            <a:r>
+              <a:rPr kumimoji="1" lang="ja-JP" altLang="en-US" sz="2400" dirty="0">
+                <a:solidFill>
+                  <a:srgbClr val="0070C0"/>
+                </a:solidFill>
+              </a:rPr>
+              <a:t>データが横一線に並んでいると途中途中でデータを挿入する手間が必要・・・</a:t>
+            </a:r>
+          </a:p>
+        </p:txBody>
+      </p:sp>
+      <p:sp>
+        <p:nvSpPr>
+          <p:cNvPr id="10" name="テキスト ボックス 9">
+            <a:extLst>
+              <a:ext uri="{FF2B5EF4-FFF2-40B4-BE49-F238E27FC236}">
+                <a16:creationId xmlns:a16="http://schemas.microsoft.com/office/drawing/2014/main" id="{F3B666AE-E393-8353-B904-F94DF16717C1}"/>
+              </a:ext>
+            </a:extLst>
+          </p:cNvPr>
+          <p:cNvSpPr txBox="1"/>
+          <p:nvPr/>
+        </p:nvSpPr>
+        <p:spPr>
+          <a:xfrm>
+            <a:off x="6153858" y="3344163"/>
+            <a:ext cx="5293437" cy="830997"/>
+          </a:xfrm>
+          <a:prstGeom prst="rect">
+            <a:avLst/>
+          </a:prstGeom>
+          <a:noFill/>
+        </p:spPr>
+        <p:txBody>
+          <a:bodyPr wrap="none" rtlCol="0">
+            <a:spAutoFit/>
+          </a:bodyPr>
+          <a:lstStyle/>
+          <a:p>
+            <a:r>
+              <a:rPr kumimoji="1" lang="ja-JP" altLang="en-US" sz="2400" dirty="0">
+                <a:solidFill>
+                  <a:srgbClr val="00B0F0"/>
+                </a:solidFill>
+              </a:rPr>
+              <a:t>データが各行にわかれていると</a:t>
+            </a:r>
+            <a:endParaRPr kumimoji="1" lang="en-US" altLang="ja-JP" sz="2400" dirty="0">
+              <a:solidFill>
+                <a:srgbClr val="00B0F0"/>
+              </a:solidFill>
+            </a:endParaRPr>
+          </a:p>
+          <a:p>
+            <a:r>
+              <a:rPr kumimoji="1" lang="ja-JP" altLang="en-US" sz="2400" dirty="0">
+                <a:solidFill>
+                  <a:srgbClr val="00B0F0"/>
+                </a:solidFill>
+              </a:rPr>
+              <a:t>データの末尾に追加するだけでよい！</a:t>
+            </a:r>
+          </a:p>
+        </p:txBody>
+      </p:sp>
+    </p:spTree>
+    <p:extLst>
+      <p:ext uri="{BB962C8B-B14F-4D97-AF65-F5344CB8AC3E}">
+        <p14:creationId xmlns:p14="http://schemas.microsoft.com/office/powerpoint/2010/main" val="1408439761"/>
+      </p:ext>
+    </p:extLst>
+  </p:cSld>
+  <p:clrMapOvr>
+    <a:masterClrMapping/>
+  </p:clrMapOvr>
+</p:sld>
+</file>
+
+<file path=ppt/slides/slide21.xml><?xml version="1.0" encoding="utf-8"?>
+<p:sld xmlns:a="http://schemas.openxmlformats.org/drawingml/2006/main" xmlns:r="http://schemas.openxmlformats.org/officeDocument/2006/relationships" xmlns:p="http://schemas.openxmlformats.org/presentationml/2006/main">
+  <p:cSld>
+    <p:spTree>
+      <p:nvGrpSpPr>
+        <p:cNvPr id="1" name="">
+          <a:extLst>
+            <a:ext uri="{FF2B5EF4-FFF2-40B4-BE49-F238E27FC236}">
               <a16:creationId xmlns:a16="http://schemas.microsoft.com/office/drawing/2014/main" id="{DC2BBD5A-8C7E-29C7-5311-4F04E09A5335}"/>
             </a:ext>
           </a:extLst>
@@ -9303,7 +9449,7 @@
 </p:sld>
 </file>
 
-<file path=ppt/slides/slide21.xml><?xml version="1.0" encoding="utf-8"?>
+<file path=ppt/slides/slide22.xml><?xml version="1.0" encoding="utf-8"?>
 <p:sld xmlns:a="http://schemas.openxmlformats.org/drawingml/2006/main" xmlns:r="http://schemas.openxmlformats.org/officeDocument/2006/relationships" xmlns:p="http://schemas.openxmlformats.org/presentationml/2006/main">
   <p:cSld>
     <p:spTree>
@@ -9680,7 +9826,7 @@
 </p:sld>
 </file>
 
-<file path=ppt/slides/slide22.xml><?xml version="1.0" encoding="utf-8"?>
+<file path=ppt/slides/slide23.xml><?xml version="1.0" encoding="utf-8"?>
 <p:sld xmlns:a="http://schemas.openxmlformats.org/drawingml/2006/main" xmlns:r="http://schemas.openxmlformats.org/officeDocument/2006/relationships" xmlns:p="http://schemas.openxmlformats.org/presentationml/2006/main">
   <p:cSld>
     <p:spTree>
@@ -10182,7 +10328,7 @@
 </p:sld>
 </file>
 
-<file path=ppt/slides/slide23.xml><?xml version="1.0" encoding="utf-8"?>
+<file path=ppt/slides/slide24.xml><?xml version="1.0" encoding="utf-8"?>
 <p:sld xmlns:a="http://schemas.openxmlformats.org/drawingml/2006/main" xmlns:r="http://schemas.openxmlformats.org/officeDocument/2006/relationships" xmlns:p="http://schemas.openxmlformats.org/presentationml/2006/main">
   <p:cSld>
     <p:spTree>
@@ -11115,7 +11261,7 @@
 </p:sld>
 </file>
 
-<file path=ppt/slides/slide24.xml><?xml version="1.0" encoding="utf-8"?>
+<file path=ppt/slides/slide25.xml><?xml version="1.0" encoding="utf-8"?>
 <p:sld xmlns:a="http://schemas.openxmlformats.org/drawingml/2006/main" xmlns:r="http://schemas.openxmlformats.org/officeDocument/2006/relationships" xmlns:p="http://schemas.openxmlformats.org/presentationml/2006/main">
   <p:cSld>
     <p:spTree>
@@ -12054,7 +12200,7 @@
 </p:sld>
 </file>
 
-<file path=ppt/slides/slide25.xml><?xml version="1.0" encoding="utf-8"?>
+<file path=ppt/slides/slide26.xml><?xml version="1.0" encoding="utf-8"?>
 <p:sld xmlns:a="http://schemas.openxmlformats.org/drawingml/2006/main" xmlns:r="http://schemas.openxmlformats.org/officeDocument/2006/relationships" xmlns:p="http://schemas.openxmlformats.org/presentationml/2006/main">
   <p:cSld>
     <p:spTree>
@@ -13029,7 +13175,7 @@
 </p:sld>
 </file>
 
-<file path=ppt/slides/slide26.xml><?xml version="1.0" encoding="utf-8"?>
+<file path=ppt/slides/slide27.xml><?xml version="1.0" encoding="utf-8"?>
 <p:sld xmlns:a="http://schemas.openxmlformats.org/drawingml/2006/main" xmlns:r="http://schemas.openxmlformats.org/officeDocument/2006/relationships" xmlns:p="http://schemas.openxmlformats.org/presentationml/2006/main">
   <p:cSld>
     <p:spTree>
@@ -14053,7 +14199,7 @@
 </p:sld>
 </file>
 
-<file path=ppt/slides/slide27.xml><?xml version="1.0" encoding="utf-8"?>
+<file path=ppt/slides/slide28.xml><?xml version="1.0" encoding="utf-8"?>
 <p:sld xmlns:a="http://schemas.openxmlformats.org/drawingml/2006/main" xmlns:r="http://schemas.openxmlformats.org/officeDocument/2006/relationships" xmlns:p="http://schemas.openxmlformats.org/presentationml/2006/main">
   <p:cSld>
     <p:spTree>
@@ -15118,7 +15264,7 @@
 </p:sld>
 </file>
 
-<file path=ppt/slides/slide28.xml><?xml version="1.0" encoding="utf-8"?>
+<file path=ppt/slides/slide29.xml><?xml version="1.0" encoding="utf-8"?>
 <p:sld xmlns:a="http://schemas.openxmlformats.org/drawingml/2006/main" xmlns:r="http://schemas.openxmlformats.org/officeDocument/2006/relationships" xmlns:p="http://schemas.openxmlformats.org/presentationml/2006/main">
   <p:cSld>
     <p:spTree>
@@ -15311,7 +15457,202 @@
 </p:sld>
 </file>
 
-<file path=ppt/slides/slide29.xml><?xml version="1.0" encoding="utf-8"?>
+<file path=ppt/slides/slide3.xml><?xml version="1.0" encoding="utf-8"?>
+<p:sld xmlns:a="http://schemas.openxmlformats.org/drawingml/2006/main" xmlns:r="http://schemas.openxmlformats.org/officeDocument/2006/relationships" xmlns:p="http://schemas.openxmlformats.org/presentationml/2006/main">
+  <p:cSld>
+    <p:spTree>
+      <p:nvGrpSpPr>
+        <p:cNvPr id="1" name="">
+          <a:extLst>
+            <a:ext uri="{FF2B5EF4-FFF2-40B4-BE49-F238E27FC236}">
+              <a16:creationId xmlns:a16="http://schemas.microsoft.com/office/drawing/2014/main" id="{47AB5559-B4BB-BA56-0D14-3A37FA86588E}"/>
+            </a:ext>
+          </a:extLst>
+        </p:cNvPr>
+        <p:cNvGrpSpPr/>
+        <p:nvPr/>
+      </p:nvGrpSpPr>
+      <p:grpSpPr>
+        <a:xfrm>
+          <a:off x="0" y="0"/>
+          <a:ext cx="0" cy="0"/>
+          <a:chOff x="0" y="0"/>
+          <a:chExt cx="0" cy="0"/>
+        </a:xfrm>
+      </p:grpSpPr>
+      <p:sp>
+        <p:nvSpPr>
+          <p:cNvPr id="2" name="タイトル 1">
+            <a:extLst>
+              <a:ext uri="{FF2B5EF4-FFF2-40B4-BE49-F238E27FC236}">
+                <a16:creationId xmlns:a16="http://schemas.microsoft.com/office/drawing/2014/main" id="{573F0C2F-560B-2BA8-5DEB-031146397398}"/>
+              </a:ext>
+            </a:extLst>
+          </p:cNvPr>
+          <p:cNvSpPr>
+            <a:spLocks noGrp="1"/>
+          </p:cNvSpPr>
+          <p:nvPr>
+            <p:ph type="title"/>
+          </p:nvPr>
+        </p:nvSpPr>
+        <p:spPr/>
+        <p:txBody>
+          <a:bodyPr/>
+          <a:lstStyle/>
+          <a:p>
+            <a:r>
+              <a:rPr kumimoji="1" lang="en-US" altLang="ja-JP" dirty="0"/>
+              <a:t>CSV</a:t>
+            </a:r>
+            <a:r>
+              <a:rPr kumimoji="1" lang="ja-JP" altLang="en-US" dirty="0"/>
+              <a:t>ファイル</a:t>
+            </a:r>
+          </a:p>
+        </p:txBody>
+      </p:sp>
+      <p:sp>
+        <p:nvSpPr>
+          <p:cNvPr id="3" name="コンテンツ プレースホルダー 2">
+            <a:extLst>
+              <a:ext uri="{FF2B5EF4-FFF2-40B4-BE49-F238E27FC236}">
+                <a16:creationId xmlns:a16="http://schemas.microsoft.com/office/drawing/2014/main" id="{1509AF97-F77C-4B8F-B1F0-C6881FA7DCEE}"/>
+              </a:ext>
+            </a:extLst>
+          </p:cNvPr>
+          <p:cNvSpPr>
+            <a:spLocks noGrp="1"/>
+          </p:cNvSpPr>
+          <p:nvPr>
+            <p:ph idx="1"/>
+          </p:nvPr>
+        </p:nvSpPr>
+        <p:spPr/>
+        <p:txBody>
+          <a:bodyPr>
+            <a:normAutofit/>
+          </a:bodyPr>
+          <a:lstStyle/>
+          <a:p>
+            <a:r>
+              <a:rPr lang="en-US" altLang="ja-JP" dirty="0"/>
+              <a:t>C++</a:t>
+            </a:r>
+            <a:r>
+              <a:rPr lang="ja-JP" altLang="en-US" dirty="0"/>
+              <a:t>作業フォルダ内に</a:t>
+            </a:r>
+            <a:r>
+              <a:rPr lang="en-US" altLang="ja-JP" b="1" dirty="0"/>
+              <a:t>CSV</a:t>
+            </a:r>
+            <a:r>
+              <a:rPr lang="ja-JP" altLang="en-US" dirty="0"/>
+              <a:t>フォルダを作成</a:t>
+            </a:r>
+            <a:br>
+              <a:rPr lang="en-US" altLang="ja-JP" dirty="0"/>
+            </a:br>
+            <a:r>
+              <a:rPr lang="en-US" altLang="ja-JP" dirty="0" err="1">
+                <a:solidFill>
+                  <a:srgbClr val="00B0F0"/>
+                </a:solidFill>
+              </a:rPr>
+              <a:t>mkdir</a:t>
+            </a:r>
+            <a:r>
+              <a:rPr lang="en-US" altLang="ja-JP" dirty="0">
+                <a:solidFill>
+                  <a:srgbClr val="00B0F0"/>
+                </a:solidFill>
+              </a:rPr>
+              <a:t> CSV</a:t>
+            </a:r>
+            <a:br>
+              <a:rPr lang="en-US" altLang="ja-JP" dirty="0"/>
+            </a:br>
+            <a:r>
+              <a:rPr lang="en-US" altLang="ja-JP" dirty="0">
+                <a:solidFill>
+                  <a:srgbClr val="00B0F0"/>
+                </a:solidFill>
+              </a:rPr>
+              <a:t>cd CSV</a:t>
+            </a:r>
+            <a:br>
+              <a:rPr lang="en-US" altLang="ja-JP" dirty="0"/>
+            </a:br>
+            <a:endParaRPr lang="en-US" altLang="ja-JP" dirty="0"/>
+          </a:p>
+          <a:p>
+            <a:r>
+              <a:rPr lang="en-US" altLang="ja-JP" dirty="0"/>
+              <a:t>main.cpp</a:t>
+            </a:r>
+            <a:r>
+              <a:rPr lang="ja-JP" altLang="en-US" dirty="0"/>
+              <a:t>を作成する</a:t>
+            </a:r>
+            <a:br>
+              <a:rPr lang="en-US" altLang="ja-JP" dirty="0"/>
+            </a:br>
+            <a:r>
+              <a:rPr lang="en-US" altLang="ja-JP" dirty="0">
+                <a:solidFill>
+                  <a:srgbClr val="00B0F0"/>
+                </a:solidFill>
+              </a:rPr>
+              <a:t>copy </a:t>
+            </a:r>
+            <a:r>
+              <a:rPr lang="en-US" altLang="ja-JP" dirty="0" err="1">
+                <a:solidFill>
+                  <a:srgbClr val="00B0F0"/>
+                </a:solidFill>
+              </a:rPr>
+              <a:t>nul</a:t>
+            </a:r>
+            <a:r>
+              <a:rPr lang="en-US" altLang="ja-JP" dirty="0">
+                <a:solidFill>
+                  <a:srgbClr val="00B0F0"/>
+                </a:solidFill>
+              </a:rPr>
+              <a:t> main.cpp</a:t>
+            </a:r>
+          </a:p>
+          <a:p>
+            <a:endParaRPr lang="en-US" altLang="ja-JP" dirty="0">
+              <a:solidFill>
+                <a:srgbClr val="00B0F0"/>
+              </a:solidFill>
+            </a:endParaRPr>
+          </a:p>
+          <a:p>
+            <a:endParaRPr lang="en-US" altLang="ja-JP" dirty="0">
+              <a:solidFill>
+                <a:srgbClr val="00B0F0"/>
+              </a:solidFill>
+            </a:endParaRPr>
+          </a:p>
+        </p:txBody>
+      </p:sp>
+    </p:spTree>
+    <p:extLst>
+      <p:ext uri="{BB962C8B-B14F-4D97-AF65-F5344CB8AC3E}">
+        <p14:creationId xmlns:p14="http://schemas.microsoft.com/office/powerpoint/2010/main" val="398620996"/>
+      </p:ext>
+    </p:extLst>
+  </p:cSld>
+  <p:clrMapOvr>
+    <a:masterClrMapping/>
+  </p:clrMapOvr>
+</p:sld>
+</file>
+
+<file path=ppt/slides/slide30.xml><?xml version="1.0" encoding="utf-8"?>
 <p:sld xmlns:a="http://schemas.openxmlformats.org/drawingml/2006/main" xmlns:r="http://schemas.openxmlformats.org/officeDocument/2006/relationships" xmlns:p="http://schemas.openxmlformats.org/presentationml/2006/main">
   <p:cSld>
     <p:spTree>
@@ -15650,202 +15991,7 @@
 </p:sld>
 </file>
 
-<file path=ppt/slides/slide3.xml><?xml version="1.0" encoding="utf-8"?>
-<p:sld xmlns:a="http://schemas.openxmlformats.org/drawingml/2006/main" xmlns:r="http://schemas.openxmlformats.org/officeDocument/2006/relationships" xmlns:p="http://schemas.openxmlformats.org/presentationml/2006/main">
-  <p:cSld>
-    <p:spTree>
-      <p:nvGrpSpPr>
-        <p:cNvPr id="1" name="">
-          <a:extLst>
-            <a:ext uri="{FF2B5EF4-FFF2-40B4-BE49-F238E27FC236}">
-              <a16:creationId xmlns:a16="http://schemas.microsoft.com/office/drawing/2014/main" id="{47AB5559-B4BB-BA56-0D14-3A37FA86588E}"/>
-            </a:ext>
-          </a:extLst>
-        </p:cNvPr>
-        <p:cNvGrpSpPr/>
-        <p:nvPr/>
-      </p:nvGrpSpPr>
-      <p:grpSpPr>
-        <a:xfrm>
-          <a:off x="0" y="0"/>
-          <a:ext cx="0" cy="0"/>
-          <a:chOff x="0" y="0"/>
-          <a:chExt cx="0" cy="0"/>
-        </a:xfrm>
-      </p:grpSpPr>
-      <p:sp>
-        <p:nvSpPr>
-          <p:cNvPr id="2" name="タイトル 1">
-            <a:extLst>
-              <a:ext uri="{FF2B5EF4-FFF2-40B4-BE49-F238E27FC236}">
-                <a16:creationId xmlns:a16="http://schemas.microsoft.com/office/drawing/2014/main" id="{573F0C2F-560B-2BA8-5DEB-031146397398}"/>
-              </a:ext>
-            </a:extLst>
-          </p:cNvPr>
-          <p:cNvSpPr>
-            <a:spLocks noGrp="1"/>
-          </p:cNvSpPr>
-          <p:nvPr>
-            <p:ph type="title"/>
-          </p:nvPr>
-        </p:nvSpPr>
-        <p:spPr/>
-        <p:txBody>
-          <a:bodyPr/>
-          <a:lstStyle/>
-          <a:p>
-            <a:r>
-              <a:rPr kumimoji="1" lang="en-US" altLang="ja-JP" dirty="0"/>
-              <a:t>CSV</a:t>
-            </a:r>
-            <a:r>
-              <a:rPr kumimoji="1" lang="ja-JP" altLang="en-US" dirty="0"/>
-              <a:t>ファイル</a:t>
-            </a:r>
-          </a:p>
-        </p:txBody>
-      </p:sp>
-      <p:sp>
-        <p:nvSpPr>
-          <p:cNvPr id="3" name="コンテンツ プレースホルダー 2">
-            <a:extLst>
-              <a:ext uri="{FF2B5EF4-FFF2-40B4-BE49-F238E27FC236}">
-                <a16:creationId xmlns:a16="http://schemas.microsoft.com/office/drawing/2014/main" id="{1509AF97-F77C-4B8F-B1F0-C6881FA7DCEE}"/>
-              </a:ext>
-            </a:extLst>
-          </p:cNvPr>
-          <p:cNvSpPr>
-            <a:spLocks noGrp="1"/>
-          </p:cNvSpPr>
-          <p:nvPr>
-            <p:ph idx="1"/>
-          </p:nvPr>
-        </p:nvSpPr>
-        <p:spPr/>
-        <p:txBody>
-          <a:bodyPr>
-            <a:normAutofit/>
-          </a:bodyPr>
-          <a:lstStyle/>
-          <a:p>
-            <a:r>
-              <a:rPr lang="en-US" altLang="ja-JP" dirty="0"/>
-              <a:t>C++</a:t>
-            </a:r>
-            <a:r>
-              <a:rPr lang="ja-JP" altLang="en-US" dirty="0"/>
-              <a:t>作業フォルダ内に</a:t>
-            </a:r>
-            <a:r>
-              <a:rPr lang="en-US" altLang="ja-JP" b="1" dirty="0"/>
-              <a:t>CSV</a:t>
-            </a:r>
-            <a:r>
-              <a:rPr lang="ja-JP" altLang="en-US" dirty="0"/>
-              <a:t>フォルダを作成</a:t>
-            </a:r>
-            <a:br>
-              <a:rPr lang="en-US" altLang="ja-JP" dirty="0"/>
-            </a:br>
-            <a:r>
-              <a:rPr lang="en-US" altLang="ja-JP" dirty="0" err="1">
-                <a:solidFill>
-                  <a:srgbClr val="00B0F0"/>
-                </a:solidFill>
-              </a:rPr>
-              <a:t>mkdir</a:t>
-            </a:r>
-            <a:r>
-              <a:rPr lang="en-US" altLang="ja-JP" dirty="0">
-                <a:solidFill>
-                  <a:srgbClr val="00B0F0"/>
-                </a:solidFill>
-              </a:rPr>
-              <a:t> CSV</a:t>
-            </a:r>
-            <a:br>
-              <a:rPr lang="en-US" altLang="ja-JP" dirty="0"/>
-            </a:br>
-            <a:r>
-              <a:rPr lang="en-US" altLang="ja-JP" dirty="0">
-                <a:solidFill>
-                  <a:srgbClr val="00B0F0"/>
-                </a:solidFill>
-              </a:rPr>
-              <a:t>cd CSV</a:t>
-            </a:r>
-            <a:br>
-              <a:rPr lang="en-US" altLang="ja-JP" dirty="0"/>
-            </a:br>
-            <a:endParaRPr lang="en-US" altLang="ja-JP" dirty="0"/>
-          </a:p>
-          <a:p>
-            <a:r>
-              <a:rPr lang="en-US" altLang="ja-JP" dirty="0"/>
-              <a:t>main.cpp</a:t>
-            </a:r>
-            <a:r>
-              <a:rPr lang="ja-JP" altLang="en-US" dirty="0"/>
-              <a:t>を作成する</a:t>
-            </a:r>
-            <a:br>
-              <a:rPr lang="en-US" altLang="ja-JP" dirty="0"/>
-            </a:br>
-            <a:r>
-              <a:rPr lang="en-US" altLang="ja-JP" dirty="0">
-                <a:solidFill>
-                  <a:srgbClr val="00B0F0"/>
-                </a:solidFill>
-              </a:rPr>
-              <a:t>copy </a:t>
-            </a:r>
-            <a:r>
-              <a:rPr lang="en-US" altLang="ja-JP" dirty="0" err="1">
-                <a:solidFill>
-                  <a:srgbClr val="00B0F0"/>
-                </a:solidFill>
-              </a:rPr>
-              <a:t>nul</a:t>
-            </a:r>
-            <a:r>
-              <a:rPr lang="en-US" altLang="ja-JP" dirty="0">
-                <a:solidFill>
-                  <a:srgbClr val="00B0F0"/>
-                </a:solidFill>
-              </a:rPr>
-              <a:t> main.cpp</a:t>
-            </a:r>
-          </a:p>
-          <a:p>
-            <a:endParaRPr lang="en-US" altLang="ja-JP" dirty="0">
-              <a:solidFill>
-                <a:srgbClr val="00B0F0"/>
-              </a:solidFill>
-            </a:endParaRPr>
-          </a:p>
-          <a:p>
-            <a:endParaRPr lang="en-US" altLang="ja-JP" dirty="0">
-              <a:solidFill>
-                <a:srgbClr val="00B0F0"/>
-              </a:solidFill>
-            </a:endParaRPr>
-          </a:p>
-        </p:txBody>
-      </p:sp>
-    </p:spTree>
-    <p:extLst>
-      <p:ext uri="{BB962C8B-B14F-4D97-AF65-F5344CB8AC3E}">
-        <p14:creationId xmlns:p14="http://schemas.microsoft.com/office/powerpoint/2010/main" val="398620996"/>
-      </p:ext>
-    </p:extLst>
-  </p:cSld>
-  <p:clrMapOvr>
-    <a:masterClrMapping/>
-  </p:clrMapOvr>
-</p:sld>
-</file>
-
-<file path=ppt/slides/slide30.xml><?xml version="1.0" encoding="utf-8"?>
+<file path=ppt/slides/slide31.xml><?xml version="1.0" encoding="utf-8"?>
 <p:sld xmlns:a="http://schemas.openxmlformats.org/drawingml/2006/main" xmlns:r="http://schemas.openxmlformats.org/officeDocument/2006/relationships" xmlns:p="http://schemas.openxmlformats.org/presentationml/2006/main">
   <p:cSld>
     <p:spTree>
@@ -16067,7 +16213,7 @@
 </p:sld>
 </file>
 
-<file path=ppt/slides/slide31.xml><?xml version="1.0" encoding="utf-8"?>
+<file path=ppt/slides/slide32.xml><?xml version="1.0" encoding="utf-8"?>
 <p:sld xmlns:a="http://schemas.openxmlformats.org/drawingml/2006/main" xmlns:r="http://schemas.openxmlformats.org/officeDocument/2006/relationships" xmlns:p="http://schemas.openxmlformats.org/presentationml/2006/main">
   <p:cSld>
     <p:spTree>
@@ -17417,7 +17563,7 @@
 </p:sld>
 </file>
 
-<file path=ppt/slides/slide32.xml><?xml version="1.0" encoding="utf-8"?>
+<file path=ppt/slides/slide33.xml><?xml version="1.0" encoding="utf-8"?>
 <p:sld xmlns:a="http://schemas.openxmlformats.org/drawingml/2006/main" xmlns:r="http://schemas.openxmlformats.org/officeDocument/2006/relationships" xmlns:p="http://schemas.openxmlformats.org/presentationml/2006/main">
   <p:cSld>
     <p:spTree>
@@ -18913,7 +19059,7 @@
 </p:sld>
 </file>
 
-<file path=ppt/slides/slide33.xml><?xml version="1.0" encoding="utf-8"?>
+<file path=ppt/slides/slide34.xml><?xml version="1.0" encoding="utf-8"?>
 <p:sld xmlns:a="http://schemas.openxmlformats.org/drawingml/2006/main" xmlns:r="http://schemas.openxmlformats.org/officeDocument/2006/relationships" xmlns:p="http://schemas.openxmlformats.org/presentationml/2006/main">
   <p:cSld>
     <p:spTree>
@@ -20118,7 +20264,7 @@
 </p:sld>
 </file>
 
-<file path=ppt/slides/slide34.xml><?xml version="1.0" encoding="utf-8"?>
+<file path=ppt/slides/slide35.xml><?xml version="1.0" encoding="utf-8"?>
 <p:sld xmlns:a="http://schemas.openxmlformats.org/drawingml/2006/main" xmlns:r="http://schemas.openxmlformats.org/officeDocument/2006/relationships" xmlns:p="http://schemas.openxmlformats.org/presentationml/2006/main">
   <p:cSld>
     <p:spTree>
@@ -20400,7 +20546,7 @@
 </p:sld>
 </file>
 
-<file path=ppt/slides/slide35.xml><?xml version="1.0" encoding="utf-8"?>
+<file path=ppt/slides/slide36.xml><?xml version="1.0" encoding="utf-8"?>
 <p:sld xmlns:a="http://schemas.openxmlformats.org/drawingml/2006/main" xmlns:r="http://schemas.openxmlformats.org/officeDocument/2006/relationships" xmlns:p="http://schemas.openxmlformats.org/presentationml/2006/main">
   <p:cSld>
     <p:spTree>
@@ -20727,7 +20873,7 @@
 </p:sld>
 </file>
 
-<file path=ppt/slides/slide36.xml><?xml version="1.0" encoding="utf-8"?>
+<file path=ppt/slides/slide37.xml><?xml version="1.0" encoding="utf-8"?>
 <p:sld xmlns:a="http://schemas.openxmlformats.org/drawingml/2006/main" xmlns:r="http://schemas.openxmlformats.org/officeDocument/2006/relationships" xmlns:p="http://schemas.openxmlformats.org/presentationml/2006/main">
   <p:cSld>
     <p:spTree>
@@ -22355,7 +22501,7 @@
 </p:sld>
 </file>
 
-<file path=ppt/slides/slide37.xml><?xml version="1.0" encoding="utf-8"?>
+<file path=ppt/slides/slide38.xml><?xml version="1.0" encoding="utf-8"?>
 <p:sld xmlns:a="http://schemas.openxmlformats.org/drawingml/2006/main" xmlns:r="http://schemas.openxmlformats.org/officeDocument/2006/relationships" xmlns:p="http://schemas.openxmlformats.org/presentationml/2006/main">
   <p:cSld>
     <p:spTree>
@@ -23534,7 +23680,7 @@
 </p:sld>
 </file>
 
-<file path=ppt/slides/slide38.xml><?xml version="1.0" encoding="utf-8"?>
+<file path=ppt/slides/slide39.xml><?xml version="1.0" encoding="utf-8"?>
 <p:sld xmlns:a="http://schemas.openxmlformats.org/drawingml/2006/main" xmlns:r="http://schemas.openxmlformats.org/officeDocument/2006/relationships" xmlns:p="http://schemas.openxmlformats.org/presentationml/2006/main" show="0">
   <p:cSld>
     <p:spTree>
@@ -23804,222 +23950,6 @@
     <p:extLst>
       <p:ext uri="{BB962C8B-B14F-4D97-AF65-F5344CB8AC3E}">
         <p14:creationId xmlns:p14="http://schemas.microsoft.com/office/powerpoint/2010/main" val="2682072622"/>
-      </p:ext>
-    </p:extLst>
-  </p:cSld>
-  <p:clrMapOvr>
-    <a:masterClrMapping/>
-  </p:clrMapOvr>
-</p:sld>
-</file>
-
-<file path=ppt/slides/slide39.xml><?xml version="1.0" encoding="utf-8"?>
-<p:sld xmlns:a="http://schemas.openxmlformats.org/drawingml/2006/main" xmlns:r="http://schemas.openxmlformats.org/officeDocument/2006/relationships" xmlns:p="http://schemas.openxmlformats.org/presentationml/2006/main">
-  <p:cSld>
-    <p:spTree>
-      <p:nvGrpSpPr>
-        <p:cNvPr id="1" name=""/>
-        <p:cNvGrpSpPr/>
-        <p:nvPr/>
-      </p:nvGrpSpPr>
-      <p:grpSpPr>
-        <a:xfrm>
-          <a:off x="0" y="0"/>
-          <a:ext cx="0" cy="0"/>
-          <a:chOff x="0" y="0"/>
-          <a:chExt cx="0" cy="0"/>
-        </a:xfrm>
-      </p:grpSpPr>
-      <p:sp>
-        <p:nvSpPr>
-          <p:cNvPr id="2" name="タイトル 1">
-            <a:extLst>
-              <a:ext uri="{FF2B5EF4-FFF2-40B4-BE49-F238E27FC236}">
-                <a16:creationId xmlns:a16="http://schemas.microsoft.com/office/drawing/2014/main" id="{9F789731-37C4-49DD-AEE8-78E5514E279E}"/>
-              </a:ext>
-            </a:extLst>
-          </p:cNvPr>
-          <p:cNvSpPr>
-            <a:spLocks noGrp="1"/>
-          </p:cNvSpPr>
-          <p:nvPr>
-            <p:ph type="title"/>
-          </p:nvPr>
-        </p:nvSpPr>
-        <p:spPr/>
-        <p:txBody>
-          <a:bodyPr/>
-          <a:lstStyle/>
-          <a:p>
-            <a:r>
-              <a:rPr kumimoji="1" lang="en-US" altLang="ja-JP" dirty="0"/>
-              <a:t>CSV</a:t>
-            </a:r>
-            <a:r>
-              <a:rPr kumimoji="1" lang="ja-JP" altLang="en-US" dirty="0"/>
-              <a:t>ファイル</a:t>
-            </a:r>
-          </a:p>
-        </p:txBody>
-      </p:sp>
-      <p:sp>
-        <p:nvSpPr>
-          <p:cNvPr id="3" name="コンテンツ プレースホルダー 2">
-            <a:extLst>
-              <a:ext uri="{FF2B5EF4-FFF2-40B4-BE49-F238E27FC236}">
-                <a16:creationId xmlns:a16="http://schemas.microsoft.com/office/drawing/2014/main" id="{39562F0E-6033-40BD-BCB8-F015661306FD}"/>
-              </a:ext>
-            </a:extLst>
-          </p:cNvPr>
-          <p:cNvSpPr>
-            <a:spLocks noGrp="1"/>
-          </p:cNvSpPr>
-          <p:nvPr>
-            <p:ph idx="1"/>
-          </p:nvPr>
-        </p:nvSpPr>
-        <p:spPr/>
-        <p:txBody>
-          <a:bodyPr>
-            <a:normAutofit/>
-          </a:bodyPr>
-          <a:lstStyle/>
-          <a:p>
-            <a:r>
-              <a:rPr lang="en-US" altLang="ja-JP" dirty="0"/>
-              <a:t>CSV</a:t>
-            </a:r>
-            <a:r>
-              <a:rPr lang="ja-JP" altLang="en-US" dirty="0"/>
-              <a:t>まとめ</a:t>
-            </a:r>
-            <a:endParaRPr lang="en-US" altLang="ja-JP" dirty="0"/>
-          </a:p>
-          <a:p>
-            <a:pPr lvl="1"/>
-            <a:r>
-              <a:rPr lang="ja-JP" altLang="en-US" dirty="0"/>
-              <a:t>データを簡易的に管理することのできるファイル形式</a:t>
-            </a:r>
-            <a:endParaRPr lang="en-US" altLang="ja-JP" dirty="0"/>
-          </a:p>
-          <a:p>
-            <a:pPr lvl="1"/>
-            <a:r>
-              <a:rPr lang="en-US" altLang="ja-JP" dirty="0"/>
-              <a:t>Excel</a:t>
-            </a:r>
-            <a:r>
-              <a:rPr lang="ja-JP" altLang="en-US" dirty="0"/>
-              <a:t>やメモ帳等を使って簡単に編集可能</a:t>
-            </a:r>
-            <a:endParaRPr lang="en-US" altLang="ja-JP" dirty="0"/>
-          </a:p>
-          <a:p>
-            <a:pPr lvl="1"/>
-            <a:r>
-              <a:rPr lang="ja-JP" altLang="en-US" dirty="0"/>
-              <a:t>一般的に「</a:t>
-            </a:r>
-            <a:r>
-              <a:rPr lang="ja-JP" altLang="en-US" dirty="0">
-                <a:solidFill>
-                  <a:srgbClr val="FF0000"/>
-                </a:solidFill>
-              </a:rPr>
-              <a:t>，（コンマ）</a:t>
-            </a:r>
-            <a:r>
-              <a:rPr lang="ja-JP" altLang="en-US" dirty="0"/>
-              <a:t>」で各項目を区切る</a:t>
-            </a:r>
-            <a:endParaRPr lang="en-US" altLang="ja-JP" dirty="0"/>
-          </a:p>
-          <a:p>
-            <a:pPr lvl="1"/>
-            <a:r>
-              <a:rPr lang="en-US" altLang="ja-JP" dirty="0"/>
-              <a:t>C++</a:t>
-            </a:r>
-            <a:r>
-              <a:rPr lang="ja-JP" altLang="en-US" dirty="0"/>
-              <a:t>では</a:t>
-            </a:r>
-            <a:r>
-              <a:rPr lang="en-US" altLang="ja-JP" dirty="0"/>
-              <a:t>CSV</a:t>
-            </a:r>
-            <a:r>
-              <a:rPr lang="ja-JP" altLang="en-US" dirty="0"/>
-              <a:t>を読み込む関数がないため、自分で処理を実装する必要がある</a:t>
-            </a:r>
-            <a:endParaRPr lang="en-US" altLang="ja-JP" dirty="0"/>
-          </a:p>
-          <a:p>
-            <a:pPr lvl="1"/>
-            <a:r>
-              <a:rPr lang="en-US" altLang="ja-JP" dirty="0"/>
-              <a:t>CSV</a:t>
-            </a:r>
-            <a:r>
-              <a:rPr lang="ja-JP" altLang="en-US" dirty="0"/>
-              <a:t>は文字列として記録されているため、実際に値を利用するためには型変換する必要がある</a:t>
-            </a:r>
-            <a:endParaRPr lang="en-US" altLang="ja-JP" dirty="0"/>
-          </a:p>
-          <a:p>
-            <a:pPr lvl="1"/>
-            <a:r>
-              <a:rPr lang="en-US" altLang="ja-JP" dirty="0"/>
-              <a:t>CSV</a:t>
-            </a:r>
-            <a:r>
-              <a:rPr lang="ja-JP" altLang="en-US" dirty="0"/>
-              <a:t>を出力するのはファイルストリームに対して、</a:t>
-            </a:r>
-            <a:br>
-              <a:rPr lang="en-US" altLang="ja-JP" dirty="0"/>
-            </a:br>
-            <a:r>
-              <a:rPr lang="ja-JP" altLang="en-US" b="1" dirty="0">
-                <a:solidFill>
-                  <a:srgbClr val="00B0F0"/>
-                </a:solidFill>
-              </a:rPr>
-              <a:t>出力したいデータ</a:t>
-            </a:r>
-            <a:r>
-              <a:rPr lang="ja-JP" altLang="en-US" dirty="0"/>
-              <a:t>＋</a:t>
-            </a:r>
-            <a:r>
-              <a:rPr lang="en-US" altLang="ja-JP" dirty="0"/>
-              <a:t>’</a:t>
-            </a:r>
-            <a:r>
-              <a:rPr lang="en-US" altLang="ja-JP" b="1" dirty="0">
-                <a:solidFill>
-                  <a:srgbClr val="FF0000"/>
-                </a:solidFill>
-              </a:rPr>
-              <a:t>,</a:t>
-            </a:r>
-            <a:r>
-              <a:rPr lang="en-US" altLang="ja-JP" dirty="0"/>
-              <a:t>’</a:t>
-            </a:r>
-            <a:r>
-              <a:rPr lang="ja-JP" altLang="en-US" dirty="0"/>
-              <a:t>をつけてあげるだけでよい</a:t>
-            </a:r>
-            <a:endParaRPr lang="en-US" altLang="ja-JP" dirty="0"/>
-          </a:p>
-        </p:txBody>
-      </p:sp>
-    </p:spTree>
-    <p:extLst>
-      <p:ext uri="{BB962C8B-B14F-4D97-AF65-F5344CB8AC3E}">
-        <p14:creationId xmlns:p14="http://schemas.microsoft.com/office/powerpoint/2010/main" val="1786727034"/>
       </p:ext>
     </p:extLst>
   </p:cSld>
@@ -24212,6 +24142,222 @@
     <p:extLst>
       <p:ext uri="{BB962C8B-B14F-4D97-AF65-F5344CB8AC3E}">
         <p14:creationId xmlns:p14="http://schemas.microsoft.com/office/powerpoint/2010/main" val="4082080963"/>
+      </p:ext>
+    </p:extLst>
+  </p:cSld>
+  <p:clrMapOvr>
+    <a:masterClrMapping/>
+  </p:clrMapOvr>
+</p:sld>
+</file>
+
+<file path=ppt/slides/slide40.xml><?xml version="1.0" encoding="utf-8"?>
+<p:sld xmlns:a="http://schemas.openxmlformats.org/drawingml/2006/main" xmlns:r="http://schemas.openxmlformats.org/officeDocument/2006/relationships" xmlns:p="http://schemas.openxmlformats.org/presentationml/2006/main">
+  <p:cSld>
+    <p:spTree>
+      <p:nvGrpSpPr>
+        <p:cNvPr id="1" name=""/>
+        <p:cNvGrpSpPr/>
+        <p:nvPr/>
+      </p:nvGrpSpPr>
+      <p:grpSpPr>
+        <a:xfrm>
+          <a:off x="0" y="0"/>
+          <a:ext cx="0" cy="0"/>
+          <a:chOff x="0" y="0"/>
+          <a:chExt cx="0" cy="0"/>
+        </a:xfrm>
+      </p:grpSpPr>
+      <p:sp>
+        <p:nvSpPr>
+          <p:cNvPr id="2" name="タイトル 1">
+            <a:extLst>
+              <a:ext uri="{FF2B5EF4-FFF2-40B4-BE49-F238E27FC236}">
+                <a16:creationId xmlns:a16="http://schemas.microsoft.com/office/drawing/2014/main" id="{9F789731-37C4-49DD-AEE8-78E5514E279E}"/>
+              </a:ext>
+            </a:extLst>
+          </p:cNvPr>
+          <p:cNvSpPr>
+            <a:spLocks noGrp="1"/>
+          </p:cNvSpPr>
+          <p:nvPr>
+            <p:ph type="title"/>
+          </p:nvPr>
+        </p:nvSpPr>
+        <p:spPr/>
+        <p:txBody>
+          <a:bodyPr/>
+          <a:lstStyle/>
+          <a:p>
+            <a:r>
+              <a:rPr kumimoji="1" lang="en-US" altLang="ja-JP" dirty="0"/>
+              <a:t>CSV</a:t>
+            </a:r>
+            <a:r>
+              <a:rPr kumimoji="1" lang="ja-JP" altLang="en-US" dirty="0"/>
+              <a:t>ファイル</a:t>
+            </a:r>
+          </a:p>
+        </p:txBody>
+      </p:sp>
+      <p:sp>
+        <p:nvSpPr>
+          <p:cNvPr id="3" name="コンテンツ プレースホルダー 2">
+            <a:extLst>
+              <a:ext uri="{FF2B5EF4-FFF2-40B4-BE49-F238E27FC236}">
+                <a16:creationId xmlns:a16="http://schemas.microsoft.com/office/drawing/2014/main" id="{39562F0E-6033-40BD-BCB8-F015661306FD}"/>
+              </a:ext>
+            </a:extLst>
+          </p:cNvPr>
+          <p:cNvSpPr>
+            <a:spLocks noGrp="1"/>
+          </p:cNvSpPr>
+          <p:nvPr>
+            <p:ph idx="1"/>
+          </p:nvPr>
+        </p:nvSpPr>
+        <p:spPr/>
+        <p:txBody>
+          <a:bodyPr>
+            <a:normAutofit/>
+          </a:bodyPr>
+          <a:lstStyle/>
+          <a:p>
+            <a:r>
+              <a:rPr lang="en-US" altLang="ja-JP" dirty="0"/>
+              <a:t>CSV</a:t>
+            </a:r>
+            <a:r>
+              <a:rPr lang="ja-JP" altLang="en-US" dirty="0"/>
+              <a:t>まとめ</a:t>
+            </a:r>
+            <a:endParaRPr lang="en-US" altLang="ja-JP" dirty="0"/>
+          </a:p>
+          <a:p>
+            <a:pPr lvl="1"/>
+            <a:r>
+              <a:rPr lang="ja-JP" altLang="en-US" dirty="0"/>
+              <a:t>データを簡易的に管理することのできるファイル形式</a:t>
+            </a:r>
+            <a:endParaRPr lang="en-US" altLang="ja-JP" dirty="0"/>
+          </a:p>
+          <a:p>
+            <a:pPr lvl="1"/>
+            <a:r>
+              <a:rPr lang="en-US" altLang="ja-JP" dirty="0"/>
+              <a:t>Excel</a:t>
+            </a:r>
+            <a:r>
+              <a:rPr lang="ja-JP" altLang="en-US" dirty="0"/>
+              <a:t>やメモ帳等を使って簡単に編集可能</a:t>
+            </a:r>
+            <a:endParaRPr lang="en-US" altLang="ja-JP" dirty="0"/>
+          </a:p>
+          <a:p>
+            <a:pPr lvl="1"/>
+            <a:r>
+              <a:rPr lang="ja-JP" altLang="en-US" dirty="0"/>
+              <a:t>一般的に「</a:t>
+            </a:r>
+            <a:r>
+              <a:rPr lang="ja-JP" altLang="en-US" dirty="0">
+                <a:solidFill>
+                  <a:srgbClr val="FF0000"/>
+                </a:solidFill>
+              </a:rPr>
+              <a:t>，（コンマ）</a:t>
+            </a:r>
+            <a:r>
+              <a:rPr lang="ja-JP" altLang="en-US" dirty="0"/>
+              <a:t>」で各項目を区切る</a:t>
+            </a:r>
+            <a:endParaRPr lang="en-US" altLang="ja-JP" dirty="0"/>
+          </a:p>
+          <a:p>
+            <a:pPr lvl="1"/>
+            <a:r>
+              <a:rPr lang="en-US" altLang="ja-JP" dirty="0"/>
+              <a:t>C++</a:t>
+            </a:r>
+            <a:r>
+              <a:rPr lang="ja-JP" altLang="en-US" dirty="0"/>
+              <a:t>では</a:t>
+            </a:r>
+            <a:r>
+              <a:rPr lang="en-US" altLang="ja-JP" dirty="0"/>
+              <a:t>CSV</a:t>
+            </a:r>
+            <a:r>
+              <a:rPr lang="ja-JP" altLang="en-US" dirty="0"/>
+              <a:t>を読み込む関数がないため、自分で処理を実装する必要がある</a:t>
+            </a:r>
+            <a:endParaRPr lang="en-US" altLang="ja-JP" dirty="0"/>
+          </a:p>
+          <a:p>
+            <a:pPr lvl="1"/>
+            <a:r>
+              <a:rPr lang="en-US" altLang="ja-JP" dirty="0"/>
+              <a:t>CSV</a:t>
+            </a:r>
+            <a:r>
+              <a:rPr lang="ja-JP" altLang="en-US" dirty="0"/>
+              <a:t>は文字列として記録されているため、実際に値を利用するためには型変換する必要がある</a:t>
+            </a:r>
+            <a:endParaRPr lang="en-US" altLang="ja-JP" dirty="0"/>
+          </a:p>
+          <a:p>
+            <a:pPr lvl="1"/>
+            <a:r>
+              <a:rPr lang="en-US" altLang="ja-JP" dirty="0"/>
+              <a:t>CSV</a:t>
+            </a:r>
+            <a:r>
+              <a:rPr lang="ja-JP" altLang="en-US" dirty="0"/>
+              <a:t>を出力するのはファイルストリームに対して、</a:t>
+            </a:r>
+            <a:br>
+              <a:rPr lang="en-US" altLang="ja-JP" dirty="0"/>
+            </a:br>
+            <a:r>
+              <a:rPr lang="ja-JP" altLang="en-US" b="1" dirty="0">
+                <a:solidFill>
+                  <a:srgbClr val="00B0F0"/>
+                </a:solidFill>
+              </a:rPr>
+              <a:t>出力したいデータ</a:t>
+            </a:r>
+            <a:r>
+              <a:rPr lang="ja-JP" altLang="en-US" dirty="0"/>
+              <a:t>＋</a:t>
+            </a:r>
+            <a:r>
+              <a:rPr lang="en-US" altLang="ja-JP" dirty="0"/>
+              <a:t>’</a:t>
+            </a:r>
+            <a:r>
+              <a:rPr lang="en-US" altLang="ja-JP" b="1" dirty="0">
+                <a:solidFill>
+                  <a:srgbClr val="FF0000"/>
+                </a:solidFill>
+              </a:rPr>
+              <a:t>,</a:t>
+            </a:r>
+            <a:r>
+              <a:rPr lang="en-US" altLang="ja-JP" dirty="0"/>
+              <a:t>’</a:t>
+            </a:r>
+            <a:r>
+              <a:rPr lang="ja-JP" altLang="en-US" dirty="0"/>
+              <a:t>をつけてあげるだけでよい</a:t>
+            </a:r>
+            <a:endParaRPr lang="en-US" altLang="ja-JP" dirty="0"/>
+          </a:p>
+        </p:txBody>
+      </p:sp>
+    </p:spTree>
+    <p:extLst>
+      <p:ext uri="{BB962C8B-B14F-4D97-AF65-F5344CB8AC3E}">
+        <p14:creationId xmlns:p14="http://schemas.microsoft.com/office/powerpoint/2010/main" val="1786727034"/>
       </p:ext>
     </p:extLst>
   </p:cSld>

--- a/授業資料/講義資料：CSVファイル.pptx
+++ b/授業資料/講義資料：CSVファイル.pptx
@@ -4438,6 +4438,30 @@
               </a:rPr>
               <a:t> ifs( filename );</a:t>
             </a:r>
+            <a:r>
+              <a:rPr lang="en-US" altLang="ja-JP" sz="2800" dirty="0">
+                <a:solidFill>
+                  <a:srgbClr val="00B050"/>
+                </a:solidFill>
+                <a:ea typeface="ＭＳ ゴシック" panose="020B0609070205080204" pitchFamily="49" charset="-128"/>
+              </a:rPr>
+              <a:t>//</a:t>
+            </a:r>
+            <a:r>
+              <a:rPr lang="ja-JP" altLang="en-US" sz="2800" dirty="0">
+                <a:solidFill>
+                  <a:srgbClr val="00B050"/>
+                </a:solidFill>
+                <a:ea typeface="ＭＳ ゴシック" panose="020B0609070205080204" pitchFamily="49" charset="-128"/>
+              </a:rPr>
+              <a:t>間違ったファイル名の場合</a:t>
+            </a:r>
+            <a:endParaRPr lang="en-US" altLang="ja-JP" sz="2800" dirty="0">
+              <a:solidFill>
+                <a:srgbClr val="00B050"/>
+              </a:solidFill>
+              <a:ea typeface="ＭＳ ゴシック" panose="020B0609070205080204" pitchFamily="49" charset="-128"/>
+            </a:endParaRPr>
           </a:p>
           <a:p>
             <a:r>
@@ -5369,7 +5393,7 @@
                 </a:solidFill>
                 <a:ea typeface="ＭＳ ゴシック" panose="020B0609070205080204" pitchFamily="49" charset="-128"/>
               </a:rPr>
-              <a:t>"enemy_list.txt"</a:t>
+              <a:t>"enemy_list.csv"</a:t>
             </a:r>
             <a:r>
               <a:rPr lang="en-US" altLang="ja-JP" sz="2800" dirty="0">
@@ -6305,7 +6329,7 @@
                 </a:solidFill>
                 <a:ea typeface="ＭＳ ゴシック" panose="020B0609070205080204" pitchFamily="49" charset="-128"/>
               </a:rPr>
-              <a:t>"enemy_list.txt"</a:t>
+              <a:t>"enemy_list.csv"</a:t>
             </a:r>
             <a:r>
               <a:rPr lang="en-US" altLang="ja-JP" sz="2800" dirty="0">
@@ -7443,7 +7467,7 @@
                 </a:solidFill>
                 <a:ea typeface="ＭＳ ゴシック" panose="020B0609070205080204" pitchFamily="49" charset="-128"/>
               </a:rPr>
-              <a:t>"enemy_list.txt"</a:t>
+              <a:t>"enemy_list.csv"</a:t>
             </a:r>
             <a:r>
               <a:rPr lang="en-US" altLang="ja-JP" sz="2800" dirty="0">
@@ -10554,7 +10578,7 @@
                 </a:solidFill>
                 <a:ea typeface="ＭＳ ゴシック" panose="020B0609070205080204" pitchFamily="49" charset="-128"/>
               </a:rPr>
-              <a:t>"enemy_list.txt"</a:t>
+              <a:t>"enemy_list.csv"</a:t>
             </a:r>
             <a:r>
               <a:rPr lang="en-US" altLang="ja-JP" sz="2800" dirty="0">
@@ -11467,7 +11491,7 @@
                 </a:solidFill>
                 <a:ea typeface="ＭＳ ゴシック" panose="020B0609070205080204" pitchFamily="49" charset="-128"/>
               </a:rPr>
-              <a:t>"enemy_list.txt"</a:t>
+              <a:t>"enemy_list.csv"</a:t>
             </a:r>
             <a:r>
               <a:rPr lang="en-US" altLang="ja-JP" sz="2800" dirty="0">

--- a/授業資料/講義資料：CSVファイル.pptx
+++ b/授業資料/講義資料：CSVファイル.pptx
@@ -282,7 +282,7 @@
           <a:p>
             <a:fld id="{5B96D3F8-CD2E-4A0D-AC38-517181EABB18}" type="datetimeFigureOut">
               <a:rPr kumimoji="1" lang="ja-JP" altLang="en-US" smtClean="0"/>
-              <a:t>2024/11/8</a:t>
+              <a:t>2024/11/11</a:t>
             </a:fld>
             <a:endParaRPr kumimoji="1" lang="ja-JP" altLang="en-US"/>
           </a:p>
@@ -484,7 +484,7 @@
           <a:p>
             <a:fld id="{5B96D3F8-CD2E-4A0D-AC38-517181EABB18}" type="datetimeFigureOut">
               <a:rPr kumimoji="1" lang="ja-JP" altLang="en-US" smtClean="0"/>
-              <a:t>2024/11/8</a:t>
+              <a:t>2024/11/11</a:t>
             </a:fld>
             <a:endParaRPr kumimoji="1" lang="ja-JP" altLang="en-US"/>
           </a:p>
@@ -696,7 +696,7 @@
           <a:p>
             <a:fld id="{5B96D3F8-CD2E-4A0D-AC38-517181EABB18}" type="datetimeFigureOut">
               <a:rPr kumimoji="1" lang="ja-JP" altLang="en-US" smtClean="0"/>
-              <a:t>2024/11/8</a:t>
+              <a:t>2024/11/11</a:t>
             </a:fld>
             <a:endParaRPr kumimoji="1" lang="ja-JP" altLang="en-US"/>
           </a:p>
@@ -898,7 +898,7 @@
           <a:p>
             <a:fld id="{5B96D3F8-CD2E-4A0D-AC38-517181EABB18}" type="datetimeFigureOut">
               <a:rPr kumimoji="1" lang="ja-JP" altLang="en-US" smtClean="0"/>
-              <a:t>2024/11/8</a:t>
+              <a:t>2024/11/11</a:t>
             </a:fld>
             <a:endParaRPr kumimoji="1" lang="ja-JP" altLang="en-US"/>
           </a:p>
@@ -1144,7 +1144,7 @@
           <a:p>
             <a:fld id="{5B96D3F8-CD2E-4A0D-AC38-517181EABB18}" type="datetimeFigureOut">
               <a:rPr kumimoji="1" lang="ja-JP" altLang="en-US" smtClean="0"/>
-              <a:t>2024/11/8</a:t>
+              <a:t>2024/11/11</a:t>
             </a:fld>
             <a:endParaRPr kumimoji="1" lang="ja-JP" altLang="en-US"/>
           </a:p>
@@ -1440,7 +1440,7 @@
           <a:p>
             <a:fld id="{5B96D3F8-CD2E-4A0D-AC38-517181EABB18}" type="datetimeFigureOut">
               <a:rPr kumimoji="1" lang="ja-JP" altLang="en-US" smtClean="0"/>
-              <a:t>2024/11/8</a:t>
+              <a:t>2024/11/11</a:t>
             </a:fld>
             <a:endParaRPr kumimoji="1" lang="ja-JP" altLang="en-US"/>
           </a:p>
@@ -1871,7 +1871,7 @@
           <a:p>
             <a:fld id="{5B96D3F8-CD2E-4A0D-AC38-517181EABB18}" type="datetimeFigureOut">
               <a:rPr kumimoji="1" lang="ja-JP" altLang="en-US" smtClean="0"/>
-              <a:t>2024/11/8</a:t>
+              <a:t>2024/11/11</a:t>
             </a:fld>
             <a:endParaRPr kumimoji="1" lang="ja-JP" altLang="en-US"/>
           </a:p>
@@ -1989,7 +1989,7 @@
           <a:p>
             <a:fld id="{5B96D3F8-CD2E-4A0D-AC38-517181EABB18}" type="datetimeFigureOut">
               <a:rPr kumimoji="1" lang="ja-JP" altLang="en-US" smtClean="0"/>
-              <a:t>2024/11/8</a:t>
+              <a:t>2024/11/11</a:t>
             </a:fld>
             <a:endParaRPr kumimoji="1" lang="ja-JP" altLang="en-US"/>
           </a:p>
@@ -2084,7 +2084,7 @@
           <a:p>
             <a:fld id="{5B96D3F8-CD2E-4A0D-AC38-517181EABB18}" type="datetimeFigureOut">
               <a:rPr kumimoji="1" lang="ja-JP" altLang="en-US" smtClean="0"/>
-              <a:t>2024/11/8</a:t>
+              <a:t>2024/11/11</a:t>
             </a:fld>
             <a:endParaRPr kumimoji="1" lang="ja-JP" altLang="en-US"/>
           </a:p>
@@ -2393,7 +2393,7 @@
           <a:p>
             <a:fld id="{5B96D3F8-CD2E-4A0D-AC38-517181EABB18}" type="datetimeFigureOut">
               <a:rPr kumimoji="1" lang="ja-JP" altLang="en-US" smtClean="0"/>
-              <a:t>2024/11/8</a:t>
+              <a:t>2024/11/11</a:t>
             </a:fld>
             <a:endParaRPr kumimoji="1" lang="ja-JP" altLang="en-US"/>
           </a:p>
@@ -2650,7 +2650,7 @@
           <a:p>
             <a:fld id="{5B96D3F8-CD2E-4A0D-AC38-517181EABB18}" type="datetimeFigureOut">
               <a:rPr kumimoji="1" lang="ja-JP" altLang="en-US" smtClean="0"/>
-              <a:t>2024/11/8</a:t>
+              <a:t>2024/11/11</a:t>
             </a:fld>
             <a:endParaRPr kumimoji="1" lang="ja-JP" altLang="en-US"/>
           </a:p>
@@ -2895,7 +2895,7 @@
           <a:p>
             <a:fld id="{5B96D3F8-CD2E-4A0D-AC38-517181EABB18}" type="datetimeFigureOut">
               <a:rPr kumimoji="1" lang="ja-JP" altLang="en-US" smtClean="0"/>
-              <a:t>2024/11/8</a:t>
+              <a:t>2024/11/11</a:t>
             </a:fld>
             <a:endParaRPr kumimoji="1" lang="ja-JP" altLang="en-US"/>
           </a:p>
@@ -19070,6 +19070,178 @@
           </a:p>
         </p:txBody>
       </p:sp>
+      <p:cxnSp>
+        <p:nvCxnSpPr>
+          <p:cNvPr id="17" name="直線コネクタ 16">
+            <a:extLst>
+              <a:ext uri="{FF2B5EF4-FFF2-40B4-BE49-F238E27FC236}">
+                <a16:creationId xmlns:a16="http://schemas.microsoft.com/office/drawing/2014/main" id="{B99AFD1A-54E6-47E4-A136-EEF6AB6686C0}"/>
+              </a:ext>
+            </a:extLst>
+          </p:cNvPr>
+          <p:cNvCxnSpPr>
+            <a:cxnSpLocks/>
+          </p:cNvCxnSpPr>
+          <p:nvPr/>
+        </p:nvCxnSpPr>
+        <p:spPr>
+          <a:xfrm>
+            <a:off x="1321817" y="2571536"/>
+            <a:ext cx="2093736" cy="0"/>
+          </a:xfrm>
+          <a:prstGeom prst="line">
+            <a:avLst/>
+          </a:prstGeom>
+          <a:ln w="28575">
+            <a:solidFill>
+              <a:schemeClr val="tx1"/>
+            </a:solidFill>
+          </a:ln>
+        </p:spPr>
+        <p:style>
+          <a:lnRef idx="1">
+            <a:schemeClr val="accent1"/>
+          </a:lnRef>
+          <a:fillRef idx="0">
+            <a:schemeClr val="accent1"/>
+          </a:fillRef>
+          <a:effectRef idx="0">
+            <a:schemeClr val="accent1"/>
+          </a:effectRef>
+          <a:fontRef idx="minor">
+            <a:schemeClr val="tx1"/>
+          </a:fontRef>
+        </p:style>
+      </p:cxnSp>
+      <p:cxnSp>
+        <p:nvCxnSpPr>
+          <p:cNvPr id="18" name="直線コネクタ 17">
+            <a:extLst>
+              <a:ext uri="{FF2B5EF4-FFF2-40B4-BE49-F238E27FC236}">
+                <a16:creationId xmlns:a16="http://schemas.microsoft.com/office/drawing/2014/main" id="{E7FDDE19-41D1-4EE0-90D7-0E299A77B2A1}"/>
+              </a:ext>
+            </a:extLst>
+          </p:cNvPr>
+          <p:cNvCxnSpPr>
+            <a:cxnSpLocks/>
+          </p:cNvCxnSpPr>
+          <p:nvPr/>
+        </p:nvCxnSpPr>
+        <p:spPr>
+          <a:xfrm>
+            <a:off x="1318578" y="2661371"/>
+            <a:ext cx="2096975" cy="0"/>
+          </a:xfrm>
+          <a:prstGeom prst="line">
+            <a:avLst/>
+          </a:prstGeom>
+          <a:ln w="28575">
+            <a:solidFill>
+              <a:schemeClr val="tx1"/>
+            </a:solidFill>
+          </a:ln>
+        </p:spPr>
+        <p:style>
+          <a:lnRef idx="1">
+            <a:schemeClr val="accent1"/>
+          </a:lnRef>
+          <a:fillRef idx="0">
+            <a:schemeClr val="accent1"/>
+          </a:fillRef>
+          <a:effectRef idx="0">
+            <a:schemeClr val="accent1"/>
+          </a:effectRef>
+          <a:fontRef idx="minor">
+            <a:schemeClr val="tx1"/>
+          </a:fontRef>
+        </p:style>
+      </p:cxnSp>
+      <p:cxnSp>
+        <p:nvCxnSpPr>
+          <p:cNvPr id="22" name="直線コネクタ 21">
+            <a:extLst>
+              <a:ext uri="{FF2B5EF4-FFF2-40B4-BE49-F238E27FC236}">
+                <a16:creationId xmlns:a16="http://schemas.microsoft.com/office/drawing/2014/main" id="{4979CD9D-DC99-4351-BD81-22D3FA3E4DFC}"/>
+              </a:ext>
+            </a:extLst>
+          </p:cNvPr>
+          <p:cNvCxnSpPr>
+            <a:cxnSpLocks/>
+          </p:cNvCxnSpPr>
+          <p:nvPr/>
+        </p:nvCxnSpPr>
+        <p:spPr>
+          <a:xfrm>
+            <a:off x="1599723" y="6542901"/>
+            <a:ext cx="2093736" cy="0"/>
+          </a:xfrm>
+          <a:prstGeom prst="line">
+            <a:avLst/>
+          </a:prstGeom>
+          <a:ln w="28575">
+            <a:solidFill>
+              <a:schemeClr val="tx1"/>
+            </a:solidFill>
+          </a:ln>
+        </p:spPr>
+        <p:style>
+          <a:lnRef idx="1">
+            <a:schemeClr val="accent1"/>
+          </a:lnRef>
+          <a:fillRef idx="0">
+            <a:schemeClr val="accent1"/>
+          </a:fillRef>
+          <a:effectRef idx="0">
+            <a:schemeClr val="accent1"/>
+          </a:effectRef>
+          <a:fontRef idx="minor">
+            <a:schemeClr val="tx1"/>
+          </a:fontRef>
+        </p:style>
+      </p:cxnSp>
+      <p:cxnSp>
+        <p:nvCxnSpPr>
+          <p:cNvPr id="23" name="直線コネクタ 22">
+            <a:extLst>
+              <a:ext uri="{FF2B5EF4-FFF2-40B4-BE49-F238E27FC236}">
+                <a16:creationId xmlns:a16="http://schemas.microsoft.com/office/drawing/2014/main" id="{6D0793EB-4627-4C1B-A080-F9774FC85341}"/>
+              </a:ext>
+            </a:extLst>
+          </p:cNvPr>
+          <p:cNvCxnSpPr>
+            <a:cxnSpLocks/>
+          </p:cNvCxnSpPr>
+          <p:nvPr/>
+        </p:nvCxnSpPr>
+        <p:spPr>
+          <a:xfrm>
+            <a:off x="1596484" y="6632736"/>
+            <a:ext cx="2096975" cy="0"/>
+          </a:xfrm>
+          <a:prstGeom prst="line">
+            <a:avLst/>
+          </a:prstGeom>
+          <a:ln w="28575">
+            <a:solidFill>
+              <a:schemeClr val="tx1"/>
+            </a:solidFill>
+          </a:ln>
+        </p:spPr>
+        <p:style>
+          <a:lnRef idx="1">
+            <a:schemeClr val="accent1"/>
+          </a:lnRef>
+          <a:fillRef idx="0">
+            <a:schemeClr val="accent1"/>
+          </a:fillRef>
+          <a:effectRef idx="0">
+            <a:schemeClr val="accent1"/>
+          </a:effectRef>
+          <a:fontRef idx="minor">
+            <a:schemeClr val="tx1"/>
+          </a:fontRef>
+        </p:style>
+      </p:cxnSp>
     </p:spTree>
     <p:extLst>
       <p:ext uri="{BB962C8B-B14F-4D97-AF65-F5344CB8AC3E}">

--- a/授業資料/講義資料：CSVファイル.pptx
+++ b/授業資料/講義資料：CSVファイル.pptx
@@ -17991,7 +17991,7 @@
                 </a:solidFill>
                 <a:ea typeface="ＭＳ ゴシック" panose="020B0609070205080204" pitchFamily="49" charset="-128"/>
               </a:rPr>
-              <a:t>行番号を管理する変数</a:t>
+              <a:t>削除</a:t>
             </a:r>
             <a:endParaRPr lang="en-US" altLang="ja-JP" sz="2600" dirty="0">
               <a:solidFill>
@@ -18605,6 +18605,27 @@
               </a:rPr>
               <a:t>;</a:t>
             </a:r>
+            <a:r>
+              <a:rPr lang="en-US" altLang="ja-JP" sz="2600" dirty="0">
+                <a:solidFill>
+                  <a:srgbClr val="00B050"/>
+                </a:solidFill>
+                <a:ea typeface="ＭＳ ゴシック" panose="020B0609070205080204" pitchFamily="49" charset="-128"/>
+              </a:rPr>
+              <a:t> //</a:t>
+            </a:r>
+            <a:r>
+              <a:rPr lang="ja-JP" altLang="en-US" sz="2600" dirty="0">
+                <a:solidFill>
+                  <a:srgbClr val="00B050"/>
+                </a:solidFill>
+                <a:ea typeface="ＭＳ ゴシック" panose="020B0609070205080204" pitchFamily="49" charset="-128"/>
+              </a:rPr>
+              <a:t>削除</a:t>
+            </a:r>
+            <a:endParaRPr lang="en-US" altLang="ja-JP" sz="2600" dirty="0">
+              <a:ea typeface="ＭＳ ゴシック" panose="020B0609070205080204" pitchFamily="49" charset="-128"/>
+            </a:endParaRPr>
           </a:p>
         </p:txBody>
       </p:sp>
@@ -19173,7 +19194,7 @@
         <p:spPr>
           <a:xfrm>
             <a:off x="1599723" y="6542901"/>
-            <a:ext cx="2093736" cy="0"/>
+            <a:ext cx="1094839" cy="0"/>
           </a:xfrm>
           <a:prstGeom prst="line">
             <a:avLst/>
@@ -19216,7 +19237,7 @@
         <p:spPr>
           <a:xfrm>
             <a:off x="1596484" y="6632736"/>
-            <a:ext cx="2096975" cy="0"/>
+            <a:ext cx="1098078" cy="0"/>
           </a:xfrm>
           <a:prstGeom prst="line">
             <a:avLst/>
@@ -19242,6 +19263,104 @@
           </a:fontRef>
         </p:style>
       </p:cxnSp>
+      <p:sp>
+        <p:nvSpPr>
+          <p:cNvPr id="19" name="矢印: 右 18">
+            <a:extLst>
+              <a:ext uri="{FF2B5EF4-FFF2-40B4-BE49-F238E27FC236}">
+                <a16:creationId xmlns:a16="http://schemas.microsoft.com/office/drawing/2014/main" id="{03786CC8-4A30-092D-A88C-B710506C0DB3}"/>
+              </a:ext>
+            </a:extLst>
+          </p:cNvPr>
+          <p:cNvSpPr/>
+          <p:nvPr/>
+        </p:nvSpPr>
+        <p:spPr>
+          <a:xfrm>
+            <a:off x="621754" y="6478242"/>
+            <a:ext cx="426396" cy="282102"/>
+          </a:xfrm>
+          <a:prstGeom prst="rightArrow">
+            <a:avLst/>
+          </a:prstGeom>
+          <a:solidFill>
+            <a:srgbClr val="FF0000"/>
+          </a:solidFill>
+        </p:spPr>
+        <p:style>
+          <a:lnRef idx="2">
+            <a:schemeClr val="accent1">
+              <a:shade val="15000"/>
+            </a:schemeClr>
+          </a:lnRef>
+          <a:fillRef idx="1">
+            <a:schemeClr val="accent1"/>
+          </a:fillRef>
+          <a:effectRef idx="0">
+            <a:schemeClr val="accent1"/>
+          </a:effectRef>
+          <a:fontRef idx="minor">
+            <a:schemeClr val="lt1"/>
+          </a:fontRef>
+        </p:style>
+        <p:txBody>
+          <a:bodyPr rtlCol="0" anchor="ctr"/>
+          <a:lstStyle/>
+          <a:p>
+            <a:pPr algn="ctr"/>
+            <a:endParaRPr kumimoji="1" lang="ja-JP" altLang="en-US"/>
+          </a:p>
+        </p:txBody>
+      </p:sp>
+      <p:sp>
+        <p:nvSpPr>
+          <p:cNvPr id="20" name="矢印: 右 19">
+            <a:extLst>
+              <a:ext uri="{FF2B5EF4-FFF2-40B4-BE49-F238E27FC236}">
+                <a16:creationId xmlns:a16="http://schemas.microsoft.com/office/drawing/2014/main" id="{FB330EDC-1925-7D21-CCFB-CACFCC4E5BE6}"/>
+              </a:ext>
+            </a:extLst>
+          </p:cNvPr>
+          <p:cNvSpPr/>
+          <p:nvPr/>
+        </p:nvSpPr>
+        <p:spPr>
+          <a:xfrm>
+            <a:off x="621754" y="2456061"/>
+            <a:ext cx="426396" cy="282102"/>
+          </a:xfrm>
+          <a:prstGeom prst="rightArrow">
+            <a:avLst/>
+          </a:prstGeom>
+          <a:solidFill>
+            <a:srgbClr val="FF0000"/>
+          </a:solidFill>
+        </p:spPr>
+        <p:style>
+          <a:lnRef idx="2">
+            <a:schemeClr val="accent1">
+              <a:shade val="15000"/>
+            </a:schemeClr>
+          </a:lnRef>
+          <a:fillRef idx="1">
+            <a:schemeClr val="accent1"/>
+          </a:fillRef>
+          <a:effectRef idx="0">
+            <a:schemeClr val="accent1"/>
+          </a:effectRef>
+          <a:fontRef idx="minor">
+            <a:schemeClr val="lt1"/>
+          </a:fontRef>
+        </p:style>
+        <p:txBody>
+          <a:bodyPr rtlCol="0" anchor="ctr"/>
+          <a:lstStyle/>
+          <a:p>
+            <a:pPr algn="ctr"/>
+            <a:endParaRPr kumimoji="1" lang="ja-JP" altLang="en-US"/>
+          </a:p>
+        </p:txBody>
+      </p:sp>
     </p:spTree>
     <p:extLst>
       <p:ext uri="{BB962C8B-B14F-4D97-AF65-F5344CB8AC3E}">

--- a/授業資料/講義資料：CSVファイル.pptx
+++ b/授業資料/講義資料：CSVファイル.pptx
@@ -282,7 +282,7 @@
           <a:p>
             <a:fld id="{5B96D3F8-CD2E-4A0D-AC38-517181EABB18}" type="datetimeFigureOut">
               <a:rPr kumimoji="1" lang="ja-JP" altLang="en-US" smtClean="0"/>
-              <a:t>2024/11/11</a:t>
+              <a:t>2024/11/13</a:t>
             </a:fld>
             <a:endParaRPr kumimoji="1" lang="ja-JP" altLang="en-US"/>
           </a:p>
@@ -484,7 +484,7 @@
           <a:p>
             <a:fld id="{5B96D3F8-CD2E-4A0D-AC38-517181EABB18}" type="datetimeFigureOut">
               <a:rPr kumimoji="1" lang="ja-JP" altLang="en-US" smtClean="0"/>
-              <a:t>2024/11/11</a:t>
+              <a:t>2024/11/13</a:t>
             </a:fld>
             <a:endParaRPr kumimoji="1" lang="ja-JP" altLang="en-US"/>
           </a:p>
@@ -696,7 +696,7 @@
           <a:p>
             <a:fld id="{5B96D3F8-CD2E-4A0D-AC38-517181EABB18}" type="datetimeFigureOut">
               <a:rPr kumimoji="1" lang="ja-JP" altLang="en-US" smtClean="0"/>
-              <a:t>2024/11/11</a:t>
+              <a:t>2024/11/13</a:t>
             </a:fld>
             <a:endParaRPr kumimoji="1" lang="ja-JP" altLang="en-US"/>
           </a:p>
@@ -898,7 +898,7 @@
           <a:p>
             <a:fld id="{5B96D3F8-CD2E-4A0D-AC38-517181EABB18}" type="datetimeFigureOut">
               <a:rPr kumimoji="1" lang="ja-JP" altLang="en-US" smtClean="0"/>
-              <a:t>2024/11/11</a:t>
+              <a:t>2024/11/13</a:t>
             </a:fld>
             <a:endParaRPr kumimoji="1" lang="ja-JP" altLang="en-US"/>
           </a:p>
@@ -1144,7 +1144,7 @@
           <a:p>
             <a:fld id="{5B96D3F8-CD2E-4A0D-AC38-517181EABB18}" type="datetimeFigureOut">
               <a:rPr kumimoji="1" lang="ja-JP" altLang="en-US" smtClean="0"/>
-              <a:t>2024/11/11</a:t>
+              <a:t>2024/11/13</a:t>
             </a:fld>
             <a:endParaRPr kumimoji="1" lang="ja-JP" altLang="en-US"/>
           </a:p>
@@ -1440,7 +1440,7 @@
           <a:p>
             <a:fld id="{5B96D3F8-CD2E-4A0D-AC38-517181EABB18}" type="datetimeFigureOut">
               <a:rPr kumimoji="1" lang="ja-JP" altLang="en-US" smtClean="0"/>
-              <a:t>2024/11/11</a:t>
+              <a:t>2024/11/13</a:t>
             </a:fld>
             <a:endParaRPr kumimoji="1" lang="ja-JP" altLang="en-US"/>
           </a:p>
@@ -1871,7 +1871,7 @@
           <a:p>
             <a:fld id="{5B96D3F8-CD2E-4A0D-AC38-517181EABB18}" type="datetimeFigureOut">
               <a:rPr kumimoji="1" lang="ja-JP" altLang="en-US" smtClean="0"/>
-              <a:t>2024/11/11</a:t>
+              <a:t>2024/11/13</a:t>
             </a:fld>
             <a:endParaRPr kumimoji="1" lang="ja-JP" altLang="en-US"/>
           </a:p>
@@ -1989,7 +1989,7 @@
           <a:p>
             <a:fld id="{5B96D3F8-CD2E-4A0D-AC38-517181EABB18}" type="datetimeFigureOut">
               <a:rPr kumimoji="1" lang="ja-JP" altLang="en-US" smtClean="0"/>
-              <a:t>2024/11/11</a:t>
+              <a:t>2024/11/13</a:t>
             </a:fld>
             <a:endParaRPr kumimoji="1" lang="ja-JP" altLang="en-US"/>
           </a:p>
@@ -2084,7 +2084,7 @@
           <a:p>
             <a:fld id="{5B96D3F8-CD2E-4A0D-AC38-517181EABB18}" type="datetimeFigureOut">
               <a:rPr kumimoji="1" lang="ja-JP" altLang="en-US" smtClean="0"/>
-              <a:t>2024/11/11</a:t>
+              <a:t>2024/11/13</a:t>
             </a:fld>
             <a:endParaRPr kumimoji="1" lang="ja-JP" altLang="en-US"/>
           </a:p>
@@ -2393,7 +2393,7 @@
           <a:p>
             <a:fld id="{5B96D3F8-CD2E-4A0D-AC38-517181EABB18}" type="datetimeFigureOut">
               <a:rPr kumimoji="1" lang="ja-JP" altLang="en-US" smtClean="0"/>
-              <a:t>2024/11/11</a:t>
+              <a:t>2024/11/13</a:t>
             </a:fld>
             <a:endParaRPr kumimoji="1" lang="ja-JP" altLang="en-US"/>
           </a:p>
@@ -2650,7 +2650,7 @@
           <a:p>
             <a:fld id="{5B96D3F8-CD2E-4A0D-AC38-517181EABB18}" type="datetimeFigureOut">
               <a:rPr kumimoji="1" lang="ja-JP" altLang="en-US" smtClean="0"/>
-              <a:t>2024/11/11</a:t>
+              <a:t>2024/11/13</a:t>
             </a:fld>
             <a:endParaRPr kumimoji="1" lang="ja-JP" altLang="en-US"/>
           </a:p>
@@ -2895,7 +2895,7 @@
           <a:p>
             <a:fld id="{5B96D3F8-CD2E-4A0D-AC38-517181EABB18}" type="datetimeFigureOut">
               <a:rPr kumimoji="1" lang="ja-JP" altLang="en-US" smtClean="0"/>
-              <a:t>2024/11/11</a:t>
+              <a:t>2024/11/13</a:t>
             </a:fld>
             <a:endParaRPr kumimoji="1" lang="ja-JP" altLang="en-US"/>
           </a:p>
@@ -20839,7 +20839,7 @@
             </a:r>
             <a:r>
               <a:rPr kumimoji="1" lang="en-US" altLang="ja-JP" sz="2800" dirty="0"/>
-              <a:t>::app</a:t>
+              <a:t>::out</a:t>
             </a:r>
             <a:r>
               <a:rPr kumimoji="1" lang="ja-JP" altLang="en-US" sz="2800" dirty="0"/>

--- a/授業資料/講義資料：CSVファイル.pptx
+++ b/授業資料/講義資料：CSVファイル.pptx
@@ -38,13 +38,14 @@
     <p:sldId id="422" r:id="rId32"/>
     <p:sldId id="423" r:id="rId33"/>
     <p:sldId id="424" r:id="rId34"/>
-    <p:sldId id="425" r:id="rId35"/>
-    <p:sldId id="426" r:id="rId36"/>
-    <p:sldId id="427" r:id="rId37"/>
-    <p:sldId id="429" r:id="rId38"/>
-    <p:sldId id="430" r:id="rId39"/>
-    <p:sldId id="373" r:id="rId40"/>
-    <p:sldId id="349" r:id="rId41"/>
+    <p:sldId id="432" r:id="rId35"/>
+    <p:sldId id="425" r:id="rId36"/>
+    <p:sldId id="426" r:id="rId37"/>
+    <p:sldId id="427" r:id="rId38"/>
+    <p:sldId id="429" r:id="rId39"/>
+    <p:sldId id="430" r:id="rId40"/>
+    <p:sldId id="373" r:id="rId41"/>
+    <p:sldId id="349" r:id="rId42"/>
   </p:sldIdLst>
   <p:sldSz cx="12192000" cy="6858000"/>
   <p:notesSz cx="6858000" cy="9144000"/>
@@ -282,7 +283,7 @@
           <a:p>
             <a:fld id="{5B96D3F8-CD2E-4A0D-AC38-517181EABB18}" type="datetimeFigureOut">
               <a:rPr kumimoji="1" lang="ja-JP" altLang="en-US" smtClean="0"/>
-              <a:t>2024/11/13</a:t>
+              <a:t>2024/11/18</a:t>
             </a:fld>
             <a:endParaRPr kumimoji="1" lang="ja-JP" altLang="en-US"/>
           </a:p>
@@ -484,7 +485,7 @@
           <a:p>
             <a:fld id="{5B96D3F8-CD2E-4A0D-AC38-517181EABB18}" type="datetimeFigureOut">
               <a:rPr kumimoji="1" lang="ja-JP" altLang="en-US" smtClean="0"/>
-              <a:t>2024/11/13</a:t>
+              <a:t>2024/11/18</a:t>
             </a:fld>
             <a:endParaRPr kumimoji="1" lang="ja-JP" altLang="en-US"/>
           </a:p>
@@ -696,7 +697,7 @@
           <a:p>
             <a:fld id="{5B96D3F8-CD2E-4A0D-AC38-517181EABB18}" type="datetimeFigureOut">
               <a:rPr kumimoji="1" lang="ja-JP" altLang="en-US" smtClean="0"/>
-              <a:t>2024/11/13</a:t>
+              <a:t>2024/11/18</a:t>
             </a:fld>
             <a:endParaRPr kumimoji="1" lang="ja-JP" altLang="en-US"/>
           </a:p>
@@ -898,7 +899,7 @@
           <a:p>
             <a:fld id="{5B96D3F8-CD2E-4A0D-AC38-517181EABB18}" type="datetimeFigureOut">
               <a:rPr kumimoji="1" lang="ja-JP" altLang="en-US" smtClean="0"/>
-              <a:t>2024/11/13</a:t>
+              <a:t>2024/11/18</a:t>
             </a:fld>
             <a:endParaRPr kumimoji="1" lang="ja-JP" altLang="en-US"/>
           </a:p>
@@ -1144,7 +1145,7 @@
           <a:p>
             <a:fld id="{5B96D3F8-CD2E-4A0D-AC38-517181EABB18}" type="datetimeFigureOut">
               <a:rPr kumimoji="1" lang="ja-JP" altLang="en-US" smtClean="0"/>
-              <a:t>2024/11/13</a:t>
+              <a:t>2024/11/18</a:t>
             </a:fld>
             <a:endParaRPr kumimoji="1" lang="ja-JP" altLang="en-US"/>
           </a:p>
@@ -1440,7 +1441,7 @@
           <a:p>
             <a:fld id="{5B96D3F8-CD2E-4A0D-AC38-517181EABB18}" type="datetimeFigureOut">
               <a:rPr kumimoji="1" lang="ja-JP" altLang="en-US" smtClean="0"/>
-              <a:t>2024/11/13</a:t>
+              <a:t>2024/11/18</a:t>
             </a:fld>
             <a:endParaRPr kumimoji="1" lang="ja-JP" altLang="en-US"/>
           </a:p>
@@ -1871,7 +1872,7 @@
           <a:p>
             <a:fld id="{5B96D3F8-CD2E-4A0D-AC38-517181EABB18}" type="datetimeFigureOut">
               <a:rPr kumimoji="1" lang="ja-JP" altLang="en-US" smtClean="0"/>
-              <a:t>2024/11/13</a:t>
+              <a:t>2024/11/18</a:t>
             </a:fld>
             <a:endParaRPr kumimoji="1" lang="ja-JP" altLang="en-US"/>
           </a:p>
@@ -1989,7 +1990,7 @@
           <a:p>
             <a:fld id="{5B96D3F8-CD2E-4A0D-AC38-517181EABB18}" type="datetimeFigureOut">
               <a:rPr kumimoji="1" lang="ja-JP" altLang="en-US" smtClean="0"/>
-              <a:t>2024/11/13</a:t>
+              <a:t>2024/11/18</a:t>
             </a:fld>
             <a:endParaRPr kumimoji="1" lang="ja-JP" altLang="en-US"/>
           </a:p>
@@ -2084,7 +2085,7 @@
           <a:p>
             <a:fld id="{5B96D3F8-CD2E-4A0D-AC38-517181EABB18}" type="datetimeFigureOut">
               <a:rPr kumimoji="1" lang="ja-JP" altLang="en-US" smtClean="0"/>
-              <a:t>2024/11/13</a:t>
+              <a:t>2024/11/18</a:t>
             </a:fld>
             <a:endParaRPr kumimoji="1" lang="ja-JP" altLang="en-US"/>
           </a:p>
@@ -2393,7 +2394,7 @@
           <a:p>
             <a:fld id="{5B96D3F8-CD2E-4A0D-AC38-517181EABB18}" type="datetimeFigureOut">
               <a:rPr kumimoji="1" lang="ja-JP" altLang="en-US" smtClean="0"/>
-              <a:t>2024/11/13</a:t>
+              <a:t>2024/11/18</a:t>
             </a:fld>
             <a:endParaRPr kumimoji="1" lang="ja-JP" altLang="en-US"/>
           </a:p>
@@ -2650,7 +2651,7 @@
           <a:p>
             <a:fld id="{5B96D3F8-CD2E-4A0D-AC38-517181EABB18}" type="datetimeFigureOut">
               <a:rPr kumimoji="1" lang="ja-JP" altLang="en-US" smtClean="0"/>
-              <a:t>2024/11/13</a:t>
+              <a:t>2024/11/18</a:t>
             </a:fld>
             <a:endParaRPr kumimoji="1" lang="ja-JP" altLang="en-US"/>
           </a:p>
@@ -2895,7 +2896,7 @@
           <a:p>
             <a:fld id="{5B96D3F8-CD2E-4A0D-AC38-517181EABB18}" type="datetimeFigureOut">
               <a:rPr kumimoji="1" lang="ja-JP" altLang="en-US" smtClean="0"/>
-              <a:t>2024/11/13</a:t>
+              <a:t>2024/11/18</a:t>
             </a:fld>
             <a:endParaRPr kumimoji="1" lang="ja-JP" altLang="en-US"/>
           </a:p>
@@ -8801,7 +8802,7 @@
 </file>
 
 <file path=ppt/slides/slide20.xml><?xml version="1.0" encoding="utf-8"?>
-<p:sld xmlns:a="http://schemas.openxmlformats.org/drawingml/2006/main" xmlns:r="http://schemas.openxmlformats.org/officeDocument/2006/relationships" xmlns:p="http://schemas.openxmlformats.org/presentationml/2006/main">
+<p:sld xmlns:a="http://schemas.openxmlformats.org/drawingml/2006/main" xmlns:r="http://schemas.openxmlformats.org/officeDocument/2006/relationships" xmlns:p="http://schemas.openxmlformats.org/presentationml/2006/main" show="0">
   <p:cSld>
     <p:spTree>
       <p:nvGrpSpPr>
@@ -12387,7 +12388,7 @@
         <p:spPr>
           <a:xfrm>
             <a:off x="838200" y="1162976"/>
-            <a:ext cx="11194915" cy="4832092"/>
+            <a:ext cx="11194915" cy="5262979"/>
           </a:xfrm>
           <a:prstGeom prst="rect">
             <a:avLst/>
@@ -12850,6 +12851,29 @@
                 <a:ea typeface="ＭＳ ゴシック" panose="020B0609070205080204" pitchFamily="49" charset="-128"/>
               </a:rPr>
               <a:t>}</a:t>
+            </a:r>
+            <a:br>
+              <a:rPr lang="en-US" altLang="ja-JP" sz="2800" dirty="0">
+                <a:ea typeface="ＭＳ ゴシック" panose="020B0609070205080204" pitchFamily="49" charset="-128"/>
+              </a:rPr>
+            </a:br>
+            <a:r>
+              <a:rPr lang="ja-JP" altLang="en-US" sz="2800" dirty="0">
+                <a:ea typeface="ＭＳ ゴシック" panose="020B0609070205080204" pitchFamily="49" charset="-128"/>
+              </a:rPr>
+              <a:t>  </a:t>
+            </a:r>
+            <a:r>
+              <a:rPr lang="en-US" altLang="ja-JP" sz="2800" dirty="0" err="1">
+                <a:ea typeface="ＭＳ ゴシック" panose="020B0609070205080204" pitchFamily="49" charset="-128"/>
+              </a:rPr>
+              <a:t>ifs.close</a:t>
+            </a:r>
+            <a:r>
+              <a:rPr lang="en-US" altLang="ja-JP" sz="2800" dirty="0">
+                <a:ea typeface="ＭＳ ゴシック" panose="020B0609070205080204" pitchFamily="49" charset="-128"/>
+              </a:rPr>
+              <a:t>();</a:t>
             </a:r>
             <a:br>
               <a:rPr lang="en-US" altLang="ja-JP" sz="2800" dirty="0">
@@ -13186,6 +13210,55 @@
           </a:p>
         </p:txBody>
       </p:sp>
+      <p:sp>
+        <p:nvSpPr>
+          <p:cNvPr id="4" name="矢印: 右 3">
+            <a:extLst>
+              <a:ext uri="{FF2B5EF4-FFF2-40B4-BE49-F238E27FC236}">
+                <a16:creationId xmlns:a16="http://schemas.microsoft.com/office/drawing/2014/main" id="{AE74D75A-A1B6-F3A9-6E28-83275BEFB19D}"/>
+              </a:ext>
+            </a:extLst>
+          </p:cNvPr>
+          <p:cNvSpPr/>
+          <p:nvPr/>
+        </p:nvSpPr>
+        <p:spPr>
+          <a:xfrm>
+            <a:off x="625002" y="5995100"/>
+            <a:ext cx="426396" cy="282102"/>
+          </a:xfrm>
+          <a:prstGeom prst="rightArrow">
+            <a:avLst/>
+          </a:prstGeom>
+          <a:solidFill>
+            <a:srgbClr val="FF0000"/>
+          </a:solidFill>
+        </p:spPr>
+        <p:style>
+          <a:lnRef idx="2">
+            <a:schemeClr val="accent1">
+              <a:shade val="15000"/>
+            </a:schemeClr>
+          </a:lnRef>
+          <a:fillRef idx="1">
+            <a:schemeClr val="accent1"/>
+          </a:fillRef>
+          <a:effectRef idx="0">
+            <a:schemeClr val="accent1"/>
+          </a:effectRef>
+          <a:fontRef idx="minor">
+            <a:schemeClr val="lt1"/>
+          </a:fontRef>
+        </p:style>
+        <p:txBody>
+          <a:bodyPr rtlCol="0" anchor="ctr"/>
+          <a:lstStyle/>
+          <a:p>
+            <a:pPr algn="ctr"/>
+            <a:endParaRPr kumimoji="1" lang="ja-JP" altLang="en-US"/>
+          </a:p>
+        </p:txBody>
+      </p:sp>
     </p:spTree>
     <p:extLst>
       <p:ext uri="{BB962C8B-B14F-4D97-AF65-F5344CB8AC3E}">
@@ -13200,7 +13273,7 @@
 </file>
 
 <file path=ppt/slides/slide27.xml><?xml version="1.0" encoding="utf-8"?>
-<p:sld xmlns:a="http://schemas.openxmlformats.org/drawingml/2006/main" xmlns:r="http://schemas.openxmlformats.org/officeDocument/2006/relationships" xmlns:p="http://schemas.openxmlformats.org/presentationml/2006/main">
+<p:sld xmlns:a="http://schemas.openxmlformats.org/drawingml/2006/main" xmlns:r="http://schemas.openxmlformats.org/officeDocument/2006/relationships" xmlns:p="http://schemas.openxmlformats.org/presentationml/2006/main" show="0">
   <p:cSld>
     <p:spTree>
       <p:nvGrpSpPr>
@@ -14224,7 +14297,7 @@
 </file>
 
 <file path=ppt/slides/slide28.xml><?xml version="1.0" encoding="utf-8"?>
-<p:sld xmlns:a="http://schemas.openxmlformats.org/drawingml/2006/main" xmlns:r="http://schemas.openxmlformats.org/officeDocument/2006/relationships" xmlns:p="http://schemas.openxmlformats.org/presentationml/2006/main">
+<p:sld xmlns:a="http://schemas.openxmlformats.org/drawingml/2006/main" xmlns:r="http://schemas.openxmlformats.org/officeDocument/2006/relationships" xmlns:p="http://schemas.openxmlformats.org/presentationml/2006/main" show="0">
   <p:cSld>
     <p:spTree>
       <p:nvGrpSpPr>
@@ -15374,7 +15447,7 @@
           <a:p>
             <a:r>
               <a:rPr lang="ja-JP" altLang="en-US" dirty="0"/>
-              <a:t>複数行にわたる</a:t>
+              <a:t>配列を二次元配列にすれば複数行の</a:t>
             </a:r>
             <a:r>
               <a:rPr lang="en-US" altLang="ja-JP" dirty="0"/>
@@ -15382,24 +15455,17 @@
             </a:r>
             <a:r>
               <a:rPr lang="ja-JP" altLang="en-US" dirty="0"/>
-              <a:t>ファイルを読み込んで配列に</a:t>
-            </a:r>
+              <a:t>ファイルを読み込んで格納することができる</a:t>
+            </a:r>
+            <a:br>
+              <a:rPr lang="en-US" altLang="ja-JP" dirty="0"/>
+            </a:br>
             <a:br>
               <a:rPr lang="en-US" altLang="ja-JP" dirty="0"/>
             </a:br>
             <a:r>
               <a:rPr lang="ja-JP" altLang="en-US" dirty="0"/>
-              <a:t>格納することができた</a:t>
-            </a:r>
-            <a:br>
-              <a:rPr lang="en-US" altLang="ja-JP" dirty="0"/>
-            </a:br>
-            <a:br>
-              <a:rPr lang="en-US" altLang="ja-JP" dirty="0"/>
-            </a:br>
-            <a:r>
-              <a:rPr lang="ja-JP" altLang="en-US" dirty="0"/>
-              <a:t>・・・が、すべての要素が文字列（数字も文字列）として格納されている</a:t>
+              <a:t>・・・が、すべての要素が文字列（数字も文字列）として格納されてしまう</a:t>
             </a:r>
             <a:br>
               <a:rPr lang="en-US" altLang="ja-JP" dirty="0"/>
@@ -15762,7 +15828,7 @@
           <a:p>
             <a:r>
               <a:rPr lang="ja-JP" altLang="en-US" dirty="0"/>
-              <a:t>複数行にわたる</a:t>
+              <a:t>配列を二次元配列にすれば複数行の</a:t>
             </a:r>
             <a:r>
               <a:rPr lang="en-US" altLang="ja-JP" dirty="0"/>
@@ -15770,24 +15836,17 @@
             </a:r>
             <a:r>
               <a:rPr lang="ja-JP" altLang="en-US" dirty="0"/>
-              <a:t>ファイルを読み込んで配列に</a:t>
-            </a:r>
+              <a:t>ファイルを読み込んで格納することができる</a:t>
+            </a:r>
+            <a:br>
+              <a:rPr lang="en-US" altLang="ja-JP" dirty="0"/>
+            </a:br>
             <a:br>
               <a:rPr lang="en-US" altLang="ja-JP" dirty="0"/>
             </a:br>
             <a:r>
               <a:rPr lang="ja-JP" altLang="en-US" dirty="0"/>
-              <a:t>格納することができた</a:t>
-            </a:r>
-            <a:br>
-              <a:rPr lang="en-US" altLang="ja-JP" dirty="0"/>
-            </a:br>
-            <a:br>
-              <a:rPr lang="en-US" altLang="ja-JP" dirty="0"/>
-            </a:br>
-            <a:r>
-              <a:rPr lang="ja-JP" altLang="en-US" dirty="0"/>
-              <a:t>・・・が、すべての要素が文字列（数字も文字列）として格納されている</a:t>
+              <a:t>・・・が、すべての要素が文字列（数字も文字列）として格納されてしまう</a:t>
             </a:r>
             <a:br>
               <a:rPr lang="en-US" altLang="ja-JP" dirty="0"/>
@@ -15922,7 +15981,7 @@
         <p:spPr>
           <a:xfrm>
             <a:off x="9654126" y="4069976"/>
-            <a:ext cx="2537874" cy="830997"/>
+            <a:ext cx="2002471" cy="830997"/>
           </a:xfrm>
           <a:prstGeom prst="rect">
             <a:avLst/>
@@ -15941,22 +16000,22 @@
                   <a:srgbClr val="FF0000"/>
                 </a:solidFill>
               </a:rPr>
-              <a:t>整数として扱える</a:t>
-            </a:r>
-            <a:br>
-              <a:rPr kumimoji="1" lang="en-US" altLang="ja-JP" sz="2400" dirty="0">
+              <a:t>整数なのに</a:t>
+            </a:r>
+            <a:endParaRPr kumimoji="1" lang="en-US" altLang="ja-JP" sz="2400" dirty="0">
+              <a:solidFill>
+                <a:srgbClr val="FF0000"/>
+              </a:solidFill>
+            </a:endParaRPr>
+          </a:p>
+          <a:p>
+            <a:r>
+              <a:rPr kumimoji="1" lang="ja-JP" altLang="en-US" sz="2400" dirty="0">
                 <a:solidFill>
                   <a:srgbClr val="FF0000"/>
                 </a:solidFill>
               </a:rPr>
-            </a:br>
-            <a:r>
-              <a:rPr kumimoji="1" lang="ja-JP" altLang="en-US" sz="2400" dirty="0">
-                <a:solidFill>
-                  <a:srgbClr val="FF0000"/>
-                </a:solidFill>
-              </a:rPr>
-              <a:t>ようにする</a:t>
+              <a:t>文字列になる</a:t>
             </a:r>
           </a:p>
         </p:txBody>
@@ -16663,11 +16722,166 @@
                 </a:solidFill>
                 <a:ea typeface="ＭＳ ゴシック" panose="020B0609070205080204" pitchFamily="49" charset="-128"/>
               </a:rPr>
-              <a:t>	Enemy()	: </a:t>
+              <a:t>	Enemy(</a:t>
+            </a:r>
+            <a:r>
+              <a:rPr lang="en-US" altLang="ja-JP" sz="2400" dirty="0">
+                <a:solidFill>
+                  <a:srgbClr val="2B91AF"/>
+                </a:solidFill>
+                <a:ea typeface="ＭＳ ゴシック" panose="020B0609070205080204" pitchFamily="49" charset="-128"/>
+              </a:rPr>
+              <a:t>string</a:t>
+            </a:r>
+            <a:r>
+              <a:rPr lang="en-US" altLang="ja-JP" sz="2400" dirty="0">
+                <a:solidFill>
+                  <a:srgbClr val="000000"/>
+                </a:solidFill>
+                <a:ea typeface="ＭＳ ゴシック" panose="020B0609070205080204" pitchFamily="49" charset="-128"/>
+              </a:rPr>
+              <a:t> </a:t>
+            </a:r>
+            <a:r>
+              <a:rPr lang="en-US" altLang="ja-JP" sz="2400" dirty="0">
+                <a:solidFill>
+                  <a:srgbClr val="808080"/>
+                </a:solidFill>
+                <a:ea typeface="ＭＳ ゴシック" panose="020B0609070205080204" pitchFamily="49" charset="-128"/>
+              </a:rPr>
+              <a:t>name</a:t>
+            </a:r>
+            <a:r>
+              <a:rPr lang="en-US" altLang="ja-JP" sz="2400" dirty="0">
+                <a:solidFill>
+                  <a:srgbClr val="000000"/>
+                </a:solidFill>
+                <a:ea typeface="ＭＳ ゴシック" panose="020B0609070205080204" pitchFamily="49" charset="-128"/>
+              </a:rPr>
+              <a:t>, </a:t>
+            </a:r>
+            <a:r>
+              <a:rPr lang="en-US" altLang="ja-JP" sz="2400" dirty="0">
+                <a:solidFill>
+                  <a:srgbClr val="0000FF"/>
+                </a:solidFill>
+                <a:ea typeface="ＭＳ ゴシック" panose="020B0609070205080204" pitchFamily="49" charset="-128"/>
+              </a:rPr>
+              <a:t>int</a:t>
+            </a:r>
+            <a:r>
+              <a:rPr lang="en-US" altLang="ja-JP" sz="2400" dirty="0">
+                <a:solidFill>
+                  <a:srgbClr val="000000"/>
+                </a:solidFill>
+                <a:ea typeface="ＭＳ ゴシック" panose="020B0609070205080204" pitchFamily="49" charset="-128"/>
+              </a:rPr>
+              <a:t> </a:t>
+            </a:r>
+            <a:r>
+              <a:rPr lang="en-US" altLang="ja-JP" sz="2400" dirty="0">
+                <a:solidFill>
+                  <a:srgbClr val="808080"/>
+                </a:solidFill>
+                <a:ea typeface="ＭＳ ゴシック" panose="020B0609070205080204" pitchFamily="49" charset="-128"/>
+              </a:rPr>
+              <a:t>hp</a:t>
+            </a:r>
+            <a:r>
+              <a:rPr lang="en-US" altLang="ja-JP" sz="2400" dirty="0">
+                <a:solidFill>
+                  <a:srgbClr val="000000"/>
+                </a:solidFill>
+                <a:ea typeface="ＭＳ ゴシック" panose="020B0609070205080204" pitchFamily="49" charset="-128"/>
+              </a:rPr>
+              <a:t>, </a:t>
+            </a:r>
+            <a:r>
+              <a:rPr lang="en-US" altLang="ja-JP" sz="2400" dirty="0">
+                <a:solidFill>
+                  <a:srgbClr val="0000FF"/>
+                </a:solidFill>
+                <a:ea typeface="ＭＳ ゴシック" panose="020B0609070205080204" pitchFamily="49" charset="-128"/>
+              </a:rPr>
+              <a:t>int</a:t>
+            </a:r>
+            <a:r>
+              <a:rPr lang="en-US" altLang="ja-JP" sz="2400" dirty="0">
+                <a:solidFill>
+                  <a:srgbClr val="000000"/>
+                </a:solidFill>
+                <a:ea typeface="ＭＳ ゴシック" panose="020B0609070205080204" pitchFamily="49" charset="-128"/>
+              </a:rPr>
+              <a:t> </a:t>
             </a:r>
             <a:r>
               <a:rPr lang="en-US" altLang="ja-JP" sz="2400" dirty="0" err="1">
                 <a:solidFill>
+                  <a:srgbClr val="808080"/>
+                </a:solidFill>
+                <a:ea typeface="ＭＳ ゴシック" panose="020B0609070205080204" pitchFamily="49" charset="-128"/>
+              </a:rPr>
+              <a:t>atk</a:t>
+            </a:r>
+            <a:r>
+              <a:rPr lang="en-US" altLang="ja-JP" sz="2400" dirty="0">
+                <a:solidFill>
+                  <a:srgbClr val="000000"/>
+                </a:solidFill>
+                <a:ea typeface="ＭＳ ゴシック" panose="020B0609070205080204" pitchFamily="49" charset="-128"/>
+              </a:rPr>
+              <a:t>, </a:t>
+            </a:r>
+            <a:r>
+              <a:rPr lang="en-US" altLang="ja-JP" sz="2400" dirty="0">
+                <a:solidFill>
+                  <a:srgbClr val="0000FF"/>
+                </a:solidFill>
+                <a:ea typeface="ＭＳ ゴシック" panose="020B0609070205080204" pitchFamily="49" charset="-128"/>
+              </a:rPr>
+              <a:t>int</a:t>
+            </a:r>
+            <a:r>
+              <a:rPr lang="en-US" altLang="ja-JP" sz="2400" dirty="0">
+                <a:solidFill>
+                  <a:srgbClr val="000000"/>
+                </a:solidFill>
+                <a:ea typeface="ＭＳ ゴシック" panose="020B0609070205080204" pitchFamily="49" charset="-128"/>
+              </a:rPr>
+              <a:t> </a:t>
+            </a:r>
+            <a:r>
+              <a:rPr lang="en-US" altLang="ja-JP" sz="2400" dirty="0">
+                <a:solidFill>
+                  <a:srgbClr val="808080"/>
+                </a:solidFill>
+                <a:ea typeface="ＭＳ ゴシック" panose="020B0609070205080204" pitchFamily="49" charset="-128"/>
+              </a:rPr>
+              <a:t>def</a:t>
+            </a:r>
+            <a:r>
+              <a:rPr lang="en-US" altLang="ja-JP" sz="2400" dirty="0">
+                <a:solidFill>
+                  <a:srgbClr val="000000"/>
+                </a:solidFill>
+                <a:ea typeface="ＭＳ ゴシック" panose="020B0609070205080204" pitchFamily="49" charset="-128"/>
+              </a:rPr>
+              <a:t>)</a:t>
+            </a:r>
+          </a:p>
+          <a:p>
+            <a:r>
+              <a:rPr lang="en-US" altLang="ja-JP" sz="2400" dirty="0">
+                <a:solidFill>
+                  <a:srgbClr val="000000"/>
+                </a:solidFill>
+                <a:ea typeface="ＭＳ ゴシック" panose="020B0609070205080204" pitchFamily="49" charset="-128"/>
+              </a:rPr>
+              <a:t>	: </a:t>
+            </a:r>
+            <a:r>
+              <a:rPr lang="en-US" altLang="ja-JP" sz="2400" dirty="0" err="1">
+                <a:solidFill>
                   <a:srgbClr val="000000"/>
                 </a:solidFill>
                 <a:ea typeface="ＭＳ ゴシック" panose="020B0609070205080204" pitchFamily="49" charset="-128"/>
@@ -16690,7 +16904,7 @@
                 </a:solidFill>
                 <a:ea typeface="ＭＳ ゴシック" panose="020B0609070205080204" pitchFamily="49" charset="-128"/>
               </a:rPr>
-              <a:t>0</a:t>
+              <a:t>name</a:t>
             </a:r>
             <a:r>
               <a:rPr lang="en-US" altLang="ja-JP" sz="2400" dirty="0">
@@ -16726,7 +16940,7 @@
                 </a:solidFill>
                 <a:ea typeface="ＭＳ ゴシック" panose="020B0609070205080204" pitchFamily="49" charset="-128"/>
               </a:rPr>
-              <a:t>0</a:t>
+              <a:t>hp</a:t>
             </a:r>
             <a:r>
               <a:rPr lang="en-US" altLang="ja-JP" sz="2400" dirty="0">
@@ -16756,13 +16970,49 @@
               <a:t>(</a:t>
             </a:r>
             <a:r>
+              <a:rPr lang="en-US" altLang="ja-JP" sz="2400" dirty="0" err="1">
+                <a:solidFill>
+                  <a:srgbClr val="808080"/>
+                </a:solidFill>
+                <a:ea typeface="ＭＳ ゴシック" panose="020B0609070205080204" pitchFamily="49" charset="-128"/>
+              </a:rPr>
+              <a:t>atk</a:t>
+            </a:r>
+            <a:r>
               <a:rPr lang="en-US" altLang="ja-JP" sz="2400" dirty="0">
                 <a:solidFill>
+                  <a:srgbClr val="000000"/>
+                </a:solidFill>
+                <a:ea typeface="ＭＳ ゴシック" panose="020B0609070205080204" pitchFamily="49" charset="-128"/>
+              </a:rPr>
+              <a:t>), </a:t>
+            </a:r>
+            <a:r>
+              <a:rPr lang="en-US" altLang="ja-JP" sz="2400" dirty="0" err="1">
+                <a:solidFill>
+                  <a:srgbClr val="000000"/>
+                </a:solidFill>
+                <a:ea typeface="ＭＳ ゴシック" panose="020B0609070205080204" pitchFamily="49" charset="-128"/>
+              </a:rPr>
+              <a:t>m_def</a:t>
+            </a:r>
+            <a:r>
+              <a:rPr lang="en-US" altLang="ja-JP" sz="2400" dirty="0">
+                <a:solidFill>
+                  <a:srgbClr val="000000"/>
+                </a:solidFill>
+                <a:ea typeface="ＭＳ ゴシック" panose="020B0609070205080204" pitchFamily="49" charset="-128"/>
+              </a:rPr>
+              <a:t>(</a:t>
+            </a:r>
+            <a:r>
+              <a:rPr lang="en-US" altLang="ja-JP" sz="2400" dirty="0">
+                <a:solidFill>
                   <a:srgbClr val="808080"/>
                 </a:solidFill>
                 <a:ea typeface="ＭＳ ゴシック" panose="020B0609070205080204" pitchFamily="49" charset="-128"/>
               </a:rPr>
-              <a:t>0</a:t>
+              <a:t>def</a:t>
             </a:r>
             <a:r>
               <a:rPr lang="en-US" altLang="ja-JP" sz="2400" dirty="0">
@@ -16771,17 +17021,10 @@
                 </a:solidFill>
                 <a:ea typeface="ＭＳ ゴシック" panose="020B0609070205080204" pitchFamily="49" charset="-128"/>
               </a:rPr>
-              <a:t>), </a:t>
-            </a:r>
-            <a:r>
-              <a:rPr lang="en-US" altLang="ja-JP" sz="2400" dirty="0" err="1">
-                <a:solidFill>
-                  <a:srgbClr val="000000"/>
-                </a:solidFill>
-                <a:ea typeface="ＭＳ ゴシック" panose="020B0609070205080204" pitchFamily="49" charset="-128"/>
-              </a:rPr>
-              <a:t>m_def</a:t>
-            </a:r>
+              <a:t>) {};</a:t>
+            </a:r>
+          </a:p>
+          <a:p>
             <a:r>
               <a:rPr lang="en-US" altLang="ja-JP" sz="2400" dirty="0">
                 <a:solidFill>
@@ -16789,16 +17032,16 @@
                 </a:solidFill>
                 <a:ea typeface="ＭＳ ゴシック" panose="020B0609070205080204" pitchFamily="49" charset="-128"/>
               </a:rPr>
-              <a:t>(</a:t>
+              <a:t>	Enemy()	 = </a:t>
             </a:r>
             <a:r>
               <a:rPr lang="en-US" altLang="ja-JP" sz="2400" dirty="0">
                 <a:solidFill>
-                  <a:srgbClr val="808080"/>
-                </a:solidFill>
-                <a:ea typeface="ＭＳ ゴシック" panose="020B0609070205080204" pitchFamily="49" charset="-128"/>
-              </a:rPr>
-              <a:t>0</a:t>
+                  <a:srgbClr val="0000FF"/>
+                </a:solidFill>
+                <a:ea typeface="ＭＳ ゴシック" panose="020B0609070205080204" pitchFamily="49" charset="-128"/>
+              </a:rPr>
+              <a:t>default</a:t>
             </a:r>
             <a:r>
               <a:rPr lang="en-US" altLang="ja-JP" sz="2400" dirty="0">
@@ -16807,317 +17050,34 @@
                 </a:solidFill>
                 <a:ea typeface="ＭＳ ゴシック" panose="020B0609070205080204" pitchFamily="49" charset="-128"/>
               </a:rPr>
-              <a:t>) {};</a:t>
-            </a:r>
-          </a:p>
-          <a:p>
+              <a:t>; </a:t>
+            </a:r>
             <a:r>
               <a:rPr lang="en-US" altLang="ja-JP" sz="2400" dirty="0">
                 <a:solidFill>
-                  <a:srgbClr val="000000"/>
-                </a:solidFill>
-                <a:ea typeface="ＭＳ ゴシック" panose="020B0609070205080204" pitchFamily="49" charset="-128"/>
-              </a:rPr>
-              <a:t>	Enemy(</a:t>
+                  <a:srgbClr val="00B050"/>
+                </a:solidFill>
+                <a:ea typeface="ＭＳ ゴシック" panose="020B0609070205080204" pitchFamily="49" charset="-128"/>
+              </a:rPr>
+              <a:t>//</a:t>
+            </a:r>
+            <a:r>
+              <a:rPr lang="ja-JP" altLang="en-US" sz="2400" dirty="0">
+                <a:solidFill>
+                  <a:srgbClr val="00B050"/>
+                </a:solidFill>
+                <a:ea typeface="ＭＳ ゴシック" panose="020B0609070205080204" pitchFamily="49" charset="-128"/>
+              </a:rPr>
+              <a:t>デフォルトコンストラクタ</a:t>
             </a:r>
             <a:r>
               <a:rPr lang="en-US" altLang="ja-JP" sz="2400" dirty="0">
                 <a:solidFill>
-                  <a:srgbClr val="2B91AF"/>
-                </a:solidFill>
-                <a:ea typeface="ＭＳ ゴシック" panose="020B0609070205080204" pitchFamily="49" charset="-128"/>
-              </a:rPr>
-              <a:t>string</a:t>
-            </a:r>
-            <a:r>
-              <a:rPr lang="en-US" altLang="ja-JP" sz="2400" dirty="0">
-                <a:solidFill>
-                  <a:srgbClr val="000000"/>
-                </a:solidFill>
-                <a:ea typeface="ＭＳ ゴシック" panose="020B0609070205080204" pitchFamily="49" charset="-128"/>
-              </a:rPr>
-              <a:t> </a:t>
-            </a:r>
-            <a:r>
-              <a:rPr lang="en-US" altLang="ja-JP" sz="2400" dirty="0">
-                <a:solidFill>
-                  <a:srgbClr val="808080"/>
-                </a:solidFill>
-                <a:ea typeface="ＭＳ ゴシック" panose="020B0609070205080204" pitchFamily="49" charset="-128"/>
-              </a:rPr>
-              <a:t>name</a:t>
-            </a:r>
-            <a:r>
-              <a:rPr lang="en-US" altLang="ja-JP" sz="2400" dirty="0">
-                <a:solidFill>
-                  <a:srgbClr val="000000"/>
-                </a:solidFill>
-                <a:ea typeface="ＭＳ ゴシック" panose="020B0609070205080204" pitchFamily="49" charset="-128"/>
-              </a:rPr>
-              <a:t>, </a:t>
-            </a:r>
-            <a:r>
-              <a:rPr lang="en-US" altLang="ja-JP" sz="2400" dirty="0">
-                <a:solidFill>
-                  <a:srgbClr val="0000FF"/>
-                </a:solidFill>
-                <a:ea typeface="ＭＳ ゴシック" panose="020B0609070205080204" pitchFamily="49" charset="-128"/>
-              </a:rPr>
-              <a:t>int</a:t>
-            </a:r>
-            <a:r>
-              <a:rPr lang="en-US" altLang="ja-JP" sz="2400" dirty="0">
-                <a:solidFill>
-                  <a:srgbClr val="000000"/>
-                </a:solidFill>
-                <a:ea typeface="ＭＳ ゴシック" panose="020B0609070205080204" pitchFamily="49" charset="-128"/>
-              </a:rPr>
-              <a:t> </a:t>
-            </a:r>
-            <a:r>
-              <a:rPr lang="en-US" altLang="ja-JP" sz="2400" dirty="0">
-                <a:solidFill>
-                  <a:srgbClr val="808080"/>
-                </a:solidFill>
-                <a:ea typeface="ＭＳ ゴシック" panose="020B0609070205080204" pitchFamily="49" charset="-128"/>
-              </a:rPr>
-              <a:t>hp</a:t>
-            </a:r>
-            <a:r>
-              <a:rPr lang="en-US" altLang="ja-JP" sz="2400" dirty="0">
-                <a:solidFill>
-                  <a:srgbClr val="000000"/>
-                </a:solidFill>
-                <a:ea typeface="ＭＳ ゴシック" panose="020B0609070205080204" pitchFamily="49" charset="-128"/>
-              </a:rPr>
-              <a:t>, </a:t>
-            </a:r>
-            <a:r>
-              <a:rPr lang="en-US" altLang="ja-JP" sz="2400" dirty="0">
-                <a:solidFill>
-                  <a:srgbClr val="0000FF"/>
-                </a:solidFill>
-                <a:ea typeface="ＭＳ ゴシック" panose="020B0609070205080204" pitchFamily="49" charset="-128"/>
-              </a:rPr>
-              <a:t>int</a:t>
-            </a:r>
-            <a:r>
-              <a:rPr lang="en-US" altLang="ja-JP" sz="2400" dirty="0">
-                <a:solidFill>
-                  <a:srgbClr val="000000"/>
-                </a:solidFill>
-                <a:ea typeface="ＭＳ ゴシック" panose="020B0609070205080204" pitchFamily="49" charset="-128"/>
-              </a:rPr>
-              <a:t> </a:t>
-            </a:r>
-            <a:r>
-              <a:rPr lang="en-US" altLang="ja-JP" sz="2400" dirty="0" err="1">
-                <a:solidFill>
-                  <a:srgbClr val="808080"/>
-                </a:solidFill>
-                <a:ea typeface="ＭＳ ゴシック" panose="020B0609070205080204" pitchFamily="49" charset="-128"/>
-              </a:rPr>
-              <a:t>atk</a:t>
-            </a:r>
-            <a:r>
-              <a:rPr lang="en-US" altLang="ja-JP" sz="2400" dirty="0">
-                <a:solidFill>
-                  <a:srgbClr val="000000"/>
-                </a:solidFill>
-                <a:ea typeface="ＭＳ ゴシック" panose="020B0609070205080204" pitchFamily="49" charset="-128"/>
-              </a:rPr>
-              <a:t>, </a:t>
-            </a:r>
-            <a:r>
-              <a:rPr lang="en-US" altLang="ja-JP" sz="2400" dirty="0">
-                <a:solidFill>
-                  <a:srgbClr val="0000FF"/>
-                </a:solidFill>
-                <a:ea typeface="ＭＳ ゴシック" panose="020B0609070205080204" pitchFamily="49" charset="-128"/>
-              </a:rPr>
-              <a:t>int</a:t>
-            </a:r>
-            <a:r>
-              <a:rPr lang="en-US" altLang="ja-JP" sz="2400" dirty="0">
-                <a:solidFill>
-                  <a:srgbClr val="000000"/>
-                </a:solidFill>
-                <a:ea typeface="ＭＳ ゴシック" panose="020B0609070205080204" pitchFamily="49" charset="-128"/>
-              </a:rPr>
-              <a:t> </a:t>
-            </a:r>
-            <a:r>
-              <a:rPr lang="en-US" altLang="ja-JP" sz="2400" dirty="0">
-                <a:solidFill>
-                  <a:srgbClr val="808080"/>
-                </a:solidFill>
-                <a:ea typeface="ＭＳ ゴシック" panose="020B0609070205080204" pitchFamily="49" charset="-128"/>
-              </a:rPr>
-              <a:t>def</a:t>
-            </a:r>
-            <a:r>
-              <a:rPr lang="en-US" altLang="ja-JP" sz="2400" dirty="0">
-                <a:solidFill>
-                  <a:srgbClr val="000000"/>
-                </a:solidFill>
-                <a:ea typeface="ＭＳ ゴシック" panose="020B0609070205080204" pitchFamily="49" charset="-128"/>
-              </a:rPr>
-              <a:t>)</a:t>
-            </a:r>
-          </a:p>
-          <a:p>
-            <a:r>
-              <a:rPr lang="en-US" altLang="ja-JP" sz="2400" dirty="0">
-                <a:solidFill>
-                  <a:srgbClr val="000000"/>
-                </a:solidFill>
-                <a:ea typeface="ＭＳ ゴシック" panose="020B0609070205080204" pitchFamily="49" charset="-128"/>
-              </a:rPr>
-              <a:t>	: </a:t>
-            </a:r>
-            <a:r>
-              <a:rPr lang="en-US" altLang="ja-JP" sz="2400" dirty="0" err="1">
-                <a:solidFill>
-                  <a:srgbClr val="000000"/>
-                </a:solidFill>
-                <a:ea typeface="ＭＳ ゴシック" panose="020B0609070205080204" pitchFamily="49" charset="-128"/>
-              </a:rPr>
-              <a:t>m_name</a:t>
-            </a:r>
-            <a:r>
-              <a:rPr lang="en-US" altLang="ja-JP" sz="2400" dirty="0">
-                <a:solidFill>
-                  <a:srgbClr val="000000"/>
-                </a:solidFill>
-                <a:ea typeface="ＭＳ ゴシック" panose="020B0609070205080204" pitchFamily="49" charset="-128"/>
-              </a:rPr>
-              <a:t>(</a:t>
-            </a:r>
-            <a:r>
-              <a:rPr lang="en-US" altLang="ja-JP" sz="2400" dirty="0">
-                <a:solidFill>
-                  <a:srgbClr val="808080"/>
-                </a:solidFill>
-                <a:ea typeface="ＭＳ ゴシック" panose="020B0609070205080204" pitchFamily="49" charset="-128"/>
-              </a:rPr>
-              <a:t>name</a:t>
-            </a:r>
-            <a:r>
-              <a:rPr lang="en-US" altLang="ja-JP" sz="2400" dirty="0">
-                <a:solidFill>
-                  <a:srgbClr val="000000"/>
-                </a:solidFill>
-                <a:ea typeface="ＭＳ ゴシック" panose="020B0609070205080204" pitchFamily="49" charset="-128"/>
-              </a:rPr>
-              <a:t>), </a:t>
-            </a:r>
-            <a:r>
-              <a:rPr lang="en-US" altLang="ja-JP" sz="2400" dirty="0" err="1">
-                <a:solidFill>
-                  <a:srgbClr val="000000"/>
-                </a:solidFill>
-                <a:ea typeface="ＭＳ ゴシック" panose="020B0609070205080204" pitchFamily="49" charset="-128"/>
-              </a:rPr>
-              <a:t>m_hp</a:t>
-            </a:r>
-            <a:r>
-              <a:rPr lang="en-US" altLang="ja-JP" sz="2400" dirty="0">
-                <a:solidFill>
-                  <a:srgbClr val="000000"/>
-                </a:solidFill>
-                <a:ea typeface="ＭＳ ゴシック" panose="020B0609070205080204" pitchFamily="49" charset="-128"/>
-              </a:rPr>
-              <a:t>(</a:t>
-            </a:r>
-            <a:r>
-              <a:rPr lang="en-US" altLang="ja-JP" sz="2400" dirty="0">
-                <a:solidFill>
-                  <a:srgbClr val="808080"/>
-                </a:solidFill>
-                <a:ea typeface="ＭＳ ゴシック" panose="020B0609070205080204" pitchFamily="49" charset="-128"/>
-              </a:rPr>
-              <a:t>hp</a:t>
-            </a:r>
-            <a:r>
-              <a:rPr lang="en-US" altLang="ja-JP" sz="2400" dirty="0">
-                <a:solidFill>
-                  <a:srgbClr val="000000"/>
-                </a:solidFill>
-                <a:ea typeface="ＭＳ ゴシック" panose="020B0609070205080204" pitchFamily="49" charset="-128"/>
-              </a:rPr>
-              <a:t>), </a:t>
-            </a:r>
-            <a:r>
-              <a:rPr lang="en-US" altLang="ja-JP" sz="2400" dirty="0" err="1">
-                <a:solidFill>
-                  <a:srgbClr val="000000"/>
-                </a:solidFill>
-                <a:ea typeface="ＭＳ ゴシック" panose="020B0609070205080204" pitchFamily="49" charset="-128"/>
-              </a:rPr>
-              <a:t>m_atk</a:t>
-            </a:r>
-            <a:r>
-              <a:rPr lang="en-US" altLang="ja-JP" sz="2400" dirty="0">
-                <a:solidFill>
-                  <a:srgbClr val="000000"/>
-                </a:solidFill>
-                <a:ea typeface="ＭＳ ゴシック" panose="020B0609070205080204" pitchFamily="49" charset="-128"/>
-              </a:rPr>
-              <a:t>(</a:t>
-            </a:r>
-            <a:r>
-              <a:rPr lang="en-US" altLang="ja-JP" sz="2400" dirty="0" err="1">
-                <a:solidFill>
-                  <a:srgbClr val="808080"/>
-                </a:solidFill>
-                <a:ea typeface="ＭＳ ゴシック" panose="020B0609070205080204" pitchFamily="49" charset="-128"/>
-              </a:rPr>
-              <a:t>atk</a:t>
-            </a:r>
-            <a:r>
-              <a:rPr lang="en-US" altLang="ja-JP" sz="2400" dirty="0">
-                <a:solidFill>
-                  <a:srgbClr val="000000"/>
-                </a:solidFill>
-                <a:ea typeface="ＭＳ ゴシック" panose="020B0609070205080204" pitchFamily="49" charset="-128"/>
-              </a:rPr>
-              <a:t>), </a:t>
-            </a:r>
-            <a:r>
-              <a:rPr lang="en-US" altLang="ja-JP" sz="2400" dirty="0" err="1">
-                <a:solidFill>
-                  <a:srgbClr val="000000"/>
-                </a:solidFill>
-                <a:ea typeface="ＭＳ ゴシック" panose="020B0609070205080204" pitchFamily="49" charset="-128"/>
-              </a:rPr>
-              <a:t>m_def</a:t>
-            </a:r>
-            <a:r>
-              <a:rPr lang="en-US" altLang="ja-JP" sz="2400" dirty="0">
-                <a:solidFill>
-                  <a:srgbClr val="000000"/>
-                </a:solidFill>
-                <a:ea typeface="ＭＳ ゴシック" panose="020B0609070205080204" pitchFamily="49" charset="-128"/>
-              </a:rPr>
-              <a:t>(</a:t>
-            </a:r>
-            <a:r>
-              <a:rPr lang="en-US" altLang="ja-JP" sz="2400" dirty="0">
-                <a:solidFill>
-                  <a:srgbClr val="808080"/>
-                </a:solidFill>
-                <a:ea typeface="ＭＳ ゴシック" panose="020B0609070205080204" pitchFamily="49" charset="-128"/>
-              </a:rPr>
-              <a:t>def</a:t>
-            </a:r>
-            <a:r>
-              <a:rPr lang="en-US" altLang="ja-JP" sz="2400" dirty="0">
-                <a:solidFill>
-                  <a:srgbClr val="000000"/>
-                </a:solidFill>
-                <a:ea typeface="ＭＳ ゴシック" panose="020B0609070205080204" pitchFamily="49" charset="-128"/>
-              </a:rPr>
-              <a:t>) {};</a:t>
+                  <a:srgbClr val="000000"/>
+                </a:solidFill>
+                <a:ea typeface="ＭＳ ゴシック" panose="020B0609070205080204" pitchFamily="49" charset="-128"/>
+              </a:rPr>
+              <a:t>;</a:t>
             </a:r>
           </a:p>
           <a:p>
@@ -17750,7 +17710,7 @@
         <p:spPr>
           <a:xfrm>
             <a:off x="838201" y="1162976"/>
-            <a:ext cx="10980906" cy="5724644"/>
+            <a:ext cx="10980906" cy="4924425"/>
           </a:xfrm>
           <a:prstGeom prst="rect">
             <a:avLst/>
@@ -17829,7 +17789,7 @@
                 </a:solidFill>
                 <a:ea typeface="ＭＳ ゴシック" panose="020B0609070205080204" pitchFamily="49" charset="-128"/>
               </a:rPr>
-              <a:t>一次元配列にもどす</a:t>
+              <a:t>文字列型一次元配列</a:t>
             </a:r>
             <a:br>
               <a:rPr lang="en-US" altLang="ja-JP" sz="2600" dirty="0">
@@ -17955,43 +17915,25 @@
                 </a:solidFill>
                 <a:ea typeface="ＭＳ ゴシック" panose="020B0609070205080204" pitchFamily="49" charset="-128"/>
               </a:rPr>
-              <a:t>  </a:t>
-            </a:r>
-            <a:r>
-              <a:rPr lang="en-US" altLang="ja-JP" sz="2600" dirty="0">
-                <a:solidFill>
-                  <a:srgbClr val="0000FF"/>
-                </a:solidFill>
-                <a:ea typeface="ＭＳ ゴシック" panose="020B0609070205080204" pitchFamily="49" charset="-128"/>
-              </a:rPr>
-              <a:t>int</a:t>
-            </a:r>
-            <a:r>
-              <a:rPr lang="en-US" altLang="ja-JP" sz="2600" dirty="0">
-                <a:solidFill>
-                  <a:srgbClr val="000000"/>
-                </a:solidFill>
-                <a:ea typeface="ＭＳ ゴシック" panose="020B0609070205080204" pitchFamily="49" charset="-128"/>
-              </a:rPr>
-              <a:t> j = 0;  </a:t>
-            </a:r>
-            <a:r>
-              <a:rPr lang="en-US" altLang="ja-JP" sz="2600" dirty="0">
-                <a:solidFill>
-                  <a:srgbClr val="00B050"/>
-                </a:solidFill>
-                <a:ea typeface="ＭＳ ゴシック" panose="020B0609070205080204" pitchFamily="49" charset="-128"/>
-              </a:rPr>
-              <a:t>//</a:t>
-            </a:r>
-            <a:r>
-              <a:rPr lang="ja-JP" altLang="en-US" sz="2600" dirty="0">
-                <a:solidFill>
-                  <a:srgbClr val="00B050"/>
-                </a:solidFill>
-                <a:ea typeface="ＭＳ ゴシック" panose="020B0609070205080204" pitchFamily="49" charset="-128"/>
-              </a:rPr>
-              <a:t>削除</a:t>
+              <a:t>  while(</a:t>
+            </a:r>
+            <a:r>
+              <a:rPr lang="en-US" altLang="ja-JP" sz="2600" dirty="0" err="1">
+                <a:solidFill>
+                  <a:srgbClr val="000000"/>
+                </a:solidFill>
+                <a:ea typeface="ＭＳ ゴシック" panose="020B0609070205080204" pitchFamily="49" charset="-128"/>
+              </a:rPr>
+              <a:t>getline</a:t>
+            </a:r>
+            <a:r>
+              <a:rPr lang="en-US" altLang="ja-JP" sz="2600" dirty="0">
+                <a:solidFill>
+                  <a:srgbClr val="000000"/>
+                </a:solidFill>
+                <a:ea typeface="ＭＳ ゴシック" panose="020B0609070205080204" pitchFamily="49" charset="-128"/>
+              </a:rPr>
+              <a:t>(ifs, text)) {</a:t>
             </a:r>
             <a:endParaRPr lang="en-US" altLang="ja-JP" sz="2600" dirty="0">
               <a:solidFill>
@@ -18002,58 +17944,49 @@
           </a:p>
           <a:p>
             <a:r>
-              <a:rPr lang="ja-JP" altLang="en-US" sz="2600" dirty="0">
-                <a:solidFill>
-                  <a:srgbClr val="000000"/>
-                </a:solidFill>
-                <a:ea typeface="ＭＳ ゴシック" panose="020B0609070205080204" pitchFamily="49" charset="-128"/>
-              </a:rPr>
-              <a:t>  </a:t>
-            </a:r>
-            <a:r>
-              <a:rPr lang="en-US" altLang="ja-JP" sz="2600" dirty="0">
-                <a:solidFill>
-                  <a:srgbClr val="000000"/>
-                </a:solidFill>
-                <a:ea typeface="ＭＳ ゴシック" panose="020B0609070205080204" pitchFamily="49" charset="-128"/>
-              </a:rPr>
-              <a:t>while(</a:t>
+              <a:rPr lang="en-US" altLang="ja-JP" sz="2600" dirty="0">
+                <a:solidFill>
+                  <a:srgbClr val="000000"/>
+                </a:solidFill>
+                <a:ea typeface="ＭＳ ゴシック" panose="020B0609070205080204" pitchFamily="49" charset="-128"/>
+              </a:rPr>
+              <a:t>    </a:t>
             </a:r>
             <a:r>
               <a:rPr lang="en-US" altLang="ja-JP" sz="2600" dirty="0" err="1">
                 <a:solidFill>
-                  <a:srgbClr val="000000"/>
-                </a:solidFill>
-                <a:ea typeface="ＭＳ ゴシック" panose="020B0609070205080204" pitchFamily="49" charset="-128"/>
-              </a:rPr>
-              <a:t>getline</a:t>
-            </a:r>
-            <a:r>
-              <a:rPr lang="en-US" altLang="ja-JP" sz="2600" dirty="0">
-                <a:solidFill>
-                  <a:srgbClr val="000000"/>
-                </a:solidFill>
-                <a:ea typeface="ＭＳ ゴシック" panose="020B0609070205080204" pitchFamily="49" charset="-128"/>
-              </a:rPr>
-              <a:t>(ifs, text)) {</a:t>
-            </a:r>
-            <a:r>
-              <a:rPr lang="en-US" altLang="ja-JP" sz="2600" dirty="0">
-                <a:solidFill>
-                  <a:srgbClr val="00B050"/>
-                </a:solidFill>
-                <a:ea typeface="ＭＳ ゴシック" panose="020B0609070205080204" pitchFamily="49" charset="-128"/>
-              </a:rPr>
-              <a:t>//</a:t>
-            </a:r>
-            <a:r>
-              <a:rPr lang="ja-JP" altLang="en-US" sz="2600" dirty="0">
-                <a:solidFill>
-                  <a:srgbClr val="00B050"/>
-                </a:solidFill>
-                <a:ea typeface="ＭＳ ゴシック" panose="020B0609070205080204" pitchFamily="49" charset="-128"/>
-              </a:rPr>
-              <a:t>ファイル末尾まで読出し</a:t>
+                  <a:srgbClr val="FF0000"/>
+                </a:solidFill>
+                <a:ea typeface="ＭＳ ゴシック" panose="020B0609070205080204" pitchFamily="49" charset="-128"/>
+              </a:rPr>
+              <a:t>istringstream</a:t>
+            </a:r>
+            <a:r>
+              <a:rPr lang="en-US" altLang="ja-JP" sz="2600" dirty="0">
+                <a:solidFill>
+                  <a:srgbClr val="000000"/>
+                </a:solidFill>
+                <a:ea typeface="ＭＳ ゴシック" panose="020B0609070205080204" pitchFamily="49" charset="-128"/>
+              </a:rPr>
+              <a:t> </a:t>
+            </a:r>
+            <a:r>
+              <a:rPr lang="en-US" altLang="ja-JP" sz="2600" dirty="0" err="1">
+                <a:solidFill>
+                  <a:srgbClr val="00B0F0"/>
+                </a:solidFill>
+                <a:ea typeface="ＭＳ ゴシック" panose="020B0609070205080204" pitchFamily="49" charset="-128"/>
+              </a:rPr>
+              <a:t>iss</a:t>
+            </a:r>
+            <a:r>
+              <a:rPr lang="en-US" altLang="ja-JP" sz="2600" dirty="0">
+                <a:solidFill>
+                  <a:srgbClr val="000000"/>
+                </a:solidFill>
+                <a:ea typeface="ＭＳ ゴシック" panose="020B0609070205080204" pitchFamily="49" charset="-128"/>
+              </a:rPr>
+              <a:t>(text);</a:t>
             </a:r>
             <a:endParaRPr lang="en-US" altLang="ja-JP" sz="2600" dirty="0">
               <a:solidFill>
@@ -18064,25 +17997,175 @@
           </a:p>
           <a:p>
             <a:r>
-              <a:rPr lang="en-US" altLang="ja-JP" sz="2600" dirty="0">
-                <a:solidFill>
-                  <a:srgbClr val="000000"/>
-                </a:solidFill>
+              <a:rPr lang="ja-JP" altLang="en-US" sz="2600" dirty="0">
                 <a:ea typeface="ＭＳ ゴシック" panose="020B0609070205080204" pitchFamily="49" charset="-128"/>
               </a:rPr>
               <a:t>    </a:t>
             </a:r>
             <a:r>
+              <a:rPr lang="en-US" altLang="ja-JP" sz="2600" dirty="0">
+                <a:ea typeface="ＭＳ ゴシック" panose="020B0609070205080204" pitchFamily="49" charset="-128"/>
+              </a:rPr>
+              <a:t>while(</a:t>
+            </a:r>
+            <a:r>
               <a:rPr lang="en-US" altLang="ja-JP" sz="2600" dirty="0" err="1">
                 <a:solidFill>
-                  <a:srgbClr val="FF0000"/>
-                </a:solidFill>
-                <a:ea typeface="ＭＳ ゴシック" panose="020B0609070205080204" pitchFamily="49" charset="-128"/>
-              </a:rPr>
-              <a:t>istringstream</a:t>
-            </a:r>
-            <a:r>
-              <a:rPr lang="en-US" altLang="ja-JP" sz="2600" dirty="0">
+                  <a:srgbClr val="000000"/>
+                </a:solidFill>
+                <a:ea typeface="ＭＳ ゴシック" panose="020B0609070205080204" pitchFamily="49" charset="-128"/>
+              </a:rPr>
+              <a:t>getline</a:t>
+            </a:r>
+            <a:r>
+              <a:rPr lang="en-US" altLang="ja-JP" sz="2600" dirty="0">
+                <a:solidFill>
+                  <a:srgbClr val="000000"/>
+                </a:solidFill>
+                <a:ea typeface="ＭＳ ゴシック" panose="020B0609070205080204" pitchFamily="49" charset="-128"/>
+              </a:rPr>
+              <a:t>(</a:t>
+            </a:r>
+            <a:r>
+              <a:rPr lang="en-US" altLang="ja-JP" sz="2600" dirty="0" err="1">
+                <a:solidFill>
+                  <a:srgbClr val="00B0F0"/>
+                </a:solidFill>
+                <a:ea typeface="ＭＳ ゴシック" panose="020B0609070205080204" pitchFamily="49" charset="-128"/>
+              </a:rPr>
+              <a:t>iss</a:t>
+            </a:r>
+            <a:r>
+              <a:rPr lang="en-US" altLang="ja-JP" sz="2600" dirty="0">
+                <a:solidFill>
+                  <a:srgbClr val="000000"/>
+                </a:solidFill>
+                <a:ea typeface="ＭＳ ゴシック" panose="020B0609070205080204" pitchFamily="49" charset="-128"/>
+              </a:rPr>
+              <a:t>, text,‘,’)) {</a:t>
+            </a:r>
+            <a:br>
+              <a:rPr lang="en-US" altLang="ja-JP" sz="2600" dirty="0">
+                <a:solidFill>
+                  <a:srgbClr val="000000"/>
+                </a:solidFill>
+                <a:ea typeface="ＭＳ ゴシック" panose="020B0609070205080204" pitchFamily="49" charset="-128"/>
+              </a:rPr>
+            </a:br>
+            <a:r>
+              <a:rPr lang="en-US" altLang="ja-JP" sz="2600" dirty="0">
+                <a:solidFill>
+                  <a:srgbClr val="000000"/>
+                </a:solidFill>
+                <a:ea typeface="ＭＳ ゴシック" panose="020B0609070205080204" pitchFamily="49" charset="-128"/>
+              </a:rPr>
+              <a:t>      </a:t>
+            </a:r>
+            <a:r>
+              <a:rPr lang="en-US" altLang="ja-JP" sz="2600" dirty="0" err="1">
+                <a:solidFill>
+                  <a:srgbClr val="FF00FF"/>
+                </a:solidFill>
+                <a:ea typeface="ＭＳ ゴシック" panose="020B0609070205080204" pitchFamily="49" charset="-128"/>
+              </a:rPr>
+              <a:t>vEne</a:t>
+            </a:r>
+            <a:r>
+              <a:rPr lang="en-US" altLang="ja-JP" sz="2600" dirty="0" err="1">
+                <a:ea typeface="ＭＳ ゴシック" panose="020B0609070205080204" pitchFamily="49" charset="-128"/>
+              </a:rPr>
+              <a:t>.push_back</a:t>
+            </a:r>
+            <a:r>
+              <a:rPr lang="en-US" altLang="ja-JP" sz="2600" dirty="0">
+                <a:ea typeface="ＭＳ ゴシック" panose="020B0609070205080204" pitchFamily="49" charset="-128"/>
+              </a:rPr>
+              <a:t>(text); </a:t>
+            </a:r>
+            <a:r>
+              <a:rPr lang="en-US" altLang="ja-JP" sz="2600" dirty="0">
+                <a:solidFill>
+                  <a:srgbClr val="00B050"/>
+                </a:solidFill>
+                <a:ea typeface="ＭＳ ゴシック" panose="020B0609070205080204" pitchFamily="49" charset="-128"/>
+              </a:rPr>
+              <a:t>//</a:t>
+            </a:r>
+            <a:r>
+              <a:rPr lang="ja-JP" altLang="en-US" sz="2600" dirty="0">
+                <a:solidFill>
+                  <a:srgbClr val="00B050"/>
+                </a:solidFill>
+                <a:ea typeface="ＭＳ ゴシック" panose="020B0609070205080204" pitchFamily="49" charset="-128"/>
+              </a:rPr>
+              <a:t>一時的に配列に保管</a:t>
+            </a:r>
+            <a:br>
+              <a:rPr lang="en-US" altLang="ja-JP" sz="2600" dirty="0">
+                <a:solidFill>
+                  <a:srgbClr val="00B050"/>
+                </a:solidFill>
+                <a:ea typeface="ＭＳ ゴシック" panose="020B0609070205080204" pitchFamily="49" charset="-128"/>
+              </a:rPr>
+            </a:br>
+            <a:r>
+              <a:rPr lang="en-US" altLang="ja-JP" sz="2600" dirty="0">
+                <a:solidFill>
+                  <a:srgbClr val="00B050"/>
+                </a:solidFill>
+                <a:ea typeface="ＭＳ ゴシック" panose="020B0609070205080204" pitchFamily="49" charset="-128"/>
+              </a:rPr>
+              <a:t>    </a:t>
+            </a:r>
+            <a:r>
+              <a:rPr lang="en-US" altLang="ja-JP" sz="2600" dirty="0">
+                <a:ea typeface="ＭＳ ゴシック" panose="020B0609070205080204" pitchFamily="49" charset="-128"/>
+              </a:rPr>
+              <a:t>}</a:t>
+            </a:r>
+            <a:br>
+              <a:rPr lang="en-US" altLang="ja-JP" sz="2600" dirty="0">
+                <a:ea typeface="ＭＳ ゴシック" panose="020B0609070205080204" pitchFamily="49" charset="-128"/>
+              </a:rPr>
+            </a:br>
+            <a:r>
+              <a:rPr lang="en-US" altLang="ja-JP" sz="2600" dirty="0">
+                <a:ea typeface="ＭＳ ゴシック" panose="020B0609070205080204" pitchFamily="49" charset="-128"/>
+              </a:rPr>
+              <a:t>    </a:t>
+            </a:r>
+            <a:r>
+              <a:rPr lang="en-US" altLang="ja-JP" sz="2600" dirty="0" err="1">
+                <a:solidFill>
+                  <a:srgbClr val="FF00FF"/>
+                </a:solidFill>
+                <a:ea typeface="ＭＳ ゴシック" panose="020B0609070205080204" pitchFamily="49" charset="-128"/>
+              </a:rPr>
+              <a:t>pEne</a:t>
+            </a:r>
+            <a:r>
+              <a:rPr lang="en-US" altLang="ja-JP" sz="2600" dirty="0" err="1">
+                <a:ea typeface="ＭＳ ゴシック" panose="020B0609070205080204" pitchFamily="49" charset="-128"/>
+              </a:rPr>
+              <a:t>.push_back</a:t>
+            </a:r>
+            <a:r>
+              <a:rPr lang="en-US" altLang="ja-JP" sz="2600" dirty="0">
+                <a:ea typeface="ＭＳ ゴシック" panose="020B0609070205080204" pitchFamily="49" charset="-128"/>
+              </a:rPr>
+              <a:t>(</a:t>
+            </a:r>
+            <a:r>
+              <a:rPr lang="en-US" altLang="ja-JP" sz="2800" dirty="0">
+                <a:solidFill>
+                  <a:srgbClr val="0000FF"/>
+                </a:solidFill>
+                <a:ea typeface="ＭＳ ゴシック" panose="020B0609070205080204" pitchFamily="49" charset="-128"/>
+              </a:rPr>
+              <a:t>new</a:t>
+            </a:r>
+            <a:r>
+              <a:rPr lang="en-US" altLang="ja-JP" sz="2800" dirty="0">
                 <a:solidFill>
                   <a:srgbClr val="000000"/>
                 </a:solidFill>
@@ -18091,22 +18174,144 @@
               <a:t> </a:t>
             </a:r>
             <a:r>
+              <a:rPr lang="en-US" altLang="ja-JP" sz="2800" dirty="0">
+                <a:solidFill>
+                  <a:srgbClr val="2B91AF"/>
+                </a:solidFill>
+                <a:ea typeface="ＭＳ ゴシック" panose="020B0609070205080204" pitchFamily="49" charset="-128"/>
+              </a:rPr>
+              <a:t>Enemy</a:t>
+            </a:r>
+            <a:r>
+              <a:rPr lang="en-US" altLang="ja-JP" sz="2600" dirty="0">
+                <a:ea typeface="ＭＳ ゴシック" panose="020B0609070205080204" pitchFamily="49" charset="-128"/>
+              </a:rPr>
+              <a:t>(</a:t>
+            </a:r>
+            <a:r>
               <a:rPr lang="en-US" altLang="ja-JP" sz="2600" dirty="0" err="1">
                 <a:solidFill>
-                  <a:srgbClr val="00B0F0"/>
-                </a:solidFill>
-                <a:ea typeface="ＭＳ ゴシック" panose="020B0609070205080204" pitchFamily="49" charset="-128"/>
-              </a:rPr>
-              <a:t>iss</a:t>
-            </a:r>
-            <a:r>
-              <a:rPr lang="en-US" altLang="ja-JP" sz="2600" dirty="0">
-                <a:solidFill>
-                  <a:srgbClr val="000000"/>
-                </a:solidFill>
-                <a:ea typeface="ＭＳ ゴシック" panose="020B0609070205080204" pitchFamily="49" charset="-128"/>
-              </a:rPr>
-              <a:t>(text);</a:t>
+                  <a:srgbClr val="FF00FF"/>
+                </a:solidFill>
+                <a:ea typeface="ＭＳ ゴシック" panose="020B0609070205080204" pitchFamily="49" charset="-128"/>
+              </a:rPr>
+              <a:t>vEne</a:t>
+            </a:r>
+            <a:r>
+              <a:rPr lang="en-US" altLang="ja-JP" sz="2600" dirty="0">
+                <a:ea typeface="ＭＳ ゴシック" panose="020B0609070205080204" pitchFamily="49" charset="-128"/>
+              </a:rPr>
+              <a:t>[0], </a:t>
+            </a:r>
+            <a:r>
+              <a:rPr lang="en-US" altLang="ja-JP" sz="2600" dirty="0" err="1">
+                <a:ea typeface="ＭＳ ゴシック" panose="020B0609070205080204" pitchFamily="49" charset="-128"/>
+              </a:rPr>
+              <a:t>stoi</a:t>
+            </a:r>
+            <a:r>
+              <a:rPr lang="en-US" altLang="ja-JP" sz="2600" dirty="0">
+                <a:ea typeface="ＭＳ ゴシック" panose="020B0609070205080204" pitchFamily="49" charset="-128"/>
+              </a:rPr>
+              <a:t>(</a:t>
+            </a:r>
+            <a:r>
+              <a:rPr lang="en-US" altLang="ja-JP" sz="2600" dirty="0" err="1">
+                <a:solidFill>
+                  <a:srgbClr val="FF00FF"/>
+                </a:solidFill>
+                <a:ea typeface="ＭＳ ゴシック" panose="020B0609070205080204" pitchFamily="49" charset="-128"/>
+              </a:rPr>
+              <a:t>vEne</a:t>
+            </a:r>
+            <a:r>
+              <a:rPr lang="en-US" altLang="ja-JP" sz="2600" dirty="0">
+                <a:ea typeface="ＭＳ ゴシック" panose="020B0609070205080204" pitchFamily="49" charset="-128"/>
+              </a:rPr>
+              <a:t>[1]),</a:t>
+            </a:r>
+            <a:br>
+              <a:rPr lang="en-US" altLang="ja-JP" sz="2600" dirty="0">
+                <a:ea typeface="ＭＳ ゴシック" panose="020B0609070205080204" pitchFamily="49" charset="-128"/>
+              </a:rPr>
+            </a:br>
+            <a:r>
+              <a:rPr lang="en-US" altLang="ja-JP" sz="2600" dirty="0">
+                <a:ea typeface="ＭＳ ゴシック" panose="020B0609070205080204" pitchFamily="49" charset="-128"/>
+              </a:rPr>
+              <a:t>      </a:t>
+            </a:r>
+            <a:r>
+              <a:rPr lang="en-US" altLang="ja-JP" sz="2600" dirty="0" err="1">
+                <a:ea typeface="ＭＳ ゴシック" panose="020B0609070205080204" pitchFamily="49" charset="-128"/>
+              </a:rPr>
+              <a:t>stoi</a:t>
+            </a:r>
+            <a:r>
+              <a:rPr lang="en-US" altLang="ja-JP" sz="2600" dirty="0">
+                <a:ea typeface="ＭＳ ゴシック" panose="020B0609070205080204" pitchFamily="49" charset="-128"/>
+              </a:rPr>
+              <a:t>(</a:t>
+            </a:r>
+            <a:r>
+              <a:rPr lang="en-US" altLang="ja-JP" sz="2600" dirty="0" err="1">
+                <a:solidFill>
+                  <a:srgbClr val="FF00FF"/>
+                </a:solidFill>
+                <a:ea typeface="ＭＳ ゴシック" panose="020B0609070205080204" pitchFamily="49" charset="-128"/>
+              </a:rPr>
+              <a:t>vEne</a:t>
+            </a:r>
+            <a:r>
+              <a:rPr lang="en-US" altLang="ja-JP" sz="2600" dirty="0">
+                <a:ea typeface="ＭＳ ゴシック" panose="020B0609070205080204" pitchFamily="49" charset="-128"/>
+              </a:rPr>
+              <a:t>[2]), </a:t>
+            </a:r>
+            <a:r>
+              <a:rPr lang="en-US" altLang="ja-JP" sz="2600" dirty="0" err="1">
+                <a:ea typeface="ＭＳ ゴシック" panose="020B0609070205080204" pitchFamily="49" charset="-128"/>
+              </a:rPr>
+              <a:t>stoi</a:t>
+            </a:r>
+            <a:r>
+              <a:rPr lang="en-US" altLang="ja-JP" sz="2600" dirty="0">
+                <a:ea typeface="ＭＳ ゴシック" panose="020B0609070205080204" pitchFamily="49" charset="-128"/>
+              </a:rPr>
+              <a:t>(</a:t>
+            </a:r>
+            <a:r>
+              <a:rPr lang="en-US" altLang="ja-JP" sz="2600" dirty="0" err="1">
+                <a:solidFill>
+                  <a:srgbClr val="FF00FF"/>
+                </a:solidFill>
+                <a:ea typeface="ＭＳ ゴシック" panose="020B0609070205080204" pitchFamily="49" charset="-128"/>
+              </a:rPr>
+              <a:t>vEne</a:t>
+            </a:r>
+            <a:r>
+              <a:rPr lang="en-US" altLang="ja-JP" sz="2600" dirty="0">
+                <a:ea typeface="ＭＳ ゴシック" panose="020B0609070205080204" pitchFamily="49" charset="-128"/>
+              </a:rPr>
+              <a:t>[3]))); </a:t>
+            </a:r>
+            <a:r>
+              <a:rPr lang="en-US" altLang="ja-JP" sz="2600" dirty="0">
+                <a:solidFill>
+                  <a:srgbClr val="00B050"/>
+                </a:solidFill>
+                <a:ea typeface="ＭＳ ゴシック" panose="020B0609070205080204" pitchFamily="49" charset="-128"/>
+              </a:rPr>
+              <a:t>//</a:t>
+            </a:r>
+            <a:r>
+              <a:rPr lang="ja-JP" altLang="en-US" sz="2600" dirty="0">
+                <a:solidFill>
+                  <a:srgbClr val="00B050"/>
+                </a:solidFill>
+                <a:ea typeface="ＭＳ ゴシック" panose="020B0609070205080204" pitchFamily="49" charset="-128"/>
+              </a:rPr>
+              <a:t>整数に変換</a:t>
             </a:r>
             <a:endParaRPr lang="en-US" altLang="ja-JP" sz="2600" dirty="0">
               <a:solidFill>
@@ -18119,247 +18324,68 @@
             <a:r>
               <a:rPr lang="en-US" altLang="ja-JP" sz="2600" dirty="0">
                 <a:solidFill>
+                  <a:srgbClr val="000000"/>
+                </a:solidFill>
+                <a:latin typeface="ＭＳ ゴシック" panose="020B0609070205080204" pitchFamily="49" charset="-128"/>
+                <a:ea typeface="ＭＳ ゴシック" panose="020B0609070205080204" pitchFamily="49" charset="-128"/>
+              </a:rPr>
+              <a:t>     </a:t>
+            </a:r>
+            <a:r>
+              <a:rPr lang="en-US" altLang="ja-JP" sz="2600" dirty="0" err="1">
+                <a:solidFill>
+                  <a:srgbClr val="FF00FF"/>
+                </a:solidFill>
+                <a:ea typeface="ＭＳ ゴシック" panose="020B0609070205080204" pitchFamily="49" charset="-128"/>
+              </a:rPr>
+              <a:t>vEne</a:t>
+            </a:r>
+            <a:r>
+              <a:rPr lang="en-US" altLang="ja-JP" sz="2600" dirty="0" err="1">
+                <a:solidFill>
+                  <a:srgbClr val="000000"/>
+                </a:solidFill>
+                <a:ea typeface="ＭＳ ゴシック" panose="020B0609070205080204" pitchFamily="49" charset="-128"/>
+              </a:rPr>
+              <a:t>.clear</a:t>
+            </a:r>
+            <a:r>
+              <a:rPr lang="en-US" altLang="ja-JP" sz="2600" dirty="0">
+                <a:solidFill>
+                  <a:srgbClr val="000000"/>
+                </a:solidFill>
+                <a:ea typeface="ＭＳ ゴシック" panose="020B0609070205080204" pitchFamily="49" charset="-128"/>
+              </a:rPr>
+              <a:t>();</a:t>
+            </a:r>
+            <a:r>
+              <a:rPr lang="en-US" altLang="ja-JP" sz="2600" dirty="0">
+                <a:solidFill>
                   <a:srgbClr val="00B050"/>
                 </a:solidFill>
                 <a:ea typeface="ＭＳ ゴシック" panose="020B0609070205080204" pitchFamily="49" charset="-128"/>
               </a:rPr>
-              <a:t>    </a:t>
-            </a:r>
-            <a:r>
-              <a:rPr lang="en-US" altLang="ja-JP" sz="2600" dirty="0" err="1">
-                <a:solidFill>
-                  <a:srgbClr val="FF00FF"/>
-                </a:solidFill>
-                <a:ea typeface="ＭＳ ゴシック" panose="020B0609070205080204" pitchFamily="49" charset="-128"/>
-              </a:rPr>
-              <a:t>vEne</a:t>
-            </a:r>
-            <a:r>
-              <a:rPr lang="en-US" altLang="ja-JP" sz="2600" dirty="0" err="1">
-                <a:ea typeface="ＭＳ ゴシック" panose="020B0609070205080204" pitchFamily="49" charset="-128"/>
-              </a:rPr>
-              <a:t>.resize</a:t>
-            </a:r>
-            <a:r>
-              <a:rPr lang="en-US" altLang="ja-JP" sz="2600" dirty="0">
-                <a:ea typeface="ＭＳ ゴシック" panose="020B0609070205080204" pitchFamily="49" charset="-128"/>
-              </a:rPr>
-              <a:t>(j+1); </a:t>
-            </a:r>
-            <a:r>
-              <a:rPr lang="en-US" altLang="ja-JP" sz="2600" dirty="0">
+              <a:t> //</a:t>
+            </a:r>
+            <a:r>
+              <a:rPr lang="ja-JP" altLang="en-US" sz="2600" dirty="0">
                 <a:solidFill>
                   <a:srgbClr val="00B050"/>
                 </a:solidFill>
                 <a:ea typeface="ＭＳ ゴシック" panose="020B0609070205080204" pitchFamily="49" charset="-128"/>
               </a:rPr>
-              <a:t>//</a:t>
-            </a:r>
-            <a:r>
-              <a:rPr lang="ja-JP" altLang="en-US" sz="2600" dirty="0">
-                <a:solidFill>
-                  <a:srgbClr val="00B050"/>
-                </a:solidFill>
-                <a:ea typeface="ＭＳ ゴシック" panose="020B0609070205080204" pitchFamily="49" charset="-128"/>
-              </a:rPr>
-              <a:t>この行を削除</a:t>
-            </a:r>
-            <a:endParaRPr lang="en-US" altLang="ja-JP" sz="2600" dirty="0">
-              <a:solidFill>
-                <a:srgbClr val="00B050"/>
-              </a:solidFill>
-              <a:ea typeface="ＭＳ ゴシック" panose="020B0609070205080204" pitchFamily="49" charset="-128"/>
-            </a:endParaRPr>
-          </a:p>
-          <a:p>
-            <a:r>
-              <a:rPr lang="en-US" altLang="ja-JP" sz="2600" dirty="0">
-                <a:solidFill>
-                  <a:srgbClr val="00B050"/>
-                </a:solidFill>
-                <a:ea typeface="ＭＳ ゴシック" panose="020B0609070205080204" pitchFamily="49" charset="-128"/>
-              </a:rPr>
-              <a:t>    </a:t>
-            </a:r>
-            <a:r>
-              <a:rPr lang="en-US" altLang="ja-JP" sz="2600" dirty="0">
-                <a:ea typeface="ＭＳ ゴシック" panose="020B0609070205080204" pitchFamily="49" charset="-128"/>
-              </a:rPr>
-              <a:t>while(</a:t>
-            </a:r>
-            <a:r>
-              <a:rPr lang="en-US" altLang="ja-JP" sz="2600" dirty="0" err="1">
-                <a:solidFill>
-                  <a:srgbClr val="000000"/>
-                </a:solidFill>
-                <a:ea typeface="ＭＳ ゴシック" panose="020B0609070205080204" pitchFamily="49" charset="-128"/>
-              </a:rPr>
-              <a:t>getline</a:t>
-            </a:r>
-            <a:r>
-              <a:rPr lang="en-US" altLang="ja-JP" sz="2600" dirty="0">
-                <a:solidFill>
-                  <a:srgbClr val="000000"/>
-                </a:solidFill>
-                <a:ea typeface="ＭＳ ゴシック" panose="020B0609070205080204" pitchFamily="49" charset="-128"/>
-              </a:rPr>
-              <a:t>(</a:t>
-            </a:r>
-            <a:r>
-              <a:rPr lang="en-US" altLang="ja-JP" sz="2600" dirty="0" err="1">
-                <a:solidFill>
-                  <a:srgbClr val="00B0F0"/>
-                </a:solidFill>
-                <a:ea typeface="ＭＳ ゴシック" panose="020B0609070205080204" pitchFamily="49" charset="-128"/>
-              </a:rPr>
-              <a:t>iss</a:t>
-            </a:r>
-            <a:r>
-              <a:rPr lang="en-US" altLang="ja-JP" sz="2600" dirty="0">
-                <a:solidFill>
-                  <a:srgbClr val="000000"/>
-                </a:solidFill>
-                <a:ea typeface="ＭＳ ゴシック" panose="020B0609070205080204" pitchFamily="49" charset="-128"/>
-              </a:rPr>
-              <a:t>, text,‘,’)) {</a:t>
-            </a:r>
-            <a:br>
-              <a:rPr lang="en-US" altLang="ja-JP" sz="2600" dirty="0">
-                <a:solidFill>
-                  <a:srgbClr val="000000"/>
-                </a:solidFill>
-                <a:ea typeface="ＭＳ ゴシック" panose="020B0609070205080204" pitchFamily="49" charset="-128"/>
-              </a:rPr>
-            </a:br>
-            <a:r>
-              <a:rPr lang="en-US" altLang="ja-JP" sz="2600" dirty="0">
-                <a:solidFill>
-                  <a:srgbClr val="000000"/>
-                </a:solidFill>
-                <a:ea typeface="ＭＳ ゴシック" panose="020B0609070205080204" pitchFamily="49" charset="-128"/>
-              </a:rPr>
-              <a:t>      </a:t>
-            </a:r>
-            <a:r>
-              <a:rPr lang="en-US" altLang="ja-JP" sz="2600" dirty="0" err="1">
-                <a:solidFill>
-                  <a:srgbClr val="FF00FF"/>
-                </a:solidFill>
-                <a:ea typeface="ＭＳ ゴシック" panose="020B0609070205080204" pitchFamily="49" charset="-128"/>
-              </a:rPr>
-              <a:t>vEne</a:t>
-            </a:r>
-            <a:r>
-              <a:rPr lang="en-US" altLang="ja-JP" sz="2600" dirty="0">
-                <a:solidFill>
-                  <a:srgbClr val="FF00FF"/>
-                </a:solidFill>
-                <a:ea typeface="ＭＳ ゴシック" panose="020B0609070205080204" pitchFamily="49" charset="-128"/>
-              </a:rPr>
-              <a:t>[j]</a:t>
-            </a:r>
-            <a:r>
-              <a:rPr lang="en-US" altLang="ja-JP" sz="2600" dirty="0">
-                <a:ea typeface="ＭＳ ゴシック" panose="020B0609070205080204" pitchFamily="49" charset="-128"/>
-              </a:rPr>
-              <a:t>.</a:t>
-            </a:r>
-            <a:r>
-              <a:rPr lang="en-US" altLang="ja-JP" sz="2600" dirty="0" err="1">
-                <a:ea typeface="ＭＳ ゴシック" panose="020B0609070205080204" pitchFamily="49" charset="-128"/>
-              </a:rPr>
-              <a:t>push_back</a:t>
-            </a:r>
-            <a:r>
-              <a:rPr lang="en-US" altLang="ja-JP" sz="2600" dirty="0">
-                <a:ea typeface="ＭＳ ゴシック" panose="020B0609070205080204" pitchFamily="49" charset="-128"/>
-              </a:rPr>
-              <a:t>(text); </a:t>
-            </a:r>
-            <a:r>
-              <a:rPr lang="en-US" altLang="ja-JP" sz="2600" dirty="0">
-                <a:solidFill>
-                  <a:srgbClr val="00B050"/>
-                </a:solidFill>
-                <a:ea typeface="ＭＳ ゴシック" panose="020B0609070205080204" pitchFamily="49" charset="-128"/>
-              </a:rPr>
-              <a:t>//[j]</a:t>
-            </a:r>
-            <a:r>
-              <a:rPr lang="ja-JP" altLang="en-US" sz="2600" dirty="0">
-                <a:solidFill>
-                  <a:srgbClr val="00B050"/>
-                </a:solidFill>
-                <a:ea typeface="ＭＳ ゴシック" panose="020B0609070205080204" pitchFamily="49" charset="-128"/>
-              </a:rPr>
-              <a:t>を削除</a:t>
-            </a:r>
-            <a:br>
-              <a:rPr lang="en-US" altLang="ja-JP" sz="2600" dirty="0">
-                <a:solidFill>
-                  <a:srgbClr val="00B050"/>
-                </a:solidFill>
-                <a:ea typeface="ＭＳ ゴシック" panose="020B0609070205080204" pitchFamily="49" charset="-128"/>
-              </a:rPr>
-            </a:br>
-            <a:r>
-              <a:rPr lang="en-US" altLang="ja-JP" sz="2600" dirty="0">
-                <a:solidFill>
-                  <a:srgbClr val="00B050"/>
-                </a:solidFill>
-                <a:ea typeface="ＭＳ ゴシック" panose="020B0609070205080204" pitchFamily="49" charset="-128"/>
-              </a:rPr>
-              <a:t>    </a:t>
-            </a:r>
-            <a:r>
-              <a:rPr lang="en-US" altLang="ja-JP" sz="2600" dirty="0">
-                <a:ea typeface="ＭＳ ゴシック" panose="020B0609070205080204" pitchFamily="49" charset="-128"/>
-              </a:rPr>
-              <a:t>}</a:t>
-            </a:r>
-            <a:br>
-              <a:rPr lang="en-US" altLang="ja-JP" sz="2600" dirty="0">
-                <a:ea typeface="ＭＳ ゴシック" panose="020B0609070205080204" pitchFamily="49" charset="-128"/>
-              </a:rPr>
-            </a:br>
-            <a:r>
-              <a:rPr lang="en-US" altLang="ja-JP" sz="2600" dirty="0">
-                <a:ea typeface="ＭＳ ゴシック" panose="020B0609070205080204" pitchFamily="49" charset="-128"/>
-              </a:rPr>
-              <a:t>    </a:t>
-            </a:r>
-            <a:r>
-              <a:rPr lang="en-US" altLang="ja-JP" sz="2600" dirty="0" err="1">
-                <a:solidFill>
-                  <a:srgbClr val="FF00FF"/>
-                </a:solidFill>
-                <a:ea typeface="ＭＳ ゴシック" panose="020B0609070205080204" pitchFamily="49" charset="-128"/>
-              </a:rPr>
-              <a:t>pEne</a:t>
-            </a:r>
-            <a:r>
-              <a:rPr lang="en-US" altLang="ja-JP" sz="2600" dirty="0" err="1">
-                <a:ea typeface="ＭＳ ゴシック" panose="020B0609070205080204" pitchFamily="49" charset="-128"/>
-              </a:rPr>
-              <a:t>.push_back</a:t>
-            </a:r>
-            <a:r>
-              <a:rPr lang="en-US" altLang="ja-JP" sz="2600" dirty="0">
-                <a:ea typeface="ＭＳ ゴシック" panose="020B0609070205080204" pitchFamily="49" charset="-128"/>
-              </a:rPr>
-              <a:t>(</a:t>
-            </a:r>
-            <a:r>
-              <a:rPr lang="en-US" altLang="ja-JP" sz="2800" dirty="0">
-                <a:solidFill>
-                  <a:srgbClr val="0000FF"/>
-                </a:solidFill>
-                <a:ea typeface="ＭＳ ゴシック" panose="020B0609070205080204" pitchFamily="49" charset="-128"/>
-              </a:rPr>
-              <a:t>new</a:t>
-            </a:r>
-            <a:r>
-              <a:rPr lang="en-US" altLang="ja-JP" sz="2800" dirty="0">
+              <a:t>一行分格納したので全要素を削除</a:t>
+            </a:r>
+            <a:br>
+              <a:rPr lang="en-US" altLang="ja-JP" sz="2600" dirty="0">
+                <a:solidFill>
+                  <a:srgbClr val="000000"/>
+                </a:solidFill>
+                <a:ea typeface="ＭＳ ゴシック" panose="020B0609070205080204" pitchFamily="49" charset="-128"/>
+              </a:rPr>
+            </a:br>
+            <a:r>
+              <a:rPr lang="en-US" altLang="ja-JP" sz="2600" dirty="0">
                 <a:solidFill>
                   <a:srgbClr val="000000"/>
                 </a:solidFill>
@@ -18368,264 +18394,11 @@
               <a:t> </a:t>
             </a:r>
             <a:r>
-              <a:rPr lang="en-US" altLang="ja-JP" sz="2800" dirty="0">
-                <a:solidFill>
-                  <a:srgbClr val="2B91AF"/>
-                </a:solidFill>
-                <a:ea typeface="ＭＳ ゴシック" panose="020B0609070205080204" pitchFamily="49" charset="-128"/>
-              </a:rPr>
-              <a:t>Enemy</a:t>
-            </a:r>
-            <a:r>
-              <a:rPr lang="en-US" altLang="ja-JP" sz="2600" dirty="0">
-                <a:ea typeface="ＭＳ ゴシック" panose="020B0609070205080204" pitchFamily="49" charset="-128"/>
-              </a:rPr>
-              <a:t>(</a:t>
-            </a:r>
-            <a:r>
-              <a:rPr lang="en-US" altLang="ja-JP" sz="2600" dirty="0" err="1">
-                <a:solidFill>
-                  <a:srgbClr val="FF00FF"/>
-                </a:solidFill>
-                <a:ea typeface="ＭＳ ゴシック" panose="020B0609070205080204" pitchFamily="49" charset="-128"/>
-              </a:rPr>
-              <a:t>vEne</a:t>
-            </a:r>
-            <a:r>
-              <a:rPr lang="en-US" altLang="ja-JP" sz="2600" dirty="0">
-                <a:ea typeface="ＭＳ ゴシック" panose="020B0609070205080204" pitchFamily="49" charset="-128"/>
-              </a:rPr>
-              <a:t>[0], </a:t>
-            </a:r>
-            <a:r>
-              <a:rPr lang="en-US" altLang="ja-JP" sz="2600" dirty="0" err="1">
-                <a:ea typeface="ＭＳ ゴシック" panose="020B0609070205080204" pitchFamily="49" charset="-128"/>
-              </a:rPr>
-              <a:t>stoi</a:t>
-            </a:r>
-            <a:r>
-              <a:rPr lang="en-US" altLang="ja-JP" sz="2600" dirty="0">
-                <a:ea typeface="ＭＳ ゴシック" panose="020B0609070205080204" pitchFamily="49" charset="-128"/>
-              </a:rPr>
-              <a:t>(</a:t>
-            </a:r>
-            <a:r>
-              <a:rPr lang="en-US" altLang="ja-JP" sz="2600" dirty="0" err="1">
-                <a:solidFill>
-                  <a:srgbClr val="FF00FF"/>
-                </a:solidFill>
-                <a:ea typeface="ＭＳ ゴシック" panose="020B0609070205080204" pitchFamily="49" charset="-128"/>
-              </a:rPr>
-              <a:t>vEne</a:t>
-            </a:r>
-            <a:r>
-              <a:rPr lang="en-US" altLang="ja-JP" sz="2600" dirty="0">
-                <a:ea typeface="ＭＳ ゴシック" panose="020B0609070205080204" pitchFamily="49" charset="-128"/>
-              </a:rPr>
-              <a:t>[1]),</a:t>
-            </a:r>
-            <a:br>
-              <a:rPr lang="en-US" altLang="ja-JP" sz="2600" dirty="0">
-                <a:ea typeface="ＭＳ ゴシック" panose="020B0609070205080204" pitchFamily="49" charset="-128"/>
-              </a:rPr>
-            </a:br>
-            <a:r>
-              <a:rPr lang="en-US" altLang="ja-JP" sz="2600" dirty="0">
-                <a:ea typeface="ＭＳ ゴシック" panose="020B0609070205080204" pitchFamily="49" charset="-128"/>
-              </a:rPr>
-              <a:t>      </a:t>
-            </a:r>
-            <a:r>
-              <a:rPr lang="en-US" altLang="ja-JP" sz="2600" dirty="0" err="1">
-                <a:ea typeface="ＭＳ ゴシック" panose="020B0609070205080204" pitchFamily="49" charset="-128"/>
-              </a:rPr>
-              <a:t>stoi</a:t>
-            </a:r>
-            <a:r>
-              <a:rPr lang="en-US" altLang="ja-JP" sz="2600" dirty="0">
-                <a:ea typeface="ＭＳ ゴシック" panose="020B0609070205080204" pitchFamily="49" charset="-128"/>
-              </a:rPr>
-              <a:t>(</a:t>
-            </a:r>
-            <a:r>
-              <a:rPr lang="en-US" altLang="ja-JP" sz="2600" dirty="0" err="1">
-                <a:solidFill>
-                  <a:srgbClr val="FF00FF"/>
-                </a:solidFill>
-                <a:ea typeface="ＭＳ ゴシック" panose="020B0609070205080204" pitchFamily="49" charset="-128"/>
-              </a:rPr>
-              <a:t>vEne</a:t>
-            </a:r>
-            <a:r>
-              <a:rPr lang="en-US" altLang="ja-JP" sz="2600" dirty="0">
-                <a:ea typeface="ＭＳ ゴシック" panose="020B0609070205080204" pitchFamily="49" charset="-128"/>
-              </a:rPr>
-              <a:t>[2]), </a:t>
-            </a:r>
-            <a:r>
-              <a:rPr lang="en-US" altLang="ja-JP" sz="2600" dirty="0" err="1">
-                <a:ea typeface="ＭＳ ゴシック" panose="020B0609070205080204" pitchFamily="49" charset="-128"/>
-              </a:rPr>
-              <a:t>stoi</a:t>
-            </a:r>
-            <a:r>
-              <a:rPr lang="en-US" altLang="ja-JP" sz="2600" dirty="0">
-                <a:ea typeface="ＭＳ ゴシック" panose="020B0609070205080204" pitchFamily="49" charset="-128"/>
-              </a:rPr>
-              <a:t>(</a:t>
-            </a:r>
-            <a:r>
-              <a:rPr lang="en-US" altLang="ja-JP" sz="2600" dirty="0" err="1">
-                <a:solidFill>
-                  <a:srgbClr val="FF00FF"/>
-                </a:solidFill>
-                <a:ea typeface="ＭＳ ゴシック" panose="020B0609070205080204" pitchFamily="49" charset="-128"/>
-              </a:rPr>
-              <a:t>vEne</a:t>
-            </a:r>
-            <a:r>
-              <a:rPr lang="en-US" altLang="ja-JP" sz="2600" dirty="0">
-                <a:ea typeface="ＭＳ ゴシック" panose="020B0609070205080204" pitchFamily="49" charset="-128"/>
-              </a:rPr>
-              <a:t>[3]))); </a:t>
-            </a:r>
-            <a:r>
-              <a:rPr lang="en-US" altLang="ja-JP" sz="2600" dirty="0">
-                <a:solidFill>
-                  <a:srgbClr val="00B050"/>
-                </a:solidFill>
-                <a:ea typeface="ＭＳ ゴシック" panose="020B0609070205080204" pitchFamily="49" charset="-128"/>
-              </a:rPr>
-              <a:t>//</a:t>
-            </a:r>
-            <a:r>
-              <a:rPr lang="ja-JP" altLang="en-US" sz="2600" dirty="0">
-                <a:solidFill>
-                  <a:srgbClr val="00B050"/>
-                </a:solidFill>
-                <a:ea typeface="ＭＳ ゴシック" panose="020B0609070205080204" pitchFamily="49" charset="-128"/>
-              </a:rPr>
-              <a:t>整数に変換</a:t>
-            </a:r>
-            <a:endParaRPr lang="en-US" altLang="ja-JP" sz="2600" dirty="0">
-              <a:solidFill>
-                <a:srgbClr val="00B050"/>
-              </a:solidFill>
-              <a:ea typeface="ＭＳ ゴシック" panose="020B0609070205080204" pitchFamily="49" charset="-128"/>
-            </a:endParaRPr>
-          </a:p>
-          <a:p>
-            <a:r>
-              <a:rPr lang="en-US" altLang="ja-JP" sz="2600" dirty="0">
-                <a:solidFill>
-                  <a:srgbClr val="000000"/>
-                </a:solidFill>
-                <a:latin typeface="ＭＳ ゴシック" panose="020B0609070205080204" pitchFamily="49" charset="-128"/>
-                <a:ea typeface="ＭＳ ゴシック" panose="020B0609070205080204" pitchFamily="49" charset="-128"/>
-              </a:rPr>
-              <a:t>     </a:t>
-            </a:r>
-            <a:r>
-              <a:rPr lang="en-US" altLang="ja-JP" sz="2600" dirty="0" err="1">
-                <a:solidFill>
-                  <a:srgbClr val="FF00FF"/>
-                </a:solidFill>
-                <a:ea typeface="ＭＳ ゴシック" panose="020B0609070205080204" pitchFamily="49" charset="-128"/>
-              </a:rPr>
-              <a:t>vEne</a:t>
-            </a:r>
-            <a:r>
-              <a:rPr lang="en-US" altLang="ja-JP" sz="2600" dirty="0" err="1">
-                <a:solidFill>
-                  <a:srgbClr val="000000"/>
-                </a:solidFill>
-                <a:ea typeface="ＭＳ ゴシック" panose="020B0609070205080204" pitchFamily="49" charset="-128"/>
-              </a:rPr>
-              <a:t>.clear</a:t>
-            </a:r>
-            <a:r>
-              <a:rPr lang="en-US" altLang="ja-JP" sz="2600" dirty="0">
-                <a:solidFill>
-                  <a:srgbClr val="000000"/>
-                </a:solidFill>
-                <a:ea typeface="ＭＳ ゴシック" panose="020B0609070205080204" pitchFamily="49" charset="-128"/>
-              </a:rPr>
-              <a:t>();</a:t>
-            </a:r>
-            <a:r>
-              <a:rPr lang="en-US" altLang="ja-JP" sz="2600" dirty="0">
-                <a:solidFill>
-                  <a:srgbClr val="00B050"/>
-                </a:solidFill>
-                <a:ea typeface="ＭＳ ゴシック" panose="020B0609070205080204" pitchFamily="49" charset="-128"/>
-              </a:rPr>
-              <a:t> //</a:t>
-            </a:r>
-            <a:r>
-              <a:rPr lang="ja-JP" altLang="en-US" sz="2600" dirty="0">
-                <a:solidFill>
-                  <a:srgbClr val="00B050"/>
-                </a:solidFill>
-                <a:ea typeface="ＭＳ ゴシック" panose="020B0609070205080204" pitchFamily="49" charset="-128"/>
-              </a:rPr>
-              <a:t>一行分格納したので全要素を削除</a:t>
-            </a:r>
-            <a:br>
-              <a:rPr lang="en-US" altLang="ja-JP" sz="2600" dirty="0">
-                <a:solidFill>
-                  <a:srgbClr val="000000"/>
-                </a:solidFill>
-                <a:ea typeface="ＭＳ ゴシック" panose="020B0609070205080204" pitchFamily="49" charset="-128"/>
-              </a:rPr>
-            </a:br>
-            <a:r>
-              <a:rPr lang="en-US" altLang="ja-JP" sz="2600" dirty="0">
-                <a:solidFill>
-                  <a:srgbClr val="000000"/>
-                </a:solidFill>
-                <a:ea typeface="ＭＳ ゴシック" panose="020B0609070205080204" pitchFamily="49" charset="-128"/>
-              </a:rPr>
-              <a:t> </a:t>
-            </a:r>
-            <a:r>
-              <a:rPr lang="en-US" altLang="ja-JP" sz="2600" dirty="0">
-                <a:ea typeface="ＭＳ ゴシック" panose="020B0609070205080204" pitchFamily="49" charset="-128"/>
-              </a:rPr>
-              <a:t>   </a:t>
-            </a:r>
-            <a:r>
-              <a:rPr lang="en-US" altLang="ja-JP" sz="2600" dirty="0" err="1">
-                <a:ea typeface="ＭＳ ゴシック" panose="020B0609070205080204" pitchFamily="49" charset="-128"/>
-              </a:rPr>
-              <a:t>j++</a:t>
-            </a:r>
-            <a:r>
-              <a:rPr lang="en-US" altLang="ja-JP" sz="2600" dirty="0">
-                <a:ea typeface="ＭＳ ゴシック" panose="020B0609070205080204" pitchFamily="49" charset="-128"/>
-              </a:rPr>
-              <a:t>;</a:t>
-            </a:r>
-            <a:r>
-              <a:rPr lang="en-US" altLang="ja-JP" sz="2600" dirty="0">
-                <a:solidFill>
-                  <a:srgbClr val="00B050"/>
-                </a:solidFill>
-                <a:ea typeface="ＭＳ ゴシック" panose="020B0609070205080204" pitchFamily="49" charset="-128"/>
-              </a:rPr>
-              <a:t> //</a:t>
-            </a:r>
-            <a:r>
-              <a:rPr lang="ja-JP" altLang="en-US" sz="2600" dirty="0">
-                <a:solidFill>
-                  <a:srgbClr val="00B050"/>
-                </a:solidFill>
-                <a:ea typeface="ＭＳ ゴシック" panose="020B0609070205080204" pitchFamily="49" charset="-128"/>
-              </a:rPr>
-              <a:t>削除</a:t>
-            </a:r>
-            <a:endParaRPr lang="en-US" altLang="ja-JP" sz="2600" dirty="0">
-              <a:ea typeface="ＭＳ ゴシック" panose="020B0609070205080204" pitchFamily="49" charset="-128"/>
-            </a:endParaRPr>
+              <a:rPr lang="en-US" altLang="ja-JP" sz="2600" dirty="0">
+                <a:ea typeface="ＭＳ ゴシック" panose="020B0609070205080204" pitchFamily="49" charset="-128"/>
+              </a:rPr>
+              <a:t> }</a:t>
+            </a:r>
           </a:p>
         </p:txBody>
       </p:sp>
@@ -18827,223 +18600,6 @@
       </p:sp>
       <p:sp>
         <p:nvSpPr>
-          <p:cNvPr id="11" name="矢印: 右 10">
-            <a:extLst>
-              <a:ext uri="{FF2B5EF4-FFF2-40B4-BE49-F238E27FC236}">
-                <a16:creationId xmlns:a16="http://schemas.microsoft.com/office/drawing/2014/main" id="{172E732E-6193-6694-E048-9753BCB311FB}"/>
-              </a:ext>
-            </a:extLst>
-          </p:cNvPr>
-          <p:cNvSpPr/>
-          <p:nvPr/>
-        </p:nvSpPr>
-        <p:spPr>
-          <a:xfrm>
-            <a:off x="625002" y="6068865"/>
-            <a:ext cx="426396" cy="282102"/>
-          </a:xfrm>
-          <a:prstGeom prst="rightArrow">
-            <a:avLst/>
-          </a:prstGeom>
-          <a:solidFill>
-            <a:srgbClr val="FF0000"/>
-          </a:solidFill>
-        </p:spPr>
-        <p:style>
-          <a:lnRef idx="2">
-            <a:schemeClr val="accent1">
-              <a:shade val="15000"/>
-            </a:schemeClr>
-          </a:lnRef>
-          <a:fillRef idx="1">
-            <a:schemeClr val="accent1"/>
-          </a:fillRef>
-          <a:effectRef idx="0">
-            <a:schemeClr val="accent1"/>
-          </a:effectRef>
-          <a:fontRef idx="minor">
-            <a:schemeClr val="lt1"/>
-          </a:fontRef>
-        </p:style>
-        <p:txBody>
-          <a:bodyPr rtlCol="0" anchor="ctr"/>
-          <a:lstStyle/>
-          <a:p>
-            <a:pPr algn="ctr"/>
-            <a:endParaRPr kumimoji="1" lang="ja-JP" altLang="en-US"/>
-          </a:p>
-        </p:txBody>
-      </p:sp>
-      <p:cxnSp>
-        <p:nvCxnSpPr>
-          <p:cNvPr id="10" name="直線コネクタ 9">
-            <a:extLst>
-              <a:ext uri="{FF2B5EF4-FFF2-40B4-BE49-F238E27FC236}">
-                <a16:creationId xmlns:a16="http://schemas.microsoft.com/office/drawing/2014/main" id="{CBF996CB-2304-CA48-4C19-C24D77CE7D07}"/>
-              </a:ext>
-            </a:extLst>
-          </p:cNvPr>
-          <p:cNvCxnSpPr/>
-          <p:nvPr/>
-        </p:nvCxnSpPr>
-        <p:spPr>
-          <a:xfrm>
-            <a:off x="1536970" y="3754877"/>
-            <a:ext cx="3774332" cy="0"/>
-          </a:xfrm>
-          <a:prstGeom prst="line">
-            <a:avLst/>
-          </a:prstGeom>
-          <a:ln w="28575">
-            <a:solidFill>
-              <a:schemeClr val="tx1"/>
-            </a:solidFill>
-          </a:ln>
-        </p:spPr>
-        <p:style>
-          <a:lnRef idx="1">
-            <a:schemeClr val="accent1"/>
-          </a:lnRef>
-          <a:fillRef idx="0">
-            <a:schemeClr val="accent1"/>
-          </a:fillRef>
-          <a:effectRef idx="0">
-            <a:schemeClr val="accent1"/>
-          </a:effectRef>
-          <a:fontRef idx="minor">
-            <a:schemeClr val="tx1"/>
-          </a:fontRef>
-        </p:style>
-      </p:cxnSp>
-      <p:cxnSp>
-        <p:nvCxnSpPr>
-          <p:cNvPr id="12" name="直線コネクタ 11">
-            <a:extLst>
-              <a:ext uri="{FF2B5EF4-FFF2-40B4-BE49-F238E27FC236}">
-                <a16:creationId xmlns:a16="http://schemas.microsoft.com/office/drawing/2014/main" id="{3770D0F9-3524-2110-E051-22844905ACED}"/>
-              </a:ext>
-            </a:extLst>
-          </p:cNvPr>
-          <p:cNvCxnSpPr/>
-          <p:nvPr/>
-        </p:nvCxnSpPr>
-        <p:spPr>
-          <a:xfrm>
-            <a:off x="1533731" y="3844712"/>
-            <a:ext cx="3774332" cy="0"/>
-          </a:xfrm>
-          <a:prstGeom prst="line">
-            <a:avLst/>
-          </a:prstGeom>
-          <a:ln w="28575">
-            <a:solidFill>
-              <a:schemeClr val="tx1"/>
-            </a:solidFill>
-          </a:ln>
-        </p:spPr>
-        <p:style>
-          <a:lnRef idx="1">
-            <a:schemeClr val="accent1"/>
-          </a:lnRef>
-          <a:fillRef idx="0">
-            <a:schemeClr val="accent1"/>
-          </a:fillRef>
-          <a:effectRef idx="0">
-            <a:schemeClr val="accent1"/>
-          </a:effectRef>
-          <a:fontRef idx="minor">
-            <a:schemeClr val="tx1"/>
-          </a:fontRef>
-        </p:style>
-      </p:cxnSp>
-      <p:cxnSp>
-        <p:nvCxnSpPr>
-          <p:cNvPr id="13" name="直線コネクタ 12">
-            <a:extLst>
-              <a:ext uri="{FF2B5EF4-FFF2-40B4-BE49-F238E27FC236}">
-                <a16:creationId xmlns:a16="http://schemas.microsoft.com/office/drawing/2014/main" id="{ECFD8033-5F56-F79E-B77E-970F18EB80FE}"/>
-              </a:ext>
-            </a:extLst>
-          </p:cNvPr>
-          <p:cNvCxnSpPr>
-            <a:cxnSpLocks/>
-          </p:cNvCxnSpPr>
-          <p:nvPr/>
-        </p:nvCxnSpPr>
-        <p:spPr>
-          <a:xfrm>
-            <a:off x="2989638" y="4551589"/>
-            <a:ext cx="599868" cy="0"/>
-          </a:xfrm>
-          <a:prstGeom prst="line">
-            <a:avLst/>
-          </a:prstGeom>
-          <a:ln w="28575">
-            <a:solidFill>
-              <a:schemeClr val="tx1"/>
-            </a:solidFill>
-          </a:ln>
-        </p:spPr>
-        <p:style>
-          <a:lnRef idx="1">
-            <a:schemeClr val="accent1"/>
-          </a:lnRef>
-          <a:fillRef idx="0">
-            <a:schemeClr val="accent1"/>
-          </a:fillRef>
-          <a:effectRef idx="0">
-            <a:schemeClr val="accent1"/>
-          </a:effectRef>
-          <a:fontRef idx="minor">
-            <a:schemeClr val="tx1"/>
-          </a:fontRef>
-        </p:style>
-      </p:cxnSp>
-      <p:cxnSp>
-        <p:nvCxnSpPr>
-          <p:cNvPr id="15" name="直線コネクタ 14">
-            <a:extLst>
-              <a:ext uri="{FF2B5EF4-FFF2-40B4-BE49-F238E27FC236}">
-                <a16:creationId xmlns:a16="http://schemas.microsoft.com/office/drawing/2014/main" id="{41C4F8B1-7C54-4B5D-21AA-52BECD9356B5}"/>
-              </a:ext>
-            </a:extLst>
-          </p:cNvPr>
-          <p:cNvCxnSpPr>
-            <a:cxnSpLocks/>
-          </p:cNvCxnSpPr>
-          <p:nvPr/>
-        </p:nvCxnSpPr>
-        <p:spPr>
-          <a:xfrm>
-            <a:off x="2989638" y="4629413"/>
-            <a:ext cx="599868" cy="0"/>
-          </a:xfrm>
-          <a:prstGeom prst="line">
-            <a:avLst/>
-          </a:prstGeom>
-          <a:ln w="28575">
-            <a:solidFill>
-              <a:schemeClr val="tx1"/>
-            </a:solidFill>
-          </a:ln>
-        </p:spPr>
-        <p:style>
-          <a:lnRef idx="1">
-            <a:schemeClr val="accent1"/>
-          </a:lnRef>
-          <a:fillRef idx="0">
-            <a:schemeClr val="accent1"/>
-          </a:fillRef>
-          <a:effectRef idx="0">
-            <a:schemeClr val="accent1"/>
-          </a:effectRef>
-          <a:fontRef idx="minor">
-            <a:schemeClr val="tx1"/>
-          </a:fontRef>
-        </p:style>
-      </p:cxnSp>
-      <p:sp>
-        <p:nvSpPr>
           <p:cNvPr id="16" name="矢印: 右 15">
             <a:extLst>
               <a:ext uri="{FF2B5EF4-FFF2-40B4-BE49-F238E27FC236}">
@@ -19057,227 +18613,6 @@
         <p:spPr>
           <a:xfrm>
             <a:off x="621754" y="5306865"/>
-            <a:ext cx="426396" cy="282102"/>
-          </a:xfrm>
-          <a:prstGeom prst="rightArrow">
-            <a:avLst/>
-          </a:prstGeom>
-          <a:solidFill>
-            <a:srgbClr val="FF0000"/>
-          </a:solidFill>
-        </p:spPr>
-        <p:style>
-          <a:lnRef idx="2">
-            <a:schemeClr val="accent1">
-              <a:shade val="15000"/>
-            </a:schemeClr>
-          </a:lnRef>
-          <a:fillRef idx="1">
-            <a:schemeClr val="accent1"/>
-          </a:fillRef>
-          <a:effectRef idx="0">
-            <a:schemeClr val="accent1"/>
-          </a:effectRef>
-          <a:fontRef idx="minor">
-            <a:schemeClr val="lt1"/>
-          </a:fontRef>
-        </p:style>
-        <p:txBody>
-          <a:bodyPr rtlCol="0" anchor="ctr"/>
-          <a:lstStyle/>
-          <a:p>
-            <a:pPr algn="ctr"/>
-            <a:endParaRPr kumimoji="1" lang="ja-JP" altLang="en-US"/>
-          </a:p>
-        </p:txBody>
-      </p:sp>
-      <p:cxnSp>
-        <p:nvCxnSpPr>
-          <p:cNvPr id="17" name="直線コネクタ 16">
-            <a:extLst>
-              <a:ext uri="{FF2B5EF4-FFF2-40B4-BE49-F238E27FC236}">
-                <a16:creationId xmlns:a16="http://schemas.microsoft.com/office/drawing/2014/main" id="{B99AFD1A-54E6-47E4-A136-EEF6AB6686C0}"/>
-              </a:ext>
-            </a:extLst>
-          </p:cNvPr>
-          <p:cNvCxnSpPr>
-            <a:cxnSpLocks/>
-          </p:cNvCxnSpPr>
-          <p:nvPr/>
-        </p:nvCxnSpPr>
-        <p:spPr>
-          <a:xfrm>
-            <a:off x="1321817" y="2571536"/>
-            <a:ext cx="2093736" cy="0"/>
-          </a:xfrm>
-          <a:prstGeom prst="line">
-            <a:avLst/>
-          </a:prstGeom>
-          <a:ln w="28575">
-            <a:solidFill>
-              <a:schemeClr val="tx1"/>
-            </a:solidFill>
-          </a:ln>
-        </p:spPr>
-        <p:style>
-          <a:lnRef idx="1">
-            <a:schemeClr val="accent1"/>
-          </a:lnRef>
-          <a:fillRef idx="0">
-            <a:schemeClr val="accent1"/>
-          </a:fillRef>
-          <a:effectRef idx="0">
-            <a:schemeClr val="accent1"/>
-          </a:effectRef>
-          <a:fontRef idx="minor">
-            <a:schemeClr val="tx1"/>
-          </a:fontRef>
-        </p:style>
-      </p:cxnSp>
-      <p:cxnSp>
-        <p:nvCxnSpPr>
-          <p:cNvPr id="18" name="直線コネクタ 17">
-            <a:extLst>
-              <a:ext uri="{FF2B5EF4-FFF2-40B4-BE49-F238E27FC236}">
-                <a16:creationId xmlns:a16="http://schemas.microsoft.com/office/drawing/2014/main" id="{E7FDDE19-41D1-4EE0-90D7-0E299A77B2A1}"/>
-              </a:ext>
-            </a:extLst>
-          </p:cNvPr>
-          <p:cNvCxnSpPr>
-            <a:cxnSpLocks/>
-          </p:cNvCxnSpPr>
-          <p:nvPr/>
-        </p:nvCxnSpPr>
-        <p:spPr>
-          <a:xfrm>
-            <a:off x="1318578" y="2661371"/>
-            <a:ext cx="2096975" cy="0"/>
-          </a:xfrm>
-          <a:prstGeom prst="line">
-            <a:avLst/>
-          </a:prstGeom>
-          <a:ln w="28575">
-            <a:solidFill>
-              <a:schemeClr val="tx1"/>
-            </a:solidFill>
-          </a:ln>
-        </p:spPr>
-        <p:style>
-          <a:lnRef idx="1">
-            <a:schemeClr val="accent1"/>
-          </a:lnRef>
-          <a:fillRef idx="0">
-            <a:schemeClr val="accent1"/>
-          </a:fillRef>
-          <a:effectRef idx="0">
-            <a:schemeClr val="accent1"/>
-          </a:effectRef>
-          <a:fontRef idx="minor">
-            <a:schemeClr val="tx1"/>
-          </a:fontRef>
-        </p:style>
-      </p:cxnSp>
-      <p:cxnSp>
-        <p:nvCxnSpPr>
-          <p:cNvPr id="22" name="直線コネクタ 21">
-            <a:extLst>
-              <a:ext uri="{FF2B5EF4-FFF2-40B4-BE49-F238E27FC236}">
-                <a16:creationId xmlns:a16="http://schemas.microsoft.com/office/drawing/2014/main" id="{4979CD9D-DC99-4351-BD81-22D3FA3E4DFC}"/>
-              </a:ext>
-            </a:extLst>
-          </p:cNvPr>
-          <p:cNvCxnSpPr>
-            <a:cxnSpLocks/>
-          </p:cNvCxnSpPr>
-          <p:nvPr/>
-        </p:nvCxnSpPr>
-        <p:spPr>
-          <a:xfrm>
-            <a:off x="1599723" y="6542901"/>
-            <a:ext cx="1094839" cy="0"/>
-          </a:xfrm>
-          <a:prstGeom prst="line">
-            <a:avLst/>
-          </a:prstGeom>
-          <a:ln w="28575">
-            <a:solidFill>
-              <a:schemeClr val="tx1"/>
-            </a:solidFill>
-          </a:ln>
-        </p:spPr>
-        <p:style>
-          <a:lnRef idx="1">
-            <a:schemeClr val="accent1"/>
-          </a:lnRef>
-          <a:fillRef idx="0">
-            <a:schemeClr val="accent1"/>
-          </a:fillRef>
-          <a:effectRef idx="0">
-            <a:schemeClr val="accent1"/>
-          </a:effectRef>
-          <a:fontRef idx="minor">
-            <a:schemeClr val="tx1"/>
-          </a:fontRef>
-        </p:style>
-      </p:cxnSp>
-      <p:cxnSp>
-        <p:nvCxnSpPr>
-          <p:cNvPr id="23" name="直線コネクタ 22">
-            <a:extLst>
-              <a:ext uri="{FF2B5EF4-FFF2-40B4-BE49-F238E27FC236}">
-                <a16:creationId xmlns:a16="http://schemas.microsoft.com/office/drawing/2014/main" id="{6D0793EB-4627-4C1B-A080-F9774FC85341}"/>
-              </a:ext>
-            </a:extLst>
-          </p:cNvPr>
-          <p:cNvCxnSpPr>
-            <a:cxnSpLocks/>
-          </p:cNvCxnSpPr>
-          <p:nvPr/>
-        </p:nvCxnSpPr>
-        <p:spPr>
-          <a:xfrm>
-            <a:off x="1596484" y="6632736"/>
-            <a:ext cx="1098078" cy="0"/>
-          </a:xfrm>
-          <a:prstGeom prst="line">
-            <a:avLst/>
-          </a:prstGeom>
-          <a:ln w="28575">
-            <a:solidFill>
-              <a:schemeClr val="tx1"/>
-            </a:solidFill>
-          </a:ln>
-        </p:spPr>
-        <p:style>
-          <a:lnRef idx="1">
-            <a:schemeClr val="accent1"/>
-          </a:lnRef>
-          <a:fillRef idx="0">
-            <a:schemeClr val="accent1"/>
-          </a:fillRef>
-          <a:effectRef idx="0">
-            <a:schemeClr val="accent1"/>
-          </a:effectRef>
-          <a:fontRef idx="minor">
-            <a:schemeClr val="tx1"/>
-          </a:fontRef>
-        </p:style>
-      </p:cxnSp>
-      <p:sp>
-        <p:nvSpPr>
-          <p:cNvPr id="19" name="矢印: 右 18">
-            <a:extLst>
-              <a:ext uri="{FF2B5EF4-FFF2-40B4-BE49-F238E27FC236}">
-                <a16:creationId xmlns:a16="http://schemas.microsoft.com/office/drawing/2014/main" id="{03786CC8-4A30-092D-A88C-B710506C0DB3}"/>
-              </a:ext>
-            </a:extLst>
-          </p:cNvPr>
-          <p:cNvSpPr/>
-          <p:nvPr/>
-        </p:nvSpPr>
-        <p:spPr>
-          <a:xfrm>
-            <a:off x="621754" y="6478242"/>
             <a:ext cx="426396" cy="282102"/>
           </a:xfrm>
           <a:prstGeom prst="rightArrow">
@@ -19375,6 +18710,1793 @@
 </file>
 
 <file path=ppt/slides/slide34.xml><?xml version="1.0" encoding="utf-8"?>
+<p:sld xmlns:a="http://schemas.openxmlformats.org/drawingml/2006/main" xmlns:r="http://schemas.openxmlformats.org/officeDocument/2006/relationships" xmlns:p="http://schemas.openxmlformats.org/presentationml/2006/main" show="0">
+  <p:cSld>
+    <p:spTree>
+      <p:nvGrpSpPr>
+        <p:cNvPr id="1" name="">
+          <a:extLst>
+            <a:ext uri="{FF2B5EF4-FFF2-40B4-BE49-F238E27FC236}">
+              <a16:creationId xmlns:a16="http://schemas.microsoft.com/office/drawing/2014/main" id="{26CE859A-9174-75E5-2D4A-6A7D1D8CA189}"/>
+            </a:ext>
+          </a:extLst>
+        </p:cNvPr>
+        <p:cNvGrpSpPr/>
+        <p:nvPr/>
+      </p:nvGrpSpPr>
+      <p:grpSpPr>
+        <a:xfrm>
+          <a:off x="0" y="0"/>
+          <a:ext cx="0" cy="0"/>
+          <a:chOff x="0" y="0"/>
+          <a:chExt cx="0" cy="0"/>
+        </a:xfrm>
+      </p:grpSpPr>
+      <p:sp>
+        <p:nvSpPr>
+          <p:cNvPr id="2" name="タイトル 1">
+            <a:extLst>
+              <a:ext uri="{FF2B5EF4-FFF2-40B4-BE49-F238E27FC236}">
+                <a16:creationId xmlns:a16="http://schemas.microsoft.com/office/drawing/2014/main" id="{FB6E4DD6-9C91-640E-2FFB-E2267576B935}"/>
+              </a:ext>
+            </a:extLst>
+          </p:cNvPr>
+          <p:cNvSpPr>
+            <a:spLocks noGrp="1"/>
+          </p:cNvSpPr>
+          <p:nvPr>
+            <p:ph type="title"/>
+          </p:nvPr>
+        </p:nvSpPr>
+        <p:spPr/>
+        <p:txBody>
+          <a:bodyPr/>
+          <a:lstStyle/>
+          <a:p>
+            <a:r>
+              <a:rPr lang="en-US" altLang="ja-JP" dirty="0"/>
+              <a:t>CSV</a:t>
+            </a:r>
+            <a:r>
+              <a:rPr lang="ja-JP" altLang="en-US" dirty="0"/>
+              <a:t>ファイル</a:t>
+            </a:r>
+            <a:endParaRPr kumimoji="1" lang="ja-JP" altLang="en-US" dirty="0"/>
+          </a:p>
+        </p:txBody>
+      </p:sp>
+      <p:sp>
+        <p:nvSpPr>
+          <p:cNvPr id="3" name="コンテンツ プレースホルダー 2">
+            <a:extLst>
+              <a:ext uri="{FF2B5EF4-FFF2-40B4-BE49-F238E27FC236}">
+                <a16:creationId xmlns:a16="http://schemas.microsoft.com/office/drawing/2014/main" id="{E1388EE7-3D19-0E85-E0DB-C4343DD9AF13}"/>
+              </a:ext>
+            </a:extLst>
+          </p:cNvPr>
+          <p:cNvSpPr>
+            <a:spLocks noGrp="1"/>
+          </p:cNvSpPr>
+          <p:nvPr>
+            <p:ph idx="1"/>
+          </p:nvPr>
+        </p:nvSpPr>
+        <p:spPr>
+          <a:xfrm>
+            <a:off x="849549" y="589044"/>
+            <a:ext cx="10515600" cy="5193373"/>
+          </a:xfrm>
+        </p:spPr>
+        <p:txBody>
+          <a:bodyPr>
+            <a:normAutofit/>
+          </a:bodyPr>
+          <a:lstStyle/>
+          <a:p>
+            <a:pPr marL="0" indent="0">
+              <a:buNone/>
+            </a:pPr>
+            <a:r>
+              <a:rPr kumimoji="1" lang="en-US" altLang="ja-JP" dirty="0"/>
+              <a:t>                </a:t>
+            </a:r>
+            <a:r>
+              <a:rPr kumimoji="1" lang="ja-JP" altLang="en-US" dirty="0"/>
+              <a:t>　　　　　</a:t>
+            </a:r>
+            <a:r>
+              <a:rPr kumimoji="1" lang="en-US" altLang="ja-JP" dirty="0"/>
+              <a:t>main.cpp</a:t>
+            </a:r>
+            <a:r>
+              <a:rPr kumimoji="1" lang="ja-JP" altLang="en-US" dirty="0"/>
+              <a:t>　</a:t>
+            </a:r>
+            <a:r>
+              <a:rPr kumimoji="1" lang="en-US" altLang="ja-JP" dirty="0"/>
+              <a:t>(CSV)</a:t>
+            </a:r>
+            <a:br>
+              <a:rPr lang="en-US" altLang="ja-JP" dirty="0"/>
+            </a:br>
+            <a:endParaRPr lang="en-US" altLang="ja-JP" dirty="0"/>
+          </a:p>
+          <a:p>
+            <a:pPr marL="0" indent="0">
+              <a:buNone/>
+            </a:pPr>
+            <a:br>
+              <a:rPr lang="en-US" altLang="ja-JP" dirty="0"/>
+            </a:br>
+            <a:br>
+              <a:rPr lang="en-US" altLang="ja-JP" dirty="0"/>
+            </a:br>
+            <a:br>
+              <a:rPr lang="en-US" altLang="ja-JP" dirty="0"/>
+            </a:br>
+            <a:br>
+              <a:rPr lang="en-US" altLang="ja-JP" sz="2400" dirty="0"/>
+            </a:br>
+            <a:br>
+              <a:rPr lang="en-US" altLang="ja-JP" sz="2400" dirty="0"/>
+            </a:br>
+            <a:endParaRPr lang="en-US" altLang="ja-JP" sz="2400" dirty="0"/>
+          </a:p>
+          <a:p>
+            <a:pPr marL="0" indent="0">
+              <a:buNone/>
+            </a:pPr>
+            <a:br>
+              <a:rPr lang="en-US" altLang="ja-JP" sz="2400" dirty="0"/>
+            </a:br>
+            <a:endParaRPr lang="en-US" altLang="ja-JP" dirty="0">
+              <a:solidFill>
+                <a:srgbClr val="FF0000"/>
+              </a:solidFill>
+            </a:endParaRPr>
+          </a:p>
+        </p:txBody>
+      </p:sp>
+      <p:sp>
+        <p:nvSpPr>
+          <p:cNvPr id="5" name="テキスト ボックス 4">
+            <a:extLst>
+              <a:ext uri="{FF2B5EF4-FFF2-40B4-BE49-F238E27FC236}">
+                <a16:creationId xmlns:a16="http://schemas.microsoft.com/office/drawing/2014/main" id="{949D22FC-0113-F758-5D0A-95F974C91C16}"/>
+              </a:ext>
+            </a:extLst>
+          </p:cNvPr>
+          <p:cNvSpPr txBox="1"/>
+          <p:nvPr/>
+        </p:nvSpPr>
+        <p:spPr>
+          <a:xfrm>
+            <a:off x="838201" y="1162976"/>
+            <a:ext cx="10980906" cy="5724644"/>
+          </a:xfrm>
+          <a:prstGeom prst="rect">
+            <a:avLst/>
+          </a:prstGeom>
+          <a:noFill/>
+          <a:ln>
+            <a:solidFill>
+              <a:schemeClr val="tx1"/>
+            </a:solidFill>
+          </a:ln>
+        </p:spPr>
+        <p:txBody>
+          <a:bodyPr wrap="square" rtlCol="0">
+            <a:spAutoFit/>
+          </a:bodyPr>
+          <a:lstStyle/>
+          <a:p>
+            <a:r>
+              <a:rPr lang="en-US" altLang="ja-JP" sz="2600" dirty="0">
+                <a:solidFill>
+                  <a:srgbClr val="000000"/>
+                </a:solidFill>
+                <a:ea typeface="ＭＳ ゴシック" panose="020B0609070205080204" pitchFamily="49" charset="-128"/>
+              </a:rPr>
+              <a:t>  vector&lt;</a:t>
+            </a:r>
+            <a:r>
+              <a:rPr lang="en-US" altLang="ja-JP" sz="2600" dirty="0">
+                <a:solidFill>
+                  <a:srgbClr val="2B91AF"/>
+                </a:solidFill>
+                <a:ea typeface="ＭＳ ゴシック" panose="020B0609070205080204" pitchFamily="49" charset="-128"/>
+              </a:rPr>
+              <a:t>string</a:t>
+            </a:r>
+            <a:r>
+              <a:rPr lang="en-US" altLang="ja-JP" sz="2600" dirty="0">
+                <a:solidFill>
+                  <a:srgbClr val="000000"/>
+                </a:solidFill>
+                <a:ea typeface="ＭＳ ゴシック" panose="020B0609070205080204" pitchFamily="49" charset="-128"/>
+              </a:rPr>
+              <a:t>&gt; </a:t>
+            </a:r>
+            <a:r>
+              <a:rPr lang="en-US" altLang="ja-JP" sz="2600" dirty="0" err="1">
+                <a:solidFill>
+                  <a:srgbClr val="FF00FF"/>
+                </a:solidFill>
+                <a:ea typeface="ＭＳ ゴシック" panose="020B0609070205080204" pitchFamily="49" charset="-128"/>
+              </a:rPr>
+              <a:t>vEne</a:t>
+            </a:r>
+            <a:r>
+              <a:rPr lang="en-US" altLang="ja-JP" sz="2600" dirty="0">
+                <a:solidFill>
+                  <a:srgbClr val="000000"/>
+                </a:solidFill>
+                <a:ea typeface="ＭＳ ゴシック" panose="020B0609070205080204" pitchFamily="49" charset="-128"/>
+              </a:rPr>
+              <a:t>{}; </a:t>
+            </a:r>
+            <a:r>
+              <a:rPr lang="en-US" altLang="ja-JP" sz="2600" dirty="0">
+                <a:solidFill>
+                  <a:srgbClr val="00B050"/>
+                </a:solidFill>
+                <a:ea typeface="ＭＳ ゴシック" panose="020B0609070205080204" pitchFamily="49" charset="-128"/>
+              </a:rPr>
+              <a:t>//</a:t>
+            </a:r>
+            <a:r>
+              <a:rPr lang="ja-JP" altLang="en-US" sz="2600" dirty="0">
+                <a:solidFill>
+                  <a:srgbClr val="00B050"/>
+                </a:solidFill>
+                <a:ea typeface="ＭＳ ゴシック" panose="020B0609070205080204" pitchFamily="49" charset="-128"/>
+              </a:rPr>
+              <a:t>一次元配列にもどす</a:t>
+            </a:r>
+            <a:br>
+              <a:rPr lang="en-US" altLang="ja-JP" sz="2600" dirty="0">
+                <a:solidFill>
+                  <a:srgbClr val="000000"/>
+                </a:solidFill>
+                <a:ea typeface="ＭＳ ゴシック" panose="020B0609070205080204" pitchFamily="49" charset="-128"/>
+              </a:rPr>
+            </a:br>
+            <a:r>
+              <a:rPr lang="ja-JP" altLang="en-US" sz="2600" dirty="0">
+                <a:solidFill>
+                  <a:srgbClr val="000000"/>
+                </a:solidFill>
+                <a:ea typeface="ＭＳ ゴシック" panose="020B0609070205080204" pitchFamily="49" charset="-128"/>
+              </a:rPr>
+              <a:t>  </a:t>
+            </a:r>
+            <a:r>
+              <a:rPr lang="en-US" altLang="ja-JP" sz="2600" dirty="0">
+                <a:solidFill>
+                  <a:srgbClr val="000000"/>
+                </a:solidFill>
+                <a:ea typeface="ＭＳ ゴシック" panose="020B0609070205080204" pitchFamily="49" charset="-128"/>
+              </a:rPr>
+              <a:t>vector&lt;</a:t>
+            </a:r>
+            <a:r>
+              <a:rPr lang="en-US" altLang="ja-JP" sz="2600" dirty="0">
+                <a:solidFill>
+                  <a:srgbClr val="2B91AF"/>
+                </a:solidFill>
+                <a:ea typeface="ＭＳ ゴシック" panose="020B0609070205080204" pitchFamily="49" charset="-128"/>
+              </a:rPr>
+              <a:t>Enemy*</a:t>
+            </a:r>
+            <a:r>
+              <a:rPr lang="en-US" altLang="ja-JP" sz="2600" dirty="0">
+                <a:solidFill>
+                  <a:srgbClr val="000000"/>
+                </a:solidFill>
+                <a:ea typeface="ＭＳ ゴシック" panose="020B0609070205080204" pitchFamily="49" charset="-128"/>
+              </a:rPr>
+              <a:t>&gt; </a:t>
+            </a:r>
+            <a:r>
+              <a:rPr lang="en-US" altLang="ja-JP" sz="2600" dirty="0" err="1">
+                <a:solidFill>
+                  <a:srgbClr val="FF00FF"/>
+                </a:solidFill>
+                <a:ea typeface="ＭＳ ゴシック" panose="020B0609070205080204" pitchFamily="49" charset="-128"/>
+              </a:rPr>
+              <a:t>pEne</a:t>
+            </a:r>
+            <a:r>
+              <a:rPr lang="en-US" altLang="ja-JP" sz="2600" dirty="0">
+                <a:solidFill>
+                  <a:srgbClr val="000000"/>
+                </a:solidFill>
+                <a:ea typeface="ＭＳ ゴシック" panose="020B0609070205080204" pitchFamily="49" charset="-128"/>
+              </a:rPr>
+              <a:t>{}; </a:t>
+            </a:r>
+            <a:r>
+              <a:rPr lang="en-US" altLang="ja-JP" sz="2600" dirty="0">
+                <a:solidFill>
+                  <a:srgbClr val="00B050"/>
+                </a:solidFill>
+                <a:ea typeface="ＭＳ ゴシック" panose="020B0609070205080204" pitchFamily="49" charset="-128"/>
+              </a:rPr>
+              <a:t>//Enemy</a:t>
+            </a:r>
+            <a:r>
+              <a:rPr lang="ja-JP" altLang="en-US" sz="2600" dirty="0">
+                <a:solidFill>
+                  <a:srgbClr val="00B050"/>
+                </a:solidFill>
+                <a:ea typeface="ＭＳ ゴシック" panose="020B0609070205080204" pitchFamily="49" charset="-128"/>
+              </a:rPr>
+              <a:t>クラスを格納する配列</a:t>
+            </a:r>
+            <a:br>
+              <a:rPr lang="en-US" altLang="ja-JP" sz="2600" dirty="0">
+                <a:solidFill>
+                  <a:srgbClr val="000000"/>
+                </a:solidFill>
+                <a:ea typeface="ＭＳ ゴシック" panose="020B0609070205080204" pitchFamily="49" charset="-128"/>
+              </a:rPr>
+            </a:br>
+            <a:r>
+              <a:rPr lang="en-US" altLang="ja-JP" sz="2600" dirty="0">
+                <a:solidFill>
+                  <a:srgbClr val="000000"/>
+                </a:solidFill>
+                <a:ea typeface="ＭＳ ゴシック" panose="020B0609070205080204" pitchFamily="49" charset="-128"/>
+              </a:rPr>
+              <a:t>  </a:t>
+            </a:r>
+            <a:r>
+              <a:rPr lang="en-US" altLang="ja-JP" sz="2600" dirty="0">
+                <a:solidFill>
+                  <a:srgbClr val="2B91AF"/>
+                </a:solidFill>
+                <a:ea typeface="ＭＳ ゴシック" panose="020B0609070205080204" pitchFamily="49" charset="-128"/>
+              </a:rPr>
+              <a:t>string</a:t>
+            </a:r>
+            <a:r>
+              <a:rPr lang="en-US" altLang="ja-JP" sz="2600" dirty="0">
+                <a:solidFill>
+                  <a:srgbClr val="000000"/>
+                </a:solidFill>
+                <a:ea typeface="ＭＳ ゴシック" panose="020B0609070205080204" pitchFamily="49" charset="-128"/>
+              </a:rPr>
+              <a:t> text;</a:t>
+            </a:r>
+          </a:p>
+          <a:p>
+            <a:r>
+              <a:rPr lang="en-US" altLang="ja-JP" sz="2600" dirty="0">
+                <a:solidFill>
+                  <a:srgbClr val="000000"/>
+                </a:solidFill>
+                <a:ea typeface="ＭＳ ゴシック" panose="020B0609070205080204" pitchFamily="49" charset="-128"/>
+              </a:rPr>
+              <a:t>  </a:t>
+            </a:r>
+            <a:r>
+              <a:rPr lang="en-US" altLang="ja-JP" sz="2600" dirty="0">
+                <a:solidFill>
+                  <a:srgbClr val="0000FF"/>
+                </a:solidFill>
+                <a:ea typeface="ＭＳ ゴシック" panose="020B0609070205080204" pitchFamily="49" charset="-128"/>
+              </a:rPr>
+              <a:t>int</a:t>
+            </a:r>
+            <a:r>
+              <a:rPr lang="en-US" altLang="ja-JP" sz="2600" dirty="0">
+                <a:solidFill>
+                  <a:srgbClr val="000000"/>
+                </a:solidFill>
+                <a:ea typeface="ＭＳ ゴシック" panose="020B0609070205080204" pitchFamily="49" charset="-128"/>
+              </a:rPr>
+              <a:t> j = 0;  </a:t>
+            </a:r>
+            <a:r>
+              <a:rPr lang="en-US" altLang="ja-JP" sz="2600" dirty="0">
+                <a:solidFill>
+                  <a:srgbClr val="00B050"/>
+                </a:solidFill>
+                <a:ea typeface="ＭＳ ゴシック" panose="020B0609070205080204" pitchFamily="49" charset="-128"/>
+              </a:rPr>
+              <a:t>//</a:t>
+            </a:r>
+            <a:r>
+              <a:rPr lang="ja-JP" altLang="en-US" sz="2600" dirty="0">
+                <a:solidFill>
+                  <a:srgbClr val="00B050"/>
+                </a:solidFill>
+                <a:ea typeface="ＭＳ ゴシック" panose="020B0609070205080204" pitchFamily="49" charset="-128"/>
+              </a:rPr>
+              <a:t>削除</a:t>
+            </a:r>
+            <a:endParaRPr lang="en-US" altLang="ja-JP" sz="2600" dirty="0">
+              <a:solidFill>
+                <a:srgbClr val="00B050"/>
+              </a:solidFill>
+              <a:ea typeface="ＭＳ ゴシック" panose="020B0609070205080204" pitchFamily="49" charset="-128"/>
+            </a:endParaRPr>
+          </a:p>
+          <a:p>
+            <a:r>
+              <a:rPr lang="ja-JP" altLang="en-US" sz="2600" dirty="0">
+                <a:solidFill>
+                  <a:srgbClr val="000000"/>
+                </a:solidFill>
+                <a:ea typeface="ＭＳ ゴシック" panose="020B0609070205080204" pitchFamily="49" charset="-128"/>
+              </a:rPr>
+              <a:t>  </a:t>
+            </a:r>
+            <a:r>
+              <a:rPr lang="en-US" altLang="ja-JP" sz="2600" dirty="0">
+                <a:solidFill>
+                  <a:srgbClr val="000000"/>
+                </a:solidFill>
+                <a:ea typeface="ＭＳ ゴシック" panose="020B0609070205080204" pitchFamily="49" charset="-128"/>
+              </a:rPr>
+              <a:t>while(</a:t>
+            </a:r>
+            <a:r>
+              <a:rPr lang="en-US" altLang="ja-JP" sz="2600" dirty="0" err="1">
+                <a:solidFill>
+                  <a:srgbClr val="000000"/>
+                </a:solidFill>
+                <a:ea typeface="ＭＳ ゴシック" panose="020B0609070205080204" pitchFamily="49" charset="-128"/>
+              </a:rPr>
+              <a:t>getline</a:t>
+            </a:r>
+            <a:r>
+              <a:rPr lang="en-US" altLang="ja-JP" sz="2600" dirty="0">
+                <a:solidFill>
+                  <a:srgbClr val="000000"/>
+                </a:solidFill>
+                <a:ea typeface="ＭＳ ゴシック" panose="020B0609070205080204" pitchFamily="49" charset="-128"/>
+              </a:rPr>
+              <a:t>(ifs, text)) {</a:t>
+            </a:r>
+            <a:r>
+              <a:rPr lang="en-US" altLang="ja-JP" sz="2600" dirty="0">
+                <a:solidFill>
+                  <a:srgbClr val="00B050"/>
+                </a:solidFill>
+                <a:ea typeface="ＭＳ ゴシック" panose="020B0609070205080204" pitchFamily="49" charset="-128"/>
+              </a:rPr>
+              <a:t>//</a:t>
+            </a:r>
+            <a:r>
+              <a:rPr lang="ja-JP" altLang="en-US" sz="2600" dirty="0">
+                <a:solidFill>
+                  <a:srgbClr val="00B050"/>
+                </a:solidFill>
+                <a:ea typeface="ＭＳ ゴシック" panose="020B0609070205080204" pitchFamily="49" charset="-128"/>
+              </a:rPr>
+              <a:t>ファイル末尾まで読出し</a:t>
+            </a:r>
+            <a:endParaRPr lang="en-US" altLang="ja-JP" sz="2600" dirty="0">
+              <a:solidFill>
+                <a:srgbClr val="00B050"/>
+              </a:solidFill>
+              <a:ea typeface="ＭＳ ゴシック" panose="020B0609070205080204" pitchFamily="49" charset="-128"/>
+            </a:endParaRPr>
+          </a:p>
+          <a:p>
+            <a:r>
+              <a:rPr lang="en-US" altLang="ja-JP" sz="2600" dirty="0">
+                <a:solidFill>
+                  <a:srgbClr val="000000"/>
+                </a:solidFill>
+                <a:ea typeface="ＭＳ ゴシック" panose="020B0609070205080204" pitchFamily="49" charset="-128"/>
+              </a:rPr>
+              <a:t>    </a:t>
+            </a:r>
+            <a:r>
+              <a:rPr lang="en-US" altLang="ja-JP" sz="2600" dirty="0" err="1">
+                <a:solidFill>
+                  <a:srgbClr val="FF0000"/>
+                </a:solidFill>
+                <a:ea typeface="ＭＳ ゴシック" panose="020B0609070205080204" pitchFamily="49" charset="-128"/>
+              </a:rPr>
+              <a:t>istringstream</a:t>
+            </a:r>
+            <a:r>
+              <a:rPr lang="en-US" altLang="ja-JP" sz="2600" dirty="0">
+                <a:solidFill>
+                  <a:srgbClr val="000000"/>
+                </a:solidFill>
+                <a:ea typeface="ＭＳ ゴシック" panose="020B0609070205080204" pitchFamily="49" charset="-128"/>
+              </a:rPr>
+              <a:t> </a:t>
+            </a:r>
+            <a:r>
+              <a:rPr lang="en-US" altLang="ja-JP" sz="2600" dirty="0" err="1">
+                <a:solidFill>
+                  <a:srgbClr val="00B0F0"/>
+                </a:solidFill>
+                <a:ea typeface="ＭＳ ゴシック" panose="020B0609070205080204" pitchFamily="49" charset="-128"/>
+              </a:rPr>
+              <a:t>iss</a:t>
+            </a:r>
+            <a:r>
+              <a:rPr lang="en-US" altLang="ja-JP" sz="2600" dirty="0">
+                <a:solidFill>
+                  <a:srgbClr val="000000"/>
+                </a:solidFill>
+                <a:ea typeface="ＭＳ ゴシック" panose="020B0609070205080204" pitchFamily="49" charset="-128"/>
+              </a:rPr>
+              <a:t>(text);</a:t>
+            </a:r>
+            <a:endParaRPr lang="en-US" altLang="ja-JP" sz="2600" dirty="0">
+              <a:solidFill>
+                <a:srgbClr val="00B050"/>
+              </a:solidFill>
+              <a:ea typeface="ＭＳ ゴシック" panose="020B0609070205080204" pitchFamily="49" charset="-128"/>
+            </a:endParaRPr>
+          </a:p>
+          <a:p>
+            <a:r>
+              <a:rPr lang="en-US" altLang="ja-JP" sz="2600" dirty="0">
+                <a:solidFill>
+                  <a:srgbClr val="00B050"/>
+                </a:solidFill>
+                <a:ea typeface="ＭＳ ゴシック" panose="020B0609070205080204" pitchFamily="49" charset="-128"/>
+              </a:rPr>
+              <a:t>    </a:t>
+            </a:r>
+            <a:r>
+              <a:rPr lang="en-US" altLang="ja-JP" sz="2600" dirty="0" err="1">
+                <a:solidFill>
+                  <a:srgbClr val="FF00FF"/>
+                </a:solidFill>
+                <a:ea typeface="ＭＳ ゴシック" panose="020B0609070205080204" pitchFamily="49" charset="-128"/>
+              </a:rPr>
+              <a:t>vEne</a:t>
+            </a:r>
+            <a:r>
+              <a:rPr lang="en-US" altLang="ja-JP" sz="2600" dirty="0" err="1">
+                <a:ea typeface="ＭＳ ゴシック" panose="020B0609070205080204" pitchFamily="49" charset="-128"/>
+              </a:rPr>
+              <a:t>.resize</a:t>
+            </a:r>
+            <a:r>
+              <a:rPr lang="en-US" altLang="ja-JP" sz="2600" dirty="0">
+                <a:ea typeface="ＭＳ ゴシック" panose="020B0609070205080204" pitchFamily="49" charset="-128"/>
+              </a:rPr>
+              <a:t>(j+1); </a:t>
+            </a:r>
+            <a:r>
+              <a:rPr lang="en-US" altLang="ja-JP" sz="2600" dirty="0">
+                <a:solidFill>
+                  <a:srgbClr val="00B050"/>
+                </a:solidFill>
+                <a:ea typeface="ＭＳ ゴシック" panose="020B0609070205080204" pitchFamily="49" charset="-128"/>
+              </a:rPr>
+              <a:t>//</a:t>
+            </a:r>
+            <a:r>
+              <a:rPr lang="ja-JP" altLang="en-US" sz="2600" dirty="0">
+                <a:solidFill>
+                  <a:srgbClr val="00B050"/>
+                </a:solidFill>
+                <a:ea typeface="ＭＳ ゴシック" panose="020B0609070205080204" pitchFamily="49" charset="-128"/>
+              </a:rPr>
+              <a:t>この行を削除</a:t>
+            </a:r>
+            <a:endParaRPr lang="en-US" altLang="ja-JP" sz="2600" dirty="0">
+              <a:solidFill>
+                <a:srgbClr val="00B050"/>
+              </a:solidFill>
+              <a:ea typeface="ＭＳ ゴシック" panose="020B0609070205080204" pitchFamily="49" charset="-128"/>
+            </a:endParaRPr>
+          </a:p>
+          <a:p>
+            <a:r>
+              <a:rPr lang="en-US" altLang="ja-JP" sz="2600" dirty="0">
+                <a:solidFill>
+                  <a:srgbClr val="00B050"/>
+                </a:solidFill>
+                <a:ea typeface="ＭＳ ゴシック" panose="020B0609070205080204" pitchFamily="49" charset="-128"/>
+              </a:rPr>
+              <a:t>    </a:t>
+            </a:r>
+            <a:r>
+              <a:rPr lang="en-US" altLang="ja-JP" sz="2600" dirty="0">
+                <a:ea typeface="ＭＳ ゴシック" panose="020B0609070205080204" pitchFamily="49" charset="-128"/>
+              </a:rPr>
+              <a:t>while(</a:t>
+            </a:r>
+            <a:r>
+              <a:rPr lang="en-US" altLang="ja-JP" sz="2600" dirty="0" err="1">
+                <a:solidFill>
+                  <a:srgbClr val="000000"/>
+                </a:solidFill>
+                <a:ea typeface="ＭＳ ゴシック" panose="020B0609070205080204" pitchFamily="49" charset="-128"/>
+              </a:rPr>
+              <a:t>getline</a:t>
+            </a:r>
+            <a:r>
+              <a:rPr lang="en-US" altLang="ja-JP" sz="2600" dirty="0">
+                <a:solidFill>
+                  <a:srgbClr val="000000"/>
+                </a:solidFill>
+                <a:ea typeface="ＭＳ ゴシック" panose="020B0609070205080204" pitchFamily="49" charset="-128"/>
+              </a:rPr>
+              <a:t>(</a:t>
+            </a:r>
+            <a:r>
+              <a:rPr lang="en-US" altLang="ja-JP" sz="2600" dirty="0" err="1">
+                <a:solidFill>
+                  <a:srgbClr val="00B0F0"/>
+                </a:solidFill>
+                <a:ea typeface="ＭＳ ゴシック" panose="020B0609070205080204" pitchFamily="49" charset="-128"/>
+              </a:rPr>
+              <a:t>iss</a:t>
+            </a:r>
+            <a:r>
+              <a:rPr lang="en-US" altLang="ja-JP" sz="2600" dirty="0">
+                <a:solidFill>
+                  <a:srgbClr val="000000"/>
+                </a:solidFill>
+                <a:ea typeface="ＭＳ ゴシック" panose="020B0609070205080204" pitchFamily="49" charset="-128"/>
+              </a:rPr>
+              <a:t>, text,‘,’)) {</a:t>
+            </a:r>
+            <a:br>
+              <a:rPr lang="en-US" altLang="ja-JP" sz="2600" dirty="0">
+                <a:solidFill>
+                  <a:srgbClr val="000000"/>
+                </a:solidFill>
+                <a:ea typeface="ＭＳ ゴシック" panose="020B0609070205080204" pitchFamily="49" charset="-128"/>
+              </a:rPr>
+            </a:br>
+            <a:r>
+              <a:rPr lang="en-US" altLang="ja-JP" sz="2600" dirty="0">
+                <a:solidFill>
+                  <a:srgbClr val="000000"/>
+                </a:solidFill>
+                <a:ea typeface="ＭＳ ゴシック" panose="020B0609070205080204" pitchFamily="49" charset="-128"/>
+              </a:rPr>
+              <a:t>      </a:t>
+            </a:r>
+            <a:r>
+              <a:rPr lang="en-US" altLang="ja-JP" sz="2600" dirty="0" err="1">
+                <a:solidFill>
+                  <a:srgbClr val="FF00FF"/>
+                </a:solidFill>
+                <a:ea typeface="ＭＳ ゴシック" panose="020B0609070205080204" pitchFamily="49" charset="-128"/>
+              </a:rPr>
+              <a:t>vEne</a:t>
+            </a:r>
+            <a:r>
+              <a:rPr lang="en-US" altLang="ja-JP" sz="2600" dirty="0">
+                <a:solidFill>
+                  <a:srgbClr val="FF00FF"/>
+                </a:solidFill>
+                <a:ea typeface="ＭＳ ゴシック" panose="020B0609070205080204" pitchFamily="49" charset="-128"/>
+              </a:rPr>
+              <a:t>[j]</a:t>
+            </a:r>
+            <a:r>
+              <a:rPr lang="en-US" altLang="ja-JP" sz="2600" dirty="0">
+                <a:ea typeface="ＭＳ ゴシック" panose="020B0609070205080204" pitchFamily="49" charset="-128"/>
+              </a:rPr>
+              <a:t>.</a:t>
+            </a:r>
+            <a:r>
+              <a:rPr lang="en-US" altLang="ja-JP" sz="2600" dirty="0" err="1">
+                <a:ea typeface="ＭＳ ゴシック" panose="020B0609070205080204" pitchFamily="49" charset="-128"/>
+              </a:rPr>
+              <a:t>push_back</a:t>
+            </a:r>
+            <a:r>
+              <a:rPr lang="en-US" altLang="ja-JP" sz="2600" dirty="0">
+                <a:ea typeface="ＭＳ ゴシック" panose="020B0609070205080204" pitchFamily="49" charset="-128"/>
+              </a:rPr>
+              <a:t>(text); </a:t>
+            </a:r>
+            <a:r>
+              <a:rPr lang="en-US" altLang="ja-JP" sz="2600" dirty="0">
+                <a:solidFill>
+                  <a:srgbClr val="00B050"/>
+                </a:solidFill>
+                <a:ea typeface="ＭＳ ゴシック" panose="020B0609070205080204" pitchFamily="49" charset="-128"/>
+              </a:rPr>
+              <a:t>//[j]</a:t>
+            </a:r>
+            <a:r>
+              <a:rPr lang="ja-JP" altLang="en-US" sz="2600" dirty="0">
+                <a:solidFill>
+                  <a:srgbClr val="00B050"/>
+                </a:solidFill>
+                <a:ea typeface="ＭＳ ゴシック" panose="020B0609070205080204" pitchFamily="49" charset="-128"/>
+              </a:rPr>
+              <a:t>を削除</a:t>
+            </a:r>
+            <a:br>
+              <a:rPr lang="en-US" altLang="ja-JP" sz="2600" dirty="0">
+                <a:solidFill>
+                  <a:srgbClr val="00B050"/>
+                </a:solidFill>
+                <a:ea typeface="ＭＳ ゴシック" panose="020B0609070205080204" pitchFamily="49" charset="-128"/>
+              </a:rPr>
+            </a:br>
+            <a:r>
+              <a:rPr lang="en-US" altLang="ja-JP" sz="2600" dirty="0">
+                <a:solidFill>
+                  <a:srgbClr val="00B050"/>
+                </a:solidFill>
+                <a:ea typeface="ＭＳ ゴシック" panose="020B0609070205080204" pitchFamily="49" charset="-128"/>
+              </a:rPr>
+              <a:t>    </a:t>
+            </a:r>
+            <a:r>
+              <a:rPr lang="en-US" altLang="ja-JP" sz="2600" dirty="0">
+                <a:ea typeface="ＭＳ ゴシック" panose="020B0609070205080204" pitchFamily="49" charset="-128"/>
+              </a:rPr>
+              <a:t>}</a:t>
+            </a:r>
+            <a:br>
+              <a:rPr lang="en-US" altLang="ja-JP" sz="2600" dirty="0">
+                <a:ea typeface="ＭＳ ゴシック" panose="020B0609070205080204" pitchFamily="49" charset="-128"/>
+              </a:rPr>
+            </a:br>
+            <a:r>
+              <a:rPr lang="en-US" altLang="ja-JP" sz="2600" dirty="0">
+                <a:ea typeface="ＭＳ ゴシック" panose="020B0609070205080204" pitchFamily="49" charset="-128"/>
+              </a:rPr>
+              <a:t>    </a:t>
+            </a:r>
+            <a:r>
+              <a:rPr lang="en-US" altLang="ja-JP" sz="2600" dirty="0" err="1">
+                <a:solidFill>
+                  <a:srgbClr val="FF00FF"/>
+                </a:solidFill>
+                <a:ea typeface="ＭＳ ゴシック" panose="020B0609070205080204" pitchFamily="49" charset="-128"/>
+              </a:rPr>
+              <a:t>pEne</a:t>
+            </a:r>
+            <a:r>
+              <a:rPr lang="en-US" altLang="ja-JP" sz="2600" dirty="0" err="1">
+                <a:ea typeface="ＭＳ ゴシック" panose="020B0609070205080204" pitchFamily="49" charset="-128"/>
+              </a:rPr>
+              <a:t>.push_back</a:t>
+            </a:r>
+            <a:r>
+              <a:rPr lang="en-US" altLang="ja-JP" sz="2600" dirty="0">
+                <a:ea typeface="ＭＳ ゴシック" panose="020B0609070205080204" pitchFamily="49" charset="-128"/>
+              </a:rPr>
+              <a:t>(</a:t>
+            </a:r>
+            <a:r>
+              <a:rPr lang="en-US" altLang="ja-JP" sz="2800" dirty="0">
+                <a:solidFill>
+                  <a:srgbClr val="0000FF"/>
+                </a:solidFill>
+                <a:ea typeface="ＭＳ ゴシック" panose="020B0609070205080204" pitchFamily="49" charset="-128"/>
+              </a:rPr>
+              <a:t>new</a:t>
+            </a:r>
+            <a:r>
+              <a:rPr lang="en-US" altLang="ja-JP" sz="2800" dirty="0">
+                <a:solidFill>
+                  <a:srgbClr val="000000"/>
+                </a:solidFill>
+                <a:ea typeface="ＭＳ ゴシック" panose="020B0609070205080204" pitchFamily="49" charset="-128"/>
+              </a:rPr>
+              <a:t> </a:t>
+            </a:r>
+            <a:r>
+              <a:rPr lang="en-US" altLang="ja-JP" sz="2800" dirty="0">
+                <a:solidFill>
+                  <a:srgbClr val="2B91AF"/>
+                </a:solidFill>
+                <a:ea typeface="ＭＳ ゴシック" panose="020B0609070205080204" pitchFamily="49" charset="-128"/>
+              </a:rPr>
+              <a:t>Enemy</a:t>
+            </a:r>
+            <a:r>
+              <a:rPr lang="en-US" altLang="ja-JP" sz="2600" dirty="0">
+                <a:ea typeface="ＭＳ ゴシック" panose="020B0609070205080204" pitchFamily="49" charset="-128"/>
+              </a:rPr>
+              <a:t>(</a:t>
+            </a:r>
+            <a:r>
+              <a:rPr lang="en-US" altLang="ja-JP" sz="2600" dirty="0" err="1">
+                <a:solidFill>
+                  <a:srgbClr val="FF00FF"/>
+                </a:solidFill>
+                <a:ea typeface="ＭＳ ゴシック" panose="020B0609070205080204" pitchFamily="49" charset="-128"/>
+              </a:rPr>
+              <a:t>vEne</a:t>
+            </a:r>
+            <a:r>
+              <a:rPr lang="en-US" altLang="ja-JP" sz="2600" dirty="0">
+                <a:ea typeface="ＭＳ ゴシック" panose="020B0609070205080204" pitchFamily="49" charset="-128"/>
+              </a:rPr>
+              <a:t>[0], </a:t>
+            </a:r>
+            <a:r>
+              <a:rPr lang="en-US" altLang="ja-JP" sz="2600" dirty="0" err="1">
+                <a:ea typeface="ＭＳ ゴシック" panose="020B0609070205080204" pitchFamily="49" charset="-128"/>
+              </a:rPr>
+              <a:t>stoi</a:t>
+            </a:r>
+            <a:r>
+              <a:rPr lang="en-US" altLang="ja-JP" sz="2600" dirty="0">
+                <a:ea typeface="ＭＳ ゴシック" panose="020B0609070205080204" pitchFamily="49" charset="-128"/>
+              </a:rPr>
+              <a:t>(</a:t>
+            </a:r>
+            <a:r>
+              <a:rPr lang="en-US" altLang="ja-JP" sz="2600" dirty="0" err="1">
+                <a:solidFill>
+                  <a:srgbClr val="FF00FF"/>
+                </a:solidFill>
+                <a:ea typeface="ＭＳ ゴシック" panose="020B0609070205080204" pitchFamily="49" charset="-128"/>
+              </a:rPr>
+              <a:t>vEne</a:t>
+            </a:r>
+            <a:r>
+              <a:rPr lang="en-US" altLang="ja-JP" sz="2600" dirty="0">
+                <a:ea typeface="ＭＳ ゴシック" panose="020B0609070205080204" pitchFamily="49" charset="-128"/>
+              </a:rPr>
+              <a:t>[1]),</a:t>
+            </a:r>
+            <a:br>
+              <a:rPr lang="en-US" altLang="ja-JP" sz="2600" dirty="0">
+                <a:ea typeface="ＭＳ ゴシック" panose="020B0609070205080204" pitchFamily="49" charset="-128"/>
+              </a:rPr>
+            </a:br>
+            <a:r>
+              <a:rPr lang="en-US" altLang="ja-JP" sz="2600" dirty="0">
+                <a:ea typeface="ＭＳ ゴシック" panose="020B0609070205080204" pitchFamily="49" charset="-128"/>
+              </a:rPr>
+              <a:t>      </a:t>
+            </a:r>
+            <a:r>
+              <a:rPr lang="en-US" altLang="ja-JP" sz="2600" dirty="0" err="1">
+                <a:ea typeface="ＭＳ ゴシック" panose="020B0609070205080204" pitchFamily="49" charset="-128"/>
+              </a:rPr>
+              <a:t>stoi</a:t>
+            </a:r>
+            <a:r>
+              <a:rPr lang="en-US" altLang="ja-JP" sz="2600" dirty="0">
+                <a:ea typeface="ＭＳ ゴシック" panose="020B0609070205080204" pitchFamily="49" charset="-128"/>
+              </a:rPr>
+              <a:t>(</a:t>
+            </a:r>
+            <a:r>
+              <a:rPr lang="en-US" altLang="ja-JP" sz="2600" dirty="0" err="1">
+                <a:solidFill>
+                  <a:srgbClr val="FF00FF"/>
+                </a:solidFill>
+                <a:ea typeface="ＭＳ ゴシック" panose="020B0609070205080204" pitchFamily="49" charset="-128"/>
+              </a:rPr>
+              <a:t>vEne</a:t>
+            </a:r>
+            <a:r>
+              <a:rPr lang="en-US" altLang="ja-JP" sz="2600" dirty="0">
+                <a:ea typeface="ＭＳ ゴシック" panose="020B0609070205080204" pitchFamily="49" charset="-128"/>
+              </a:rPr>
+              <a:t>[2]), </a:t>
+            </a:r>
+            <a:r>
+              <a:rPr lang="en-US" altLang="ja-JP" sz="2600" dirty="0" err="1">
+                <a:ea typeface="ＭＳ ゴシック" panose="020B0609070205080204" pitchFamily="49" charset="-128"/>
+              </a:rPr>
+              <a:t>stoi</a:t>
+            </a:r>
+            <a:r>
+              <a:rPr lang="en-US" altLang="ja-JP" sz="2600" dirty="0">
+                <a:ea typeface="ＭＳ ゴシック" panose="020B0609070205080204" pitchFamily="49" charset="-128"/>
+              </a:rPr>
+              <a:t>(</a:t>
+            </a:r>
+            <a:r>
+              <a:rPr lang="en-US" altLang="ja-JP" sz="2600" dirty="0" err="1">
+                <a:solidFill>
+                  <a:srgbClr val="FF00FF"/>
+                </a:solidFill>
+                <a:ea typeface="ＭＳ ゴシック" panose="020B0609070205080204" pitchFamily="49" charset="-128"/>
+              </a:rPr>
+              <a:t>vEne</a:t>
+            </a:r>
+            <a:r>
+              <a:rPr lang="en-US" altLang="ja-JP" sz="2600" dirty="0">
+                <a:ea typeface="ＭＳ ゴシック" panose="020B0609070205080204" pitchFamily="49" charset="-128"/>
+              </a:rPr>
+              <a:t>[3]))); </a:t>
+            </a:r>
+            <a:r>
+              <a:rPr lang="en-US" altLang="ja-JP" sz="2600" dirty="0">
+                <a:solidFill>
+                  <a:srgbClr val="00B050"/>
+                </a:solidFill>
+                <a:ea typeface="ＭＳ ゴシック" panose="020B0609070205080204" pitchFamily="49" charset="-128"/>
+              </a:rPr>
+              <a:t>//</a:t>
+            </a:r>
+            <a:r>
+              <a:rPr lang="ja-JP" altLang="en-US" sz="2600" dirty="0">
+                <a:solidFill>
+                  <a:srgbClr val="00B050"/>
+                </a:solidFill>
+                <a:ea typeface="ＭＳ ゴシック" panose="020B0609070205080204" pitchFamily="49" charset="-128"/>
+              </a:rPr>
+              <a:t>整数に変換</a:t>
+            </a:r>
+            <a:endParaRPr lang="en-US" altLang="ja-JP" sz="2600" dirty="0">
+              <a:solidFill>
+                <a:srgbClr val="00B050"/>
+              </a:solidFill>
+              <a:ea typeface="ＭＳ ゴシック" panose="020B0609070205080204" pitchFamily="49" charset="-128"/>
+            </a:endParaRPr>
+          </a:p>
+          <a:p>
+            <a:r>
+              <a:rPr lang="en-US" altLang="ja-JP" sz="2600" dirty="0">
+                <a:solidFill>
+                  <a:srgbClr val="000000"/>
+                </a:solidFill>
+                <a:latin typeface="ＭＳ ゴシック" panose="020B0609070205080204" pitchFamily="49" charset="-128"/>
+                <a:ea typeface="ＭＳ ゴシック" panose="020B0609070205080204" pitchFamily="49" charset="-128"/>
+              </a:rPr>
+              <a:t>     </a:t>
+            </a:r>
+            <a:r>
+              <a:rPr lang="en-US" altLang="ja-JP" sz="2600" dirty="0" err="1">
+                <a:solidFill>
+                  <a:srgbClr val="FF00FF"/>
+                </a:solidFill>
+                <a:ea typeface="ＭＳ ゴシック" panose="020B0609070205080204" pitchFamily="49" charset="-128"/>
+              </a:rPr>
+              <a:t>vEne</a:t>
+            </a:r>
+            <a:r>
+              <a:rPr lang="en-US" altLang="ja-JP" sz="2600" dirty="0" err="1">
+                <a:solidFill>
+                  <a:srgbClr val="000000"/>
+                </a:solidFill>
+                <a:ea typeface="ＭＳ ゴシック" panose="020B0609070205080204" pitchFamily="49" charset="-128"/>
+              </a:rPr>
+              <a:t>.clear</a:t>
+            </a:r>
+            <a:r>
+              <a:rPr lang="en-US" altLang="ja-JP" sz="2600" dirty="0">
+                <a:solidFill>
+                  <a:srgbClr val="000000"/>
+                </a:solidFill>
+                <a:ea typeface="ＭＳ ゴシック" panose="020B0609070205080204" pitchFamily="49" charset="-128"/>
+              </a:rPr>
+              <a:t>();</a:t>
+            </a:r>
+            <a:r>
+              <a:rPr lang="en-US" altLang="ja-JP" sz="2600" dirty="0">
+                <a:solidFill>
+                  <a:srgbClr val="00B050"/>
+                </a:solidFill>
+                <a:ea typeface="ＭＳ ゴシック" panose="020B0609070205080204" pitchFamily="49" charset="-128"/>
+              </a:rPr>
+              <a:t> //</a:t>
+            </a:r>
+            <a:r>
+              <a:rPr lang="ja-JP" altLang="en-US" sz="2600" dirty="0">
+                <a:solidFill>
+                  <a:srgbClr val="00B050"/>
+                </a:solidFill>
+                <a:ea typeface="ＭＳ ゴシック" panose="020B0609070205080204" pitchFamily="49" charset="-128"/>
+              </a:rPr>
+              <a:t>一行分格納したので全要素を削除</a:t>
+            </a:r>
+            <a:br>
+              <a:rPr lang="en-US" altLang="ja-JP" sz="2600" dirty="0">
+                <a:solidFill>
+                  <a:srgbClr val="000000"/>
+                </a:solidFill>
+                <a:ea typeface="ＭＳ ゴシック" panose="020B0609070205080204" pitchFamily="49" charset="-128"/>
+              </a:rPr>
+            </a:br>
+            <a:r>
+              <a:rPr lang="en-US" altLang="ja-JP" sz="2600" dirty="0">
+                <a:solidFill>
+                  <a:srgbClr val="000000"/>
+                </a:solidFill>
+                <a:ea typeface="ＭＳ ゴシック" panose="020B0609070205080204" pitchFamily="49" charset="-128"/>
+              </a:rPr>
+              <a:t> </a:t>
+            </a:r>
+            <a:r>
+              <a:rPr lang="en-US" altLang="ja-JP" sz="2600" dirty="0">
+                <a:ea typeface="ＭＳ ゴシック" panose="020B0609070205080204" pitchFamily="49" charset="-128"/>
+              </a:rPr>
+              <a:t>   </a:t>
+            </a:r>
+            <a:r>
+              <a:rPr lang="en-US" altLang="ja-JP" sz="2600" dirty="0" err="1">
+                <a:ea typeface="ＭＳ ゴシック" panose="020B0609070205080204" pitchFamily="49" charset="-128"/>
+              </a:rPr>
+              <a:t>j++</a:t>
+            </a:r>
+            <a:r>
+              <a:rPr lang="en-US" altLang="ja-JP" sz="2600" dirty="0">
+                <a:ea typeface="ＭＳ ゴシック" panose="020B0609070205080204" pitchFamily="49" charset="-128"/>
+              </a:rPr>
+              <a:t>;</a:t>
+            </a:r>
+            <a:r>
+              <a:rPr lang="en-US" altLang="ja-JP" sz="2600" dirty="0">
+                <a:solidFill>
+                  <a:srgbClr val="00B050"/>
+                </a:solidFill>
+                <a:ea typeface="ＭＳ ゴシック" panose="020B0609070205080204" pitchFamily="49" charset="-128"/>
+              </a:rPr>
+              <a:t> //</a:t>
+            </a:r>
+            <a:r>
+              <a:rPr lang="ja-JP" altLang="en-US" sz="2600" dirty="0">
+                <a:solidFill>
+                  <a:srgbClr val="00B050"/>
+                </a:solidFill>
+                <a:ea typeface="ＭＳ ゴシック" panose="020B0609070205080204" pitchFamily="49" charset="-128"/>
+              </a:rPr>
+              <a:t>削除</a:t>
+            </a:r>
+            <a:endParaRPr lang="en-US" altLang="ja-JP" sz="2600" dirty="0">
+              <a:ea typeface="ＭＳ ゴシック" panose="020B0609070205080204" pitchFamily="49" charset="-128"/>
+            </a:endParaRPr>
+          </a:p>
+        </p:txBody>
+      </p:sp>
+      <p:sp>
+        <p:nvSpPr>
+          <p:cNvPr id="4" name="矢印: 右 3">
+            <a:extLst>
+              <a:ext uri="{FF2B5EF4-FFF2-40B4-BE49-F238E27FC236}">
+                <a16:creationId xmlns:a16="http://schemas.microsoft.com/office/drawing/2014/main" id="{6B18A343-9C55-2D16-CAF3-03E7FC62264F}"/>
+              </a:ext>
+            </a:extLst>
+          </p:cNvPr>
+          <p:cNvSpPr/>
+          <p:nvPr/>
+        </p:nvSpPr>
+        <p:spPr>
+          <a:xfrm>
+            <a:off x="625002" y="1307321"/>
+            <a:ext cx="426396" cy="282102"/>
+          </a:xfrm>
+          <a:prstGeom prst="rightArrow">
+            <a:avLst/>
+          </a:prstGeom>
+          <a:solidFill>
+            <a:srgbClr val="FF0000"/>
+          </a:solidFill>
+        </p:spPr>
+        <p:style>
+          <a:lnRef idx="2">
+            <a:schemeClr val="accent1">
+              <a:shade val="15000"/>
+            </a:schemeClr>
+          </a:lnRef>
+          <a:fillRef idx="1">
+            <a:schemeClr val="accent1"/>
+          </a:fillRef>
+          <a:effectRef idx="0">
+            <a:schemeClr val="accent1"/>
+          </a:effectRef>
+          <a:fontRef idx="minor">
+            <a:schemeClr val="lt1"/>
+          </a:fontRef>
+        </p:style>
+        <p:txBody>
+          <a:bodyPr rtlCol="0" anchor="ctr"/>
+          <a:lstStyle/>
+          <a:p>
+            <a:pPr algn="ctr"/>
+            <a:endParaRPr kumimoji="1" lang="ja-JP" altLang="en-US"/>
+          </a:p>
+        </p:txBody>
+      </p:sp>
+      <p:sp>
+        <p:nvSpPr>
+          <p:cNvPr id="6" name="矢印: 右 5">
+            <a:extLst>
+              <a:ext uri="{FF2B5EF4-FFF2-40B4-BE49-F238E27FC236}">
+                <a16:creationId xmlns:a16="http://schemas.microsoft.com/office/drawing/2014/main" id="{0574386A-7A8B-3041-3764-473949D59F1B}"/>
+              </a:ext>
+            </a:extLst>
+          </p:cNvPr>
+          <p:cNvSpPr/>
+          <p:nvPr/>
+        </p:nvSpPr>
+        <p:spPr>
+          <a:xfrm>
+            <a:off x="625002" y="1693759"/>
+            <a:ext cx="426396" cy="282102"/>
+          </a:xfrm>
+          <a:prstGeom prst="rightArrow">
+            <a:avLst/>
+          </a:prstGeom>
+          <a:solidFill>
+            <a:srgbClr val="FF0000"/>
+          </a:solidFill>
+        </p:spPr>
+        <p:style>
+          <a:lnRef idx="2">
+            <a:schemeClr val="accent1">
+              <a:shade val="15000"/>
+            </a:schemeClr>
+          </a:lnRef>
+          <a:fillRef idx="1">
+            <a:schemeClr val="accent1"/>
+          </a:fillRef>
+          <a:effectRef idx="0">
+            <a:schemeClr val="accent1"/>
+          </a:effectRef>
+          <a:fontRef idx="minor">
+            <a:schemeClr val="lt1"/>
+          </a:fontRef>
+        </p:style>
+        <p:txBody>
+          <a:bodyPr rtlCol="0" anchor="ctr"/>
+          <a:lstStyle/>
+          <a:p>
+            <a:pPr algn="ctr"/>
+            <a:endParaRPr kumimoji="1" lang="ja-JP" altLang="en-US"/>
+          </a:p>
+        </p:txBody>
+      </p:sp>
+      <p:sp>
+        <p:nvSpPr>
+          <p:cNvPr id="7" name="矢印: 右 6">
+            <a:extLst>
+              <a:ext uri="{FF2B5EF4-FFF2-40B4-BE49-F238E27FC236}">
+                <a16:creationId xmlns:a16="http://schemas.microsoft.com/office/drawing/2014/main" id="{EB933844-ED7B-36F3-5ED3-15939E167A1C}"/>
+              </a:ext>
+            </a:extLst>
+          </p:cNvPr>
+          <p:cNvSpPr/>
+          <p:nvPr/>
+        </p:nvSpPr>
+        <p:spPr>
+          <a:xfrm>
+            <a:off x="625002" y="4424568"/>
+            <a:ext cx="426396" cy="282102"/>
+          </a:xfrm>
+          <a:prstGeom prst="rightArrow">
+            <a:avLst/>
+          </a:prstGeom>
+          <a:solidFill>
+            <a:srgbClr val="FF0000"/>
+          </a:solidFill>
+        </p:spPr>
+        <p:style>
+          <a:lnRef idx="2">
+            <a:schemeClr val="accent1">
+              <a:shade val="15000"/>
+            </a:schemeClr>
+          </a:lnRef>
+          <a:fillRef idx="1">
+            <a:schemeClr val="accent1"/>
+          </a:fillRef>
+          <a:effectRef idx="0">
+            <a:schemeClr val="accent1"/>
+          </a:effectRef>
+          <a:fontRef idx="minor">
+            <a:schemeClr val="lt1"/>
+          </a:fontRef>
+        </p:style>
+        <p:txBody>
+          <a:bodyPr rtlCol="0" anchor="ctr"/>
+          <a:lstStyle/>
+          <a:p>
+            <a:pPr algn="ctr"/>
+            <a:endParaRPr kumimoji="1" lang="ja-JP" altLang="en-US" dirty="0"/>
+          </a:p>
+        </p:txBody>
+      </p:sp>
+      <p:sp>
+        <p:nvSpPr>
+          <p:cNvPr id="8" name="矢印: 右 7">
+            <a:extLst>
+              <a:ext uri="{FF2B5EF4-FFF2-40B4-BE49-F238E27FC236}">
+                <a16:creationId xmlns:a16="http://schemas.microsoft.com/office/drawing/2014/main" id="{15308B5F-3E43-C18A-69F3-7421DB72F4FE}"/>
+              </a:ext>
+            </a:extLst>
+          </p:cNvPr>
+          <p:cNvSpPr/>
+          <p:nvPr/>
+        </p:nvSpPr>
+        <p:spPr>
+          <a:xfrm>
+            <a:off x="625002" y="3672859"/>
+            <a:ext cx="426396" cy="282102"/>
+          </a:xfrm>
+          <a:prstGeom prst="rightArrow">
+            <a:avLst/>
+          </a:prstGeom>
+          <a:solidFill>
+            <a:srgbClr val="FF0000"/>
+          </a:solidFill>
+        </p:spPr>
+        <p:style>
+          <a:lnRef idx="2">
+            <a:schemeClr val="accent1">
+              <a:shade val="15000"/>
+            </a:schemeClr>
+          </a:lnRef>
+          <a:fillRef idx="1">
+            <a:schemeClr val="accent1"/>
+          </a:fillRef>
+          <a:effectRef idx="0">
+            <a:schemeClr val="accent1"/>
+          </a:effectRef>
+          <a:fontRef idx="minor">
+            <a:schemeClr val="lt1"/>
+          </a:fontRef>
+        </p:style>
+        <p:txBody>
+          <a:bodyPr rtlCol="0" anchor="ctr"/>
+          <a:lstStyle/>
+          <a:p>
+            <a:pPr algn="ctr"/>
+            <a:endParaRPr kumimoji="1" lang="ja-JP" altLang="en-US"/>
+          </a:p>
+        </p:txBody>
+      </p:sp>
+      <p:sp>
+        <p:nvSpPr>
+          <p:cNvPr id="11" name="矢印: 右 10">
+            <a:extLst>
+              <a:ext uri="{FF2B5EF4-FFF2-40B4-BE49-F238E27FC236}">
+                <a16:creationId xmlns:a16="http://schemas.microsoft.com/office/drawing/2014/main" id="{833D2DE9-209D-F877-0C77-F04B1A3842C4}"/>
+              </a:ext>
+            </a:extLst>
+          </p:cNvPr>
+          <p:cNvSpPr/>
+          <p:nvPr/>
+        </p:nvSpPr>
+        <p:spPr>
+          <a:xfrm>
+            <a:off x="625002" y="6068865"/>
+            <a:ext cx="426396" cy="282102"/>
+          </a:xfrm>
+          <a:prstGeom prst="rightArrow">
+            <a:avLst/>
+          </a:prstGeom>
+          <a:solidFill>
+            <a:srgbClr val="FF0000"/>
+          </a:solidFill>
+        </p:spPr>
+        <p:style>
+          <a:lnRef idx="2">
+            <a:schemeClr val="accent1">
+              <a:shade val="15000"/>
+            </a:schemeClr>
+          </a:lnRef>
+          <a:fillRef idx="1">
+            <a:schemeClr val="accent1"/>
+          </a:fillRef>
+          <a:effectRef idx="0">
+            <a:schemeClr val="accent1"/>
+          </a:effectRef>
+          <a:fontRef idx="minor">
+            <a:schemeClr val="lt1"/>
+          </a:fontRef>
+        </p:style>
+        <p:txBody>
+          <a:bodyPr rtlCol="0" anchor="ctr"/>
+          <a:lstStyle/>
+          <a:p>
+            <a:pPr algn="ctr"/>
+            <a:endParaRPr kumimoji="1" lang="ja-JP" altLang="en-US"/>
+          </a:p>
+        </p:txBody>
+      </p:sp>
+      <p:cxnSp>
+        <p:nvCxnSpPr>
+          <p:cNvPr id="10" name="直線コネクタ 9">
+            <a:extLst>
+              <a:ext uri="{FF2B5EF4-FFF2-40B4-BE49-F238E27FC236}">
+                <a16:creationId xmlns:a16="http://schemas.microsoft.com/office/drawing/2014/main" id="{9A4120A2-E091-25DB-FE3A-DD7A45D23EA1}"/>
+              </a:ext>
+            </a:extLst>
+          </p:cNvPr>
+          <p:cNvCxnSpPr/>
+          <p:nvPr/>
+        </p:nvCxnSpPr>
+        <p:spPr>
+          <a:xfrm>
+            <a:off x="1536970" y="3754877"/>
+            <a:ext cx="3774332" cy="0"/>
+          </a:xfrm>
+          <a:prstGeom prst="line">
+            <a:avLst/>
+          </a:prstGeom>
+          <a:ln w="28575">
+            <a:solidFill>
+              <a:schemeClr val="tx1"/>
+            </a:solidFill>
+          </a:ln>
+        </p:spPr>
+        <p:style>
+          <a:lnRef idx="1">
+            <a:schemeClr val="accent1"/>
+          </a:lnRef>
+          <a:fillRef idx="0">
+            <a:schemeClr val="accent1"/>
+          </a:fillRef>
+          <a:effectRef idx="0">
+            <a:schemeClr val="accent1"/>
+          </a:effectRef>
+          <a:fontRef idx="minor">
+            <a:schemeClr val="tx1"/>
+          </a:fontRef>
+        </p:style>
+      </p:cxnSp>
+      <p:cxnSp>
+        <p:nvCxnSpPr>
+          <p:cNvPr id="12" name="直線コネクタ 11">
+            <a:extLst>
+              <a:ext uri="{FF2B5EF4-FFF2-40B4-BE49-F238E27FC236}">
+                <a16:creationId xmlns:a16="http://schemas.microsoft.com/office/drawing/2014/main" id="{BFC5A76E-EB8C-A7D3-A5C2-0B71BDC0AB85}"/>
+              </a:ext>
+            </a:extLst>
+          </p:cNvPr>
+          <p:cNvCxnSpPr/>
+          <p:nvPr/>
+        </p:nvCxnSpPr>
+        <p:spPr>
+          <a:xfrm>
+            <a:off x="1533731" y="3844712"/>
+            <a:ext cx="3774332" cy="0"/>
+          </a:xfrm>
+          <a:prstGeom prst="line">
+            <a:avLst/>
+          </a:prstGeom>
+          <a:ln w="28575">
+            <a:solidFill>
+              <a:schemeClr val="tx1"/>
+            </a:solidFill>
+          </a:ln>
+        </p:spPr>
+        <p:style>
+          <a:lnRef idx="1">
+            <a:schemeClr val="accent1"/>
+          </a:lnRef>
+          <a:fillRef idx="0">
+            <a:schemeClr val="accent1"/>
+          </a:fillRef>
+          <a:effectRef idx="0">
+            <a:schemeClr val="accent1"/>
+          </a:effectRef>
+          <a:fontRef idx="minor">
+            <a:schemeClr val="tx1"/>
+          </a:fontRef>
+        </p:style>
+      </p:cxnSp>
+      <p:cxnSp>
+        <p:nvCxnSpPr>
+          <p:cNvPr id="13" name="直線コネクタ 12">
+            <a:extLst>
+              <a:ext uri="{FF2B5EF4-FFF2-40B4-BE49-F238E27FC236}">
+                <a16:creationId xmlns:a16="http://schemas.microsoft.com/office/drawing/2014/main" id="{8E52FF7D-902B-1A2E-151A-FC0C8C72D62F}"/>
+              </a:ext>
+            </a:extLst>
+          </p:cNvPr>
+          <p:cNvCxnSpPr>
+            <a:cxnSpLocks/>
+          </p:cNvCxnSpPr>
+          <p:nvPr/>
+        </p:nvCxnSpPr>
+        <p:spPr>
+          <a:xfrm>
+            <a:off x="2989638" y="4551589"/>
+            <a:ext cx="599868" cy="0"/>
+          </a:xfrm>
+          <a:prstGeom prst="line">
+            <a:avLst/>
+          </a:prstGeom>
+          <a:ln w="28575">
+            <a:solidFill>
+              <a:schemeClr val="tx1"/>
+            </a:solidFill>
+          </a:ln>
+        </p:spPr>
+        <p:style>
+          <a:lnRef idx="1">
+            <a:schemeClr val="accent1"/>
+          </a:lnRef>
+          <a:fillRef idx="0">
+            <a:schemeClr val="accent1"/>
+          </a:fillRef>
+          <a:effectRef idx="0">
+            <a:schemeClr val="accent1"/>
+          </a:effectRef>
+          <a:fontRef idx="minor">
+            <a:schemeClr val="tx1"/>
+          </a:fontRef>
+        </p:style>
+      </p:cxnSp>
+      <p:cxnSp>
+        <p:nvCxnSpPr>
+          <p:cNvPr id="15" name="直線コネクタ 14">
+            <a:extLst>
+              <a:ext uri="{FF2B5EF4-FFF2-40B4-BE49-F238E27FC236}">
+                <a16:creationId xmlns:a16="http://schemas.microsoft.com/office/drawing/2014/main" id="{44BCE821-ABDF-13BD-7C8A-F7A697785DFD}"/>
+              </a:ext>
+            </a:extLst>
+          </p:cNvPr>
+          <p:cNvCxnSpPr>
+            <a:cxnSpLocks/>
+          </p:cNvCxnSpPr>
+          <p:nvPr/>
+        </p:nvCxnSpPr>
+        <p:spPr>
+          <a:xfrm>
+            <a:off x="2989638" y="4629413"/>
+            <a:ext cx="599868" cy="0"/>
+          </a:xfrm>
+          <a:prstGeom prst="line">
+            <a:avLst/>
+          </a:prstGeom>
+          <a:ln w="28575">
+            <a:solidFill>
+              <a:schemeClr val="tx1"/>
+            </a:solidFill>
+          </a:ln>
+        </p:spPr>
+        <p:style>
+          <a:lnRef idx="1">
+            <a:schemeClr val="accent1"/>
+          </a:lnRef>
+          <a:fillRef idx="0">
+            <a:schemeClr val="accent1"/>
+          </a:fillRef>
+          <a:effectRef idx="0">
+            <a:schemeClr val="accent1"/>
+          </a:effectRef>
+          <a:fontRef idx="minor">
+            <a:schemeClr val="tx1"/>
+          </a:fontRef>
+        </p:style>
+      </p:cxnSp>
+      <p:sp>
+        <p:nvSpPr>
+          <p:cNvPr id="16" name="矢印: 右 15">
+            <a:extLst>
+              <a:ext uri="{FF2B5EF4-FFF2-40B4-BE49-F238E27FC236}">
+                <a16:creationId xmlns:a16="http://schemas.microsoft.com/office/drawing/2014/main" id="{5451A70B-6450-4D14-C343-B6637BD0CDCC}"/>
+              </a:ext>
+            </a:extLst>
+          </p:cNvPr>
+          <p:cNvSpPr/>
+          <p:nvPr/>
+        </p:nvSpPr>
+        <p:spPr>
+          <a:xfrm>
+            <a:off x="621754" y="5306865"/>
+            <a:ext cx="426396" cy="282102"/>
+          </a:xfrm>
+          <a:prstGeom prst="rightArrow">
+            <a:avLst/>
+          </a:prstGeom>
+          <a:solidFill>
+            <a:srgbClr val="FF0000"/>
+          </a:solidFill>
+        </p:spPr>
+        <p:style>
+          <a:lnRef idx="2">
+            <a:schemeClr val="accent1">
+              <a:shade val="15000"/>
+            </a:schemeClr>
+          </a:lnRef>
+          <a:fillRef idx="1">
+            <a:schemeClr val="accent1"/>
+          </a:fillRef>
+          <a:effectRef idx="0">
+            <a:schemeClr val="accent1"/>
+          </a:effectRef>
+          <a:fontRef idx="minor">
+            <a:schemeClr val="lt1"/>
+          </a:fontRef>
+        </p:style>
+        <p:txBody>
+          <a:bodyPr rtlCol="0" anchor="ctr"/>
+          <a:lstStyle/>
+          <a:p>
+            <a:pPr algn="ctr"/>
+            <a:endParaRPr kumimoji="1" lang="ja-JP" altLang="en-US"/>
+          </a:p>
+        </p:txBody>
+      </p:sp>
+      <p:cxnSp>
+        <p:nvCxnSpPr>
+          <p:cNvPr id="17" name="直線コネクタ 16">
+            <a:extLst>
+              <a:ext uri="{FF2B5EF4-FFF2-40B4-BE49-F238E27FC236}">
+                <a16:creationId xmlns:a16="http://schemas.microsoft.com/office/drawing/2014/main" id="{023DFA02-C2E3-7CE2-8E85-8D280057EDAD}"/>
+              </a:ext>
+            </a:extLst>
+          </p:cNvPr>
+          <p:cNvCxnSpPr>
+            <a:cxnSpLocks/>
+          </p:cNvCxnSpPr>
+          <p:nvPr/>
+        </p:nvCxnSpPr>
+        <p:spPr>
+          <a:xfrm>
+            <a:off x="1321817" y="2571536"/>
+            <a:ext cx="2093736" cy="0"/>
+          </a:xfrm>
+          <a:prstGeom prst="line">
+            <a:avLst/>
+          </a:prstGeom>
+          <a:ln w="28575">
+            <a:solidFill>
+              <a:schemeClr val="tx1"/>
+            </a:solidFill>
+          </a:ln>
+        </p:spPr>
+        <p:style>
+          <a:lnRef idx="1">
+            <a:schemeClr val="accent1"/>
+          </a:lnRef>
+          <a:fillRef idx="0">
+            <a:schemeClr val="accent1"/>
+          </a:fillRef>
+          <a:effectRef idx="0">
+            <a:schemeClr val="accent1"/>
+          </a:effectRef>
+          <a:fontRef idx="minor">
+            <a:schemeClr val="tx1"/>
+          </a:fontRef>
+        </p:style>
+      </p:cxnSp>
+      <p:cxnSp>
+        <p:nvCxnSpPr>
+          <p:cNvPr id="18" name="直線コネクタ 17">
+            <a:extLst>
+              <a:ext uri="{FF2B5EF4-FFF2-40B4-BE49-F238E27FC236}">
+                <a16:creationId xmlns:a16="http://schemas.microsoft.com/office/drawing/2014/main" id="{03E5397A-143E-AD85-2706-71771578C931}"/>
+              </a:ext>
+            </a:extLst>
+          </p:cNvPr>
+          <p:cNvCxnSpPr>
+            <a:cxnSpLocks/>
+          </p:cNvCxnSpPr>
+          <p:nvPr/>
+        </p:nvCxnSpPr>
+        <p:spPr>
+          <a:xfrm>
+            <a:off x="1318578" y="2661371"/>
+            <a:ext cx="2096975" cy="0"/>
+          </a:xfrm>
+          <a:prstGeom prst="line">
+            <a:avLst/>
+          </a:prstGeom>
+          <a:ln w="28575">
+            <a:solidFill>
+              <a:schemeClr val="tx1"/>
+            </a:solidFill>
+          </a:ln>
+        </p:spPr>
+        <p:style>
+          <a:lnRef idx="1">
+            <a:schemeClr val="accent1"/>
+          </a:lnRef>
+          <a:fillRef idx="0">
+            <a:schemeClr val="accent1"/>
+          </a:fillRef>
+          <a:effectRef idx="0">
+            <a:schemeClr val="accent1"/>
+          </a:effectRef>
+          <a:fontRef idx="minor">
+            <a:schemeClr val="tx1"/>
+          </a:fontRef>
+        </p:style>
+      </p:cxnSp>
+      <p:cxnSp>
+        <p:nvCxnSpPr>
+          <p:cNvPr id="22" name="直線コネクタ 21">
+            <a:extLst>
+              <a:ext uri="{FF2B5EF4-FFF2-40B4-BE49-F238E27FC236}">
+                <a16:creationId xmlns:a16="http://schemas.microsoft.com/office/drawing/2014/main" id="{6F60EAED-9CFB-D15F-194B-142EC17DC8CF}"/>
+              </a:ext>
+            </a:extLst>
+          </p:cNvPr>
+          <p:cNvCxnSpPr>
+            <a:cxnSpLocks/>
+          </p:cNvCxnSpPr>
+          <p:nvPr/>
+        </p:nvCxnSpPr>
+        <p:spPr>
+          <a:xfrm>
+            <a:off x="1599723" y="6542901"/>
+            <a:ext cx="1094839" cy="0"/>
+          </a:xfrm>
+          <a:prstGeom prst="line">
+            <a:avLst/>
+          </a:prstGeom>
+          <a:ln w="28575">
+            <a:solidFill>
+              <a:schemeClr val="tx1"/>
+            </a:solidFill>
+          </a:ln>
+        </p:spPr>
+        <p:style>
+          <a:lnRef idx="1">
+            <a:schemeClr val="accent1"/>
+          </a:lnRef>
+          <a:fillRef idx="0">
+            <a:schemeClr val="accent1"/>
+          </a:fillRef>
+          <a:effectRef idx="0">
+            <a:schemeClr val="accent1"/>
+          </a:effectRef>
+          <a:fontRef idx="minor">
+            <a:schemeClr val="tx1"/>
+          </a:fontRef>
+        </p:style>
+      </p:cxnSp>
+      <p:cxnSp>
+        <p:nvCxnSpPr>
+          <p:cNvPr id="23" name="直線コネクタ 22">
+            <a:extLst>
+              <a:ext uri="{FF2B5EF4-FFF2-40B4-BE49-F238E27FC236}">
+                <a16:creationId xmlns:a16="http://schemas.microsoft.com/office/drawing/2014/main" id="{5D79912E-F6A1-0A23-99BC-F90321DAE7D0}"/>
+              </a:ext>
+            </a:extLst>
+          </p:cNvPr>
+          <p:cNvCxnSpPr>
+            <a:cxnSpLocks/>
+          </p:cNvCxnSpPr>
+          <p:nvPr/>
+        </p:nvCxnSpPr>
+        <p:spPr>
+          <a:xfrm>
+            <a:off x="1596484" y="6632736"/>
+            <a:ext cx="1098078" cy="0"/>
+          </a:xfrm>
+          <a:prstGeom prst="line">
+            <a:avLst/>
+          </a:prstGeom>
+          <a:ln w="28575">
+            <a:solidFill>
+              <a:schemeClr val="tx1"/>
+            </a:solidFill>
+          </a:ln>
+        </p:spPr>
+        <p:style>
+          <a:lnRef idx="1">
+            <a:schemeClr val="accent1"/>
+          </a:lnRef>
+          <a:fillRef idx="0">
+            <a:schemeClr val="accent1"/>
+          </a:fillRef>
+          <a:effectRef idx="0">
+            <a:schemeClr val="accent1"/>
+          </a:effectRef>
+          <a:fontRef idx="minor">
+            <a:schemeClr val="tx1"/>
+          </a:fontRef>
+        </p:style>
+      </p:cxnSp>
+      <p:sp>
+        <p:nvSpPr>
+          <p:cNvPr id="19" name="矢印: 右 18">
+            <a:extLst>
+              <a:ext uri="{FF2B5EF4-FFF2-40B4-BE49-F238E27FC236}">
+                <a16:creationId xmlns:a16="http://schemas.microsoft.com/office/drawing/2014/main" id="{8BF90DA6-CAF3-9C76-F9FA-5173BF4758BA}"/>
+              </a:ext>
+            </a:extLst>
+          </p:cNvPr>
+          <p:cNvSpPr/>
+          <p:nvPr/>
+        </p:nvSpPr>
+        <p:spPr>
+          <a:xfrm>
+            <a:off x="621754" y="6478242"/>
+            <a:ext cx="426396" cy="282102"/>
+          </a:xfrm>
+          <a:prstGeom prst="rightArrow">
+            <a:avLst/>
+          </a:prstGeom>
+          <a:solidFill>
+            <a:srgbClr val="FF0000"/>
+          </a:solidFill>
+        </p:spPr>
+        <p:style>
+          <a:lnRef idx="2">
+            <a:schemeClr val="accent1">
+              <a:shade val="15000"/>
+            </a:schemeClr>
+          </a:lnRef>
+          <a:fillRef idx="1">
+            <a:schemeClr val="accent1"/>
+          </a:fillRef>
+          <a:effectRef idx="0">
+            <a:schemeClr val="accent1"/>
+          </a:effectRef>
+          <a:fontRef idx="minor">
+            <a:schemeClr val="lt1"/>
+          </a:fontRef>
+        </p:style>
+        <p:txBody>
+          <a:bodyPr rtlCol="0" anchor="ctr"/>
+          <a:lstStyle/>
+          <a:p>
+            <a:pPr algn="ctr"/>
+            <a:endParaRPr kumimoji="1" lang="ja-JP" altLang="en-US"/>
+          </a:p>
+        </p:txBody>
+      </p:sp>
+      <p:sp>
+        <p:nvSpPr>
+          <p:cNvPr id="20" name="矢印: 右 19">
+            <a:extLst>
+              <a:ext uri="{FF2B5EF4-FFF2-40B4-BE49-F238E27FC236}">
+                <a16:creationId xmlns:a16="http://schemas.microsoft.com/office/drawing/2014/main" id="{25501421-9D32-5DE1-6570-6A84FCBBD02D}"/>
+              </a:ext>
+            </a:extLst>
+          </p:cNvPr>
+          <p:cNvSpPr/>
+          <p:nvPr/>
+        </p:nvSpPr>
+        <p:spPr>
+          <a:xfrm>
+            <a:off x="621754" y="2456061"/>
+            <a:ext cx="426396" cy="282102"/>
+          </a:xfrm>
+          <a:prstGeom prst="rightArrow">
+            <a:avLst/>
+          </a:prstGeom>
+          <a:solidFill>
+            <a:srgbClr val="FF0000"/>
+          </a:solidFill>
+        </p:spPr>
+        <p:style>
+          <a:lnRef idx="2">
+            <a:schemeClr val="accent1">
+              <a:shade val="15000"/>
+            </a:schemeClr>
+          </a:lnRef>
+          <a:fillRef idx="1">
+            <a:schemeClr val="accent1"/>
+          </a:fillRef>
+          <a:effectRef idx="0">
+            <a:schemeClr val="accent1"/>
+          </a:effectRef>
+          <a:fontRef idx="minor">
+            <a:schemeClr val="lt1"/>
+          </a:fontRef>
+        </p:style>
+        <p:txBody>
+          <a:bodyPr rtlCol="0" anchor="ctr"/>
+          <a:lstStyle/>
+          <a:p>
+            <a:pPr algn="ctr"/>
+            <a:endParaRPr kumimoji="1" lang="ja-JP" altLang="en-US"/>
+          </a:p>
+        </p:txBody>
+      </p:sp>
+    </p:spTree>
+    <p:extLst>
+      <p:ext uri="{BB962C8B-B14F-4D97-AF65-F5344CB8AC3E}">
+        <p14:creationId xmlns:p14="http://schemas.microsoft.com/office/powerpoint/2010/main" val="1336543523"/>
+      </p:ext>
+    </p:extLst>
+  </p:cSld>
+  <p:clrMapOvr>
+    <a:masterClrMapping/>
+  </p:clrMapOvr>
+</p:sld>
+</file>
+
+<file path=ppt/slides/slide35.xml><?xml version="1.0" encoding="utf-8"?>
 <p:sld xmlns:a="http://schemas.openxmlformats.org/drawingml/2006/main" xmlns:r="http://schemas.openxmlformats.org/officeDocument/2006/relationships" xmlns:p="http://schemas.openxmlformats.org/presentationml/2006/main">
   <p:cSld>
     <p:spTree>
@@ -19537,7 +20659,7 @@
         <p:spPr>
           <a:xfrm>
             <a:off x="838201" y="1162976"/>
-            <a:ext cx="10980906" cy="5324535"/>
+            <a:ext cx="10980906" cy="4924425"/>
           </a:xfrm>
           <a:prstGeom prst="rect">
             <a:avLst/>
@@ -19808,41 +20930,6 @@
             </a:r>
             <a:br>
               <a:rPr lang="en-US" altLang="ja-JP" sz="2600" dirty="0">
-                <a:solidFill>
-                  <a:srgbClr val="000000"/>
-                </a:solidFill>
-                <a:ea typeface="ＭＳ ゴシック" panose="020B0609070205080204" pitchFamily="49" charset="-128"/>
-              </a:rPr>
-            </a:br>
-            <a:r>
-              <a:rPr lang="en-US" altLang="ja-JP" sz="2600" dirty="0">
-                <a:solidFill>
-                  <a:srgbClr val="000000"/>
-                </a:solidFill>
-                <a:ea typeface="ＭＳ ゴシック" panose="020B0609070205080204" pitchFamily="49" charset="-128"/>
-              </a:rPr>
-              <a:t> </a:t>
-            </a:r>
-            <a:r>
-              <a:rPr lang="en-US" altLang="ja-JP" sz="2600" dirty="0">
-                <a:ea typeface="ＭＳ ゴシック" panose="020B0609070205080204" pitchFamily="49" charset="-128"/>
-              </a:rPr>
-              <a:t>   </a:t>
-            </a:r>
-            <a:r>
-              <a:rPr lang="en-US" altLang="ja-JP" sz="2600" dirty="0" err="1">
-                <a:ea typeface="ＭＳ ゴシック" panose="020B0609070205080204" pitchFamily="49" charset="-128"/>
-              </a:rPr>
-              <a:t>j++</a:t>
-            </a:r>
-            <a:r>
-              <a:rPr lang="en-US" altLang="ja-JP" sz="2600" dirty="0">
-                <a:ea typeface="ＭＳ ゴシック" panose="020B0609070205080204" pitchFamily="49" charset="-128"/>
-              </a:rPr>
-              <a:t>;</a:t>
-            </a:r>
-            <a:br>
-              <a:rPr lang="en-US" altLang="ja-JP" sz="2600" dirty="0">
                 <a:ea typeface="ＭＳ ゴシック" panose="020B0609070205080204" pitchFamily="49" charset="-128"/>
               </a:rPr>
             </a:br>
@@ -20335,7 +21422,7 @@
         </p:nvSpPr>
         <p:spPr>
           <a:xfrm>
-            <a:off x="625002" y="3675537"/>
+            <a:off x="625002" y="3286432"/>
             <a:ext cx="426396" cy="282102"/>
           </a:xfrm>
           <a:prstGeom prst="rightArrow">
@@ -20384,7 +21471,7 @@
         </p:nvSpPr>
         <p:spPr>
           <a:xfrm>
-            <a:off x="625002" y="3274024"/>
+            <a:off x="625002" y="2884919"/>
             <a:ext cx="426396" cy="282102"/>
           </a:xfrm>
           <a:prstGeom prst="rightArrow">
@@ -20433,7 +21520,7 @@
         </p:nvSpPr>
         <p:spPr>
           <a:xfrm>
-            <a:off x="625002" y="4502705"/>
+            <a:off x="625002" y="4113600"/>
             <a:ext cx="426396" cy="282102"/>
           </a:xfrm>
           <a:prstGeom prst="rightArrow">
@@ -20482,7 +21569,7 @@
         </p:nvSpPr>
         <p:spPr>
           <a:xfrm>
-            <a:off x="621754" y="4071451"/>
+            <a:off x="621754" y="3682346"/>
             <a:ext cx="426396" cy="282102"/>
           </a:xfrm>
           <a:prstGeom prst="rightArrow">
@@ -20531,7 +21618,7 @@
         </p:nvSpPr>
         <p:spPr>
           <a:xfrm>
-            <a:off x="613653" y="4887130"/>
+            <a:off x="613653" y="4498025"/>
             <a:ext cx="426396" cy="282102"/>
           </a:xfrm>
           <a:prstGeom prst="rightArrow">
@@ -20579,7 +21666,7 @@
 </p:sld>
 </file>
 
-<file path=ppt/slides/slide35.xml><?xml version="1.0" encoding="utf-8"?>
+<file path=ppt/slides/slide36.xml><?xml version="1.0" encoding="utf-8"?>
 <p:sld xmlns:a="http://schemas.openxmlformats.org/drawingml/2006/main" xmlns:r="http://schemas.openxmlformats.org/officeDocument/2006/relationships" xmlns:p="http://schemas.openxmlformats.org/presentationml/2006/main">
   <p:cSld>
     <p:spTree>
@@ -20861,7 +21948,7 @@
 </p:sld>
 </file>
 
-<file path=ppt/slides/slide36.xml><?xml version="1.0" encoding="utf-8"?>
+<file path=ppt/slides/slide37.xml><?xml version="1.0" encoding="utf-8"?>
 <p:sld xmlns:a="http://schemas.openxmlformats.org/drawingml/2006/main" xmlns:r="http://schemas.openxmlformats.org/officeDocument/2006/relationships" xmlns:p="http://schemas.openxmlformats.org/presentationml/2006/main">
   <p:cSld>
     <p:spTree>
@@ -21188,7 +22275,7 @@
 </p:sld>
 </file>
 
-<file path=ppt/slides/slide37.xml><?xml version="1.0" encoding="utf-8"?>
+<file path=ppt/slides/slide38.xml><?xml version="1.0" encoding="utf-8"?>
 <p:sld xmlns:a="http://schemas.openxmlformats.org/drawingml/2006/main" xmlns:r="http://schemas.openxmlformats.org/officeDocument/2006/relationships" xmlns:p="http://schemas.openxmlformats.org/presentationml/2006/main">
   <p:cSld>
     <p:spTree>
@@ -22816,7 +23903,7 @@
 </p:sld>
 </file>
 
-<file path=ppt/slides/slide38.xml><?xml version="1.0" encoding="utf-8"?>
+<file path=ppt/slides/slide39.xml><?xml version="1.0" encoding="utf-8"?>
 <p:sld xmlns:a="http://schemas.openxmlformats.org/drawingml/2006/main" xmlns:r="http://schemas.openxmlformats.org/officeDocument/2006/relationships" xmlns:p="http://schemas.openxmlformats.org/presentationml/2006/main">
   <p:cSld>
     <p:spTree>
@@ -23986,285 +25073,6 @@
     <p:extLst>
       <p:ext uri="{BB962C8B-B14F-4D97-AF65-F5344CB8AC3E}">
         <p14:creationId xmlns:p14="http://schemas.microsoft.com/office/powerpoint/2010/main" val="393819900"/>
-      </p:ext>
-    </p:extLst>
-  </p:cSld>
-  <p:clrMapOvr>
-    <a:masterClrMapping/>
-  </p:clrMapOvr>
-</p:sld>
-</file>
-
-<file path=ppt/slides/slide39.xml><?xml version="1.0" encoding="utf-8"?>
-<p:sld xmlns:a="http://schemas.openxmlformats.org/drawingml/2006/main" xmlns:r="http://schemas.openxmlformats.org/officeDocument/2006/relationships" xmlns:p="http://schemas.openxmlformats.org/presentationml/2006/main" show="0">
-  <p:cSld>
-    <p:spTree>
-      <p:nvGrpSpPr>
-        <p:cNvPr id="1" name=""/>
-        <p:cNvGrpSpPr/>
-        <p:nvPr/>
-      </p:nvGrpSpPr>
-      <p:grpSpPr>
-        <a:xfrm>
-          <a:off x="0" y="0"/>
-          <a:ext cx="0" cy="0"/>
-          <a:chOff x="0" y="0"/>
-          <a:chExt cx="0" cy="0"/>
-        </a:xfrm>
-      </p:grpSpPr>
-      <p:sp>
-        <p:nvSpPr>
-          <p:cNvPr id="2" name="タイトル 1">
-            <a:extLst>
-              <a:ext uri="{FF2B5EF4-FFF2-40B4-BE49-F238E27FC236}">
-                <a16:creationId xmlns:a16="http://schemas.microsoft.com/office/drawing/2014/main" id="{F11F3668-F205-48C5-AC01-19611EFE561B}"/>
-              </a:ext>
-            </a:extLst>
-          </p:cNvPr>
-          <p:cNvSpPr>
-            <a:spLocks noGrp="1"/>
-          </p:cNvSpPr>
-          <p:nvPr>
-            <p:ph type="title"/>
-          </p:nvPr>
-        </p:nvSpPr>
-        <p:spPr/>
-        <p:txBody>
-          <a:bodyPr/>
-          <a:lstStyle/>
-          <a:p>
-            <a:r>
-              <a:rPr kumimoji="1" lang="en-US" altLang="ja-JP" dirty="0"/>
-              <a:t>CSV</a:t>
-            </a:r>
-            <a:r>
-              <a:rPr kumimoji="1" lang="ja-JP" altLang="en-US" dirty="0"/>
-              <a:t>ファイル</a:t>
-            </a:r>
-          </a:p>
-        </p:txBody>
-      </p:sp>
-      <p:sp>
-        <p:nvSpPr>
-          <p:cNvPr id="3" name="コンテンツ プレースホルダー 2">
-            <a:extLst>
-              <a:ext uri="{FF2B5EF4-FFF2-40B4-BE49-F238E27FC236}">
-                <a16:creationId xmlns:a16="http://schemas.microsoft.com/office/drawing/2014/main" id="{64DBE417-57E9-44A6-BB52-B2F9986BB7B2}"/>
-              </a:ext>
-            </a:extLst>
-          </p:cNvPr>
-          <p:cNvSpPr>
-            <a:spLocks noGrp="1"/>
-          </p:cNvSpPr>
-          <p:nvPr>
-            <p:ph idx="1"/>
-          </p:nvPr>
-        </p:nvSpPr>
-        <p:spPr/>
-        <p:txBody>
-          <a:bodyPr>
-            <a:normAutofit/>
-          </a:bodyPr>
-          <a:lstStyle/>
-          <a:p>
-            <a:r>
-              <a:rPr lang="en-US" altLang="ja-JP" dirty="0"/>
-              <a:t>C++</a:t>
-            </a:r>
-            <a:r>
-              <a:rPr lang="ja-JP" altLang="en-US" dirty="0"/>
-              <a:t>作業フォルダ内に</a:t>
-            </a:r>
-            <a:r>
-              <a:rPr lang="en-US" altLang="ja-JP" b="1" dirty="0" err="1"/>
-              <a:t>CSVLoader</a:t>
-            </a:r>
-            <a:r>
-              <a:rPr lang="ja-JP" altLang="en-US" dirty="0"/>
-              <a:t>フォルダを作成</a:t>
-            </a:r>
-            <a:br>
-              <a:rPr lang="en-US" altLang="ja-JP" dirty="0"/>
-            </a:br>
-            <a:r>
-              <a:rPr lang="en-US" altLang="ja-JP" dirty="0" err="1">
-                <a:solidFill>
-                  <a:srgbClr val="00B0F0"/>
-                </a:solidFill>
-              </a:rPr>
-              <a:t>mkdir</a:t>
-            </a:r>
-            <a:r>
-              <a:rPr lang="en-US" altLang="ja-JP" dirty="0">
-                <a:solidFill>
-                  <a:srgbClr val="00B0F0"/>
-                </a:solidFill>
-              </a:rPr>
-              <a:t> </a:t>
-            </a:r>
-            <a:r>
-              <a:rPr lang="en-US" altLang="ja-JP" dirty="0" err="1">
-                <a:solidFill>
-                  <a:srgbClr val="00B0F0"/>
-                </a:solidFill>
-              </a:rPr>
-              <a:t>CSVLoader</a:t>
-            </a:r>
-            <a:br>
-              <a:rPr lang="en-US" altLang="ja-JP" dirty="0"/>
-            </a:br>
-            <a:r>
-              <a:rPr lang="en-US" altLang="ja-JP" dirty="0">
-                <a:solidFill>
-                  <a:srgbClr val="00B0F0"/>
-                </a:solidFill>
-              </a:rPr>
-              <a:t>cd </a:t>
-            </a:r>
-            <a:r>
-              <a:rPr lang="en-US" altLang="ja-JP" dirty="0" err="1">
-                <a:solidFill>
-                  <a:srgbClr val="00B0F0"/>
-                </a:solidFill>
-              </a:rPr>
-              <a:t>CSVLoader</a:t>
-            </a:r>
-            <a:br>
-              <a:rPr lang="en-US" altLang="ja-JP" dirty="0"/>
-            </a:br>
-            <a:endParaRPr lang="en-US" altLang="ja-JP" dirty="0"/>
-          </a:p>
-          <a:p>
-            <a:r>
-              <a:rPr lang="en-US" altLang="ja-JP" dirty="0" err="1"/>
-              <a:t>csvloader.h</a:t>
-            </a:r>
-            <a:r>
-              <a:rPr lang="en-US" altLang="ja-JP" dirty="0"/>
-              <a:t>, csvloder.cpp, main.cpp</a:t>
-            </a:r>
-            <a:r>
-              <a:rPr lang="ja-JP" altLang="en-US" dirty="0"/>
-              <a:t>を作成する</a:t>
-            </a:r>
-            <a:br>
-              <a:rPr lang="en-US" altLang="ja-JP" dirty="0"/>
-            </a:br>
-            <a:r>
-              <a:rPr lang="en-US" altLang="ja-JP" dirty="0">
-                <a:solidFill>
-                  <a:srgbClr val="00B0F0"/>
-                </a:solidFill>
-              </a:rPr>
-              <a:t>copy </a:t>
-            </a:r>
-            <a:r>
-              <a:rPr lang="en-US" altLang="ja-JP" dirty="0" err="1">
-                <a:solidFill>
-                  <a:srgbClr val="00B0F0"/>
-                </a:solidFill>
-              </a:rPr>
-              <a:t>nul</a:t>
-            </a:r>
-            <a:r>
-              <a:rPr lang="en-US" altLang="ja-JP" dirty="0">
-                <a:solidFill>
-                  <a:srgbClr val="00B0F0"/>
-                </a:solidFill>
-              </a:rPr>
-              <a:t> </a:t>
-            </a:r>
-            <a:r>
-              <a:rPr lang="en-US" altLang="ja-JP" dirty="0" err="1">
-                <a:solidFill>
-                  <a:srgbClr val="00B0F0"/>
-                </a:solidFill>
-              </a:rPr>
-              <a:t>csvloader.h</a:t>
-            </a:r>
-            <a:br>
-              <a:rPr lang="en-US" altLang="ja-JP" dirty="0">
-                <a:solidFill>
-                  <a:srgbClr val="00B0F0"/>
-                </a:solidFill>
-              </a:rPr>
-            </a:br>
-            <a:r>
-              <a:rPr lang="en-US" altLang="ja-JP" dirty="0">
-                <a:solidFill>
-                  <a:srgbClr val="00B0F0"/>
-                </a:solidFill>
-              </a:rPr>
-              <a:t>copy </a:t>
-            </a:r>
-            <a:r>
-              <a:rPr lang="en-US" altLang="ja-JP" dirty="0" err="1">
-                <a:solidFill>
-                  <a:srgbClr val="00B0F0"/>
-                </a:solidFill>
-              </a:rPr>
-              <a:t>nul</a:t>
-            </a:r>
-            <a:r>
-              <a:rPr lang="en-US" altLang="ja-JP" dirty="0">
-                <a:solidFill>
-                  <a:srgbClr val="00B0F0"/>
-                </a:solidFill>
-              </a:rPr>
-              <a:t> csvloader.cpp</a:t>
-            </a:r>
-            <a:br>
-              <a:rPr lang="en-US" altLang="ja-JP" dirty="0">
-                <a:solidFill>
-                  <a:srgbClr val="00B0F0"/>
-                </a:solidFill>
-              </a:rPr>
-            </a:br>
-            <a:r>
-              <a:rPr lang="en-US" altLang="ja-JP" dirty="0">
-                <a:solidFill>
-                  <a:srgbClr val="00B0F0"/>
-                </a:solidFill>
-              </a:rPr>
-              <a:t>copy </a:t>
-            </a:r>
-            <a:r>
-              <a:rPr lang="en-US" altLang="ja-JP" dirty="0" err="1">
-                <a:solidFill>
-                  <a:srgbClr val="00B0F0"/>
-                </a:solidFill>
-              </a:rPr>
-              <a:t>nul</a:t>
-            </a:r>
-            <a:r>
-              <a:rPr lang="en-US" altLang="ja-JP" dirty="0">
-                <a:solidFill>
-                  <a:srgbClr val="00B0F0"/>
-                </a:solidFill>
-              </a:rPr>
-              <a:t> main.cpp</a:t>
-            </a:r>
-          </a:p>
-          <a:p>
-            <a:endParaRPr lang="en-US" altLang="ja-JP" dirty="0">
-              <a:solidFill>
-                <a:srgbClr val="00B0F0"/>
-              </a:solidFill>
-            </a:endParaRPr>
-          </a:p>
-          <a:p>
-            <a:endParaRPr lang="en-US" altLang="ja-JP" dirty="0">
-              <a:solidFill>
-                <a:srgbClr val="00B0F0"/>
-              </a:solidFill>
-            </a:endParaRPr>
-          </a:p>
-        </p:txBody>
-      </p:sp>
-    </p:spTree>
-    <p:extLst>
-      <p:ext uri="{BB962C8B-B14F-4D97-AF65-F5344CB8AC3E}">
-        <p14:creationId xmlns:p14="http://schemas.microsoft.com/office/powerpoint/2010/main" val="2682072622"/>
       </p:ext>
     </p:extLst>
   </p:cSld>
@@ -24467,6 +25275,285 @@
 </file>
 
 <file path=ppt/slides/slide40.xml><?xml version="1.0" encoding="utf-8"?>
+<p:sld xmlns:a="http://schemas.openxmlformats.org/drawingml/2006/main" xmlns:r="http://schemas.openxmlformats.org/officeDocument/2006/relationships" xmlns:p="http://schemas.openxmlformats.org/presentationml/2006/main" show="0">
+  <p:cSld>
+    <p:spTree>
+      <p:nvGrpSpPr>
+        <p:cNvPr id="1" name=""/>
+        <p:cNvGrpSpPr/>
+        <p:nvPr/>
+      </p:nvGrpSpPr>
+      <p:grpSpPr>
+        <a:xfrm>
+          <a:off x="0" y="0"/>
+          <a:ext cx="0" cy="0"/>
+          <a:chOff x="0" y="0"/>
+          <a:chExt cx="0" cy="0"/>
+        </a:xfrm>
+      </p:grpSpPr>
+      <p:sp>
+        <p:nvSpPr>
+          <p:cNvPr id="2" name="タイトル 1">
+            <a:extLst>
+              <a:ext uri="{FF2B5EF4-FFF2-40B4-BE49-F238E27FC236}">
+                <a16:creationId xmlns:a16="http://schemas.microsoft.com/office/drawing/2014/main" id="{F11F3668-F205-48C5-AC01-19611EFE561B}"/>
+              </a:ext>
+            </a:extLst>
+          </p:cNvPr>
+          <p:cNvSpPr>
+            <a:spLocks noGrp="1"/>
+          </p:cNvSpPr>
+          <p:nvPr>
+            <p:ph type="title"/>
+          </p:nvPr>
+        </p:nvSpPr>
+        <p:spPr/>
+        <p:txBody>
+          <a:bodyPr/>
+          <a:lstStyle/>
+          <a:p>
+            <a:r>
+              <a:rPr kumimoji="1" lang="en-US" altLang="ja-JP" dirty="0"/>
+              <a:t>CSV</a:t>
+            </a:r>
+            <a:r>
+              <a:rPr kumimoji="1" lang="ja-JP" altLang="en-US" dirty="0"/>
+              <a:t>ファイル</a:t>
+            </a:r>
+          </a:p>
+        </p:txBody>
+      </p:sp>
+      <p:sp>
+        <p:nvSpPr>
+          <p:cNvPr id="3" name="コンテンツ プレースホルダー 2">
+            <a:extLst>
+              <a:ext uri="{FF2B5EF4-FFF2-40B4-BE49-F238E27FC236}">
+                <a16:creationId xmlns:a16="http://schemas.microsoft.com/office/drawing/2014/main" id="{64DBE417-57E9-44A6-BB52-B2F9986BB7B2}"/>
+              </a:ext>
+            </a:extLst>
+          </p:cNvPr>
+          <p:cNvSpPr>
+            <a:spLocks noGrp="1"/>
+          </p:cNvSpPr>
+          <p:nvPr>
+            <p:ph idx="1"/>
+          </p:nvPr>
+        </p:nvSpPr>
+        <p:spPr/>
+        <p:txBody>
+          <a:bodyPr>
+            <a:normAutofit/>
+          </a:bodyPr>
+          <a:lstStyle/>
+          <a:p>
+            <a:r>
+              <a:rPr lang="en-US" altLang="ja-JP" dirty="0"/>
+              <a:t>C++</a:t>
+            </a:r>
+            <a:r>
+              <a:rPr lang="ja-JP" altLang="en-US" dirty="0"/>
+              <a:t>作業フォルダ内に</a:t>
+            </a:r>
+            <a:r>
+              <a:rPr lang="en-US" altLang="ja-JP" b="1" dirty="0" err="1"/>
+              <a:t>CSVLoader</a:t>
+            </a:r>
+            <a:r>
+              <a:rPr lang="ja-JP" altLang="en-US" dirty="0"/>
+              <a:t>フォルダを作成</a:t>
+            </a:r>
+            <a:br>
+              <a:rPr lang="en-US" altLang="ja-JP" dirty="0"/>
+            </a:br>
+            <a:r>
+              <a:rPr lang="en-US" altLang="ja-JP" dirty="0" err="1">
+                <a:solidFill>
+                  <a:srgbClr val="00B0F0"/>
+                </a:solidFill>
+              </a:rPr>
+              <a:t>mkdir</a:t>
+            </a:r>
+            <a:r>
+              <a:rPr lang="en-US" altLang="ja-JP" dirty="0">
+                <a:solidFill>
+                  <a:srgbClr val="00B0F0"/>
+                </a:solidFill>
+              </a:rPr>
+              <a:t> </a:t>
+            </a:r>
+            <a:r>
+              <a:rPr lang="en-US" altLang="ja-JP" dirty="0" err="1">
+                <a:solidFill>
+                  <a:srgbClr val="00B0F0"/>
+                </a:solidFill>
+              </a:rPr>
+              <a:t>CSVLoader</a:t>
+            </a:r>
+            <a:br>
+              <a:rPr lang="en-US" altLang="ja-JP" dirty="0"/>
+            </a:br>
+            <a:r>
+              <a:rPr lang="en-US" altLang="ja-JP" dirty="0">
+                <a:solidFill>
+                  <a:srgbClr val="00B0F0"/>
+                </a:solidFill>
+              </a:rPr>
+              <a:t>cd </a:t>
+            </a:r>
+            <a:r>
+              <a:rPr lang="en-US" altLang="ja-JP" dirty="0" err="1">
+                <a:solidFill>
+                  <a:srgbClr val="00B0F0"/>
+                </a:solidFill>
+              </a:rPr>
+              <a:t>CSVLoader</a:t>
+            </a:r>
+            <a:br>
+              <a:rPr lang="en-US" altLang="ja-JP" dirty="0"/>
+            </a:br>
+            <a:endParaRPr lang="en-US" altLang="ja-JP" dirty="0"/>
+          </a:p>
+          <a:p>
+            <a:r>
+              <a:rPr lang="en-US" altLang="ja-JP" dirty="0" err="1"/>
+              <a:t>csvloader.h</a:t>
+            </a:r>
+            <a:r>
+              <a:rPr lang="en-US" altLang="ja-JP" dirty="0"/>
+              <a:t>, csvloder.cpp, main.cpp</a:t>
+            </a:r>
+            <a:r>
+              <a:rPr lang="ja-JP" altLang="en-US" dirty="0"/>
+              <a:t>を作成する</a:t>
+            </a:r>
+            <a:br>
+              <a:rPr lang="en-US" altLang="ja-JP" dirty="0"/>
+            </a:br>
+            <a:r>
+              <a:rPr lang="en-US" altLang="ja-JP" dirty="0">
+                <a:solidFill>
+                  <a:srgbClr val="00B0F0"/>
+                </a:solidFill>
+              </a:rPr>
+              <a:t>copy </a:t>
+            </a:r>
+            <a:r>
+              <a:rPr lang="en-US" altLang="ja-JP" dirty="0" err="1">
+                <a:solidFill>
+                  <a:srgbClr val="00B0F0"/>
+                </a:solidFill>
+              </a:rPr>
+              <a:t>nul</a:t>
+            </a:r>
+            <a:r>
+              <a:rPr lang="en-US" altLang="ja-JP" dirty="0">
+                <a:solidFill>
+                  <a:srgbClr val="00B0F0"/>
+                </a:solidFill>
+              </a:rPr>
+              <a:t> </a:t>
+            </a:r>
+            <a:r>
+              <a:rPr lang="en-US" altLang="ja-JP" dirty="0" err="1">
+                <a:solidFill>
+                  <a:srgbClr val="00B0F0"/>
+                </a:solidFill>
+              </a:rPr>
+              <a:t>csvloader.h</a:t>
+            </a:r>
+            <a:br>
+              <a:rPr lang="en-US" altLang="ja-JP" dirty="0">
+                <a:solidFill>
+                  <a:srgbClr val="00B0F0"/>
+                </a:solidFill>
+              </a:rPr>
+            </a:br>
+            <a:r>
+              <a:rPr lang="en-US" altLang="ja-JP" dirty="0">
+                <a:solidFill>
+                  <a:srgbClr val="00B0F0"/>
+                </a:solidFill>
+              </a:rPr>
+              <a:t>copy </a:t>
+            </a:r>
+            <a:r>
+              <a:rPr lang="en-US" altLang="ja-JP" dirty="0" err="1">
+                <a:solidFill>
+                  <a:srgbClr val="00B0F0"/>
+                </a:solidFill>
+              </a:rPr>
+              <a:t>nul</a:t>
+            </a:r>
+            <a:r>
+              <a:rPr lang="en-US" altLang="ja-JP" dirty="0">
+                <a:solidFill>
+                  <a:srgbClr val="00B0F0"/>
+                </a:solidFill>
+              </a:rPr>
+              <a:t> csvloader.cpp</a:t>
+            </a:r>
+            <a:br>
+              <a:rPr lang="en-US" altLang="ja-JP" dirty="0">
+                <a:solidFill>
+                  <a:srgbClr val="00B0F0"/>
+                </a:solidFill>
+              </a:rPr>
+            </a:br>
+            <a:r>
+              <a:rPr lang="en-US" altLang="ja-JP" dirty="0">
+                <a:solidFill>
+                  <a:srgbClr val="00B0F0"/>
+                </a:solidFill>
+              </a:rPr>
+              <a:t>copy </a:t>
+            </a:r>
+            <a:r>
+              <a:rPr lang="en-US" altLang="ja-JP" dirty="0" err="1">
+                <a:solidFill>
+                  <a:srgbClr val="00B0F0"/>
+                </a:solidFill>
+              </a:rPr>
+              <a:t>nul</a:t>
+            </a:r>
+            <a:r>
+              <a:rPr lang="en-US" altLang="ja-JP" dirty="0">
+                <a:solidFill>
+                  <a:srgbClr val="00B0F0"/>
+                </a:solidFill>
+              </a:rPr>
+              <a:t> main.cpp</a:t>
+            </a:r>
+          </a:p>
+          <a:p>
+            <a:endParaRPr lang="en-US" altLang="ja-JP" dirty="0">
+              <a:solidFill>
+                <a:srgbClr val="00B0F0"/>
+              </a:solidFill>
+            </a:endParaRPr>
+          </a:p>
+          <a:p>
+            <a:endParaRPr lang="en-US" altLang="ja-JP" dirty="0">
+              <a:solidFill>
+                <a:srgbClr val="00B0F0"/>
+              </a:solidFill>
+            </a:endParaRPr>
+          </a:p>
+        </p:txBody>
+      </p:sp>
+    </p:spTree>
+    <p:extLst>
+      <p:ext uri="{BB962C8B-B14F-4D97-AF65-F5344CB8AC3E}">
+        <p14:creationId xmlns:p14="http://schemas.microsoft.com/office/powerpoint/2010/main" val="2682072622"/>
+      </p:ext>
+    </p:extLst>
+  </p:cSld>
+  <p:clrMapOvr>
+    <a:masterClrMapping/>
+  </p:clrMapOvr>
+</p:sld>
+</file>
+
+<file path=ppt/slides/slide41.xml><?xml version="1.0" encoding="utf-8"?>
 <p:sld xmlns:a="http://schemas.openxmlformats.org/drawingml/2006/main" xmlns:r="http://schemas.openxmlformats.org/officeDocument/2006/relationships" xmlns:p="http://schemas.openxmlformats.org/presentationml/2006/main">
   <p:cSld>
     <p:spTree>
